--- a/Presentations/SQL Server R Services/SQL Server R Services - ABQSQL.pptx
+++ b/Presentations/SQL Server R Services/SQL Server R Services - ABQSQL.pptx
@@ -6,10 +6,10 @@
     <p:sldMasterId id="2147483799" r:id="rId2"/>
   </p:sldMasterIdLst>
   <p:notesMasterIdLst>
-    <p:notesMasterId r:id="rId21"/>
+    <p:notesMasterId r:id="rId31"/>
   </p:notesMasterIdLst>
   <p:handoutMasterIdLst>
-    <p:handoutMasterId r:id="rId22"/>
+    <p:handoutMasterId r:id="rId32"/>
   </p:handoutMasterIdLst>
   <p:sldIdLst>
     <p:sldId id="287" r:id="rId3"/>
@@ -19,17 +19,27 @@
     <p:sldId id="363" r:id="rId7"/>
     <p:sldId id="362" r:id="rId8"/>
     <p:sldId id="348" r:id="rId9"/>
-    <p:sldId id="364" r:id="rId10"/>
-    <p:sldId id="365" r:id="rId11"/>
-    <p:sldId id="369" r:id="rId12"/>
-    <p:sldId id="370" r:id="rId13"/>
-    <p:sldId id="371" r:id="rId14"/>
-    <p:sldId id="372" r:id="rId15"/>
-    <p:sldId id="373" r:id="rId16"/>
-    <p:sldId id="374" r:id="rId17"/>
-    <p:sldId id="375" r:id="rId18"/>
-    <p:sldId id="376" r:id="rId19"/>
-    <p:sldId id="368" r:id="rId20"/>
+    <p:sldId id="378" r:id="rId10"/>
+    <p:sldId id="379" r:id="rId11"/>
+    <p:sldId id="380" r:id="rId12"/>
+    <p:sldId id="377" r:id="rId13"/>
+    <p:sldId id="381" r:id="rId14"/>
+    <p:sldId id="382" r:id="rId15"/>
+    <p:sldId id="383" r:id="rId16"/>
+    <p:sldId id="384" r:id="rId17"/>
+    <p:sldId id="385" r:id="rId18"/>
+    <p:sldId id="386" r:id="rId19"/>
+    <p:sldId id="364" r:id="rId20"/>
+    <p:sldId id="365" r:id="rId21"/>
+    <p:sldId id="369" r:id="rId22"/>
+    <p:sldId id="370" r:id="rId23"/>
+    <p:sldId id="371" r:id="rId24"/>
+    <p:sldId id="372" r:id="rId25"/>
+    <p:sldId id="373" r:id="rId26"/>
+    <p:sldId id="374" r:id="rId27"/>
+    <p:sldId id="375" r:id="rId28"/>
+    <p:sldId id="376" r:id="rId29"/>
+    <p:sldId id="368" r:id="rId30"/>
   </p:sldIdLst>
   <p:sldSz cx="9144000" cy="6858000" type="screen4x3"/>
   <p:notesSz cx="6858000" cy="9144000"/>
@@ -286,7 +296,7 @@
               <a:pPr>
                 <a:defRPr/>
               </a:pPr>
-              <a:t>12/29/2015</a:t>
+              <a:t>1/7/2016</a:t>
             </a:fld>
             <a:endParaRPr lang="en-US" dirty="0"/>
           </a:p>
@@ -506,7 +516,7 @@
               <a:pPr>
                 <a:defRPr/>
               </a:pPr>
-              <a:t>12/29/2015</a:t>
+              <a:t>1/7/2016</a:t>
             </a:fld>
             <a:endParaRPr lang="en-US" dirty="0"/>
           </a:p>
@@ -7078,15 +7088,7 @@
                   <a:srgbClr val="FF0000"/>
                 </a:solidFill>
               </a:rPr>
-              <a:t>SQL Inje</a:t>
-            </a:r>
-            <a:r>
-              <a:rPr lang="en-US" dirty="0" smtClean="0">
-                <a:solidFill>
-                  <a:srgbClr val="FF0000"/>
-                </a:solidFill>
-              </a:rPr>
-              <a:t>ction</a:t>
+              <a:t>SQL Server R Services</a:t>
             </a:r>
             <a:br>
               <a:rPr lang="en-US" dirty="0" smtClean="0">
@@ -7116,13 +7118,8 @@
                   <a:srgbClr val="FF0000"/>
                 </a:solidFill>
               </a:rPr>
-              <a:t>ARCA, December 29, 2015</a:t>
-            </a:r>
-            <a:endParaRPr lang="en-US" dirty="0" smtClean="0">
-              <a:solidFill>
-                <a:srgbClr val="FF0000"/>
-              </a:solidFill>
-            </a:endParaRPr>
+              <a:t>ABQSQL, January 8, 2016</a:t>
+            </a:r>
           </a:p>
         </p:txBody>
       </p:sp>
@@ -7205,18 +7202,18 @@
           <a:lstStyle/>
           <a:p>
             <a:r>
-              <a:rPr lang="en-US" dirty="0">
-                <a:latin typeface="Arial" pitchFamily="34" charset="0"/>
-                <a:cs typeface="Arial" pitchFamily="34" charset="0"/>
-              </a:rPr>
-              <a:t>Use Stored Procedures in Data </a:t>
-            </a:r>
-            <a:r>
               <a:rPr lang="en-US" dirty="0" smtClean="0">
                 <a:latin typeface="Arial" pitchFamily="34" charset="0"/>
                 <a:cs typeface="Arial" pitchFamily="34" charset="0"/>
               </a:rPr>
-              <a:t>Layer, part 1</a:t>
+              <a:t>Installing SQL Server R Services, part </a:t>
+            </a:r>
+            <a:r>
+              <a:rPr lang="en-US" dirty="0" smtClean="0">
+                <a:latin typeface="Arial" pitchFamily="34" charset="0"/>
+                <a:cs typeface="Arial" pitchFamily="34" charset="0"/>
+              </a:rPr>
+              <a:t>4</a:t>
             </a:r>
             <a:endParaRPr lang="en-US" dirty="0">
               <a:latin typeface="Arial" pitchFamily="34" charset="0"/>
@@ -7225,456 +7222,40 @@
           </a:p>
         </p:txBody>
       </p:sp>
-      <p:sp>
-        <p:nvSpPr>
-          <p:cNvPr id="3" name="Content Placeholder 2"/>
-          <p:cNvSpPr>
-            <a:spLocks noGrp="1"/>
-          </p:cNvSpPr>
-          <p:nvPr>
-            <p:ph idx="1"/>
-          </p:nvPr>
-        </p:nvSpPr>
+      <p:pic>
+        <p:nvPicPr>
+          <p:cNvPr id="4" name="Picture 3"/>
+          <p:cNvPicPr>
+            <a:picLocks noChangeAspect="1"/>
+          </p:cNvPicPr>
+          <p:nvPr/>
+        </p:nvPicPr>
+        <p:blipFill>
+          <a:blip r:embed="rId2">
+            <a:extLst>
+              <a:ext uri="{28A0092B-C50C-407E-A947-70E740481C1C}">
+                <a14:useLocalDpi xmlns:a14="http://schemas.microsoft.com/office/drawing/2010/main" val="0"/>
+              </a:ext>
+            </a:extLst>
+          </a:blip>
+          <a:stretch>
+            <a:fillRect/>
+          </a:stretch>
+        </p:blipFill>
         <p:spPr>
           <a:xfrm>
-            <a:off x="390418" y="1356189"/>
-            <a:ext cx="8640870" cy="4397339"/>
+            <a:off x="211016" y="1364383"/>
+            <a:ext cx="6527410" cy="4152699"/>
           </a:xfrm>
+          <a:prstGeom prst="rect">
+            <a:avLst/>
+          </a:prstGeom>
         </p:spPr>
-        <p:txBody>
-          <a:bodyPr/>
-          <a:lstStyle/>
-          <a:p>
-            <a:pPr marL="0" indent="0">
-              <a:spcBef>
-                <a:spcPts val="0"/>
-              </a:spcBef>
-              <a:buNone/>
-            </a:pPr>
-            <a:r>
-              <a:rPr lang="en-US" sz="1400" dirty="0">
-                <a:latin typeface="Courier New" pitchFamily="49" charset="0"/>
-                <a:cs typeface="Courier New" pitchFamily="49" charset="0"/>
-              </a:rPr>
-              <a:t>CREATE PROCEDURE </a:t>
-            </a:r>
-            <a:r>
-              <a:rPr lang="en-US" sz="1400" dirty="0" err="1">
-                <a:latin typeface="Courier New" pitchFamily="49" charset="0"/>
-                <a:cs typeface="Courier New" pitchFamily="49" charset="0"/>
-              </a:rPr>
-              <a:t>dbo.uspSelectGradesByStudent</a:t>
-            </a:r>
-            <a:endParaRPr lang="en-US" sz="1400" dirty="0">
-              <a:latin typeface="Courier New" pitchFamily="49" charset="0"/>
-              <a:cs typeface="Courier New" pitchFamily="49" charset="0"/>
-            </a:endParaRPr>
-          </a:p>
-          <a:p>
-            <a:pPr marL="0" indent="0">
-              <a:spcBef>
-                <a:spcPts val="0"/>
-              </a:spcBef>
-              <a:buNone/>
-            </a:pPr>
-            <a:r>
-              <a:rPr lang="en-US" sz="1400" dirty="0">
-                <a:latin typeface="Courier New" pitchFamily="49" charset="0"/>
-                <a:cs typeface="Courier New" pitchFamily="49" charset="0"/>
-              </a:rPr>
-              <a:t>(</a:t>
-            </a:r>
-          </a:p>
-          <a:p>
-            <a:pPr marL="0" indent="0">
-              <a:spcBef>
-                <a:spcPts val="0"/>
-              </a:spcBef>
-              <a:buNone/>
-            </a:pPr>
-            <a:r>
-              <a:rPr lang="en-US" sz="1400" dirty="0">
-                <a:latin typeface="Courier New" pitchFamily="49" charset="0"/>
-                <a:cs typeface="Courier New" pitchFamily="49" charset="0"/>
-              </a:rPr>
-              <a:t>	@</a:t>
-            </a:r>
-            <a:r>
-              <a:rPr lang="en-US" sz="1400" dirty="0" err="1">
-                <a:latin typeface="Courier New" pitchFamily="49" charset="0"/>
-                <a:cs typeface="Courier New" pitchFamily="49" charset="0"/>
-              </a:rPr>
-              <a:t>FirstName</a:t>
-            </a:r>
-            <a:r>
-              <a:rPr lang="en-US" sz="1400" dirty="0">
-                <a:latin typeface="Courier New" pitchFamily="49" charset="0"/>
-                <a:cs typeface="Courier New" pitchFamily="49" charset="0"/>
-              </a:rPr>
-              <a:t>		VARCHAR(25),</a:t>
-            </a:r>
-          </a:p>
-          <a:p>
-            <a:pPr marL="0" indent="0">
-              <a:spcBef>
-                <a:spcPts val="0"/>
-              </a:spcBef>
-              <a:buNone/>
-            </a:pPr>
-            <a:r>
-              <a:rPr lang="en-US" sz="1400" dirty="0">
-                <a:latin typeface="Courier New" pitchFamily="49" charset="0"/>
-                <a:cs typeface="Courier New" pitchFamily="49" charset="0"/>
-              </a:rPr>
-              <a:t>	@</a:t>
-            </a:r>
-            <a:r>
-              <a:rPr lang="en-US" sz="1400" dirty="0" err="1">
-                <a:latin typeface="Courier New" pitchFamily="49" charset="0"/>
-                <a:cs typeface="Courier New" pitchFamily="49" charset="0"/>
-              </a:rPr>
-              <a:t>LastName</a:t>
-            </a:r>
-            <a:r>
-              <a:rPr lang="en-US" sz="1400" dirty="0">
-                <a:latin typeface="Courier New" pitchFamily="49" charset="0"/>
-                <a:cs typeface="Courier New" pitchFamily="49" charset="0"/>
-              </a:rPr>
-              <a:t>		VARCHAR(25)</a:t>
-            </a:r>
-          </a:p>
-          <a:p>
-            <a:pPr marL="0" indent="0">
-              <a:spcBef>
-                <a:spcPts val="0"/>
-              </a:spcBef>
-              <a:buNone/>
-            </a:pPr>
-            <a:r>
-              <a:rPr lang="en-US" sz="1400" dirty="0">
-                <a:latin typeface="Courier New" pitchFamily="49" charset="0"/>
-                <a:cs typeface="Courier New" pitchFamily="49" charset="0"/>
-              </a:rPr>
-              <a:t>)</a:t>
-            </a:r>
-          </a:p>
-          <a:p>
-            <a:pPr marL="0" indent="0">
-              <a:spcBef>
-                <a:spcPts val="0"/>
-              </a:spcBef>
-              <a:buNone/>
-            </a:pPr>
-            <a:r>
-              <a:rPr lang="en-US" sz="1400" dirty="0">
-                <a:latin typeface="Courier New" pitchFamily="49" charset="0"/>
-                <a:cs typeface="Courier New" pitchFamily="49" charset="0"/>
-              </a:rPr>
-              <a:t>AS</a:t>
-            </a:r>
-          </a:p>
-          <a:p>
-            <a:pPr marL="0" indent="0">
-              <a:spcBef>
-                <a:spcPts val="0"/>
-              </a:spcBef>
-              <a:buNone/>
-            </a:pPr>
-            <a:r>
-              <a:rPr lang="en-US" sz="1400" dirty="0">
-                <a:latin typeface="Courier New" pitchFamily="49" charset="0"/>
-                <a:cs typeface="Courier New" pitchFamily="49" charset="0"/>
-              </a:rPr>
-              <a:t>BEGIN</a:t>
-            </a:r>
-          </a:p>
-          <a:p>
-            <a:pPr marL="0" indent="0">
-              <a:spcBef>
-                <a:spcPts val="0"/>
-              </a:spcBef>
-              <a:buNone/>
-            </a:pPr>
-            <a:endParaRPr lang="en-US" sz="1400" dirty="0">
-              <a:latin typeface="Courier New" pitchFamily="49" charset="0"/>
-              <a:cs typeface="Courier New" pitchFamily="49" charset="0"/>
-            </a:endParaRPr>
-          </a:p>
-          <a:p>
-            <a:pPr marL="0" indent="0">
-              <a:spcBef>
-                <a:spcPts val="0"/>
-              </a:spcBef>
-              <a:buNone/>
-            </a:pPr>
-            <a:r>
-              <a:rPr lang="en-US" sz="1400" dirty="0">
-                <a:latin typeface="Courier New" pitchFamily="49" charset="0"/>
-                <a:cs typeface="Courier New" pitchFamily="49" charset="0"/>
-              </a:rPr>
-              <a:t>	SELECT</a:t>
-            </a:r>
-          </a:p>
-          <a:p>
-            <a:pPr marL="0" indent="0">
-              <a:spcBef>
-                <a:spcPts val="0"/>
-              </a:spcBef>
-              <a:buNone/>
-            </a:pPr>
-            <a:r>
-              <a:rPr lang="en-US" sz="1400" dirty="0">
-                <a:latin typeface="Courier New" pitchFamily="49" charset="0"/>
-                <a:cs typeface="Courier New" pitchFamily="49" charset="0"/>
-              </a:rPr>
-              <a:t>		</a:t>
-            </a:r>
-            <a:r>
-              <a:rPr lang="en-US" sz="1400" dirty="0" err="1">
-                <a:latin typeface="Courier New" pitchFamily="49" charset="0"/>
-                <a:cs typeface="Courier New" pitchFamily="49" charset="0"/>
-              </a:rPr>
-              <a:t>FirstName</a:t>
-            </a:r>
-            <a:r>
-              <a:rPr lang="en-US" sz="1400" dirty="0">
-                <a:latin typeface="Courier New" pitchFamily="49" charset="0"/>
-                <a:cs typeface="Courier New" pitchFamily="49" charset="0"/>
-              </a:rPr>
-              <a:t>,</a:t>
-            </a:r>
-          </a:p>
-          <a:p>
-            <a:pPr marL="0" indent="0">
-              <a:spcBef>
-                <a:spcPts val="0"/>
-              </a:spcBef>
-              <a:buNone/>
-            </a:pPr>
-            <a:r>
-              <a:rPr lang="en-US" sz="1400" dirty="0">
-                <a:latin typeface="Courier New" pitchFamily="49" charset="0"/>
-                <a:cs typeface="Courier New" pitchFamily="49" charset="0"/>
-              </a:rPr>
-              <a:t>		</a:t>
-            </a:r>
-            <a:r>
-              <a:rPr lang="en-US" sz="1400" dirty="0" err="1">
-                <a:latin typeface="Courier New" pitchFamily="49" charset="0"/>
-                <a:cs typeface="Courier New" pitchFamily="49" charset="0"/>
-              </a:rPr>
-              <a:t>LastName</a:t>
-            </a:r>
-            <a:r>
-              <a:rPr lang="en-US" sz="1400" dirty="0">
-                <a:latin typeface="Courier New" pitchFamily="49" charset="0"/>
-                <a:cs typeface="Courier New" pitchFamily="49" charset="0"/>
-              </a:rPr>
-              <a:t>,</a:t>
-            </a:r>
-          </a:p>
-          <a:p>
-            <a:pPr marL="0" indent="0">
-              <a:spcBef>
-                <a:spcPts val="0"/>
-              </a:spcBef>
-              <a:buNone/>
-            </a:pPr>
-            <a:r>
-              <a:rPr lang="en-US" sz="1400" dirty="0">
-                <a:latin typeface="Courier New" pitchFamily="49" charset="0"/>
-                <a:cs typeface="Courier New" pitchFamily="49" charset="0"/>
-              </a:rPr>
-              <a:t>		GPA</a:t>
-            </a:r>
-          </a:p>
-          <a:p>
-            <a:pPr marL="0" indent="0">
-              <a:spcBef>
-                <a:spcPts val="0"/>
-              </a:spcBef>
-              <a:buNone/>
-            </a:pPr>
-            <a:r>
-              <a:rPr lang="en-US" sz="1400" dirty="0">
-                <a:latin typeface="Courier New" pitchFamily="49" charset="0"/>
-                <a:cs typeface="Courier New" pitchFamily="49" charset="0"/>
-              </a:rPr>
-              <a:t>	FROM</a:t>
-            </a:r>
-          </a:p>
-          <a:p>
-            <a:pPr marL="0" indent="0">
-              <a:spcBef>
-                <a:spcPts val="0"/>
-              </a:spcBef>
-              <a:buNone/>
-            </a:pPr>
-            <a:r>
-              <a:rPr lang="en-US" sz="1400" dirty="0">
-                <a:latin typeface="Courier New" pitchFamily="49" charset="0"/>
-                <a:cs typeface="Courier New" pitchFamily="49" charset="0"/>
-              </a:rPr>
-              <a:t>		</a:t>
-            </a:r>
-            <a:r>
-              <a:rPr lang="en-US" sz="1400" dirty="0" err="1">
-                <a:latin typeface="Courier New" pitchFamily="49" charset="0"/>
-                <a:cs typeface="Courier New" pitchFamily="49" charset="0"/>
-              </a:rPr>
-              <a:t>dbo.Students</a:t>
-            </a:r>
-            <a:endParaRPr lang="en-US" sz="1400" dirty="0">
-              <a:latin typeface="Courier New" pitchFamily="49" charset="0"/>
-              <a:cs typeface="Courier New" pitchFamily="49" charset="0"/>
-            </a:endParaRPr>
-          </a:p>
-          <a:p>
-            <a:pPr marL="0" indent="0">
-              <a:spcBef>
-                <a:spcPts val="0"/>
-              </a:spcBef>
-              <a:buNone/>
-            </a:pPr>
-            <a:r>
-              <a:rPr lang="en-US" sz="1400" dirty="0">
-                <a:latin typeface="Courier New" pitchFamily="49" charset="0"/>
-                <a:cs typeface="Courier New" pitchFamily="49" charset="0"/>
-              </a:rPr>
-              <a:t>	WHERE</a:t>
-            </a:r>
-          </a:p>
-          <a:p>
-            <a:pPr marL="0" indent="0">
-              <a:spcBef>
-                <a:spcPts val="0"/>
-              </a:spcBef>
-              <a:buNone/>
-            </a:pPr>
-            <a:r>
-              <a:rPr lang="en-US" sz="1400" dirty="0">
-                <a:latin typeface="Courier New" pitchFamily="49" charset="0"/>
-                <a:cs typeface="Courier New" pitchFamily="49" charset="0"/>
-              </a:rPr>
-              <a:t>		</a:t>
-            </a:r>
-            <a:r>
-              <a:rPr lang="en-US" sz="1400" dirty="0" err="1">
-                <a:latin typeface="Courier New" pitchFamily="49" charset="0"/>
-                <a:cs typeface="Courier New" pitchFamily="49" charset="0"/>
-              </a:rPr>
-              <a:t>FirstName</a:t>
-            </a:r>
-            <a:r>
-              <a:rPr lang="en-US" sz="1400" dirty="0">
-                <a:latin typeface="Courier New" pitchFamily="49" charset="0"/>
-                <a:cs typeface="Courier New" pitchFamily="49" charset="0"/>
-              </a:rPr>
-              <a:t> = @</a:t>
-            </a:r>
-            <a:r>
-              <a:rPr lang="en-US" sz="1400" dirty="0" err="1">
-                <a:latin typeface="Courier New" pitchFamily="49" charset="0"/>
-                <a:cs typeface="Courier New" pitchFamily="49" charset="0"/>
-              </a:rPr>
-              <a:t>FirstName</a:t>
-            </a:r>
-            <a:endParaRPr lang="en-US" sz="1400" dirty="0">
-              <a:latin typeface="Courier New" pitchFamily="49" charset="0"/>
-              <a:cs typeface="Courier New" pitchFamily="49" charset="0"/>
-            </a:endParaRPr>
-          </a:p>
-          <a:p>
-            <a:pPr marL="0" indent="0">
-              <a:spcBef>
-                <a:spcPts val="0"/>
-              </a:spcBef>
-              <a:buNone/>
-            </a:pPr>
-            <a:r>
-              <a:rPr lang="en-US" sz="1400" dirty="0">
-                <a:latin typeface="Courier New" pitchFamily="49" charset="0"/>
-                <a:cs typeface="Courier New" pitchFamily="49" charset="0"/>
-              </a:rPr>
-              <a:t>		AND</a:t>
-            </a:r>
-          </a:p>
-          <a:p>
-            <a:pPr marL="0" indent="0">
-              <a:spcBef>
-                <a:spcPts val="0"/>
-              </a:spcBef>
-              <a:buNone/>
-            </a:pPr>
-            <a:r>
-              <a:rPr lang="en-US" sz="1400" dirty="0">
-                <a:latin typeface="Courier New" pitchFamily="49" charset="0"/>
-                <a:cs typeface="Courier New" pitchFamily="49" charset="0"/>
-              </a:rPr>
-              <a:t>		</a:t>
-            </a:r>
-            <a:r>
-              <a:rPr lang="en-US" sz="1400" dirty="0" err="1">
-                <a:latin typeface="Courier New" pitchFamily="49" charset="0"/>
-                <a:cs typeface="Courier New" pitchFamily="49" charset="0"/>
-              </a:rPr>
-              <a:t>LastName</a:t>
-            </a:r>
-            <a:r>
-              <a:rPr lang="en-US" sz="1400" dirty="0">
-                <a:latin typeface="Courier New" pitchFamily="49" charset="0"/>
-                <a:cs typeface="Courier New" pitchFamily="49" charset="0"/>
-              </a:rPr>
-              <a:t> = @</a:t>
-            </a:r>
-            <a:r>
-              <a:rPr lang="en-US" sz="1400" dirty="0" err="1">
-                <a:latin typeface="Courier New" pitchFamily="49" charset="0"/>
-                <a:cs typeface="Courier New" pitchFamily="49" charset="0"/>
-              </a:rPr>
-              <a:t>LastName</a:t>
-            </a:r>
-            <a:r>
-              <a:rPr lang="en-US" sz="1400" dirty="0">
-                <a:latin typeface="Courier New" pitchFamily="49" charset="0"/>
-                <a:cs typeface="Courier New" pitchFamily="49" charset="0"/>
-              </a:rPr>
-              <a:t>;</a:t>
-            </a:r>
-          </a:p>
-          <a:p>
-            <a:pPr marL="0" indent="0">
-              <a:spcBef>
-                <a:spcPts val="0"/>
-              </a:spcBef>
-              <a:buNone/>
-            </a:pPr>
-            <a:endParaRPr lang="en-US" sz="1400" dirty="0">
-              <a:latin typeface="Courier New" pitchFamily="49" charset="0"/>
-              <a:cs typeface="Courier New" pitchFamily="49" charset="0"/>
-            </a:endParaRPr>
-          </a:p>
-          <a:p>
-            <a:pPr marL="0" indent="0">
-              <a:spcBef>
-                <a:spcPts val="0"/>
-              </a:spcBef>
-              <a:buNone/>
-            </a:pPr>
-            <a:r>
-              <a:rPr lang="en-US" sz="1400" dirty="0">
-                <a:latin typeface="Courier New" pitchFamily="49" charset="0"/>
-                <a:cs typeface="Courier New" pitchFamily="49" charset="0"/>
-              </a:rPr>
-              <a:t>END;</a:t>
-            </a:r>
-          </a:p>
-        </p:txBody>
-      </p:sp>
+      </p:pic>
     </p:spTree>
     <p:extLst>
       <p:ext uri="{BB962C8B-B14F-4D97-AF65-F5344CB8AC3E}">
-        <p14:creationId xmlns:p14="http://schemas.microsoft.com/office/powerpoint/2010/main" val="3457212852"/>
+        <p14:creationId xmlns:p14="http://schemas.microsoft.com/office/powerpoint/2010/main" val="2571625966"/>
       </p:ext>
     </p:extLst>
   </p:cSld>
@@ -7729,18 +7310,11 @@
           <a:lstStyle/>
           <a:p>
             <a:r>
-              <a:rPr lang="en-US" dirty="0">
-                <a:latin typeface="Arial" pitchFamily="34" charset="0"/>
-                <a:cs typeface="Arial" pitchFamily="34" charset="0"/>
-              </a:rPr>
-              <a:t>Use Stored Procedures in Data </a:t>
-            </a:r>
-            <a:r>
               <a:rPr lang="en-US" dirty="0" smtClean="0">
                 <a:latin typeface="Arial" pitchFamily="34" charset="0"/>
                 <a:cs typeface="Arial" pitchFamily="34" charset="0"/>
               </a:rPr>
-              <a:t>Layer, part 2</a:t>
+              <a:t>Installing SQL Server R Services, part 5</a:t>
             </a:r>
             <a:endParaRPr lang="en-US" dirty="0">
               <a:latin typeface="Arial" pitchFamily="34" charset="0"/>
@@ -7776,44 +7350,52 @@
               <a:buNone/>
             </a:pPr>
             <a:r>
-              <a:rPr lang="en-US" sz="1400" dirty="0" smtClean="0">
-                <a:latin typeface="Courier New" pitchFamily="49" charset="0"/>
-                <a:cs typeface="Courier New" pitchFamily="49" charset="0"/>
-              </a:rPr>
-              <a:t>--	Deliberate bad example!!!</a:t>
-            </a:r>
-          </a:p>
-          <a:p>
-            <a:pPr marL="0" indent="0">
-              <a:spcBef>
-                <a:spcPts val="0"/>
-              </a:spcBef>
-              <a:buNone/>
-            </a:pPr>
-            <a:r>
-              <a:rPr lang="en-US" sz="1400" dirty="0" smtClean="0">
-                <a:latin typeface="Courier New" pitchFamily="49" charset="0"/>
-                <a:cs typeface="Courier New" pitchFamily="49" charset="0"/>
-              </a:rPr>
-              <a:t>CREATE </a:t>
-            </a:r>
-            <a:r>
-              <a:rPr lang="en-US" sz="1400" dirty="0">
-                <a:latin typeface="Courier New" pitchFamily="49" charset="0"/>
-                <a:cs typeface="Courier New" pitchFamily="49" charset="0"/>
-              </a:rPr>
-              <a:t>PROCEDURE </a:t>
-            </a:r>
-            <a:r>
-              <a:rPr lang="en-US" sz="1400" dirty="0" err="1">
-                <a:latin typeface="Courier New" pitchFamily="49" charset="0"/>
-                <a:cs typeface="Courier New" pitchFamily="49" charset="0"/>
-              </a:rPr>
-              <a:t>dbo.uspSelectGradesByStudent</a:t>
-            </a:r>
-            <a:endParaRPr lang="en-US" sz="1400" dirty="0">
-              <a:latin typeface="Courier New" pitchFamily="49" charset="0"/>
-              <a:cs typeface="Courier New" pitchFamily="49" charset="0"/>
+              <a:rPr lang="en-US" dirty="0" smtClean="0">
+                <a:latin typeface="Arial" pitchFamily="34" charset="0"/>
+                <a:cs typeface="Arial" pitchFamily="34" charset="0"/>
+              </a:rPr>
+              <a:t>2.  Install </a:t>
+            </a:r>
+            <a:r>
+              <a:rPr lang="en-US" dirty="0">
+                <a:latin typeface="Arial" pitchFamily="34" charset="0"/>
+                <a:cs typeface="Arial" pitchFamily="34" charset="0"/>
+              </a:rPr>
+              <a:t>Revolution R Open </a:t>
+            </a:r>
+            <a:r>
+              <a:rPr lang="en-US" dirty="0" smtClean="0">
+                <a:latin typeface="Arial" pitchFamily="34" charset="0"/>
+                <a:cs typeface="Arial" pitchFamily="34" charset="0"/>
+              </a:rPr>
+              <a:t>3.2.2 on database server</a:t>
+            </a:r>
+          </a:p>
+          <a:p>
+            <a:pPr marL="0" indent="0">
+              <a:spcBef>
+                <a:spcPts val="0"/>
+              </a:spcBef>
+              <a:buNone/>
+            </a:pPr>
+            <a:r>
+              <a:rPr lang="en-US" dirty="0" smtClean="0">
+                <a:latin typeface="Arial" pitchFamily="34" charset="0"/>
+                <a:cs typeface="Arial" pitchFamily="34" charset="0"/>
+              </a:rPr>
+              <a:t>	(R runtime engine)</a:t>
+            </a:r>
+          </a:p>
+          <a:p>
+            <a:pPr marL="0" indent="0">
+              <a:spcBef>
+                <a:spcPts val="0"/>
+              </a:spcBef>
+              <a:buNone/>
+            </a:pPr>
+            <a:endParaRPr lang="en-US" dirty="0" smtClean="0">
+              <a:latin typeface="Arial" pitchFamily="34" charset="0"/>
+              <a:cs typeface="Arial" pitchFamily="34" charset="0"/>
             </a:endParaRPr>
           </a:p>
           <a:p>
@@ -7824,126 +7406,38 @@
               <a:buNone/>
             </a:pPr>
             <a:r>
-              <a:rPr lang="en-US" sz="1400" dirty="0">
-                <a:latin typeface="Courier New" pitchFamily="49" charset="0"/>
-                <a:cs typeface="Courier New" pitchFamily="49" charset="0"/>
-              </a:rPr>
-              <a:t>(</a:t>
-            </a:r>
-          </a:p>
-          <a:p>
-            <a:pPr marL="0" indent="0">
-              <a:spcBef>
-                <a:spcPts val="0"/>
-              </a:spcBef>
-              <a:buNone/>
-            </a:pPr>
-            <a:r>
-              <a:rPr lang="en-US" sz="1400" dirty="0">
-                <a:latin typeface="Courier New" pitchFamily="49" charset="0"/>
-                <a:cs typeface="Courier New" pitchFamily="49" charset="0"/>
-              </a:rPr>
-              <a:t>	@</a:t>
-            </a:r>
-            <a:r>
-              <a:rPr lang="en-US" sz="1400" dirty="0" err="1">
-                <a:latin typeface="Courier New" pitchFamily="49" charset="0"/>
-                <a:cs typeface="Courier New" pitchFamily="49" charset="0"/>
-              </a:rPr>
-              <a:t>FirstName</a:t>
-            </a:r>
-            <a:r>
-              <a:rPr lang="en-US" sz="1400" dirty="0">
-                <a:latin typeface="Courier New" pitchFamily="49" charset="0"/>
-                <a:cs typeface="Courier New" pitchFamily="49" charset="0"/>
-              </a:rPr>
-              <a:t>		VARCHAR(25),</a:t>
-            </a:r>
-          </a:p>
-          <a:p>
-            <a:pPr marL="0" indent="0">
-              <a:spcBef>
-                <a:spcPts val="0"/>
-              </a:spcBef>
-              <a:buNone/>
-            </a:pPr>
-            <a:r>
-              <a:rPr lang="en-US" sz="1400" dirty="0">
-                <a:latin typeface="Courier New" pitchFamily="49" charset="0"/>
-                <a:cs typeface="Courier New" pitchFamily="49" charset="0"/>
-              </a:rPr>
-              <a:t>	@</a:t>
-            </a:r>
-            <a:r>
-              <a:rPr lang="en-US" sz="1400" dirty="0" err="1">
-                <a:latin typeface="Courier New" pitchFamily="49" charset="0"/>
-                <a:cs typeface="Courier New" pitchFamily="49" charset="0"/>
-              </a:rPr>
-              <a:t>LastName</a:t>
-            </a:r>
-            <a:r>
-              <a:rPr lang="en-US" sz="1400" dirty="0">
-                <a:latin typeface="Courier New" pitchFamily="49" charset="0"/>
-                <a:cs typeface="Courier New" pitchFamily="49" charset="0"/>
-              </a:rPr>
-              <a:t>		VARCHAR(25)</a:t>
-            </a:r>
-          </a:p>
-          <a:p>
-            <a:pPr marL="0" indent="0">
-              <a:spcBef>
-                <a:spcPts val="0"/>
-              </a:spcBef>
-              <a:buNone/>
-            </a:pPr>
-            <a:r>
-              <a:rPr lang="en-US" sz="1400" dirty="0">
-                <a:latin typeface="Courier New" pitchFamily="49" charset="0"/>
-                <a:cs typeface="Courier New" pitchFamily="49" charset="0"/>
-              </a:rPr>
-              <a:t>)</a:t>
-            </a:r>
-          </a:p>
-          <a:p>
-            <a:pPr marL="0" indent="0">
-              <a:spcBef>
-                <a:spcPts val="0"/>
-              </a:spcBef>
-              <a:buNone/>
-            </a:pPr>
-            <a:r>
-              <a:rPr lang="en-US" sz="1400" dirty="0">
-                <a:latin typeface="Courier New" pitchFamily="49" charset="0"/>
-                <a:cs typeface="Courier New" pitchFamily="49" charset="0"/>
-              </a:rPr>
-              <a:t>AS</a:t>
-            </a:r>
-          </a:p>
-          <a:p>
-            <a:pPr marL="0" indent="0">
-              <a:spcBef>
-                <a:spcPts val="0"/>
-              </a:spcBef>
-              <a:buNone/>
-            </a:pPr>
-            <a:r>
-              <a:rPr lang="en-US" sz="1400" dirty="0">
-                <a:latin typeface="Courier New" pitchFamily="49" charset="0"/>
-                <a:cs typeface="Courier New" pitchFamily="49" charset="0"/>
-              </a:rPr>
-              <a:t>BEGIN</a:t>
-            </a:r>
-          </a:p>
-          <a:p>
-            <a:pPr marL="0" indent="0">
-              <a:spcBef>
-                <a:spcPts val="0"/>
-              </a:spcBef>
-              <a:buNone/>
-            </a:pPr>
-            <a:endParaRPr lang="en-US" sz="1400" dirty="0">
-              <a:latin typeface="Courier New" pitchFamily="49" charset="0"/>
-              <a:cs typeface="Courier New" pitchFamily="49" charset="0"/>
+              <a:rPr lang="en-US" dirty="0" smtClean="0">
+                <a:latin typeface="Arial" pitchFamily="34" charset="0"/>
+                <a:cs typeface="Arial" pitchFamily="34" charset="0"/>
+              </a:rPr>
+              <a:t>3.  Install Revolution R Enterprise 7.5 on database server</a:t>
+            </a:r>
+          </a:p>
+          <a:p>
+            <a:pPr marL="0" indent="0">
+              <a:spcBef>
+                <a:spcPts val="0"/>
+              </a:spcBef>
+              <a:buNone/>
+            </a:pPr>
+            <a:r>
+              <a:rPr lang="en-US" dirty="0" smtClean="0">
+                <a:latin typeface="Arial" pitchFamily="34" charset="0"/>
+                <a:cs typeface="Arial" pitchFamily="34" charset="0"/>
+              </a:rPr>
+              <a:t>	(R platform)</a:t>
+            </a:r>
+          </a:p>
+          <a:p>
+            <a:pPr marL="0" indent="0">
+              <a:spcBef>
+                <a:spcPts val="0"/>
+              </a:spcBef>
+              <a:buNone/>
+            </a:pPr>
+            <a:endParaRPr lang="en-US" dirty="0">
+              <a:latin typeface="Arial" pitchFamily="34" charset="0"/>
+              <a:cs typeface="Arial" pitchFamily="34" charset="0"/>
             </a:endParaRPr>
           </a:p>
           <a:p>
@@ -7954,23 +7448,32 @@
               <a:buNone/>
             </a:pPr>
             <a:r>
-              <a:rPr lang="en-US" sz="1400" dirty="0">
-                <a:latin typeface="Courier New" pitchFamily="49" charset="0"/>
-                <a:cs typeface="Courier New" pitchFamily="49" charset="0"/>
-              </a:rPr>
-              <a:t>	DECLARE @Query	NVARCHAR(4000);</a:t>
-            </a:r>
-          </a:p>
-          <a:p>
-            <a:pPr marL="0" indent="0">
-              <a:spcBef>
-                <a:spcPts val="0"/>
-              </a:spcBef>
-              <a:buNone/>
-            </a:pPr>
-            <a:endParaRPr lang="en-US" sz="1400" dirty="0">
-              <a:latin typeface="Courier New" pitchFamily="49" charset="0"/>
-              <a:cs typeface="Courier New" pitchFamily="49" charset="0"/>
+              <a:rPr lang="en-US" dirty="0" smtClean="0">
+                <a:latin typeface="Arial" pitchFamily="34" charset="0"/>
+                <a:cs typeface="Arial" pitchFamily="34" charset="0"/>
+                <a:hlinkClick r:id="rId2"/>
+              </a:rPr>
+              <a:t>https</a:t>
+            </a:r>
+            <a:r>
+              <a:rPr lang="en-US" dirty="0">
+                <a:latin typeface="Arial" pitchFamily="34" charset="0"/>
+                <a:cs typeface="Arial" pitchFamily="34" charset="0"/>
+                <a:hlinkClick r:id="rId2"/>
+              </a:rPr>
+              <a:t>://</a:t>
+            </a:r>
+            <a:r>
+              <a:rPr lang="en-US" dirty="0" smtClean="0">
+                <a:latin typeface="Arial" pitchFamily="34" charset="0"/>
+                <a:cs typeface="Arial" pitchFamily="34" charset="0"/>
+                <a:hlinkClick r:id="rId2"/>
+              </a:rPr>
+              <a:t>msdn.microsoft.com/en-US/library/mt590809.aspx</a:t>
+            </a:r>
+            <a:endParaRPr lang="en-US" dirty="0">
+              <a:latin typeface="Arial" pitchFamily="34" charset="0"/>
+              <a:cs typeface="Arial" pitchFamily="34" charset="0"/>
             </a:endParaRPr>
           </a:p>
           <a:p>
@@ -7980,202 +7483,17 @@
               </a:spcBef>
               <a:buNone/>
             </a:pPr>
-            <a:r>
-              <a:rPr lang="en-US" sz="1400" dirty="0">
-                <a:latin typeface="Courier New" pitchFamily="49" charset="0"/>
-                <a:cs typeface="Courier New" pitchFamily="49" charset="0"/>
-              </a:rPr>
-              <a:t>	SET @Query = 'SELECT </a:t>
-            </a:r>
-            <a:r>
-              <a:rPr lang="en-US" sz="1400" dirty="0" err="1">
-                <a:latin typeface="Courier New" pitchFamily="49" charset="0"/>
-                <a:cs typeface="Courier New" pitchFamily="49" charset="0"/>
-              </a:rPr>
-              <a:t>FirstName</a:t>
-            </a:r>
-            <a:r>
-              <a:rPr lang="en-US" sz="1400" dirty="0">
-                <a:latin typeface="Courier New" pitchFamily="49" charset="0"/>
-                <a:cs typeface="Courier New" pitchFamily="49" charset="0"/>
-              </a:rPr>
-              <a:t>, </a:t>
-            </a:r>
-            <a:r>
-              <a:rPr lang="en-US" sz="1400" dirty="0" err="1">
-                <a:latin typeface="Courier New" pitchFamily="49" charset="0"/>
-                <a:cs typeface="Courier New" pitchFamily="49" charset="0"/>
-              </a:rPr>
-              <a:t>LastName</a:t>
-            </a:r>
-            <a:r>
-              <a:rPr lang="en-US" sz="1400" dirty="0">
-                <a:latin typeface="Courier New" pitchFamily="49" charset="0"/>
-                <a:cs typeface="Courier New" pitchFamily="49" charset="0"/>
-              </a:rPr>
-              <a:t>, GPA FROM </a:t>
-            </a:r>
-            <a:r>
-              <a:rPr lang="en-US" sz="1400" dirty="0" err="1">
-                <a:latin typeface="Courier New" pitchFamily="49" charset="0"/>
-                <a:cs typeface="Courier New" pitchFamily="49" charset="0"/>
-              </a:rPr>
-              <a:t>dbo.Students</a:t>
-            </a:r>
-            <a:r>
-              <a:rPr lang="en-US" sz="1400" dirty="0">
-                <a:latin typeface="Courier New" pitchFamily="49" charset="0"/>
-                <a:cs typeface="Courier New" pitchFamily="49" charset="0"/>
-              </a:rPr>
-              <a:t> WHERE ';</a:t>
-            </a:r>
-          </a:p>
-          <a:p>
-            <a:pPr marL="0" indent="0">
-              <a:spcBef>
-                <a:spcPts val="0"/>
-              </a:spcBef>
-              <a:buNone/>
-            </a:pPr>
-            <a:r>
-              <a:rPr lang="en-US" sz="1400" dirty="0">
-                <a:latin typeface="Courier New" pitchFamily="49" charset="0"/>
-                <a:cs typeface="Courier New" pitchFamily="49" charset="0"/>
-              </a:rPr>
-              <a:t>	SET @Query = @Query + '</a:t>
-            </a:r>
-            <a:r>
-              <a:rPr lang="en-US" sz="1400" dirty="0" err="1">
-                <a:latin typeface="Courier New" pitchFamily="49" charset="0"/>
-                <a:cs typeface="Courier New" pitchFamily="49" charset="0"/>
-              </a:rPr>
-              <a:t>FirstName</a:t>
-            </a:r>
-            <a:r>
-              <a:rPr lang="en-US" sz="1400" dirty="0">
-                <a:latin typeface="Courier New" pitchFamily="49" charset="0"/>
-                <a:cs typeface="Courier New" pitchFamily="49" charset="0"/>
-              </a:rPr>
-              <a:t> = ''' + @</a:t>
-            </a:r>
-            <a:r>
-              <a:rPr lang="en-US" sz="1400" dirty="0" err="1">
-                <a:latin typeface="Courier New" pitchFamily="49" charset="0"/>
-                <a:cs typeface="Courier New" pitchFamily="49" charset="0"/>
-              </a:rPr>
-              <a:t>FirstName</a:t>
-            </a:r>
-            <a:r>
-              <a:rPr lang="en-US" sz="1400" dirty="0">
-                <a:latin typeface="Courier New" pitchFamily="49" charset="0"/>
-                <a:cs typeface="Courier New" pitchFamily="49" charset="0"/>
-              </a:rPr>
-              <a:t> + ''' AND </a:t>
-            </a:r>
-            <a:r>
-              <a:rPr lang="en-US" sz="1400" dirty="0" err="1">
-                <a:latin typeface="Courier New" pitchFamily="49" charset="0"/>
-                <a:cs typeface="Courier New" pitchFamily="49" charset="0"/>
-              </a:rPr>
-              <a:t>LastName</a:t>
-            </a:r>
-            <a:r>
-              <a:rPr lang="en-US" sz="1400" dirty="0">
-                <a:latin typeface="Courier New" pitchFamily="49" charset="0"/>
-                <a:cs typeface="Courier New" pitchFamily="49" charset="0"/>
-              </a:rPr>
-              <a:t> = ';</a:t>
-            </a:r>
-          </a:p>
-          <a:p>
-            <a:pPr marL="0" indent="0">
-              <a:spcBef>
-                <a:spcPts val="0"/>
-              </a:spcBef>
-              <a:buNone/>
-            </a:pPr>
-            <a:r>
-              <a:rPr lang="en-US" sz="1400" dirty="0">
-                <a:latin typeface="Courier New" pitchFamily="49" charset="0"/>
-                <a:cs typeface="Courier New" pitchFamily="49" charset="0"/>
-              </a:rPr>
-              <a:t>	SET @Query = @Query + '''' + @</a:t>
-            </a:r>
-            <a:r>
-              <a:rPr lang="en-US" sz="1400" dirty="0" err="1">
-                <a:latin typeface="Courier New" pitchFamily="49" charset="0"/>
-                <a:cs typeface="Courier New" pitchFamily="49" charset="0"/>
-              </a:rPr>
-              <a:t>LastName</a:t>
-            </a:r>
-            <a:r>
-              <a:rPr lang="en-US" sz="1400" dirty="0">
-                <a:latin typeface="Courier New" pitchFamily="49" charset="0"/>
-                <a:cs typeface="Courier New" pitchFamily="49" charset="0"/>
-              </a:rPr>
-              <a:t> + '''';</a:t>
-            </a:r>
-          </a:p>
-          <a:p>
-            <a:pPr marL="0" indent="0">
-              <a:spcBef>
-                <a:spcPts val="0"/>
-              </a:spcBef>
-              <a:buNone/>
-            </a:pPr>
-            <a:endParaRPr lang="en-US" sz="1400" dirty="0">
-              <a:latin typeface="Courier New" pitchFamily="49" charset="0"/>
-              <a:cs typeface="Courier New" pitchFamily="49" charset="0"/>
+            <a:endParaRPr lang="en-US" dirty="0" smtClean="0">
+              <a:latin typeface="Arial" pitchFamily="34" charset="0"/>
+              <a:cs typeface="Arial" pitchFamily="34" charset="0"/>
             </a:endParaRPr>
-          </a:p>
-          <a:p>
-            <a:pPr marL="0" indent="0">
-              <a:spcBef>
-                <a:spcPts val="0"/>
-              </a:spcBef>
-              <a:buNone/>
-            </a:pPr>
-            <a:r>
-              <a:rPr lang="en-US" sz="1400" dirty="0">
-                <a:latin typeface="Courier New" pitchFamily="49" charset="0"/>
-                <a:cs typeface="Courier New" pitchFamily="49" charset="0"/>
-              </a:rPr>
-              <a:t>	EXEC (@Query);</a:t>
-            </a:r>
-          </a:p>
-          <a:p>
-            <a:pPr marL="0" indent="0">
-              <a:spcBef>
-                <a:spcPts val="0"/>
-              </a:spcBef>
-              <a:buNone/>
-            </a:pPr>
-            <a:endParaRPr lang="en-US" sz="1400" dirty="0">
-              <a:latin typeface="Courier New" pitchFamily="49" charset="0"/>
-              <a:cs typeface="Courier New" pitchFamily="49" charset="0"/>
-            </a:endParaRPr>
-          </a:p>
-          <a:p>
-            <a:pPr marL="0" indent="0">
-              <a:spcBef>
-                <a:spcPts val="0"/>
-              </a:spcBef>
-              <a:buNone/>
-            </a:pPr>
-            <a:r>
-              <a:rPr lang="en-US" sz="1400" dirty="0">
-                <a:latin typeface="Courier New" pitchFamily="49" charset="0"/>
-                <a:cs typeface="Courier New" pitchFamily="49" charset="0"/>
-              </a:rPr>
-              <a:t>END;</a:t>
-            </a:r>
           </a:p>
         </p:txBody>
       </p:sp>
     </p:spTree>
     <p:extLst>
       <p:ext uri="{BB962C8B-B14F-4D97-AF65-F5344CB8AC3E}">
-        <p14:creationId xmlns:p14="http://schemas.microsoft.com/office/powerpoint/2010/main" val="1337114877"/>
+        <p14:creationId xmlns:p14="http://schemas.microsoft.com/office/powerpoint/2010/main" val="1006024625"/>
       </p:ext>
     </p:extLst>
   </p:cSld>
@@ -8230,18 +7548,18 @@
           <a:lstStyle/>
           <a:p>
             <a:r>
+              <a:rPr lang="en-US" dirty="0" smtClean="0">
+                <a:latin typeface="Arial" pitchFamily="34" charset="0"/>
+                <a:cs typeface="Arial" pitchFamily="34" charset="0"/>
+              </a:rPr>
+              <a:t>Installing SQL Server R Services, part </a:t>
+            </a:r>
+            <a:r>
               <a:rPr lang="en-US" dirty="0">
                 <a:latin typeface="Arial" pitchFamily="34" charset="0"/>
                 <a:cs typeface="Arial" pitchFamily="34" charset="0"/>
               </a:rPr>
-              <a:t>Use Stored Procedures in Data </a:t>
-            </a:r>
-            <a:r>
-              <a:rPr lang="en-US" dirty="0" smtClean="0">
-                <a:latin typeface="Arial" pitchFamily="34" charset="0"/>
-                <a:cs typeface="Arial" pitchFamily="34" charset="0"/>
-              </a:rPr>
-              <a:t>Layer, part 3</a:t>
+              <a:t>6</a:t>
             </a:r>
             <a:endParaRPr lang="en-US" dirty="0">
               <a:latin typeface="Arial" pitchFamily="34" charset="0"/>
@@ -8250,648 +7568,40 @@
           </a:p>
         </p:txBody>
       </p:sp>
-      <p:sp>
-        <p:nvSpPr>
-          <p:cNvPr id="3" name="Content Placeholder 2"/>
-          <p:cNvSpPr>
-            <a:spLocks noGrp="1"/>
-          </p:cNvSpPr>
-          <p:nvPr>
-            <p:ph idx="1"/>
-          </p:nvPr>
-        </p:nvSpPr>
+      <p:pic>
+        <p:nvPicPr>
+          <p:cNvPr id="5" name="Picture 4"/>
+          <p:cNvPicPr>
+            <a:picLocks noChangeAspect="1"/>
+          </p:cNvPicPr>
+          <p:nvPr/>
+        </p:nvPicPr>
+        <p:blipFill>
+          <a:blip r:embed="rId2">
+            <a:extLst>
+              <a:ext uri="{28A0092B-C50C-407E-A947-70E740481C1C}">
+                <a14:useLocalDpi xmlns:a14="http://schemas.microsoft.com/office/drawing/2010/main" val="0"/>
+              </a:ext>
+            </a:extLst>
+          </a:blip>
+          <a:stretch>
+            <a:fillRect/>
+          </a:stretch>
+        </p:blipFill>
         <p:spPr>
           <a:xfrm>
-            <a:off x="390418" y="1356189"/>
-            <a:ext cx="8640870" cy="4397339"/>
+            <a:off x="227867" y="1309515"/>
+            <a:ext cx="6076293" cy="4219087"/>
           </a:xfrm>
+          <a:prstGeom prst="rect">
+            <a:avLst/>
+          </a:prstGeom>
         </p:spPr>
-        <p:txBody>
-          <a:bodyPr/>
-          <a:lstStyle/>
-          <a:p>
-            <a:pPr marL="0" indent="0">
-              <a:spcBef>
-                <a:spcPts val="0"/>
-              </a:spcBef>
-              <a:buNone/>
-            </a:pPr>
-            <a:r>
-              <a:rPr lang="en-US" sz="1000" dirty="0">
-                <a:latin typeface="Courier New" pitchFamily="49" charset="0"/>
-                <a:cs typeface="Courier New" pitchFamily="49" charset="0"/>
-              </a:rPr>
-              <a:t>--	Deliberate bad example!!!</a:t>
-            </a:r>
-          </a:p>
-          <a:p>
-            <a:pPr marL="0" indent="0">
-              <a:spcBef>
-                <a:spcPts val="0"/>
-              </a:spcBef>
-              <a:buNone/>
-            </a:pPr>
-            <a:r>
-              <a:rPr lang="en-US" sz="1000" dirty="0">
-                <a:latin typeface="Courier New" pitchFamily="49" charset="0"/>
-                <a:cs typeface="Courier New" pitchFamily="49" charset="0"/>
-              </a:rPr>
-              <a:t>CREATE PROCEDURE </a:t>
-            </a:r>
-            <a:r>
-              <a:rPr lang="en-US" sz="1000" dirty="0" err="1">
-                <a:latin typeface="Courier New" pitchFamily="49" charset="0"/>
-                <a:cs typeface="Courier New" pitchFamily="49" charset="0"/>
-              </a:rPr>
-              <a:t>dbo.uspSelectGradesByStudent</a:t>
-            </a:r>
-            <a:endParaRPr lang="en-US" sz="1000" dirty="0">
-              <a:latin typeface="Courier New" pitchFamily="49" charset="0"/>
-              <a:cs typeface="Courier New" pitchFamily="49" charset="0"/>
-            </a:endParaRPr>
-          </a:p>
-          <a:p>
-            <a:pPr marL="0" indent="0">
-              <a:spcBef>
-                <a:spcPts val="0"/>
-              </a:spcBef>
-              <a:buNone/>
-            </a:pPr>
-            <a:r>
-              <a:rPr lang="en-US" sz="1000" dirty="0">
-                <a:latin typeface="Courier New" pitchFamily="49" charset="0"/>
-                <a:cs typeface="Courier New" pitchFamily="49" charset="0"/>
-              </a:rPr>
-              <a:t>(</a:t>
-            </a:r>
-          </a:p>
-          <a:p>
-            <a:pPr marL="0" indent="0">
-              <a:spcBef>
-                <a:spcPts val="0"/>
-              </a:spcBef>
-              <a:buNone/>
-            </a:pPr>
-            <a:r>
-              <a:rPr lang="en-US" sz="1000" dirty="0">
-                <a:latin typeface="Courier New" pitchFamily="49" charset="0"/>
-                <a:cs typeface="Courier New" pitchFamily="49" charset="0"/>
-              </a:rPr>
-              <a:t>	@</a:t>
-            </a:r>
-            <a:r>
-              <a:rPr lang="en-US" sz="1000" dirty="0" err="1">
-                <a:latin typeface="Courier New" pitchFamily="49" charset="0"/>
-                <a:cs typeface="Courier New" pitchFamily="49" charset="0"/>
-              </a:rPr>
-              <a:t>FirstName</a:t>
-            </a:r>
-            <a:r>
-              <a:rPr lang="en-US" sz="1000" dirty="0">
-                <a:latin typeface="Courier New" pitchFamily="49" charset="0"/>
-                <a:cs typeface="Courier New" pitchFamily="49" charset="0"/>
-              </a:rPr>
-              <a:t>		VARCHAR(25) = NULL,</a:t>
-            </a:r>
-          </a:p>
-          <a:p>
-            <a:pPr marL="0" indent="0">
-              <a:spcBef>
-                <a:spcPts val="0"/>
-              </a:spcBef>
-              <a:buNone/>
-            </a:pPr>
-            <a:r>
-              <a:rPr lang="en-US" sz="1000" dirty="0">
-                <a:latin typeface="Courier New" pitchFamily="49" charset="0"/>
-                <a:cs typeface="Courier New" pitchFamily="49" charset="0"/>
-              </a:rPr>
-              <a:t>	@</a:t>
-            </a:r>
-            <a:r>
-              <a:rPr lang="en-US" sz="1000" dirty="0" err="1">
-                <a:latin typeface="Courier New" pitchFamily="49" charset="0"/>
-                <a:cs typeface="Courier New" pitchFamily="49" charset="0"/>
-              </a:rPr>
-              <a:t>LastName</a:t>
-            </a:r>
-            <a:r>
-              <a:rPr lang="en-US" sz="1000" dirty="0">
-                <a:latin typeface="Courier New" pitchFamily="49" charset="0"/>
-                <a:cs typeface="Courier New" pitchFamily="49" charset="0"/>
-              </a:rPr>
-              <a:t>		VARCHAR(25) = NULL</a:t>
-            </a:r>
-          </a:p>
-          <a:p>
-            <a:pPr marL="0" indent="0">
-              <a:spcBef>
-                <a:spcPts val="0"/>
-              </a:spcBef>
-              <a:buNone/>
-            </a:pPr>
-            <a:r>
-              <a:rPr lang="en-US" sz="1000" dirty="0">
-                <a:latin typeface="Courier New" pitchFamily="49" charset="0"/>
-                <a:cs typeface="Courier New" pitchFamily="49" charset="0"/>
-              </a:rPr>
-              <a:t>)</a:t>
-            </a:r>
-          </a:p>
-          <a:p>
-            <a:pPr marL="0" indent="0">
-              <a:spcBef>
-                <a:spcPts val="0"/>
-              </a:spcBef>
-              <a:buNone/>
-            </a:pPr>
-            <a:r>
-              <a:rPr lang="en-US" sz="1000" dirty="0">
-                <a:latin typeface="Courier New" pitchFamily="49" charset="0"/>
-                <a:cs typeface="Courier New" pitchFamily="49" charset="0"/>
-              </a:rPr>
-              <a:t>AS</a:t>
-            </a:r>
-          </a:p>
-          <a:p>
-            <a:pPr marL="0" indent="0">
-              <a:spcBef>
-                <a:spcPts val="0"/>
-              </a:spcBef>
-              <a:buNone/>
-            </a:pPr>
-            <a:r>
-              <a:rPr lang="en-US" sz="1000" dirty="0">
-                <a:latin typeface="Courier New" pitchFamily="49" charset="0"/>
-                <a:cs typeface="Courier New" pitchFamily="49" charset="0"/>
-              </a:rPr>
-              <a:t>BEGIN</a:t>
-            </a:r>
-          </a:p>
-          <a:p>
-            <a:pPr marL="0" indent="0">
-              <a:spcBef>
-                <a:spcPts val="0"/>
-              </a:spcBef>
-              <a:buNone/>
-            </a:pPr>
-            <a:endParaRPr lang="en-US" sz="1000" dirty="0">
-              <a:latin typeface="Courier New" pitchFamily="49" charset="0"/>
-              <a:cs typeface="Courier New" pitchFamily="49" charset="0"/>
-            </a:endParaRPr>
-          </a:p>
-          <a:p>
-            <a:pPr marL="0" indent="0">
-              <a:spcBef>
-                <a:spcPts val="0"/>
-              </a:spcBef>
-              <a:buNone/>
-            </a:pPr>
-            <a:r>
-              <a:rPr lang="en-US" sz="1000" dirty="0">
-                <a:latin typeface="Courier New" pitchFamily="49" charset="0"/>
-                <a:cs typeface="Courier New" pitchFamily="49" charset="0"/>
-              </a:rPr>
-              <a:t>	DECLARE @Query	NVARCHAR(4000);</a:t>
-            </a:r>
-          </a:p>
-          <a:p>
-            <a:pPr marL="0" indent="0">
-              <a:spcBef>
-                <a:spcPts val="0"/>
-              </a:spcBef>
-              <a:buNone/>
-            </a:pPr>
-            <a:endParaRPr lang="en-US" sz="1000" dirty="0">
-              <a:latin typeface="Courier New" pitchFamily="49" charset="0"/>
-              <a:cs typeface="Courier New" pitchFamily="49" charset="0"/>
-            </a:endParaRPr>
-          </a:p>
-          <a:p>
-            <a:pPr marL="0" indent="0">
-              <a:spcBef>
-                <a:spcPts val="0"/>
-              </a:spcBef>
-              <a:buNone/>
-            </a:pPr>
-            <a:r>
-              <a:rPr lang="en-US" sz="1000" dirty="0">
-                <a:latin typeface="Courier New" pitchFamily="49" charset="0"/>
-                <a:cs typeface="Courier New" pitchFamily="49" charset="0"/>
-              </a:rPr>
-              <a:t>	SET @Query = 'SELECT </a:t>
-            </a:r>
-            <a:r>
-              <a:rPr lang="en-US" sz="1000" dirty="0" err="1">
-                <a:latin typeface="Courier New" pitchFamily="49" charset="0"/>
-                <a:cs typeface="Courier New" pitchFamily="49" charset="0"/>
-              </a:rPr>
-              <a:t>FirstName</a:t>
-            </a:r>
-            <a:r>
-              <a:rPr lang="en-US" sz="1000" dirty="0">
-                <a:latin typeface="Courier New" pitchFamily="49" charset="0"/>
-                <a:cs typeface="Courier New" pitchFamily="49" charset="0"/>
-              </a:rPr>
-              <a:t>, </a:t>
-            </a:r>
-            <a:r>
-              <a:rPr lang="en-US" sz="1000" dirty="0" err="1">
-                <a:latin typeface="Courier New" pitchFamily="49" charset="0"/>
-                <a:cs typeface="Courier New" pitchFamily="49" charset="0"/>
-              </a:rPr>
-              <a:t>LastName</a:t>
-            </a:r>
-            <a:r>
-              <a:rPr lang="en-US" sz="1000" dirty="0">
-                <a:latin typeface="Courier New" pitchFamily="49" charset="0"/>
-                <a:cs typeface="Courier New" pitchFamily="49" charset="0"/>
-              </a:rPr>
-              <a:t>, GPA FROM </a:t>
-            </a:r>
-            <a:r>
-              <a:rPr lang="en-US" sz="1000" dirty="0" err="1">
-                <a:latin typeface="Courier New" pitchFamily="49" charset="0"/>
-                <a:cs typeface="Courier New" pitchFamily="49" charset="0"/>
-              </a:rPr>
-              <a:t>dbo.Students</a:t>
-            </a:r>
-            <a:r>
-              <a:rPr lang="en-US" sz="1000" dirty="0">
-                <a:latin typeface="Courier New" pitchFamily="49" charset="0"/>
-                <a:cs typeface="Courier New" pitchFamily="49" charset="0"/>
-              </a:rPr>
-              <a:t>'</a:t>
-            </a:r>
-          </a:p>
-          <a:p>
-            <a:pPr marL="0" indent="0">
-              <a:spcBef>
-                <a:spcPts val="0"/>
-              </a:spcBef>
-              <a:buNone/>
-            </a:pPr>
-            <a:endParaRPr lang="en-US" sz="1000" dirty="0">
-              <a:latin typeface="Courier New" pitchFamily="49" charset="0"/>
-              <a:cs typeface="Courier New" pitchFamily="49" charset="0"/>
-            </a:endParaRPr>
-          </a:p>
-          <a:p>
-            <a:pPr marL="0" indent="0">
-              <a:spcBef>
-                <a:spcPts val="0"/>
-              </a:spcBef>
-              <a:buNone/>
-            </a:pPr>
-            <a:r>
-              <a:rPr lang="en-US" sz="1000" dirty="0">
-                <a:latin typeface="Courier New" pitchFamily="49" charset="0"/>
-                <a:cs typeface="Courier New" pitchFamily="49" charset="0"/>
-              </a:rPr>
-              <a:t>	IF @</a:t>
-            </a:r>
-            <a:r>
-              <a:rPr lang="en-US" sz="1000" dirty="0" err="1">
-                <a:latin typeface="Courier New" pitchFamily="49" charset="0"/>
-                <a:cs typeface="Courier New" pitchFamily="49" charset="0"/>
-              </a:rPr>
-              <a:t>FirstName</a:t>
-            </a:r>
-            <a:r>
-              <a:rPr lang="en-US" sz="1000" dirty="0">
-                <a:latin typeface="Courier New" pitchFamily="49" charset="0"/>
-                <a:cs typeface="Courier New" pitchFamily="49" charset="0"/>
-              </a:rPr>
-              <a:t> IS NOT NULL OR @</a:t>
-            </a:r>
-            <a:r>
-              <a:rPr lang="en-US" sz="1000" dirty="0" err="1">
-                <a:latin typeface="Courier New" pitchFamily="49" charset="0"/>
-                <a:cs typeface="Courier New" pitchFamily="49" charset="0"/>
-              </a:rPr>
-              <a:t>LastName</a:t>
-            </a:r>
-            <a:r>
-              <a:rPr lang="en-US" sz="1000" dirty="0">
-                <a:latin typeface="Courier New" pitchFamily="49" charset="0"/>
-                <a:cs typeface="Courier New" pitchFamily="49" charset="0"/>
-              </a:rPr>
-              <a:t> IS NOT NULL</a:t>
-            </a:r>
-          </a:p>
-          <a:p>
-            <a:pPr marL="0" indent="0">
-              <a:spcBef>
-                <a:spcPts val="0"/>
-              </a:spcBef>
-              <a:buNone/>
-            </a:pPr>
-            <a:r>
-              <a:rPr lang="en-US" sz="1000" dirty="0">
-                <a:latin typeface="Courier New" pitchFamily="49" charset="0"/>
-                <a:cs typeface="Courier New" pitchFamily="49" charset="0"/>
-              </a:rPr>
-              <a:t>		SET @Query = @Query + ' WHERE ';</a:t>
-            </a:r>
-          </a:p>
-          <a:p>
-            <a:pPr marL="0" indent="0">
-              <a:spcBef>
-                <a:spcPts val="0"/>
-              </a:spcBef>
-              <a:buNone/>
-            </a:pPr>
-            <a:endParaRPr lang="en-US" sz="1000" dirty="0">
-              <a:latin typeface="Courier New" pitchFamily="49" charset="0"/>
-              <a:cs typeface="Courier New" pitchFamily="49" charset="0"/>
-            </a:endParaRPr>
-          </a:p>
-          <a:p>
-            <a:pPr marL="0" indent="0">
-              <a:spcBef>
-                <a:spcPts val="0"/>
-              </a:spcBef>
-              <a:buNone/>
-            </a:pPr>
-            <a:r>
-              <a:rPr lang="en-US" sz="1000" dirty="0">
-                <a:latin typeface="Courier New" pitchFamily="49" charset="0"/>
-                <a:cs typeface="Courier New" pitchFamily="49" charset="0"/>
-              </a:rPr>
-              <a:t>	IF @</a:t>
-            </a:r>
-            <a:r>
-              <a:rPr lang="en-US" sz="1000" dirty="0" err="1">
-                <a:latin typeface="Courier New" pitchFamily="49" charset="0"/>
-                <a:cs typeface="Courier New" pitchFamily="49" charset="0"/>
-              </a:rPr>
-              <a:t>FirstName</a:t>
-            </a:r>
-            <a:r>
-              <a:rPr lang="en-US" sz="1000" dirty="0">
-                <a:latin typeface="Courier New" pitchFamily="49" charset="0"/>
-                <a:cs typeface="Courier New" pitchFamily="49" charset="0"/>
-              </a:rPr>
-              <a:t> IS NOT NULL</a:t>
-            </a:r>
-          </a:p>
-          <a:p>
-            <a:pPr marL="0" indent="0">
-              <a:spcBef>
-                <a:spcPts val="0"/>
-              </a:spcBef>
-              <a:buNone/>
-            </a:pPr>
-            <a:r>
-              <a:rPr lang="en-US" sz="1000" dirty="0">
-                <a:latin typeface="Courier New" pitchFamily="49" charset="0"/>
-                <a:cs typeface="Courier New" pitchFamily="49" charset="0"/>
-              </a:rPr>
-              <a:t>		SET @Query = @Query + '</a:t>
-            </a:r>
-            <a:r>
-              <a:rPr lang="en-US" sz="1000" dirty="0" err="1">
-                <a:latin typeface="Courier New" pitchFamily="49" charset="0"/>
-                <a:cs typeface="Courier New" pitchFamily="49" charset="0"/>
-              </a:rPr>
-              <a:t>FirstName</a:t>
-            </a:r>
-            <a:r>
-              <a:rPr lang="en-US" sz="1000" dirty="0">
-                <a:latin typeface="Courier New" pitchFamily="49" charset="0"/>
-                <a:cs typeface="Courier New" pitchFamily="49" charset="0"/>
-              </a:rPr>
-              <a:t> = ''' + @</a:t>
-            </a:r>
-            <a:r>
-              <a:rPr lang="en-US" sz="1000" dirty="0" err="1">
-                <a:latin typeface="Courier New" pitchFamily="49" charset="0"/>
-                <a:cs typeface="Courier New" pitchFamily="49" charset="0"/>
-              </a:rPr>
-              <a:t>FirstName</a:t>
-            </a:r>
-            <a:r>
-              <a:rPr lang="en-US" sz="1000" dirty="0">
-                <a:latin typeface="Courier New" pitchFamily="49" charset="0"/>
-                <a:cs typeface="Courier New" pitchFamily="49" charset="0"/>
-              </a:rPr>
-              <a:t> + '''';</a:t>
-            </a:r>
-          </a:p>
-          <a:p>
-            <a:pPr marL="0" indent="0">
-              <a:spcBef>
-                <a:spcPts val="0"/>
-              </a:spcBef>
-              <a:buNone/>
-            </a:pPr>
-            <a:endParaRPr lang="en-US" sz="1000" dirty="0">
-              <a:latin typeface="Courier New" pitchFamily="49" charset="0"/>
-              <a:cs typeface="Courier New" pitchFamily="49" charset="0"/>
-            </a:endParaRPr>
-          </a:p>
-          <a:p>
-            <a:pPr marL="0" indent="0">
-              <a:spcBef>
-                <a:spcPts val="0"/>
-              </a:spcBef>
-              <a:buNone/>
-            </a:pPr>
-            <a:r>
-              <a:rPr lang="en-US" sz="1000" dirty="0">
-                <a:latin typeface="Courier New" pitchFamily="49" charset="0"/>
-                <a:cs typeface="Courier New" pitchFamily="49" charset="0"/>
-              </a:rPr>
-              <a:t>	IF @</a:t>
-            </a:r>
-            <a:r>
-              <a:rPr lang="en-US" sz="1000" dirty="0" err="1">
-                <a:latin typeface="Courier New" pitchFamily="49" charset="0"/>
-                <a:cs typeface="Courier New" pitchFamily="49" charset="0"/>
-              </a:rPr>
-              <a:t>FirstName</a:t>
-            </a:r>
-            <a:r>
-              <a:rPr lang="en-US" sz="1000" dirty="0">
-                <a:latin typeface="Courier New" pitchFamily="49" charset="0"/>
-                <a:cs typeface="Courier New" pitchFamily="49" charset="0"/>
-              </a:rPr>
-              <a:t> IS NOT NULL AND @</a:t>
-            </a:r>
-            <a:r>
-              <a:rPr lang="en-US" sz="1000" dirty="0" err="1">
-                <a:latin typeface="Courier New" pitchFamily="49" charset="0"/>
-                <a:cs typeface="Courier New" pitchFamily="49" charset="0"/>
-              </a:rPr>
-              <a:t>LastName</a:t>
-            </a:r>
-            <a:r>
-              <a:rPr lang="en-US" sz="1000" dirty="0">
-                <a:latin typeface="Courier New" pitchFamily="49" charset="0"/>
-                <a:cs typeface="Courier New" pitchFamily="49" charset="0"/>
-              </a:rPr>
-              <a:t> IS NOT NULL</a:t>
-            </a:r>
-          </a:p>
-          <a:p>
-            <a:pPr marL="0" indent="0">
-              <a:spcBef>
-                <a:spcPts val="0"/>
-              </a:spcBef>
-              <a:buNone/>
-            </a:pPr>
-            <a:r>
-              <a:rPr lang="en-US" sz="1000" dirty="0">
-                <a:latin typeface="Courier New" pitchFamily="49" charset="0"/>
-                <a:cs typeface="Courier New" pitchFamily="49" charset="0"/>
-              </a:rPr>
-              <a:t>		SET @Query = @Query + ' AND ';</a:t>
-            </a:r>
-          </a:p>
-          <a:p>
-            <a:pPr marL="0" indent="0">
-              <a:spcBef>
-                <a:spcPts val="0"/>
-              </a:spcBef>
-              <a:buNone/>
-            </a:pPr>
-            <a:endParaRPr lang="en-US" sz="1000" dirty="0">
-              <a:latin typeface="Courier New" pitchFamily="49" charset="0"/>
-              <a:cs typeface="Courier New" pitchFamily="49" charset="0"/>
-            </a:endParaRPr>
-          </a:p>
-          <a:p>
-            <a:pPr marL="0" indent="0">
-              <a:spcBef>
-                <a:spcPts val="0"/>
-              </a:spcBef>
-              <a:buNone/>
-            </a:pPr>
-            <a:r>
-              <a:rPr lang="en-US" sz="1000" dirty="0">
-                <a:latin typeface="Courier New" pitchFamily="49" charset="0"/>
-                <a:cs typeface="Courier New" pitchFamily="49" charset="0"/>
-              </a:rPr>
-              <a:t>	IF @</a:t>
-            </a:r>
-            <a:r>
-              <a:rPr lang="en-US" sz="1000" dirty="0" err="1">
-                <a:latin typeface="Courier New" pitchFamily="49" charset="0"/>
-                <a:cs typeface="Courier New" pitchFamily="49" charset="0"/>
-              </a:rPr>
-              <a:t>LastName</a:t>
-            </a:r>
-            <a:r>
-              <a:rPr lang="en-US" sz="1000" dirty="0">
-                <a:latin typeface="Courier New" pitchFamily="49" charset="0"/>
-                <a:cs typeface="Courier New" pitchFamily="49" charset="0"/>
-              </a:rPr>
-              <a:t> IS NOT NULL</a:t>
-            </a:r>
-          </a:p>
-          <a:p>
-            <a:pPr marL="0" indent="0">
-              <a:spcBef>
-                <a:spcPts val="0"/>
-              </a:spcBef>
-              <a:buNone/>
-            </a:pPr>
-            <a:r>
-              <a:rPr lang="en-US" sz="1000" dirty="0">
-                <a:latin typeface="Courier New" pitchFamily="49" charset="0"/>
-                <a:cs typeface="Courier New" pitchFamily="49" charset="0"/>
-              </a:rPr>
-              <a:t>		SET @Query = @Query + '</a:t>
-            </a:r>
-            <a:r>
-              <a:rPr lang="en-US" sz="1000" dirty="0" err="1">
-                <a:latin typeface="Courier New" pitchFamily="49" charset="0"/>
-                <a:cs typeface="Courier New" pitchFamily="49" charset="0"/>
-              </a:rPr>
-              <a:t>LastName</a:t>
-            </a:r>
-            <a:r>
-              <a:rPr lang="en-US" sz="1000" dirty="0">
-                <a:latin typeface="Courier New" pitchFamily="49" charset="0"/>
-                <a:cs typeface="Courier New" pitchFamily="49" charset="0"/>
-              </a:rPr>
-              <a:t> = ''' + @</a:t>
-            </a:r>
-            <a:r>
-              <a:rPr lang="en-US" sz="1000" dirty="0" err="1">
-                <a:latin typeface="Courier New" pitchFamily="49" charset="0"/>
-                <a:cs typeface="Courier New" pitchFamily="49" charset="0"/>
-              </a:rPr>
-              <a:t>LastName</a:t>
-            </a:r>
-            <a:r>
-              <a:rPr lang="en-US" sz="1000" dirty="0">
-                <a:latin typeface="Courier New" pitchFamily="49" charset="0"/>
-                <a:cs typeface="Courier New" pitchFamily="49" charset="0"/>
-              </a:rPr>
-              <a:t> + '''';</a:t>
-            </a:r>
-          </a:p>
-          <a:p>
-            <a:pPr marL="0" indent="0">
-              <a:spcBef>
-                <a:spcPts val="0"/>
-              </a:spcBef>
-              <a:buNone/>
-            </a:pPr>
-            <a:endParaRPr lang="en-US" sz="1000" dirty="0">
-              <a:latin typeface="Courier New" pitchFamily="49" charset="0"/>
-              <a:cs typeface="Courier New" pitchFamily="49" charset="0"/>
-            </a:endParaRPr>
-          </a:p>
-          <a:p>
-            <a:pPr marL="0" indent="0">
-              <a:spcBef>
-                <a:spcPts val="0"/>
-              </a:spcBef>
-              <a:buNone/>
-            </a:pPr>
-            <a:r>
-              <a:rPr lang="en-US" sz="1000" dirty="0">
-                <a:latin typeface="Courier New" pitchFamily="49" charset="0"/>
-                <a:cs typeface="Courier New" pitchFamily="49" charset="0"/>
-              </a:rPr>
-              <a:t>	EXEC (@Query);</a:t>
-            </a:r>
-          </a:p>
-          <a:p>
-            <a:pPr marL="0" indent="0">
-              <a:spcBef>
-                <a:spcPts val="0"/>
-              </a:spcBef>
-              <a:buNone/>
-            </a:pPr>
-            <a:endParaRPr lang="en-US" sz="1000" dirty="0">
-              <a:latin typeface="Courier New" pitchFamily="49" charset="0"/>
-              <a:cs typeface="Courier New" pitchFamily="49" charset="0"/>
-            </a:endParaRPr>
-          </a:p>
-          <a:p>
-            <a:pPr marL="0" indent="0">
-              <a:spcBef>
-                <a:spcPts val="0"/>
-              </a:spcBef>
-              <a:buNone/>
-            </a:pPr>
-            <a:r>
-              <a:rPr lang="en-US" sz="1000" dirty="0">
-                <a:latin typeface="Courier New" pitchFamily="49" charset="0"/>
-                <a:cs typeface="Courier New" pitchFamily="49" charset="0"/>
-              </a:rPr>
-              <a:t>END;</a:t>
-            </a:r>
-          </a:p>
-        </p:txBody>
-      </p:sp>
+      </p:pic>
     </p:spTree>
     <p:extLst>
       <p:ext uri="{BB962C8B-B14F-4D97-AF65-F5344CB8AC3E}">
-        <p14:creationId xmlns:p14="http://schemas.microsoft.com/office/powerpoint/2010/main" val="4112608665"/>
+        <p14:creationId xmlns:p14="http://schemas.microsoft.com/office/powerpoint/2010/main" val="1622342288"/>
       </p:ext>
     </p:extLst>
   </p:cSld>
@@ -8946,18 +7656,18 @@
           <a:lstStyle/>
           <a:p>
             <a:r>
-              <a:rPr lang="en-US" dirty="0">
-                <a:latin typeface="Arial" pitchFamily="34" charset="0"/>
-                <a:cs typeface="Arial" pitchFamily="34" charset="0"/>
-              </a:rPr>
-              <a:t>Use Stored Procedures in Data </a:t>
-            </a:r>
-            <a:r>
               <a:rPr lang="en-US" dirty="0" smtClean="0">
                 <a:latin typeface="Arial" pitchFamily="34" charset="0"/>
                 <a:cs typeface="Arial" pitchFamily="34" charset="0"/>
               </a:rPr>
-              <a:t>Layer, part 4</a:t>
+              <a:t>Installing SQL Server R Services, part </a:t>
+            </a:r>
+            <a:r>
+              <a:rPr lang="en-US" dirty="0" smtClean="0">
+                <a:latin typeface="Arial" pitchFamily="34" charset="0"/>
+                <a:cs typeface="Arial" pitchFamily="34" charset="0"/>
+              </a:rPr>
+              <a:t>7</a:t>
             </a:r>
             <a:endParaRPr lang="en-US" dirty="0">
               <a:latin typeface="Arial" pitchFamily="34" charset="0"/>
@@ -8966,547 +7676,40 @@
           </a:p>
         </p:txBody>
       </p:sp>
-      <p:sp>
-        <p:nvSpPr>
-          <p:cNvPr id="3" name="Content Placeholder 2"/>
-          <p:cNvSpPr>
-            <a:spLocks noGrp="1"/>
-          </p:cNvSpPr>
-          <p:nvPr>
-            <p:ph idx="1"/>
-          </p:nvPr>
-        </p:nvSpPr>
+      <p:pic>
+        <p:nvPicPr>
+          <p:cNvPr id="3" name="Picture 2"/>
+          <p:cNvPicPr>
+            <a:picLocks noChangeAspect="1"/>
+          </p:cNvPicPr>
+          <p:nvPr/>
+        </p:nvPicPr>
+        <p:blipFill>
+          <a:blip r:embed="rId2">
+            <a:extLst>
+              <a:ext uri="{28A0092B-C50C-407E-A947-70E740481C1C}">
+                <a14:useLocalDpi xmlns:a14="http://schemas.microsoft.com/office/drawing/2010/main" val="0"/>
+              </a:ext>
+            </a:extLst>
+          </a:blip>
+          <a:stretch>
+            <a:fillRect/>
+          </a:stretch>
+        </p:blipFill>
         <p:spPr>
           <a:xfrm>
-            <a:off x="390418" y="1356189"/>
-            <a:ext cx="8640870" cy="4397339"/>
+            <a:off x="248749" y="1345882"/>
+            <a:ext cx="5322057" cy="4171907"/>
           </a:xfrm>
+          <a:prstGeom prst="rect">
+            <a:avLst/>
+          </a:prstGeom>
         </p:spPr>
-        <p:txBody>
-          <a:bodyPr/>
-          <a:lstStyle/>
-          <a:p>
-            <a:pPr marL="0" indent="0">
-              <a:spcBef>
-                <a:spcPts val="0"/>
-              </a:spcBef>
-              <a:buNone/>
-            </a:pPr>
-            <a:r>
-              <a:rPr lang="en-US" sz="1100" dirty="0">
-                <a:latin typeface="Courier New" pitchFamily="49" charset="0"/>
-                <a:cs typeface="Courier New" pitchFamily="49" charset="0"/>
-              </a:rPr>
-              <a:t>CREATE PROCEDURE </a:t>
-            </a:r>
-            <a:r>
-              <a:rPr lang="en-US" sz="1100" dirty="0" err="1">
-                <a:latin typeface="Courier New" pitchFamily="49" charset="0"/>
-                <a:cs typeface="Courier New" pitchFamily="49" charset="0"/>
-              </a:rPr>
-              <a:t>dbo.uspSelectGradesByStudent</a:t>
-            </a:r>
-            <a:endParaRPr lang="en-US" sz="1100" dirty="0">
-              <a:latin typeface="Courier New" pitchFamily="49" charset="0"/>
-              <a:cs typeface="Courier New" pitchFamily="49" charset="0"/>
-            </a:endParaRPr>
-          </a:p>
-          <a:p>
-            <a:pPr marL="0" indent="0">
-              <a:spcBef>
-                <a:spcPts val="0"/>
-              </a:spcBef>
-              <a:buNone/>
-            </a:pPr>
-            <a:r>
-              <a:rPr lang="en-US" sz="1100" dirty="0">
-                <a:latin typeface="Courier New" pitchFamily="49" charset="0"/>
-                <a:cs typeface="Courier New" pitchFamily="49" charset="0"/>
-              </a:rPr>
-              <a:t>(</a:t>
-            </a:r>
-          </a:p>
-          <a:p>
-            <a:pPr marL="0" indent="0">
-              <a:spcBef>
-                <a:spcPts val="0"/>
-              </a:spcBef>
-              <a:buNone/>
-            </a:pPr>
-            <a:r>
-              <a:rPr lang="en-US" sz="1100" dirty="0">
-                <a:latin typeface="Courier New" pitchFamily="49" charset="0"/>
-                <a:cs typeface="Courier New" pitchFamily="49" charset="0"/>
-              </a:rPr>
-              <a:t>	@</a:t>
-            </a:r>
-            <a:r>
-              <a:rPr lang="en-US" sz="1100" dirty="0" err="1">
-                <a:latin typeface="Courier New" pitchFamily="49" charset="0"/>
-                <a:cs typeface="Courier New" pitchFamily="49" charset="0"/>
-              </a:rPr>
-              <a:t>FirstName</a:t>
-            </a:r>
-            <a:r>
-              <a:rPr lang="en-US" sz="1100" dirty="0">
-                <a:latin typeface="Courier New" pitchFamily="49" charset="0"/>
-                <a:cs typeface="Courier New" pitchFamily="49" charset="0"/>
-              </a:rPr>
-              <a:t>		VARCHAR(25) = NULL,</a:t>
-            </a:r>
-          </a:p>
-          <a:p>
-            <a:pPr marL="0" indent="0">
-              <a:spcBef>
-                <a:spcPts val="0"/>
-              </a:spcBef>
-              <a:buNone/>
-            </a:pPr>
-            <a:r>
-              <a:rPr lang="en-US" sz="1100" dirty="0">
-                <a:latin typeface="Courier New" pitchFamily="49" charset="0"/>
-                <a:cs typeface="Courier New" pitchFamily="49" charset="0"/>
-              </a:rPr>
-              <a:t>	@</a:t>
-            </a:r>
-            <a:r>
-              <a:rPr lang="en-US" sz="1100" dirty="0" err="1">
-                <a:latin typeface="Courier New" pitchFamily="49" charset="0"/>
-                <a:cs typeface="Courier New" pitchFamily="49" charset="0"/>
-              </a:rPr>
-              <a:t>LastName</a:t>
-            </a:r>
-            <a:r>
-              <a:rPr lang="en-US" sz="1100" dirty="0">
-                <a:latin typeface="Courier New" pitchFamily="49" charset="0"/>
-                <a:cs typeface="Courier New" pitchFamily="49" charset="0"/>
-              </a:rPr>
-              <a:t>		VARCHAR(25) = NULL</a:t>
-            </a:r>
-          </a:p>
-          <a:p>
-            <a:pPr marL="0" indent="0">
-              <a:spcBef>
-                <a:spcPts val="0"/>
-              </a:spcBef>
-              <a:buNone/>
-            </a:pPr>
-            <a:r>
-              <a:rPr lang="en-US" sz="1100" dirty="0">
-                <a:latin typeface="Courier New" pitchFamily="49" charset="0"/>
-                <a:cs typeface="Courier New" pitchFamily="49" charset="0"/>
-              </a:rPr>
-              <a:t>)</a:t>
-            </a:r>
-          </a:p>
-          <a:p>
-            <a:pPr marL="0" indent="0">
-              <a:spcBef>
-                <a:spcPts val="0"/>
-              </a:spcBef>
-              <a:buNone/>
-            </a:pPr>
-            <a:r>
-              <a:rPr lang="en-US" sz="1100" dirty="0">
-                <a:latin typeface="Courier New" pitchFamily="49" charset="0"/>
-                <a:cs typeface="Courier New" pitchFamily="49" charset="0"/>
-              </a:rPr>
-              <a:t>AS</a:t>
-            </a:r>
-          </a:p>
-          <a:p>
-            <a:pPr marL="0" indent="0">
-              <a:spcBef>
-                <a:spcPts val="0"/>
-              </a:spcBef>
-              <a:buNone/>
-            </a:pPr>
-            <a:r>
-              <a:rPr lang="en-US" sz="1100" dirty="0">
-                <a:latin typeface="Courier New" pitchFamily="49" charset="0"/>
-                <a:cs typeface="Courier New" pitchFamily="49" charset="0"/>
-              </a:rPr>
-              <a:t>BEGIN</a:t>
-            </a:r>
-          </a:p>
-          <a:p>
-            <a:pPr marL="0" indent="0">
-              <a:spcBef>
-                <a:spcPts val="0"/>
-              </a:spcBef>
-              <a:buNone/>
-            </a:pPr>
-            <a:endParaRPr lang="en-US" sz="1100" dirty="0">
-              <a:latin typeface="Courier New" pitchFamily="49" charset="0"/>
-              <a:cs typeface="Courier New" pitchFamily="49" charset="0"/>
-            </a:endParaRPr>
-          </a:p>
-          <a:p>
-            <a:pPr marL="0" indent="0">
-              <a:spcBef>
-                <a:spcPts val="0"/>
-              </a:spcBef>
-              <a:buNone/>
-            </a:pPr>
-            <a:r>
-              <a:rPr lang="en-US" sz="1100" dirty="0">
-                <a:latin typeface="Courier New" pitchFamily="49" charset="0"/>
-                <a:cs typeface="Courier New" pitchFamily="49" charset="0"/>
-              </a:rPr>
-              <a:t>	SELECT</a:t>
-            </a:r>
-          </a:p>
-          <a:p>
-            <a:pPr marL="0" indent="0">
-              <a:spcBef>
-                <a:spcPts val="0"/>
-              </a:spcBef>
-              <a:buNone/>
-            </a:pPr>
-            <a:r>
-              <a:rPr lang="en-US" sz="1100" dirty="0">
-                <a:latin typeface="Courier New" pitchFamily="49" charset="0"/>
-                <a:cs typeface="Courier New" pitchFamily="49" charset="0"/>
-              </a:rPr>
-              <a:t>		</a:t>
-            </a:r>
-            <a:r>
-              <a:rPr lang="en-US" sz="1100" dirty="0" err="1">
-                <a:latin typeface="Courier New" pitchFamily="49" charset="0"/>
-                <a:cs typeface="Courier New" pitchFamily="49" charset="0"/>
-              </a:rPr>
-              <a:t>FirstName</a:t>
-            </a:r>
-            <a:r>
-              <a:rPr lang="en-US" sz="1100" dirty="0">
-                <a:latin typeface="Courier New" pitchFamily="49" charset="0"/>
-                <a:cs typeface="Courier New" pitchFamily="49" charset="0"/>
-              </a:rPr>
-              <a:t>,</a:t>
-            </a:r>
-          </a:p>
-          <a:p>
-            <a:pPr marL="0" indent="0">
-              <a:spcBef>
-                <a:spcPts val="0"/>
-              </a:spcBef>
-              <a:buNone/>
-            </a:pPr>
-            <a:r>
-              <a:rPr lang="en-US" sz="1100" dirty="0">
-                <a:latin typeface="Courier New" pitchFamily="49" charset="0"/>
-                <a:cs typeface="Courier New" pitchFamily="49" charset="0"/>
-              </a:rPr>
-              <a:t>		</a:t>
-            </a:r>
-            <a:r>
-              <a:rPr lang="en-US" sz="1100" dirty="0" err="1">
-                <a:latin typeface="Courier New" pitchFamily="49" charset="0"/>
-                <a:cs typeface="Courier New" pitchFamily="49" charset="0"/>
-              </a:rPr>
-              <a:t>LastName</a:t>
-            </a:r>
-            <a:r>
-              <a:rPr lang="en-US" sz="1100" dirty="0">
-                <a:latin typeface="Courier New" pitchFamily="49" charset="0"/>
-                <a:cs typeface="Courier New" pitchFamily="49" charset="0"/>
-              </a:rPr>
-              <a:t>,</a:t>
-            </a:r>
-          </a:p>
-          <a:p>
-            <a:pPr marL="0" indent="0">
-              <a:spcBef>
-                <a:spcPts val="0"/>
-              </a:spcBef>
-              <a:buNone/>
-            </a:pPr>
-            <a:r>
-              <a:rPr lang="en-US" sz="1100" dirty="0">
-                <a:latin typeface="Courier New" pitchFamily="49" charset="0"/>
-                <a:cs typeface="Courier New" pitchFamily="49" charset="0"/>
-              </a:rPr>
-              <a:t>		GPA</a:t>
-            </a:r>
-          </a:p>
-          <a:p>
-            <a:pPr marL="0" indent="0">
-              <a:spcBef>
-                <a:spcPts val="0"/>
-              </a:spcBef>
-              <a:buNone/>
-            </a:pPr>
-            <a:r>
-              <a:rPr lang="en-US" sz="1100" dirty="0">
-                <a:latin typeface="Courier New" pitchFamily="49" charset="0"/>
-                <a:cs typeface="Courier New" pitchFamily="49" charset="0"/>
-              </a:rPr>
-              <a:t>	FROM</a:t>
-            </a:r>
-          </a:p>
-          <a:p>
-            <a:pPr marL="0" indent="0">
-              <a:spcBef>
-                <a:spcPts val="0"/>
-              </a:spcBef>
-              <a:buNone/>
-            </a:pPr>
-            <a:r>
-              <a:rPr lang="en-US" sz="1100" dirty="0">
-                <a:latin typeface="Courier New" pitchFamily="49" charset="0"/>
-                <a:cs typeface="Courier New" pitchFamily="49" charset="0"/>
-              </a:rPr>
-              <a:t>		</a:t>
-            </a:r>
-            <a:r>
-              <a:rPr lang="en-US" sz="1100" dirty="0" err="1">
-                <a:latin typeface="Courier New" pitchFamily="49" charset="0"/>
-                <a:cs typeface="Courier New" pitchFamily="49" charset="0"/>
-              </a:rPr>
-              <a:t>dbo.Students</a:t>
-            </a:r>
-            <a:endParaRPr lang="en-US" sz="1100" dirty="0">
-              <a:latin typeface="Courier New" pitchFamily="49" charset="0"/>
-              <a:cs typeface="Courier New" pitchFamily="49" charset="0"/>
-            </a:endParaRPr>
-          </a:p>
-          <a:p>
-            <a:pPr marL="0" indent="0">
-              <a:spcBef>
-                <a:spcPts val="0"/>
-              </a:spcBef>
-              <a:buNone/>
-            </a:pPr>
-            <a:r>
-              <a:rPr lang="en-US" sz="1100" dirty="0">
-                <a:latin typeface="Courier New" pitchFamily="49" charset="0"/>
-                <a:cs typeface="Courier New" pitchFamily="49" charset="0"/>
-              </a:rPr>
-              <a:t>	WHERE</a:t>
-            </a:r>
-          </a:p>
-          <a:p>
-            <a:pPr marL="0" indent="0">
-              <a:spcBef>
-                <a:spcPts val="0"/>
-              </a:spcBef>
-              <a:buNone/>
-            </a:pPr>
-            <a:r>
-              <a:rPr lang="en-US" sz="1100" dirty="0">
-                <a:latin typeface="Courier New" pitchFamily="49" charset="0"/>
-                <a:cs typeface="Courier New" pitchFamily="49" charset="0"/>
-              </a:rPr>
-              <a:t>		(@</a:t>
-            </a:r>
-            <a:r>
-              <a:rPr lang="en-US" sz="1100" dirty="0" err="1">
-                <a:latin typeface="Courier New" pitchFamily="49" charset="0"/>
-                <a:cs typeface="Courier New" pitchFamily="49" charset="0"/>
-              </a:rPr>
-              <a:t>FirstName</a:t>
-            </a:r>
-            <a:r>
-              <a:rPr lang="en-US" sz="1100" dirty="0">
-                <a:latin typeface="Courier New" pitchFamily="49" charset="0"/>
-                <a:cs typeface="Courier New" pitchFamily="49" charset="0"/>
-              </a:rPr>
-              <a:t> IS NULL</a:t>
-            </a:r>
-          </a:p>
-          <a:p>
-            <a:pPr marL="0" indent="0">
-              <a:spcBef>
-                <a:spcPts val="0"/>
-              </a:spcBef>
-              <a:buNone/>
-            </a:pPr>
-            <a:r>
-              <a:rPr lang="en-US" sz="1100" dirty="0">
-                <a:latin typeface="Courier New" pitchFamily="49" charset="0"/>
-                <a:cs typeface="Courier New" pitchFamily="49" charset="0"/>
-              </a:rPr>
-              <a:t>			OR</a:t>
-            </a:r>
-          </a:p>
-          <a:p>
-            <a:pPr marL="0" indent="0">
-              <a:spcBef>
-                <a:spcPts val="0"/>
-              </a:spcBef>
-              <a:buNone/>
-            </a:pPr>
-            <a:r>
-              <a:rPr lang="en-US" sz="1100" dirty="0">
-                <a:latin typeface="Courier New" pitchFamily="49" charset="0"/>
-                <a:cs typeface="Courier New" pitchFamily="49" charset="0"/>
-              </a:rPr>
-              <a:t>			</a:t>
-            </a:r>
-            <a:r>
-              <a:rPr lang="en-US" sz="1100" dirty="0" err="1">
-                <a:latin typeface="Courier New" pitchFamily="49" charset="0"/>
-                <a:cs typeface="Courier New" pitchFamily="49" charset="0"/>
-              </a:rPr>
-              <a:t>FirstName</a:t>
-            </a:r>
-            <a:r>
-              <a:rPr lang="en-US" sz="1100" dirty="0">
-                <a:latin typeface="Courier New" pitchFamily="49" charset="0"/>
-                <a:cs typeface="Courier New" pitchFamily="49" charset="0"/>
-              </a:rPr>
-              <a:t> = @</a:t>
-            </a:r>
-            <a:r>
-              <a:rPr lang="en-US" sz="1100" dirty="0" err="1">
-                <a:latin typeface="Courier New" pitchFamily="49" charset="0"/>
-                <a:cs typeface="Courier New" pitchFamily="49" charset="0"/>
-              </a:rPr>
-              <a:t>FirstName</a:t>
-            </a:r>
-            <a:r>
-              <a:rPr lang="en-US" sz="1100" dirty="0">
-                <a:latin typeface="Courier New" pitchFamily="49" charset="0"/>
-                <a:cs typeface="Courier New" pitchFamily="49" charset="0"/>
-              </a:rPr>
-              <a:t>)</a:t>
-            </a:r>
-          </a:p>
-          <a:p>
-            <a:pPr marL="0" indent="0">
-              <a:spcBef>
-                <a:spcPts val="0"/>
-              </a:spcBef>
-              <a:buNone/>
-            </a:pPr>
-            <a:r>
-              <a:rPr lang="en-US" sz="1100" dirty="0">
-                <a:latin typeface="Courier New" pitchFamily="49" charset="0"/>
-                <a:cs typeface="Courier New" pitchFamily="49" charset="0"/>
-              </a:rPr>
-              <a:t>		AND</a:t>
-            </a:r>
-          </a:p>
-          <a:p>
-            <a:pPr marL="0" indent="0">
-              <a:spcBef>
-                <a:spcPts val="0"/>
-              </a:spcBef>
-              <a:buNone/>
-            </a:pPr>
-            <a:r>
-              <a:rPr lang="en-US" sz="1100" dirty="0">
-                <a:latin typeface="Courier New" pitchFamily="49" charset="0"/>
-                <a:cs typeface="Courier New" pitchFamily="49" charset="0"/>
-              </a:rPr>
-              <a:t>		(@</a:t>
-            </a:r>
-            <a:r>
-              <a:rPr lang="en-US" sz="1100" dirty="0" err="1">
-                <a:latin typeface="Courier New" pitchFamily="49" charset="0"/>
-                <a:cs typeface="Courier New" pitchFamily="49" charset="0"/>
-              </a:rPr>
-              <a:t>LastName</a:t>
-            </a:r>
-            <a:r>
-              <a:rPr lang="en-US" sz="1100" dirty="0">
-                <a:latin typeface="Courier New" pitchFamily="49" charset="0"/>
-                <a:cs typeface="Courier New" pitchFamily="49" charset="0"/>
-              </a:rPr>
-              <a:t> IS NULL</a:t>
-            </a:r>
-          </a:p>
-          <a:p>
-            <a:pPr marL="0" indent="0">
-              <a:spcBef>
-                <a:spcPts val="0"/>
-              </a:spcBef>
-              <a:buNone/>
-            </a:pPr>
-            <a:r>
-              <a:rPr lang="en-US" sz="1100" dirty="0">
-                <a:latin typeface="Courier New" pitchFamily="49" charset="0"/>
-                <a:cs typeface="Courier New" pitchFamily="49" charset="0"/>
-              </a:rPr>
-              <a:t>			OR</a:t>
-            </a:r>
-          </a:p>
-          <a:p>
-            <a:pPr marL="0" indent="0">
-              <a:spcBef>
-                <a:spcPts val="0"/>
-              </a:spcBef>
-              <a:buNone/>
-            </a:pPr>
-            <a:r>
-              <a:rPr lang="en-US" sz="1100" dirty="0">
-                <a:latin typeface="Courier New" pitchFamily="49" charset="0"/>
-                <a:cs typeface="Courier New" pitchFamily="49" charset="0"/>
-              </a:rPr>
-              <a:t>			</a:t>
-            </a:r>
-            <a:r>
-              <a:rPr lang="en-US" sz="1100" dirty="0" err="1">
-                <a:latin typeface="Courier New" pitchFamily="49" charset="0"/>
-                <a:cs typeface="Courier New" pitchFamily="49" charset="0"/>
-              </a:rPr>
-              <a:t>LastName</a:t>
-            </a:r>
-            <a:r>
-              <a:rPr lang="en-US" sz="1100" dirty="0">
-                <a:latin typeface="Courier New" pitchFamily="49" charset="0"/>
-                <a:cs typeface="Courier New" pitchFamily="49" charset="0"/>
-              </a:rPr>
-              <a:t> = @</a:t>
-            </a:r>
-            <a:r>
-              <a:rPr lang="en-US" sz="1100" dirty="0" err="1">
-                <a:latin typeface="Courier New" pitchFamily="49" charset="0"/>
-                <a:cs typeface="Courier New" pitchFamily="49" charset="0"/>
-              </a:rPr>
-              <a:t>LastName</a:t>
-            </a:r>
-            <a:r>
-              <a:rPr lang="en-US" sz="1100" dirty="0">
-                <a:latin typeface="Courier New" pitchFamily="49" charset="0"/>
-                <a:cs typeface="Courier New" pitchFamily="49" charset="0"/>
-              </a:rPr>
-              <a:t>)</a:t>
-            </a:r>
-          </a:p>
-          <a:p>
-            <a:pPr marL="0" indent="0">
-              <a:spcBef>
-                <a:spcPts val="0"/>
-              </a:spcBef>
-              <a:buNone/>
-            </a:pPr>
-            <a:endParaRPr lang="en-US" sz="1100" dirty="0">
-              <a:latin typeface="Courier New" pitchFamily="49" charset="0"/>
-              <a:cs typeface="Courier New" pitchFamily="49" charset="0"/>
-            </a:endParaRPr>
-          </a:p>
-          <a:p>
-            <a:pPr marL="0" indent="0">
-              <a:spcBef>
-                <a:spcPts val="0"/>
-              </a:spcBef>
-              <a:buNone/>
-            </a:pPr>
-            <a:r>
-              <a:rPr lang="en-US" sz="1100" dirty="0">
-                <a:latin typeface="Courier New" pitchFamily="49" charset="0"/>
-                <a:cs typeface="Courier New" pitchFamily="49" charset="0"/>
-              </a:rPr>
-              <a:t>END;</a:t>
-            </a:r>
-          </a:p>
-        </p:txBody>
-      </p:sp>
+      </p:pic>
     </p:spTree>
     <p:extLst>
       <p:ext uri="{BB962C8B-B14F-4D97-AF65-F5344CB8AC3E}">
-        <p14:creationId xmlns:p14="http://schemas.microsoft.com/office/powerpoint/2010/main" val="2501099042"/>
+        <p14:creationId xmlns:p14="http://schemas.microsoft.com/office/powerpoint/2010/main" val="3434753538"/>
       </p:ext>
     </p:extLst>
   </p:cSld>
@@ -9561,18 +7764,18 @@
           <a:lstStyle/>
           <a:p>
             <a:r>
-              <a:rPr lang="en-US" dirty="0">
-                <a:latin typeface="Arial" pitchFamily="34" charset="0"/>
-                <a:cs typeface="Arial" pitchFamily="34" charset="0"/>
-              </a:rPr>
-              <a:t>Use Stored Procedures in Data </a:t>
-            </a:r>
-            <a:r>
               <a:rPr lang="en-US" dirty="0" smtClean="0">
                 <a:latin typeface="Arial" pitchFamily="34" charset="0"/>
                 <a:cs typeface="Arial" pitchFamily="34" charset="0"/>
               </a:rPr>
-              <a:t>Layer, part 5</a:t>
+              <a:t>Installing SQL Server R Services, part </a:t>
+            </a:r>
+            <a:r>
+              <a:rPr lang="en-US" dirty="0" smtClean="0">
+                <a:latin typeface="Arial" pitchFamily="34" charset="0"/>
+                <a:cs typeface="Arial" pitchFamily="34" charset="0"/>
+              </a:rPr>
+              <a:t>8</a:t>
             </a:r>
             <a:endParaRPr lang="en-US" dirty="0">
               <a:latin typeface="Arial" pitchFamily="34" charset="0"/>
@@ -9608,37 +7811,23 @@
               <a:buNone/>
             </a:pPr>
             <a:r>
-              <a:rPr lang="en-US" sz="1100" dirty="0">
-                <a:latin typeface="Courier New" pitchFamily="49" charset="0"/>
-                <a:cs typeface="Courier New" pitchFamily="49" charset="0"/>
-              </a:rPr>
-              <a:t>--	Parameterized SQL example</a:t>
-            </a:r>
-          </a:p>
-          <a:p>
-            <a:pPr marL="0" indent="0">
-              <a:spcBef>
-                <a:spcPts val="0"/>
-              </a:spcBef>
-              <a:buNone/>
-            </a:pPr>
-            <a:r>
-              <a:rPr lang="en-US" sz="1100" dirty="0">
-                <a:latin typeface="Courier New" pitchFamily="49" charset="0"/>
-                <a:cs typeface="Courier New" pitchFamily="49" charset="0"/>
-              </a:rPr>
-              <a:t>CREATE PROCEDURE </a:t>
-            </a:r>
-            <a:r>
-              <a:rPr lang="en-US" sz="1100" dirty="0" err="1">
-                <a:latin typeface="Courier New" pitchFamily="49" charset="0"/>
-                <a:cs typeface="Courier New" pitchFamily="49" charset="0"/>
-              </a:rPr>
-              <a:t>dbo.uspSelectGradesByStudent</a:t>
-            </a:r>
-            <a:endParaRPr lang="en-US" sz="1100" dirty="0">
-              <a:latin typeface="Courier New" pitchFamily="49" charset="0"/>
-              <a:cs typeface="Courier New" pitchFamily="49" charset="0"/>
+              <a:rPr lang="en-US" dirty="0" smtClean="0">
+                <a:latin typeface="Arial" pitchFamily="34" charset="0"/>
+                <a:cs typeface="Arial" pitchFamily="34" charset="0"/>
+              </a:rPr>
+              <a:t>Post-installation scripts and configuration</a:t>
+            </a:r>
+          </a:p>
+          <a:p>
+            <a:pPr marL="0" indent="0">
+              <a:spcBef>
+                <a:spcPts val="0"/>
+              </a:spcBef>
+              <a:buNone/>
+            </a:pPr>
+            <a:endParaRPr lang="en-US" dirty="0" smtClean="0">
+              <a:latin typeface="Arial" pitchFamily="34" charset="0"/>
+              <a:cs typeface="Arial" pitchFamily="34" charset="0"/>
             </a:endParaRPr>
           </a:p>
           <a:p>
@@ -9649,126 +7838,15 @@
               <a:buNone/>
             </a:pPr>
             <a:r>
-              <a:rPr lang="en-US" sz="1100" dirty="0">
-                <a:latin typeface="Courier New" pitchFamily="49" charset="0"/>
-                <a:cs typeface="Courier New" pitchFamily="49" charset="0"/>
-              </a:rPr>
-              <a:t>(</a:t>
-            </a:r>
-          </a:p>
-          <a:p>
-            <a:pPr marL="0" indent="0">
-              <a:spcBef>
-                <a:spcPts val="0"/>
-              </a:spcBef>
-              <a:buNone/>
-            </a:pPr>
-            <a:r>
-              <a:rPr lang="en-US" sz="1100" dirty="0">
-                <a:latin typeface="Courier New" pitchFamily="49" charset="0"/>
-                <a:cs typeface="Courier New" pitchFamily="49" charset="0"/>
-              </a:rPr>
-              <a:t>	@</a:t>
-            </a:r>
-            <a:r>
-              <a:rPr lang="en-US" sz="1100" dirty="0" err="1">
-                <a:latin typeface="Courier New" pitchFamily="49" charset="0"/>
-                <a:cs typeface="Courier New" pitchFamily="49" charset="0"/>
-              </a:rPr>
-              <a:t>FirstName</a:t>
-            </a:r>
-            <a:r>
-              <a:rPr lang="en-US" sz="1100" dirty="0">
-                <a:latin typeface="Courier New" pitchFamily="49" charset="0"/>
-                <a:cs typeface="Courier New" pitchFamily="49" charset="0"/>
-              </a:rPr>
-              <a:t>		VARCHAR(25),</a:t>
-            </a:r>
-          </a:p>
-          <a:p>
-            <a:pPr marL="0" indent="0">
-              <a:spcBef>
-                <a:spcPts val="0"/>
-              </a:spcBef>
-              <a:buNone/>
-            </a:pPr>
-            <a:r>
-              <a:rPr lang="en-US" sz="1100" dirty="0">
-                <a:latin typeface="Courier New" pitchFamily="49" charset="0"/>
-                <a:cs typeface="Courier New" pitchFamily="49" charset="0"/>
-              </a:rPr>
-              <a:t>	@</a:t>
-            </a:r>
-            <a:r>
-              <a:rPr lang="en-US" sz="1100" dirty="0" err="1">
-                <a:latin typeface="Courier New" pitchFamily="49" charset="0"/>
-                <a:cs typeface="Courier New" pitchFamily="49" charset="0"/>
-              </a:rPr>
-              <a:t>LastName</a:t>
-            </a:r>
-            <a:r>
-              <a:rPr lang="en-US" sz="1100" dirty="0">
-                <a:latin typeface="Courier New" pitchFamily="49" charset="0"/>
-                <a:cs typeface="Courier New" pitchFamily="49" charset="0"/>
-              </a:rPr>
-              <a:t>		VARCHAR(25)</a:t>
-            </a:r>
-          </a:p>
-          <a:p>
-            <a:pPr marL="0" indent="0">
-              <a:spcBef>
-                <a:spcPts val="0"/>
-              </a:spcBef>
-              <a:buNone/>
-            </a:pPr>
-            <a:r>
-              <a:rPr lang="en-US" sz="1100" dirty="0">
-                <a:latin typeface="Courier New" pitchFamily="49" charset="0"/>
-                <a:cs typeface="Courier New" pitchFamily="49" charset="0"/>
-              </a:rPr>
-              <a:t>)</a:t>
-            </a:r>
-          </a:p>
-          <a:p>
-            <a:pPr marL="0" indent="0">
-              <a:spcBef>
-                <a:spcPts val="0"/>
-              </a:spcBef>
-              <a:buNone/>
-            </a:pPr>
-            <a:r>
-              <a:rPr lang="en-US" sz="1100" dirty="0">
-                <a:latin typeface="Courier New" pitchFamily="49" charset="0"/>
-                <a:cs typeface="Courier New" pitchFamily="49" charset="0"/>
-              </a:rPr>
-              <a:t>AS</a:t>
-            </a:r>
-          </a:p>
-          <a:p>
-            <a:pPr marL="0" indent="0">
-              <a:spcBef>
-                <a:spcPts val="0"/>
-              </a:spcBef>
-              <a:buNone/>
-            </a:pPr>
-            <a:r>
-              <a:rPr lang="en-US" sz="1100" dirty="0">
-                <a:latin typeface="Courier New" pitchFamily="49" charset="0"/>
-                <a:cs typeface="Courier New" pitchFamily="49" charset="0"/>
-              </a:rPr>
-              <a:t>BEGIN</a:t>
-            </a:r>
-          </a:p>
-          <a:p>
-            <a:pPr marL="0" indent="0">
-              <a:spcBef>
-                <a:spcPts val="0"/>
-              </a:spcBef>
-              <a:buNone/>
-            </a:pPr>
-            <a:endParaRPr lang="en-US" sz="1100" dirty="0">
-              <a:latin typeface="Courier New" pitchFamily="49" charset="0"/>
-              <a:cs typeface="Courier New" pitchFamily="49" charset="0"/>
+              <a:rPr lang="en-US" dirty="0" smtClean="0">
+                <a:latin typeface="Arial" pitchFamily="34" charset="0"/>
+                <a:cs typeface="Arial" pitchFamily="34" charset="0"/>
+              </a:rPr>
+              <a:t>1.  Enable external scripts</a:t>
+            </a:r>
+            <a:endParaRPr lang="en-US" dirty="0">
+              <a:latin typeface="Arial" pitchFamily="34" charset="0"/>
+              <a:cs typeface="Arial" pitchFamily="34" charset="0"/>
             </a:endParaRPr>
           </a:p>
           <a:p>
@@ -9779,38 +7857,44 @@
               <a:buNone/>
             </a:pPr>
             <a:r>
-              <a:rPr lang="en-US" sz="1100" dirty="0">
-                <a:latin typeface="Courier New" pitchFamily="49" charset="0"/>
-                <a:cs typeface="Courier New" pitchFamily="49" charset="0"/>
-              </a:rPr>
-              <a:t>	DECLARE @Query		NVARCHAR(4000);</a:t>
-            </a:r>
-          </a:p>
-          <a:p>
-            <a:pPr marL="0" indent="0">
-              <a:spcBef>
-                <a:spcPts val="0"/>
-              </a:spcBef>
-              <a:buNone/>
-            </a:pPr>
-            <a:r>
-              <a:rPr lang="en-US" sz="1100" dirty="0">
-                <a:latin typeface="Courier New" pitchFamily="49" charset="0"/>
-                <a:cs typeface="Courier New" pitchFamily="49" charset="0"/>
-              </a:rPr>
-              <a:t>	DECLARE @Parameters		NVARCHAR(500);</a:t>
-            </a:r>
-          </a:p>
-          <a:p>
-            <a:pPr marL="0" indent="0">
-              <a:spcBef>
-                <a:spcPts val="0"/>
-              </a:spcBef>
-              <a:buNone/>
-            </a:pPr>
-            <a:endParaRPr lang="en-US" sz="1100" dirty="0">
-              <a:latin typeface="Courier New" pitchFamily="49" charset="0"/>
-              <a:cs typeface="Courier New" pitchFamily="49" charset="0"/>
+              <a:rPr lang="en-US" sz="2000" dirty="0" smtClean="0">
+                <a:latin typeface="Courier New" panose="02070309020205020404" pitchFamily="49" charset="0"/>
+                <a:cs typeface="Courier New" panose="02070309020205020404" pitchFamily="49" charset="0"/>
+              </a:rPr>
+              <a:t>EXEC </a:t>
+            </a:r>
+            <a:r>
+              <a:rPr lang="en-US" sz="2000" dirty="0" err="1">
+                <a:latin typeface="Courier New" panose="02070309020205020404" pitchFamily="49" charset="0"/>
+                <a:cs typeface="Courier New" panose="02070309020205020404" pitchFamily="49" charset="0"/>
+              </a:rPr>
+              <a:t>sp_configure</a:t>
+            </a:r>
+            <a:r>
+              <a:rPr lang="en-US" sz="2000" dirty="0">
+                <a:latin typeface="Courier New" panose="02070309020205020404" pitchFamily="49" charset="0"/>
+                <a:cs typeface="Courier New" panose="02070309020205020404" pitchFamily="49" charset="0"/>
+              </a:rPr>
+              <a:t> 'external scripts enabled', 1; </a:t>
+            </a:r>
+          </a:p>
+          <a:p>
+            <a:pPr marL="0" indent="0">
+              <a:spcBef>
+                <a:spcPts val="0"/>
+              </a:spcBef>
+              <a:buNone/>
+            </a:pPr>
+            <a:r>
+              <a:rPr lang="en-US" sz="2000" dirty="0" smtClean="0">
+                <a:latin typeface="Courier New" panose="02070309020205020404" pitchFamily="49" charset="0"/>
+                <a:cs typeface="Courier New" panose="02070309020205020404" pitchFamily="49" charset="0"/>
+              </a:rPr>
+              <a:t>RECONFIGURE;</a:t>
+            </a:r>
+            <a:endParaRPr lang="en-US" sz="2000" dirty="0" smtClean="0">
+              <a:latin typeface="Courier New" panose="02070309020205020404" pitchFamily="49" charset="0"/>
+              <a:cs typeface="Courier New" panose="02070309020205020404" pitchFamily="49" charset="0"/>
             </a:endParaRPr>
           </a:p>
           <a:p>
@@ -9820,52 +7904,9 @@
               </a:spcBef>
               <a:buNone/>
             </a:pPr>
-            <a:r>
-              <a:rPr lang="en-US" sz="1100" dirty="0">
-                <a:latin typeface="Courier New" pitchFamily="49" charset="0"/>
-                <a:cs typeface="Courier New" pitchFamily="49" charset="0"/>
-              </a:rPr>
-              <a:t>	SET @Parameters = '@</a:t>
-            </a:r>
-            <a:r>
-              <a:rPr lang="en-US" sz="1100" dirty="0" err="1">
-                <a:latin typeface="Courier New" pitchFamily="49" charset="0"/>
-                <a:cs typeface="Courier New" pitchFamily="49" charset="0"/>
-              </a:rPr>
-              <a:t>LastName</a:t>
-            </a:r>
-            <a:r>
-              <a:rPr lang="en-US" sz="1100" dirty="0">
-                <a:latin typeface="Courier New" pitchFamily="49" charset="0"/>
-                <a:cs typeface="Courier New" pitchFamily="49" charset="0"/>
-              </a:rPr>
-              <a:t> VARCHAR(25), @</a:t>
-            </a:r>
-            <a:r>
-              <a:rPr lang="en-US" sz="1100" dirty="0" err="1">
-                <a:latin typeface="Courier New" pitchFamily="49" charset="0"/>
-                <a:cs typeface="Courier New" pitchFamily="49" charset="0"/>
-              </a:rPr>
-              <a:t>FirstName</a:t>
-            </a:r>
-            <a:r>
-              <a:rPr lang="en-US" sz="1100" dirty="0">
-                <a:latin typeface="Courier New" pitchFamily="49" charset="0"/>
-                <a:cs typeface="Courier New" pitchFamily="49" charset="0"/>
-              </a:rPr>
-              <a:t> VARCHAR(25)';</a:t>
-            </a:r>
-          </a:p>
-          <a:p>
-            <a:pPr marL="0" indent="0">
-              <a:spcBef>
-                <a:spcPts val="0"/>
-              </a:spcBef>
-              <a:buNone/>
-            </a:pPr>
-            <a:endParaRPr lang="en-US" sz="1100" dirty="0">
-              <a:latin typeface="Courier New" pitchFamily="49" charset="0"/>
-              <a:cs typeface="Courier New" pitchFamily="49" charset="0"/>
+            <a:endParaRPr lang="en-US" dirty="0" smtClean="0">
+              <a:latin typeface="Arial" pitchFamily="34" charset="0"/>
+              <a:cs typeface="Arial" pitchFamily="34" charset="0"/>
             </a:endParaRPr>
           </a:p>
           <a:p>
@@ -9876,151 +7917,23 @@
               <a:buNone/>
             </a:pPr>
             <a:r>
-              <a:rPr lang="en-US" sz="1100" dirty="0">
-                <a:latin typeface="Courier New" pitchFamily="49" charset="0"/>
-                <a:cs typeface="Courier New" pitchFamily="49" charset="0"/>
-              </a:rPr>
-              <a:t>	SET @Query = 'SELECT </a:t>
-            </a:r>
-            <a:r>
-              <a:rPr lang="en-US" sz="1100" dirty="0" err="1">
-                <a:latin typeface="Courier New" pitchFamily="49" charset="0"/>
-                <a:cs typeface="Courier New" pitchFamily="49" charset="0"/>
-              </a:rPr>
-              <a:t>FirstName</a:t>
-            </a:r>
-            <a:r>
-              <a:rPr lang="en-US" sz="1100" dirty="0">
-                <a:latin typeface="Courier New" pitchFamily="49" charset="0"/>
-                <a:cs typeface="Courier New" pitchFamily="49" charset="0"/>
-              </a:rPr>
-              <a:t>, </a:t>
-            </a:r>
-            <a:r>
-              <a:rPr lang="en-US" sz="1100" dirty="0" err="1">
-                <a:latin typeface="Courier New" pitchFamily="49" charset="0"/>
-                <a:cs typeface="Courier New" pitchFamily="49" charset="0"/>
-              </a:rPr>
-              <a:t>LastName</a:t>
-            </a:r>
-            <a:r>
-              <a:rPr lang="en-US" sz="1100" dirty="0">
-                <a:latin typeface="Courier New" pitchFamily="49" charset="0"/>
-                <a:cs typeface="Courier New" pitchFamily="49" charset="0"/>
-              </a:rPr>
-              <a:t>, GPA FROM </a:t>
-            </a:r>
-            <a:r>
-              <a:rPr lang="en-US" sz="1100" dirty="0" err="1">
-                <a:latin typeface="Courier New" pitchFamily="49" charset="0"/>
-                <a:cs typeface="Courier New" pitchFamily="49" charset="0"/>
-              </a:rPr>
-              <a:t>dbo.Students</a:t>
-            </a:r>
-            <a:r>
-              <a:rPr lang="en-US" sz="1100" dirty="0">
-                <a:latin typeface="Courier New" pitchFamily="49" charset="0"/>
-                <a:cs typeface="Courier New" pitchFamily="49" charset="0"/>
-              </a:rPr>
-              <a:t> WHERE ';</a:t>
-            </a:r>
-          </a:p>
-          <a:p>
-            <a:pPr marL="0" indent="0">
-              <a:spcBef>
-                <a:spcPts val="0"/>
-              </a:spcBef>
-              <a:buNone/>
-            </a:pPr>
-            <a:r>
-              <a:rPr lang="en-US" sz="1100" dirty="0">
-                <a:latin typeface="Courier New" pitchFamily="49" charset="0"/>
-                <a:cs typeface="Courier New" pitchFamily="49" charset="0"/>
-              </a:rPr>
-              <a:t>	SET @Query = @Query + '</a:t>
-            </a:r>
-            <a:r>
-              <a:rPr lang="en-US" sz="1100" dirty="0" err="1">
-                <a:latin typeface="Courier New" pitchFamily="49" charset="0"/>
-                <a:cs typeface="Courier New" pitchFamily="49" charset="0"/>
-              </a:rPr>
-              <a:t>FirstName</a:t>
-            </a:r>
-            <a:r>
-              <a:rPr lang="en-US" sz="1100" dirty="0">
-                <a:latin typeface="Courier New" pitchFamily="49" charset="0"/>
-                <a:cs typeface="Courier New" pitchFamily="49" charset="0"/>
-              </a:rPr>
-              <a:t> = ''' + @</a:t>
-            </a:r>
-            <a:r>
-              <a:rPr lang="en-US" sz="1100" dirty="0" err="1">
-                <a:latin typeface="Courier New" pitchFamily="49" charset="0"/>
-                <a:cs typeface="Courier New" pitchFamily="49" charset="0"/>
-              </a:rPr>
-              <a:t>FirstName</a:t>
-            </a:r>
-            <a:r>
-              <a:rPr lang="en-US" sz="1100" dirty="0">
-                <a:latin typeface="Courier New" pitchFamily="49" charset="0"/>
-                <a:cs typeface="Courier New" pitchFamily="49" charset="0"/>
-              </a:rPr>
-              <a:t> + ''' AND </a:t>
-            </a:r>
-            <a:r>
-              <a:rPr lang="en-US" sz="1100" dirty="0" err="1">
-                <a:latin typeface="Courier New" pitchFamily="49" charset="0"/>
-                <a:cs typeface="Courier New" pitchFamily="49" charset="0"/>
-              </a:rPr>
-              <a:t>LastName</a:t>
-            </a:r>
-            <a:r>
-              <a:rPr lang="en-US" sz="1100" dirty="0">
-                <a:latin typeface="Courier New" pitchFamily="49" charset="0"/>
-                <a:cs typeface="Courier New" pitchFamily="49" charset="0"/>
-              </a:rPr>
-              <a:t> = ';</a:t>
-            </a:r>
-          </a:p>
-          <a:p>
-            <a:pPr marL="0" indent="0">
-              <a:spcBef>
-                <a:spcPts val="0"/>
-              </a:spcBef>
-              <a:buNone/>
-            </a:pPr>
-            <a:r>
-              <a:rPr lang="en-US" sz="1100" dirty="0">
-                <a:latin typeface="Courier New" pitchFamily="49" charset="0"/>
-                <a:cs typeface="Courier New" pitchFamily="49" charset="0"/>
-              </a:rPr>
-              <a:t>	SET @Query = @Query + '''' + @</a:t>
-            </a:r>
-            <a:r>
-              <a:rPr lang="en-US" sz="1100" dirty="0" err="1">
-                <a:latin typeface="Courier New" pitchFamily="49" charset="0"/>
-                <a:cs typeface="Courier New" pitchFamily="49" charset="0"/>
-              </a:rPr>
-              <a:t>LastName</a:t>
-            </a:r>
-            <a:r>
-              <a:rPr lang="en-US" sz="1100" dirty="0">
-                <a:latin typeface="Courier New" pitchFamily="49" charset="0"/>
-                <a:cs typeface="Courier New" pitchFamily="49" charset="0"/>
-              </a:rPr>
-              <a:t> + '''';</a:t>
-            </a:r>
-          </a:p>
-          <a:p>
-            <a:pPr marL="0" indent="0">
-              <a:spcBef>
-                <a:spcPts val="0"/>
-              </a:spcBef>
-              <a:buNone/>
-            </a:pPr>
-            <a:endParaRPr lang="en-US" sz="1100" dirty="0">
-              <a:latin typeface="Courier New" pitchFamily="49" charset="0"/>
-              <a:cs typeface="Courier New" pitchFamily="49" charset="0"/>
+              <a:rPr lang="en-US" dirty="0" smtClean="0">
+                <a:latin typeface="Arial" pitchFamily="34" charset="0"/>
+                <a:cs typeface="Arial" pitchFamily="34" charset="0"/>
+              </a:rPr>
+              <a:t>2.  Configure memory appropriately</a:t>
+            </a:r>
+          </a:p>
+          <a:p>
+            <a:pPr marL="0" indent="0">
+              <a:spcBef>
+                <a:spcPts val="0"/>
+              </a:spcBef>
+              <a:buNone/>
+            </a:pPr>
+            <a:endParaRPr lang="en-US" dirty="0" smtClean="0">
+              <a:latin typeface="Arial" pitchFamily="34" charset="0"/>
+              <a:cs typeface="Arial" pitchFamily="34" charset="0"/>
             </a:endParaRPr>
           </a:p>
           <a:p>
@@ -10031,65 +7944,23 @@
               <a:buNone/>
             </a:pPr>
             <a:r>
-              <a:rPr lang="en-US" sz="1100" dirty="0">
-                <a:latin typeface="Courier New" pitchFamily="49" charset="0"/>
-                <a:cs typeface="Courier New" pitchFamily="49" charset="0"/>
-              </a:rPr>
-              <a:t>	EXEC </a:t>
-            </a:r>
-            <a:r>
-              <a:rPr lang="en-US" sz="1100" dirty="0" err="1">
-                <a:latin typeface="Courier New" pitchFamily="49" charset="0"/>
-                <a:cs typeface="Courier New" pitchFamily="49" charset="0"/>
-              </a:rPr>
-              <a:t>sp_executesql</a:t>
-            </a:r>
-            <a:r>
-              <a:rPr lang="en-US" sz="1100" dirty="0">
-                <a:latin typeface="Courier New" pitchFamily="49" charset="0"/>
-                <a:cs typeface="Courier New" pitchFamily="49" charset="0"/>
-              </a:rPr>
-              <a:t> @Query, @Parameters, @</a:t>
-            </a:r>
-            <a:r>
-              <a:rPr lang="en-US" sz="1100" dirty="0" err="1">
-                <a:latin typeface="Courier New" pitchFamily="49" charset="0"/>
-                <a:cs typeface="Courier New" pitchFamily="49" charset="0"/>
-              </a:rPr>
-              <a:t>FirstName</a:t>
-            </a:r>
-            <a:r>
-              <a:rPr lang="en-US" sz="1100" dirty="0">
-                <a:latin typeface="Courier New" pitchFamily="49" charset="0"/>
-                <a:cs typeface="Courier New" pitchFamily="49" charset="0"/>
-              </a:rPr>
-              <a:t>, @</a:t>
-            </a:r>
-            <a:r>
-              <a:rPr lang="en-US" sz="1100" dirty="0" err="1">
-                <a:latin typeface="Courier New" pitchFamily="49" charset="0"/>
-                <a:cs typeface="Courier New" pitchFamily="49" charset="0"/>
-              </a:rPr>
-              <a:t>LastName</a:t>
-            </a:r>
-            <a:r>
-              <a:rPr lang="en-US" sz="1100" dirty="0">
-                <a:latin typeface="Courier New" pitchFamily="49" charset="0"/>
-                <a:cs typeface="Courier New" pitchFamily="49" charset="0"/>
-              </a:rPr>
-              <a:t>;</a:t>
-            </a:r>
-          </a:p>
-          <a:p>
-            <a:pPr marL="0" indent="0">
-              <a:spcBef>
-                <a:spcPts val="0"/>
-              </a:spcBef>
-              <a:buNone/>
-            </a:pPr>
-            <a:endParaRPr lang="en-US" sz="1100" dirty="0">
-              <a:latin typeface="Courier New" pitchFamily="49" charset="0"/>
-              <a:cs typeface="Courier New" pitchFamily="49" charset="0"/>
+              <a:rPr lang="en-US" dirty="0" smtClean="0">
+                <a:latin typeface="Arial" pitchFamily="34" charset="0"/>
+                <a:cs typeface="Arial" pitchFamily="34" charset="0"/>
+              </a:rPr>
+              <a:t>3.  Post-installation command script</a:t>
+            </a:r>
+          </a:p>
+          <a:p>
+            <a:pPr marL="0" indent="0">
+              <a:spcBef>
+                <a:spcPts val="0"/>
+              </a:spcBef>
+              <a:buNone/>
+            </a:pPr>
+            <a:endParaRPr lang="en-US" dirty="0">
+              <a:latin typeface="Arial" pitchFamily="34" charset="0"/>
+              <a:cs typeface="Arial" pitchFamily="34" charset="0"/>
             </a:endParaRPr>
           </a:p>
           <a:p>
@@ -10100,19 +7971,52 @@
               <a:buNone/>
             </a:pPr>
             <a:r>
-              <a:rPr lang="en-US" sz="1100" dirty="0">
-                <a:latin typeface="Courier New" pitchFamily="49" charset="0"/>
-                <a:cs typeface="Courier New" pitchFamily="49" charset="0"/>
-              </a:rPr>
-              <a:t>END;</a:t>
-            </a:r>
+              <a:rPr lang="en-US" dirty="0" smtClean="0">
+                <a:latin typeface="Arial" pitchFamily="34" charset="0"/>
+                <a:cs typeface="Arial" pitchFamily="34" charset="0"/>
+                <a:hlinkClick r:id="rId2"/>
+              </a:rPr>
+              <a:t>https</a:t>
+            </a:r>
+            <a:r>
+              <a:rPr lang="en-US" dirty="0">
+                <a:latin typeface="Arial" pitchFamily="34" charset="0"/>
+                <a:cs typeface="Arial" pitchFamily="34" charset="0"/>
+                <a:hlinkClick r:id="rId2"/>
+              </a:rPr>
+              <a:t>://</a:t>
+            </a:r>
+            <a:r>
+              <a:rPr lang="en-US" dirty="0" smtClean="0">
+                <a:latin typeface="Arial" pitchFamily="34" charset="0"/>
+                <a:cs typeface="Arial" pitchFamily="34" charset="0"/>
+                <a:hlinkClick r:id="rId2"/>
+              </a:rPr>
+              <a:t>msdn.microsoft.com/en-US/library/mt590536.aspx</a:t>
+            </a:r>
+            <a:endParaRPr lang="en-US" dirty="0">
+              <a:latin typeface="Arial" pitchFamily="34" charset="0"/>
+              <a:cs typeface="Arial" pitchFamily="34" charset="0"/>
+            </a:endParaRPr>
+          </a:p>
+          <a:p>
+            <a:pPr marL="0" indent="0">
+              <a:spcBef>
+                <a:spcPts val="0"/>
+              </a:spcBef>
+              <a:buNone/>
+            </a:pPr>
+            <a:endParaRPr lang="en-US" dirty="0" smtClean="0">
+              <a:latin typeface="Arial" pitchFamily="34" charset="0"/>
+              <a:cs typeface="Arial" pitchFamily="34" charset="0"/>
+            </a:endParaRPr>
           </a:p>
         </p:txBody>
       </p:sp>
     </p:spTree>
     <p:extLst>
       <p:ext uri="{BB962C8B-B14F-4D97-AF65-F5344CB8AC3E}">
-        <p14:creationId xmlns:p14="http://schemas.microsoft.com/office/powerpoint/2010/main" val="3793551887"/>
+        <p14:creationId xmlns:p14="http://schemas.microsoft.com/office/powerpoint/2010/main" val="2880793802"/>
       </p:ext>
     </p:extLst>
   </p:cSld>
@@ -10171,7 +8075,14 @@
                 <a:latin typeface="Arial" pitchFamily="34" charset="0"/>
                 <a:cs typeface="Arial" pitchFamily="34" charset="0"/>
               </a:rPr>
-              <a:t>MySQL Prepared Statements</a:t>
+              <a:t>Installing SQL Server R Services, part </a:t>
+            </a:r>
+            <a:r>
+              <a:rPr lang="en-US" dirty="0">
+                <a:latin typeface="Arial" pitchFamily="34" charset="0"/>
+                <a:cs typeface="Arial" pitchFamily="34" charset="0"/>
+              </a:rPr>
+              <a:t>9</a:t>
             </a:r>
             <a:endParaRPr lang="en-US" dirty="0">
               <a:latin typeface="Arial" pitchFamily="34" charset="0"/>
@@ -10180,321 +8091,40 @@
           </a:p>
         </p:txBody>
       </p:sp>
-      <p:sp>
-        <p:nvSpPr>
-          <p:cNvPr id="3" name="Content Placeholder 2"/>
-          <p:cNvSpPr>
-            <a:spLocks noGrp="1"/>
-          </p:cNvSpPr>
-          <p:nvPr>
-            <p:ph idx="1"/>
-          </p:nvPr>
-        </p:nvSpPr>
+      <p:pic>
+        <p:nvPicPr>
+          <p:cNvPr id="3" name="Picture 2"/>
+          <p:cNvPicPr>
+            <a:picLocks noChangeAspect="1"/>
+          </p:cNvPicPr>
+          <p:nvPr/>
+        </p:nvPicPr>
+        <p:blipFill>
+          <a:blip r:embed="rId2">
+            <a:extLst>
+              <a:ext uri="{28A0092B-C50C-407E-A947-70E740481C1C}">
+                <a14:useLocalDpi xmlns:a14="http://schemas.microsoft.com/office/drawing/2010/main" val="0"/>
+              </a:ext>
+            </a:extLst>
+          </a:blip>
+          <a:stretch>
+            <a:fillRect/>
+          </a:stretch>
+        </p:blipFill>
         <p:spPr>
           <a:xfrm>
-            <a:off x="390418" y="1356189"/>
-            <a:ext cx="8640870" cy="4397339"/>
+            <a:off x="316303" y="1383982"/>
+            <a:ext cx="4980805" cy="4032080"/>
           </a:xfrm>
+          <a:prstGeom prst="rect">
+            <a:avLst/>
+          </a:prstGeom>
         </p:spPr>
-        <p:txBody>
-          <a:bodyPr/>
-          <a:lstStyle/>
-          <a:p>
-            <a:pPr marL="0" indent="0">
-              <a:spcBef>
-                <a:spcPts val="0"/>
-              </a:spcBef>
-              <a:buNone/>
-            </a:pPr>
-            <a:r>
-              <a:rPr lang="en-US" sz="1600" dirty="0">
-                <a:latin typeface="Courier New" pitchFamily="49" charset="0"/>
-                <a:cs typeface="Courier New" pitchFamily="49" charset="0"/>
-              </a:rPr>
-              <a:t>--	</a:t>
-            </a:r>
-            <a:r>
-              <a:rPr lang="en-US" sz="1600" dirty="0" smtClean="0">
-                <a:latin typeface="Courier New" pitchFamily="49" charset="0"/>
-                <a:cs typeface="Courier New" pitchFamily="49" charset="0"/>
-              </a:rPr>
-              <a:t>Prepared statement </a:t>
-            </a:r>
-            <a:r>
-              <a:rPr lang="en-US" sz="1600" dirty="0">
-                <a:latin typeface="Courier New" pitchFamily="49" charset="0"/>
-                <a:cs typeface="Courier New" pitchFamily="49" charset="0"/>
-              </a:rPr>
-              <a:t>example</a:t>
-            </a:r>
-          </a:p>
-          <a:p>
-            <a:pPr marL="0" indent="0">
-              <a:spcBef>
-                <a:spcPts val="0"/>
-              </a:spcBef>
-              <a:buNone/>
-            </a:pPr>
-            <a:r>
-              <a:rPr lang="en-US" sz="1600" dirty="0">
-                <a:latin typeface="Courier New" pitchFamily="49" charset="0"/>
-                <a:cs typeface="Courier New" pitchFamily="49" charset="0"/>
-              </a:rPr>
-              <a:t>PREPARE statement FROM "SELECT </a:t>
-            </a:r>
-            <a:r>
-              <a:rPr lang="en-US" sz="1600" dirty="0" err="1">
-                <a:latin typeface="Courier New" pitchFamily="49" charset="0"/>
-                <a:cs typeface="Courier New" pitchFamily="49" charset="0"/>
-              </a:rPr>
-              <a:t>FirstName</a:t>
-            </a:r>
-            <a:r>
-              <a:rPr lang="en-US" sz="1600" dirty="0">
-                <a:latin typeface="Courier New" pitchFamily="49" charset="0"/>
-                <a:cs typeface="Courier New" pitchFamily="49" charset="0"/>
-              </a:rPr>
-              <a:t>, </a:t>
-            </a:r>
-            <a:r>
-              <a:rPr lang="en-US" sz="1600" dirty="0" err="1">
-                <a:latin typeface="Courier New" pitchFamily="49" charset="0"/>
-                <a:cs typeface="Courier New" pitchFamily="49" charset="0"/>
-              </a:rPr>
-              <a:t>LastName</a:t>
-            </a:r>
-            <a:r>
-              <a:rPr lang="en-US" sz="1600" dirty="0">
-                <a:latin typeface="Courier New" pitchFamily="49" charset="0"/>
-                <a:cs typeface="Courier New" pitchFamily="49" charset="0"/>
-              </a:rPr>
-              <a:t>, GPA FROM Students WHERE </a:t>
-            </a:r>
-            <a:r>
-              <a:rPr lang="en-US" sz="1600" dirty="0" err="1">
-                <a:latin typeface="Courier New" pitchFamily="49" charset="0"/>
-                <a:cs typeface="Courier New" pitchFamily="49" charset="0"/>
-              </a:rPr>
-              <a:t>FirstName</a:t>
-            </a:r>
-            <a:r>
-              <a:rPr lang="en-US" sz="1600" dirty="0">
-                <a:latin typeface="Courier New" pitchFamily="49" charset="0"/>
-                <a:cs typeface="Courier New" pitchFamily="49" charset="0"/>
-              </a:rPr>
-              <a:t> = ? AND </a:t>
-            </a:r>
-            <a:r>
-              <a:rPr lang="en-US" sz="1600" dirty="0" err="1">
-                <a:latin typeface="Courier New" pitchFamily="49" charset="0"/>
-                <a:cs typeface="Courier New" pitchFamily="49" charset="0"/>
-              </a:rPr>
-              <a:t>LastName</a:t>
-            </a:r>
-            <a:r>
-              <a:rPr lang="en-US" sz="1600" dirty="0">
-                <a:latin typeface="Courier New" pitchFamily="49" charset="0"/>
-                <a:cs typeface="Courier New" pitchFamily="49" charset="0"/>
-              </a:rPr>
-              <a:t> = ?";</a:t>
-            </a:r>
-          </a:p>
-          <a:p>
-            <a:pPr marL="0" indent="0">
-              <a:spcBef>
-                <a:spcPts val="0"/>
-              </a:spcBef>
-              <a:buNone/>
-            </a:pPr>
-            <a:endParaRPr lang="en-US" sz="1600" dirty="0">
-              <a:latin typeface="Courier New" pitchFamily="49" charset="0"/>
-              <a:cs typeface="Courier New" pitchFamily="49" charset="0"/>
-            </a:endParaRPr>
-          </a:p>
-          <a:p>
-            <a:pPr marL="0" indent="0">
-              <a:spcBef>
-                <a:spcPts val="0"/>
-              </a:spcBef>
-              <a:buNone/>
-            </a:pPr>
-            <a:r>
-              <a:rPr lang="en-US" sz="1600" dirty="0">
-                <a:latin typeface="Courier New" pitchFamily="49" charset="0"/>
-                <a:cs typeface="Courier New" pitchFamily="49" charset="0"/>
-              </a:rPr>
-              <a:t>SET</a:t>
-            </a:r>
-          </a:p>
-          <a:p>
-            <a:pPr marL="0" indent="0">
-              <a:spcBef>
-                <a:spcPts val="0"/>
-              </a:spcBef>
-              <a:buNone/>
-            </a:pPr>
-            <a:r>
-              <a:rPr lang="en-US" sz="1600" dirty="0">
-                <a:latin typeface="Courier New" pitchFamily="49" charset="0"/>
-                <a:cs typeface="Courier New" pitchFamily="49" charset="0"/>
-              </a:rPr>
-              <a:t>	@</a:t>
-            </a:r>
-            <a:r>
-              <a:rPr lang="en-US" sz="1600" dirty="0" err="1">
-                <a:latin typeface="Courier New" pitchFamily="49" charset="0"/>
-                <a:cs typeface="Courier New" pitchFamily="49" charset="0"/>
-              </a:rPr>
-              <a:t>FirstName</a:t>
-            </a:r>
-            <a:r>
-              <a:rPr lang="en-US" sz="1600" dirty="0">
-                <a:latin typeface="Courier New" pitchFamily="49" charset="0"/>
-                <a:cs typeface="Courier New" pitchFamily="49" charset="0"/>
-              </a:rPr>
-              <a:t> = 'Robert',</a:t>
-            </a:r>
-          </a:p>
-          <a:p>
-            <a:pPr marL="0" indent="0">
-              <a:spcBef>
-                <a:spcPts val="0"/>
-              </a:spcBef>
-              <a:buNone/>
-            </a:pPr>
-            <a:r>
-              <a:rPr lang="en-US" sz="1600" dirty="0">
-                <a:latin typeface="Courier New" pitchFamily="49" charset="0"/>
-                <a:cs typeface="Courier New" pitchFamily="49" charset="0"/>
-              </a:rPr>
-              <a:t>	@</a:t>
-            </a:r>
-            <a:r>
-              <a:rPr lang="en-US" sz="1600" dirty="0" err="1">
-                <a:latin typeface="Courier New" pitchFamily="49" charset="0"/>
-                <a:cs typeface="Courier New" pitchFamily="49" charset="0"/>
-              </a:rPr>
-              <a:t>LastName</a:t>
-            </a:r>
-            <a:r>
-              <a:rPr lang="en-US" sz="1600" dirty="0">
-                <a:latin typeface="Courier New" pitchFamily="49" charset="0"/>
-                <a:cs typeface="Courier New" pitchFamily="49" charset="0"/>
-              </a:rPr>
-              <a:t> = 'Smith';</a:t>
-            </a:r>
-          </a:p>
-          <a:p>
-            <a:pPr marL="0" indent="0">
-              <a:spcBef>
-                <a:spcPts val="0"/>
-              </a:spcBef>
-              <a:buNone/>
-            </a:pPr>
-            <a:endParaRPr lang="en-US" sz="1600" dirty="0">
-              <a:latin typeface="Courier New" pitchFamily="49" charset="0"/>
-              <a:cs typeface="Courier New" pitchFamily="49" charset="0"/>
-            </a:endParaRPr>
-          </a:p>
-          <a:p>
-            <a:pPr marL="0" indent="0">
-              <a:spcBef>
-                <a:spcPts val="0"/>
-              </a:spcBef>
-              <a:buNone/>
-            </a:pPr>
-            <a:r>
-              <a:rPr lang="en-US" sz="1600" dirty="0">
-                <a:latin typeface="Courier New" pitchFamily="49" charset="0"/>
-                <a:cs typeface="Courier New" pitchFamily="49" charset="0"/>
-              </a:rPr>
-              <a:t>EXECUTE statement USING @</a:t>
-            </a:r>
-            <a:r>
-              <a:rPr lang="en-US" sz="1600" dirty="0" err="1">
-                <a:latin typeface="Courier New" pitchFamily="49" charset="0"/>
-                <a:cs typeface="Courier New" pitchFamily="49" charset="0"/>
-              </a:rPr>
-              <a:t>FirstName</a:t>
-            </a:r>
-            <a:r>
-              <a:rPr lang="en-US" sz="1600" dirty="0">
-                <a:latin typeface="Courier New" pitchFamily="49" charset="0"/>
-                <a:cs typeface="Courier New" pitchFamily="49" charset="0"/>
-              </a:rPr>
-              <a:t>, @</a:t>
-            </a:r>
-            <a:r>
-              <a:rPr lang="en-US" sz="1600" dirty="0" err="1" smtClean="0">
-                <a:latin typeface="Courier New" pitchFamily="49" charset="0"/>
-                <a:cs typeface="Courier New" pitchFamily="49" charset="0"/>
-              </a:rPr>
-              <a:t>LastName</a:t>
-            </a:r>
-            <a:r>
-              <a:rPr lang="en-US" sz="1600" dirty="0" smtClean="0">
-                <a:latin typeface="Courier New" pitchFamily="49" charset="0"/>
-                <a:cs typeface="Courier New" pitchFamily="49" charset="0"/>
-              </a:rPr>
-              <a:t>;</a:t>
-            </a:r>
-            <a:endParaRPr lang="en-US" sz="1600" dirty="0">
-              <a:latin typeface="Courier New" pitchFamily="49" charset="0"/>
-              <a:cs typeface="Courier New" pitchFamily="49" charset="0"/>
-            </a:endParaRPr>
-          </a:p>
-          <a:p>
-            <a:pPr marL="0" indent="0">
-              <a:spcBef>
-                <a:spcPts val="0"/>
-              </a:spcBef>
-              <a:buNone/>
-            </a:pPr>
-            <a:endParaRPr lang="en-US" sz="1600" dirty="0" smtClean="0">
-              <a:latin typeface="Courier New" pitchFamily="49" charset="0"/>
-              <a:cs typeface="Courier New" pitchFamily="49" charset="0"/>
-            </a:endParaRPr>
-          </a:p>
-          <a:p>
-            <a:pPr marL="0" indent="0">
-              <a:spcBef>
-                <a:spcPts val="0"/>
-              </a:spcBef>
-              <a:buNone/>
-            </a:pPr>
-            <a:r>
-              <a:rPr lang="en-US" sz="1600" dirty="0" smtClean="0">
-                <a:latin typeface="Courier New" pitchFamily="49" charset="0"/>
-                <a:cs typeface="Courier New" pitchFamily="49" charset="0"/>
-              </a:rPr>
-              <a:t>DEALLOCATE </a:t>
-            </a:r>
-            <a:r>
-              <a:rPr lang="en-US" sz="1600" dirty="0">
-                <a:latin typeface="Courier New" pitchFamily="49" charset="0"/>
-                <a:cs typeface="Courier New" pitchFamily="49" charset="0"/>
-              </a:rPr>
-              <a:t>PREPARE statement;</a:t>
-            </a:r>
-          </a:p>
-          <a:p>
-            <a:pPr marL="0" indent="0">
-              <a:spcBef>
-                <a:spcPts val="0"/>
-              </a:spcBef>
-              <a:buNone/>
-            </a:pPr>
-            <a:endParaRPr lang="en-US" sz="1600" dirty="0">
-              <a:latin typeface="Courier New" pitchFamily="49" charset="0"/>
-              <a:cs typeface="Courier New" pitchFamily="49" charset="0"/>
-            </a:endParaRPr>
-          </a:p>
-        </p:txBody>
-      </p:sp>
+      </p:pic>
     </p:spTree>
     <p:extLst>
       <p:ext uri="{BB962C8B-B14F-4D97-AF65-F5344CB8AC3E}">
-        <p14:creationId xmlns:p14="http://schemas.microsoft.com/office/powerpoint/2010/main" val="1151853797"/>
+        <p14:creationId xmlns:p14="http://schemas.microsoft.com/office/powerpoint/2010/main" val="585259203"/>
       </p:ext>
     </p:extLst>
   </p:cSld>
@@ -10553,7 +8183,14 @@
                 <a:latin typeface="Arial" pitchFamily="34" charset="0"/>
                 <a:cs typeface="Arial" pitchFamily="34" charset="0"/>
               </a:rPr>
-              <a:t>Security Best Practices</a:t>
+              <a:t>Installing SQL Server R Services, part </a:t>
+            </a:r>
+            <a:r>
+              <a:rPr lang="en-US" dirty="0" smtClean="0">
+                <a:latin typeface="Arial" pitchFamily="34" charset="0"/>
+                <a:cs typeface="Arial" pitchFamily="34" charset="0"/>
+              </a:rPr>
+              <a:t>10</a:t>
             </a:r>
             <a:endParaRPr lang="en-US" dirty="0">
               <a:latin typeface="Arial" pitchFamily="34" charset="0"/>
@@ -10562,111 +8199,40 @@
           </a:p>
         </p:txBody>
       </p:sp>
-      <p:sp>
-        <p:nvSpPr>
-          <p:cNvPr id="3" name="Content Placeholder 2"/>
-          <p:cNvSpPr>
-            <a:spLocks noGrp="1"/>
-          </p:cNvSpPr>
-          <p:nvPr>
-            <p:ph idx="1"/>
-          </p:nvPr>
-        </p:nvSpPr>
+      <p:pic>
+        <p:nvPicPr>
+          <p:cNvPr id="4" name="Picture 3"/>
+          <p:cNvPicPr>
+            <a:picLocks noChangeAspect="1"/>
+          </p:cNvPicPr>
+          <p:nvPr/>
+        </p:nvPicPr>
+        <p:blipFill>
+          <a:blip r:embed="rId2">
+            <a:extLst>
+              <a:ext uri="{28A0092B-C50C-407E-A947-70E740481C1C}">
+                <a14:useLocalDpi xmlns:a14="http://schemas.microsoft.com/office/drawing/2010/main" val="0"/>
+              </a:ext>
+            </a:extLst>
+          </a:blip>
+          <a:stretch>
+            <a:fillRect/>
+          </a:stretch>
+        </p:blipFill>
         <p:spPr>
           <a:xfrm>
-            <a:off x="390418" y="1356189"/>
-            <a:ext cx="8640870" cy="4397339"/>
+            <a:off x="292710" y="1387499"/>
+            <a:ext cx="8062484" cy="4084833"/>
           </a:xfrm>
+          <a:prstGeom prst="rect">
+            <a:avLst/>
+          </a:prstGeom>
         </p:spPr>
-        <p:txBody>
-          <a:bodyPr/>
-          <a:lstStyle/>
-          <a:p>
-            <a:pPr marL="0" indent="0">
-              <a:spcBef>
-                <a:spcPts val="0"/>
-              </a:spcBef>
-              <a:buNone/>
-            </a:pPr>
-            <a:r>
-              <a:rPr lang="en-US" dirty="0" smtClean="0">
-                <a:latin typeface="Arial" pitchFamily="34" charset="0"/>
-                <a:cs typeface="Arial" pitchFamily="34" charset="0"/>
-              </a:rPr>
-              <a:t>Specific database login for the data layer</a:t>
-            </a:r>
-          </a:p>
-          <a:p>
-            <a:pPr marL="0" indent="0">
-              <a:spcBef>
-                <a:spcPts val="0"/>
-              </a:spcBef>
-              <a:buNone/>
-            </a:pPr>
-            <a:endParaRPr lang="en-US" dirty="0">
-              <a:latin typeface="Arial" pitchFamily="34" charset="0"/>
-              <a:cs typeface="Arial" pitchFamily="34" charset="0"/>
-            </a:endParaRPr>
-          </a:p>
-          <a:p>
-            <a:pPr marL="0" indent="0">
-              <a:spcBef>
-                <a:spcPts val="0"/>
-              </a:spcBef>
-              <a:buNone/>
-            </a:pPr>
-            <a:r>
-              <a:rPr lang="en-US" dirty="0" smtClean="0">
-                <a:latin typeface="Arial" pitchFamily="34" charset="0"/>
-                <a:cs typeface="Arial" pitchFamily="34" charset="0"/>
-              </a:rPr>
-              <a:t>Only has access to CRUD (create, read, update, delete) actions on needed tables and stored procedures</a:t>
-            </a:r>
-          </a:p>
-          <a:p>
-            <a:pPr marL="0" indent="0">
-              <a:spcBef>
-                <a:spcPts val="0"/>
-              </a:spcBef>
-              <a:buNone/>
-            </a:pPr>
-            <a:endParaRPr lang="en-US" dirty="0">
-              <a:latin typeface="Arial" pitchFamily="34" charset="0"/>
-              <a:cs typeface="Arial" pitchFamily="34" charset="0"/>
-            </a:endParaRPr>
-          </a:p>
-          <a:p>
-            <a:pPr marL="0" indent="0">
-              <a:spcBef>
-                <a:spcPts val="0"/>
-              </a:spcBef>
-              <a:buNone/>
-            </a:pPr>
-            <a:r>
-              <a:rPr lang="en-US" dirty="0" smtClean="0">
-                <a:latin typeface="Arial" pitchFamily="34" charset="0"/>
-                <a:cs typeface="Arial" pitchFamily="34" charset="0"/>
-              </a:rPr>
-              <a:t>Principle of least privilege: </a:t>
-            </a:r>
-            <a:r>
-              <a:rPr lang="en-US" u="sng" dirty="0" smtClean="0">
-                <a:latin typeface="Arial" pitchFamily="34" charset="0"/>
-                <a:cs typeface="Arial" pitchFamily="34" charset="0"/>
-              </a:rPr>
-              <a:t>Minimum but Necessary</a:t>
-            </a:r>
-            <a:endParaRPr lang="en-US" u="sng" dirty="0">
-              <a:latin typeface="Arial" pitchFamily="34" charset="0"/>
-              <a:cs typeface="Arial" pitchFamily="34" charset="0"/>
-            </a:endParaRPr>
-          </a:p>
-        </p:txBody>
-      </p:sp>
+      </p:pic>
     </p:spTree>
     <p:extLst>
       <p:ext uri="{BB962C8B-B14F-4D97-AF65-F5344CB8AC3E}">
-        <p14:creationId xmlns:p14="http://schemas.microsoft.com/office/powerpoint/2010/main" val="3220881766"/>
+        <p14:creationId xmlns:p14="http://schemas.microsoft.com/office/powerpoint/2010/main" val="2729895670"/>
       </p:ext>
     </p:extLst>
   </p:cSld>
@@ -10721,11 +8287,11 @@
           <a:lstStyle/>
           <a:p>
             <a:r>
-              <a:rPr lang="en-US" dirty="0" smtClean="0">
+              <a:rPr lang="en-US" smtClean="0">
                 <a:latin typeface="Arial" pitchFamily="34" charset="0"/>
                 <a:cs typeface="Arial" pitchFamily="34" charset="0"/>
               </a:rPr>
-              <a:t>Additional LAMP Practice</a:t>
+              <a:t>Distribution of Charges</a:t>
             </a:r>
             <a:endParaRPr lang="en-US" dirty="0">
               <a:latin typeface="Arial" pitchFamily="34" charset="0"/>
@@ -10734,104 +8300,40 @@
           </a:p>
         </p:txBody>
       </p:sp>
-      <p:sp>
-        <p:nvSpPr>
-          <p:cNvPr id="3" name="Content Placeholder 2"/>
-          <p:cNvSpPr>
-            <a:spLocks noGrp="1"/>
-          </p:cNvSpPr>
-          <p:nvPr>
-            <p:ph idx="1"/>
-          </p:nvPr>
-        </p:nvSpPr>
+      <p:pic>
+        <p:nvPicPr>
+          <p:cNvPr id="3" name="Picture 2"/>
+          <p:cNvPicPr>
+            <a:picLocks noChangeAspect="1"/>
+          </p:cNvPicPr>
+          <p:nvPr/>
+        </p:nvPicPr>
+        <p:blipFill>
+          <a:blip r:embed="rId2">
+            <a:extLst>
+              <a:ext uri="{28A0092B-C50C-407E-A947-70E740481C1C}">
+                <a14:useLocalDpi xmlns:a14="http://schemas.microsoft.com/office/drawing/2010/main" val="0"/>
+              </a:ext>
+            </a:extLst>
+          </a:blip>
+          <a:stretch>
+            <a:fillRect/>
+          </a:stretch>
+        </p:blipFill>
         <p:spPr>
           <a:xfrm>
-            <a:off x="390418" y="1356189"/>
-            <a:ext cx="8640870" cy="4397339"/>
+            <a:off x="393896" y="1196975"/>
+            <a:ext cx="6682154" cy="4219087"/>
           </a:xfrm>
+          <a:prstGeom prst="rect">
+            <a:avLst/>
+          </a:prstGeom>
         </p:spPr>
-        <p:txBody>
-          <a:bodyPr/>
-          <a:lstStyle/>
-          <a:p>
-            <a:pPr marL="0" indent="0">
-              <a:spcBef>
-                <a:spcPts val="0"/>
-              </a:spcBef>
-              <a:buNone/>
-            </a:pPr>
-            <a:r>
-              <a:rPr lang="en-US" dirty="0" smtClean="0">
-                <a:latin typeface="Arial" pitchFamily="34" charset="0"/>
-                <a:cs typeface="Arial" pitchFamily="34" charset="0"/>
-              </a:rPr>
-              <a:t>Watch out for other types of code injection</a:t>
-            </a:r>
-          </a:p>
-          <a:p>
-            <a:pPr marL="0" indent="0">
-              <a:spcBef>
-                <a:spcPts val="0"/>
-              </a:spcBef>
-              <a:buNone/>
-            </a:pPr>
-            <a:endParaRPr lang="en-US" u="sng" dirty="0">
-              <a:latin typeface="Arial" pitchFamily="34" charset="0"/>
-              <a:cs typeface="Arial" pitchFamily="34" charset="0"/>
-            </a:endParaRPr>
-          </a:p>
-          <a:p>
-            <a:pPr marL="0" indent="0">
-              <a:spcBef>
-                <a:spcPts val="0"/>
-              </a:spcBef>
-              <a:buNone/>
-            </a:pPr>
-            <a:r>
-              <a:rPr lang="en-US" u="sng" dirty="0" smtClean="0">
-                <a:latin typeface="Arial" pitchFamily="34" charset="0"/>
-                <a:cs typeface="Arial" pitchFamily="34" charset="0"/>
-              </a:rPr>
-              <a:t>HTML injection</a:t>
-            </a:r>
-          </a:p>
-          <a:p>
-            <a:pPr marL="0" indent="0">
-              <a:spcBef>
-                <a:spcPts val="0"/>
-              </a:spcBef>
-              <a:buNone/>
-            </a:pPr>
-            <a:endParaRPr lang="en-US" u="sng" dirty="0">
-              <a:latin typeface="Arial" pitchFamily="34" charset="0"/>
-              <a:cs typeface="Arial" pitchFamily="34" charset="0"/>
-            </a:endParaRPr>
-          </a:p>
-          <a:p>
-            <a:pPr marL="0" indent="0">
-              <a:spcBef>
-                <a:spcPts val="0"/>
-              </a:spcBef>
-              <a:buNone/>
-            </a:pPr>
-            <a:r>
-              <a:rPr lang="en-US" u="sng" dirty="0" smtClean="0">
-                <a:latin typeface="Arial" pitchFamily="34" charset="0"/>
-                <a:cs typeface="Arial" pitchFamily="34" charset="0"/>
-              </a:rPr>
-              <a:t>Cross-site scripting (CSS) injection</a:t>
-            </a:r>
-            <a:endParaRPr lang="en-US" u="sng" dirty="0">
-              <a:latin typeface="Arial" pitchFamily="34" charset="0"/>
-              <a:cs typeface="Arial" pitchFamily="34" charset="0"/>
-            </a:endParaRPr>
-          </a:p>
-        </p:txBody>
-      </p:sp>
+      </p:pic>
     </p:spTree>
     <p:extLst>
       <p:ext uri="{BB962C8B-B14F-4D97-AF65-F5344CB8AC3E}">
-        <p14:creationId xmlns:p14="http://schemas.microsoft.com/office/powerpoint/2010/main" val="1122564012"/>
+        <p14:creationId xmlns:p14="http://schemas.microsoft.com/office/powerpoint/2010/main" val="1252800610"/>
       </p:ext>
     </p:extLst>
   </p:cSld>
@@ -10890,7 +8392,7 @@
                 <a:latin typeface="Arial" pitchFamily="34" charset="0"/>
                 <a:cs typeface="Arial" pitchFamily="34" charset="0"/>
               </a:rPr>
-              <a:t>Resources</a:t>
+              <a:t>Sanitize Your Database Input</a:t>
             </a:r>
             <a:endParaRPr lang="en-US" dirty="0">
               <a:latin typeface="Arial" pitchFamily="34" charset="0"/>
@@ -10930,7 +8432,7 @@
                 <a:latin typeface="Arial" pitchFamily="34" charset="0"/>
                 <a:cs typeface="Arial" pitchFamily="34" charset="0"/>
               </a:rPr>
-              <a:t>Writing Secure Dynamic SQL in SQL Server:</a:t>
+              <a:t>Handle special characters used in SQL Injection attacks</a:t>
             </a:r>
           </a:p>
           <a:p>
@@ -10953,32 +8455,39 @@
               <a:buNone/>
             </a:pPr>
             <a:r>
-              <a:rPr lang="en-US" sz="2000" dirty="0">
+              <a:rPr lang="en-US" dirty="0" smtClean="0">
                 <a:latin typeface="Arial" pitchFamily="34" charset="0"/>
                 <a:cs typeface="Arial" pitchFamily="34" charset="0"/>
               </a:rPr>
-              <a:t>	</a:t>
-            </a:r>
-            <a:r>
-              <a:rPr lang="en-US" sz="2000" dirty="0">
-                <a:latin typeface="Arial" pitchFamily="34" charset="0"/>
-                <a:cs typeface="Arial" pitchFamily="34" charset="0"/>
-                <a:hlinkClick r:id="rId2"/>
-              </a:rPr>
-              <a:t>https://msdn.microsoft.com/en-us/library/bb669091(v=vs.110).</a:t>
-            </a:r>
-            <a:r>
-              <a:rPr lang="en-US" sz="2000" dirty="0" smtClean="0">
-                <a:latin typeface="Arial" pitchFamily="34" charset="0"/>
-                <a:cs typeface="Arial" pitchFamily="34" charset="0"/>
-                <a:hlinkClick r:id="rId2"/>
-              </a:rPr>
-              <a:t>aspx</a:t>
-            </a:r>
-            <a:endParaRPr lang="en-US" sz="2000" dirty="0" smtClean="0">
+              <a:t>	‘;	‘);	used to terminate WHERE clause</a:t>
+            </a:r>
+          </a:p>
+          <a:p>
+            <a:pPr marL="0" indent="0">
+              <a:spcBef>
+                <a:spcPts val="0"/>
+              </a:spcBef>
+              <a:buNone/>
+            </a:pPr>
+            <a:endParaRPr lang="en-US" dirty="0" smtClean="0">
               <a:latin typeface="Arial" pitchFamily="34" charset="0"/>
               <a:cs typeface="Arial" pitchFamily="34" charset="0"/>
             </a:endParaRPr>
+          </a:p>
+          <a:p>
+            <a:pPr marL="0" indent="0">
+              <a:spcBef>
+                <a:spcPts val="0"/>
+              </a:spcBef>
+              <a:buNone/>
+            </a:pPr>
+            <a:r>
+              <a:rPr lang="en-US" dirty="0" smtClean="0">
+                <a:latin typeface="Arial" pitchFamily="34" charset="0"/>
+                <a:cs typeface="Arial" pitchFamily="34" charset="0"/>
+              </a:rPr>
+              <a:t>	--	#	used to comment out rest of query statement</a:t>
+            </a:r>
           </a:p>
           <a:p>
             <a:pPr marL="0" indent="0">
@@ -11004,16 +8513,17 @@
                 <a:latin typeface="Arial" pitchFamily="34" charset="0"/>
                 <a:cs typeface="Arial" pitchFamily="34" charset="0"/>
               </a:rPr>
-              <a:t>Using </a:t>
-            </a:r>
-            <a:r>
-              <a:rPr lang="en-US" dirty="0" err="1" smtClean="0">
-                <a:latin typeface="Arial" pitchFamily="34" charset="0"/>
-                <a:cs typeface="Arial" pitchFamily="34" charset="0"/>
-              </a:rPr>
-              <a:t>sp_executesql</a:t>
-            </a:r>
-            <a:endParaRPr lang="en-US" dirty="0" smtClean="0">
+              <a:t>Handle keywords passed as input</a:t>
+            </a:r>
+          </a:p>
+          <a:p>
+            <a:pPr marL="0" indent="0">
+              <a:spcBef>
+                <a:spcPts val="0"/>
+              </a:spcBef>
+              <a:buNone/>
+            </a:pPr>
+            <a:endParaRPr lang="en-US" dirty="0">
               <a:latin typeface="Arial" pitchFamily="34" charset="0"/>
               <a:cs typeface="Arial" pitchFamily="34" charset="0"/>
             </a:endParaRPr>
@@ -11025,62 +8535,14 @@
               </a:spcBef>
               <a:buNone/>
             </a:pPr>
-            <a:endParaRPr lang="en-US" dirty="0" smtClean="0">
-              <a:latin typeface="Arial" pitchFamily="34" charset="0"/>
-              <a:cs typeface="Arial" pitchFamily="34" charset="0"/>
-            </a:endParaRPr>
-          </a:p>
-          <a:p>
-            <a:pPr marL="0" indent="0">
-              <a:spcBef>
-                <a:spcPts val="0"/>
-              </a:spcBef>
-              <a:buNone/>
-            </a:pPr>
-            <a:r>
-              <a:rPr lang="en-US" sz="2000" dirty="0" smtClean="0">
+            <a:r>
+              <a:rPr lang="en-US" dirty="0" smtClean="0">
                 <a:latin typeface="Arial" pitchFamily="34" charset="0"/>
                 <a:cs typeface="Arial" pitchFamily="34" charset="0"/>
               </a:rPr>
-              <a:t>	</a:t>
-            </a:r>
-            <a:r>
-              <a:rPr lang="en-US" sz="2000" dirty="0" smtClean="0">
-                <a:latin typeface="Arial" pitchFamily="34" charset="0"/>
-                <a:cs typeface="Arial" pitchFamily="34" charset="0"/>
-                <a:hlinkClick r:id="rId3"/>
-              </a:rPr>
-              <a:t>https</a:t>
-            </a:r>
-            <a:r>
-              <a:rPr lang="en-US" sz="2000" dirty="0">
-                <a:latin typeface="Arial" pitchFamily="34" charset="0"/>
-                <a:cs typeface="Arial" pitchFamily="34" charset="0"/>
-                <a:hlinkClick r:id="rId3"/>
-              </a:rPr>
-              <a:t>://</a:t>
-            </a:r>
-            <a:r>
-              <a:rPr lang="en-US" sz="2000" dirty="0" smtClean="0">
-                <a:latin typeface="Arial" pitchFamily="34" charset="0"/>
-                <a:cs typeface="Arial" pitchFamily="34" charset="0"/>
-                <a:hlinkClick r:id="rId3"/>
-              </a:rPr>
-              <a:t>msdn.microsoft.com/en-us/library/ms188001.aspx</a:t>
-            </a:r>
-            <a:endParaRPr lang="en-US" sz="2000" dirty="0" smtClean="0">
-              <a:latin typeface="Arial" pitchFamily="34" charset="0"/>
-              <a:cs typeface="Arial" pitchFamily="34" charset="0"/>
-            </a:endParaRPr>
-          </a:p>
-          <a:p>
-            <a:pPr marL="0" indent="0">
-              <a:spcBef>
-                <a:spcPts val="0"/>
-              </a:spcBef>
-              <a:buNone/>
-            </a:pPr>
-            <a:endParaRPr lang="en-US" sz="2000" dirty="0">
+              <a:t>	DROP, CREATE, GRANT, etc.</a:t>
+            </a:r>
+            <a:endParaRPr lang="en-US" dirty="0">
               <a:latin typeface="Arial" pitchFamily="34" charset="0"/>
               <a:cs typeface="Arial" pitchFamily="34" charset="0"/>
             </a:endParaRPr>
@@ -11090,7 +8552,206 @@
     </p:spTree>
     <p:extLst>
       <p:ext uri="{BB962C8B-B14F-4D97-AF65-F5344CB8AC3E}">
-        <p14:creationId xmlns:p14="http://schemas.microsoft.com/office/powerpoint/2010/main" val="2855516125"/>
+        <p14:creationId xmlns:p14="http://schemas.microsoft.com/office/powerpoint/2010/main" val="1741452563"/>
+      </p:ext>
+    </p:extLst>
+  </p:cSld>
+  <p:clrMapOvr>
+    <a:masterClrMapping/>
+  </p:clrMapOvr>
+  <p:timing>
+    <p:tnLst>
+      <p:par>
+        <p:cTn id="1" dur="indefinite" restart="never" nodeType="tmRoot"/>
+      </p:par>
+    </p:tnLst>
+  </p:timing>
+</p:sld>
+</file>
+
+<file path=ppt/slides/slide19.xml><?xml version="1.0" encoding="utf-8"?>
+<p:sld xmlns:a="http://schemas.openxmlformats.org/drawingml/2006/main" xmlns:r="http://schemas.openxmlformats.org/officeDocument/2006/relationships" xmlns:p="http://schemas.openxmlformats.org/presentationml/2006/main">
+  <p:cSld>
+    <p:spTree>
+      <p:nvGrpSpPr>
+        <p:cNvPr id="1" name=""/>
+        <p:cNvGrpSpPr/>
+        <p:nvPr/>
+      </p:nvGrpSpPr>
+      <p:grpSpPr>
+        <a:xfrm>
+          <a:off x="0" y="0"/>
+          <a:ext cx="0" cy="0"/>
+          <a:chOff x="0" y="0"/>
+          <a:chExt cx="0" cy="0"/>
+        </a:xfrm>
+      </p:grpSpPr>
+      <p:sp>
+        <p:nvSpPr>
+          <p:cNvPr id="2" name="Title 1"/>
+          <p:cNvSpPr>
+            <a:spLocks noGrp="1"/>
+          </p:cNvSpPr>
+          <p:nvPr>
+            <p:ph type="title"/>
+          </p:nvPr>
+        </p:nvSpPr>
+        <p:spPr>
+          <a:xfrm>
+            <a:off x="513708" y="58738"/>
+            <a:ext cx="8517580" cy="1138237"/>
+          </a:xfrm>
+        </p:spPr>
+        <p:txBody>
+          <a:bodyPr/>
+          <a:lstStyle/>
+          <a:p>
+            <a:r>
+              <a:rPr lang="en-US" dirty="0" smtClean="0">
+                <a:latin typeface="Arial" pitchFamily="34" charset="0"/>
+                <a:cs typeface="Arial" pitchFamily="34" charset="0"/>
+              </a:rPr>
+              <a:t>Use Appropriate Lengths for Input</a:t>
+            </a:r>
+            <a:endParaRPr lang="en-US" dirty="0">
+              <a:latin typeface="Arial" pitchFamily="34" charset="0"/>
+              <a:cs typeface="Arial" pitchFamily="34" charset="0"/>
+            </a:endParaRPr>
+          </a:p>
+        </p:txBody>
+      </p:sp>
+      <p:sp>
+        <p:nvSpPr>
+          <p:cNvPr id="3" name="Content Placeholder 2"/>
+          <p:cNvSpPr>
+            <a:spLocks noGrp="1"/>
+          </p:cNvSpPr>
+          <p:nvPr>
+            <p:ph idx="1"/>
+          </p:nvPr>
+        </p:nvSpPr>
+        <p:spPr>
+          <a:xfrm>
+            <a:off x="390418" y="1356189"/>
+            <a:ext cx="8640870" cy="4397339"/>
+          </a:xfrm>
+        </p:spPr>
+        <p:txBody>
+          <a:bodyPr/>
+          <a:lstStyle/>
+          <a:p>
+            <a:pPr marL="0" indent="0">
+              <a:spcBef>
+                <a:spcPts val="0"/>
+              </a:spcBef>
+              <a:buNone/>
+            </a:pPr>
+            <a:r>
+              <a:rPr lang="en-US" dirty="0" smtClean="0">
+                <a:latin typeface="Arial" pitchFamily="34" charset="0"/>
+                <a:cs typeface="Arial" pitchFamily="34" charset="0"/>
+              </a:rPr>
+              <a:t>Don’t allow more characters for the input than necessary</a:t>
+            </a:r>
+          </a:p>
+          <a:p>
+            <a:pPr marL="0" indent="0">
+              <a:spcBef>
+                <a:spcPts val="0"/>
+              </a:spcBef>
+              <a:buNone/>
+            </a:pPr>
+            <a:endParaRPr lang="en-US" dirty="0">
+              <a:latin typeface="Arial" pitchFamily="34" charset="0"/>
+              <a:cs typeface="Arial" pitchFamily="34" charset="0"/>
+            </a:endParaRPr>
+          </a:p>
+          <a:p>
+            <a:pPr marL="0" indent="0">
+              <a:spcBef>
+                <a:spcPts val="0"/>
+              </a:spcBef>
+              <a:buNone/>
+            </a:pPr>
+            <a:r>
+              <a:rPr lang="en-US" dirty="0" smtClean="0">
+                <a:latin typeface="Arial" pitchFamily="34" charset="0"/>
+                <a:cs typeface="Arial" pitchFamily="34" charset="0"/>
+              </a:rPr>
+              <a:t>	Use database field length as a guide</a:t>
+            </a:r>
+          </a:p>
+          <a:p>
+            <a:pPr marL="0" indent="0">
+              <a:spcBef>
+                <a:spcPts val="0"/>
+              </a:spcBef>
+              <a:buNone/>
+            </a:pPr>
+            <a:endParaRPr lang="en-US" dirty="0">
+              <a:latin typeface="Arial" pitchFamily="34" charset="0"/>
+              <a:cs typeface="Arial" pitchFamily="34" charset="0"/>
+            </a:endParaRPr>
+          </a:p>
+          <a:p>
+            <a:pPr marL="0" indent="0">
+              <a:spcBef>
+                <a:spcPts val="0"/>
+              </a:spcBef>
+              <a:buNone/>
+            </a:pPr>
+            <a:r>
+              <a:rPr lang="en-US" dirty="0" smtClean="0">
+                <a:latin typeface="Arial" pitchFamily="34" charset="0"/>
+                <a:cs typeface="Arial" pitchFamily="34" charset="0"/>
+              </a:rPr>
+              <a:t>The same rules apply for data types</a:t>
+            </a:r>
+          </a:p>
+          <a:p>
+            <a:pPr marL="0" indent="0">
+              <a:spcBef>
+                <a:spcPts val="0"/>
+              </a:spcBef>
+              <a:buNone/>
+            </a:pPr>
+            <a:endParaRPr lang="en-US" dirty="0" smtClean="0">
+              <a:latin typeface="Arial" pitchFamily="34" charset="0"/>
+              <a:cs typeface="Arial" pitchFamily="34" charset="0"/>
+            </a:endParaRPr>
+          </a:p>
+          <a:p>
+            <a:pPr marL="0" indent="0">
+              <a:spcBef>
+                <a:spcPts val="0"/>
+              </a:spcBef>
+              <a:buNone/>
+            </a:pPr>
+            <a:r>
+              <a:rPr lang="en-US" dirty="0">
+                <a:latin typeface="Arial" pitchFamily="34" charset="0"/>
+                <a:cs typeface="Arial" pitchFamily="34" charset="0"/>
+              </a:rPr>
+              <a:t>	</a:t>
+            </a:r>
+            <a:r>
+              <a:rPr lang="en-US" dirty="0" smtClean="0">
+                <a:latin typeface="Arial" pitchFamily="34" charset="0"/>
+                <a:cs typeface="Arial" pitchFamily="34" charset="0"/>
+              </a:rPr>
+              <a:t>i.e. don’t allow text input for a numeric field</a:t>
+            </a:r>
+            <a:endParaRPr lang="en-US" dirty="0">
+              <a:latin typeface="Arial" pitchFamily="34" charset="0"/>
+              <a:cs typeface="Arial" pitchFamily="34" charset="0"/>
+            </a:endParaRPr>
+          </a:p>
+        </p:txBody>
+      </p:sp>
+    </p:spTree>
+    <p:extLst>
+      <p:ext uri="{BB962C8B-B14F-4D97-AF65-F5344CB8AC3E}">
+        <p14:creationId xmlns:p14="http://schemas.microsoft.com/office/powerpoint/2010/main" val="1986777882"/>
       </p:ext>
     </p:extLst>
   </p:cSld>
@@ -11178,10 +8839,11 @@
           <a:bodyPr/>
           <a:lstStyle/>
           <a:p>
-            <a:pPr>
+            <a:pPr marL="0" indent="0">
               <a:lnSpc>
                 <a:spcPct val="150000"/>
               </a:lnSpc>
+              <a:buNone/>
             </a:pPr>
             <a:r>
               <a:rPr lang="en-US" dirty="0" smtClean="0">
@@ -11192,49 +8854,26 @@
             </a:r>
           </a:p>
           <a:p>
-            <a:pPr>
+            <a:pPr marL="0" indent="0">
               <a:lnSpc>
                 <a:spcPct val="150000"/>
               </a:lnSpc>
+              <a:buNone/>
             </a:pPr>
             <a:r>
               <a:rPr lang="en-US" dirty="0" smtClean="0">
                 <a:latin typeface="Arial" pitchFamily="34" charset="0"/>
                 <a:cs typeface="Arial" pitchFamily="34" charset="0"/>
               </a:rPr>
-              <a:t>Owner and Principal </a:t>
-            </a:r>
-            <a:r>
-              <a:rPr lang="en-US" dirty="0" smtClean="0">
-                <a:latin typeface="Arial" pitchFamily="34" charset="0"/>
-                <a:cs typeface="Arial" pitchFamily="34" charset="0"/>
-              </a:rPr>
-              <a:t>Consultant </a:t>
-            </a:r>
-            <a:r>
-              <a:rPr lang="en-US" dirty="0" smtClean="0">
-                <a:latin typeface="Arial" pitchFamily="34" charset="0"/>
-                <a:cs typeface="Arial" pitchFamily="34" charset="0"/>
-              </a:rPr>
-              <a:t>for </a:t>
-            </a:r>
-            <a:r>
-              <a:rPr lang="en-US" smtClean="0">
-                <a:latin typeface="Arial" pitchFamily="34" charset="0"/>
-                <a:cs typeface="Arial" pitchFamily="34" charset="0"/>
-              </a:rPr>
-              <a:t>Hydrate Consulting</a:t>
-            </a:r>
-            <a:endParaRPr lang="en-US" dirty="0" smtClean="0">
-              <a:latin typeface="Arial" pitchFamily="34" charset="0"/>
-              <a:cs typeface="Arial" pitchFamily="34" charset="0"/>
-            </a:endParaRPr>
-          </a:p>
-          <a:p>
-            <a:pPr>
+              <a:t>Owner and Principal Consultant for Hydrate Consulting</a:t>
+            </a:r>
+          </a:p>
+          <a:p>
+            <a:pPr marL="0" indent="0">
               <a:lnSpc>
                 <a:spcPct val="150000"/>
               </a:lnSpc>
+              <a:buNone/>
             </a:pPr>
             <a:r>
               <a:rPr lang="en-US" dirty="0" smtClean="0">
@@ -11248,42 +8887,39 @@
             </a:r>
           </a:p>
           <a:p>
-            <a:pPr>
+            <a:pPr marL="0" indent="0">
               <a:lnSpc>
                 <a:spcPct val="150000"/>
               </a:lnSpc>
+              <a:buNone/>
             </a:pPr>
             <a:r>
               <a:rPr lang="en-US" dirty="0" smtClean="0">
                 <a:latin typeface="Arial" pitchFamily="34" charset="0"/>
                 <a:cs typeface="Arial" pitchFamily="34" charset="0"/>
               </a:rPr>
-              <a:t>15+ </a:t>
-            </a:r>
+              <a:t>15+ Years experience with SQL Server</a:t>
+            </a:r>
+          </a:p>
+          <a:p>
+            <a:pPr marL="0" indent="0">
+              <a:lnSpc>
+                <a:spcPct val="150000"/>
+              </a:lnSpc>
+              <a:buNone/>
+            </a:pPr>
             <a:r>
               <a:rPr lang="en-US" dirty="0" smtClean="0">
                 <a:latin typeface="Arial" pitchFamily="34" charset="0"/>
                 <a:cs typeface="Arial" pitchFamily="34" charset="0"/>
               </a:rPr>
-              <a:t>Years experience with SQL Server</a:t>
-            </a:r>
-          </a:p>
-          <a:p>
-            <a:pPr>
-              <a:lnSpc>
-                <a:spcPct val="150000"/>
-              </a:lnSpc>
-            </a:pPr>
-            <a:r>
-              <a:rPr lang="en-US" dirty="0" smtClean="0">
-                <a:latin typeface="Arial" pitchFamily="34" charset="0"/>
-                <a:cs typeface="Arial" pitchFamily="34" charset="0"/>
-              </a:rPr>
               <a:t>Contact Me:</a:t>
             </a:r>
           </a:p>
           <a:p>
-            <a:pPr lvl="1"/>
+            <a:pPr marL="457200" lvl="1" indent="0">
+              <a:buNone/>
+            </a:pPr>
             <a:r>
               <a:rPr lang="en-US" sz="2400" dirty="0" smtClean="0">
                 <a:latin typeface="Arial" pitchFamily="34" charset="0"/>
@@ -11292,20 +8928,37 @@
               <a:t>Email: </a:t>
             </a:r>
             <a:r>
-              <a:rPr lang="en-US" sz="2400" dirty="0" err="1" smtClean="0">
+              <a:rPr lang="en-US" sz="2200" dirty="0" err="1" smtClean="0">
                 <a:latin typeface="Arial" pitchFamily="34" charset="0"/>
                 <a:cs typeface="Arial" pitchFamily="34" charset="0"/>
                 <a:hlinkClick r:id="rId2"/>
               </a:rPr>
               <a:t>chris@hydrate.consulting</a:t>
             </a:r>
-            <a:endParaRPr lang="en-US" sz="2400" dirty="0" smtClean="0">
+            <a:r>
+              <a:rPr lang="en-US" sz="2200" dirty="0" smtClean="0">
+                <a:latin typeface="Arial" pitchFamily="34" charset="0"/>
+                <a:cs typeface="Arial" pitchFamily="34" charset="0"/>
+              </a:rPr>
+              <a:t>, </a:t>
+            </a:r>
+            <a:r>
+              <a:rPr lang="en-US" sz="2200" dirty="0" smtClean="0">
+                <a:latin typeface="Arial" pitchFamily="34" charset="0"/>
+                <a:cs typeface="Arial" pitchFamily="34" charset="0"/>
+                <a:hlinkClick r:id="rId3"/>
+              </a:rPr>
+              <a:t>chrishyde325@gmail.com</a:t>
+            </a:r>
+            <a:endParaRPr lang="en-US" sz="2200" dirty="0" smtClean="0">
               <a:latin typeface="Arial" pitchFamily="34" charset="0"/>
               <a:cs typeface="Arial" pitchFamily="34" charset="0"/>
             </a:endParaRPr>
           </a:p>
           <a:p>
-            <a:pPr lvl="1"/>
+            <a:pPr marL="457200" lvl="1" indent="0">
+              <a:buNone/>
+            </a:pPr>
             <a:r>
               <a:rPr lang="en-US" sz="2400" dirty="0" smtClean="0">
                 <a:latin typeface="Arial" pitchFamily="34" charset="0"/>
@@ -11324,6 +8977,3946 @@
     <p:extLst>
       <p:ext uri="{BB962C8B-B14F-4D97-AF65-F5344CB8AC3E}">
         <p14:creationId xmlns:p14="http://schemas.microsoft.com/office/powerpoint/2010/main" val="4214876322"/>
+      </p:ext>
+    </p:extLst>
+  </p:cSld>
+  <p:clrMapOvr>
+    <a:masterClrMapping/>
+  </p:clrMapOvr>
+  <p:timing>
+    <p:tnLst>
+      <p:par>
+        <p:cTn id="1" dur="indefinite" restart="never" nodeType="tmRoot"/>
+      </p:par>
+    </p:tnLst>
+  </p:timing>
+</p:sld>
+</file>
+
+<file path=ppt/slides/slide20.xml><?xml version="1.0" encoding="utf-8"?>
+<p:sld xmlns:a="http://schemas.openxmlformats.org/drawingml/2006/main" xmlns:r="http://schemas.openxmlformats.org/officeDocument/2006/relationships" xmlns:p="http://schemas.openxmlformats.org/presentationml/2006/main">
+  <p:cSld>
+    <p:spTree>
+      <p:nvGrpSpPr>
+        <p:cNvPr id="1" name=""/>
+        <p:cNvGrpSpPr/>
+        <p:nvPr/>
+      </p:nvGrpSpPr>
+      <p:grpSpPr>
+        <a:xfrm>
+          <a:off x="0" y="0"/>
+          <a:ext cx="0" cy="0"/>
+          <a:chOff x="0" y="0"/>
+          <a:chExt cx="0" cy="0"/>
+        </a:xfrm>
+      </p:grpSpPr>
+      <p:sp>
+        <p:nvSpPr>
+          <p:cNvPr id="2" name="Title 1"/>
+          <p:cNvSpPr>
+            <a:spLocks noGrp="1"/>
+          </p:cNvSpPr>
+          <p:nvPr>
+            <p:ph type="title"/>
+          </p:nvPr>
+        </p:nvSpPr>
+        <p:spPr>
+          <a:xfrm>
+            <a:off x="513708" y="58738"/>
+            <a:ext cx="8517580" cy="1138237"/>
+          </a:xfrm>
+        </p:spPr>
+        <p:txBody>
+          <a:bodyPr/>
+          <a:lstStyle/>
+          <a:p>
+            <a:r>
+              <a:rPr lang="en-US" dirty="0">
+                <a:latin typeface="Arial" pitchFamily="34" charset="0"/>
+                <a:cs typeface="Arial" pitchFamily="34" charset="0"/>
+              </a:rPr>
+              <a:t>Use Stored Procedures in Data </a:t>
+            </a:r>
+            <a:r>
+              <a:rPr lang="en-US" dirty="0" smtClean="0">
+                <a:latin typeface="Arial" pitchFamily="34" charset="0"/>
+                <a:cs typeface="Arial" pitchFamily="34" charset="0"/>
+              </a:rPr>
+              <a:t>Layer, part 1</a:t>
+            </a:r>
+            <a:endParaRPr lang="en-US" dirty="0">
+              <a:latin typeface="Arial" pitchFamily="34" charset="0"/>
+              <a:cs typeface="Arial" pitchFamily="34" charset="0"/>
+            </a:endParaRPr>
+          </a:p>
+        </p:txBody>
+      </p:sp>
+      <p:sp>
+        <p:nvSpPr>
+          <p:cNvPr id="3" name="Content Placeholder 2"/>
+          <p:cNvSpPr>
+            <a:spLocks noGrp="1"/>
+          </p:cNvSpPr>
+          <p:nvPr>
+            <p:ph idx="1"/>
+          </p:nvPr>
+        </p:nvSpPr>
+        <p:spPr>
+          <a:xfrm>
+            <a:off x="390418" y="1356189"/>
+            <a:ext cx="8640870" cy="4397339"/>
+          </a:xfrm>
+        </p:spPr>
+        <p:txBody>
+          <a:bodyPr/>
+          <a:lstStyle/>
+          <a:p>
+            <a:pPr marL="0" indent="0">
+              <a:spcBef>
+                <a:spcPts val="0"/>
+              </a:spcBef>
+              <a:buNone/>
+            </a:pPr>
+            <a:r>
+              <a:rPr lang="en-US" sz="1400" dirty="0">
+                <a:latin typeface="Courier New" pitchFamily="49" charset="0"/>
+                <a:cs typeface="Courier New" pitchFamily="49" charset="0"/>
+              </a:rPr>
+              <a:t>CREATE PROCEDURE </a:t>
+            </a:r>
+            <a:r>
+              <a:rPr lang="en-US" sz="1400" dirty="0" err="1">
+                <a:latin typeface="Courier New" pitchFamily="49" charset="0"/>
+                <a:cs typeface="Courier New" pitchFamily="49" charset="0"/>
+              </a:rPr>
+              <a:t>dbo.uspSelectGradesByStudent</a:t>
+            </a:r>
+            <a:endParaRPr lang="en-US" sz="1400" dirty="0">
+              <a:latin typeface="Courier New" pitchFamily="49" charset="0"/>
+              <a:cs typeface="Courier New" pitchFamily="49" charset="0"/>
+            </a:endParaRPr>
+          </a:p>
+          <a:p>
+            <a:pPr marL="0" indent="0">
+              <a:spcBef>
+                <a:spcPts val="0"/>
+              </a:spcBef>
+              <a:buNone/>
+            </a:pPr>
+            <a:r>
+              <a:rPr lang="en-US" sz="1400" dirty="0">
+                <a:latin typeface="Courier New" pitchFamily="49" charset="0"/>
+                <a:cs typeface="Courier New" pitchFamily="49" charset="0"/>
+              </a:rPr>
+              <a:t>(</a:t>
+            </a:r>
+          </a:p>
+          <a:p>
+            <a:pPr marL="0" indent="0">
+              <a:spcBef>
+                <a:spcPts val="0"/>
+              </a:spcBef>
+              <a:buNone/>
+            </a:pPr>
+            <a:r>
+              <a:rPr lang="en-US" sz="1400" dirty="0">
+                <a:latin typeface="Courier New" pitchFamily="49" charset="0"/>
+                <a:cs typeface="Courier New" pitchFamily="49" charset="0"/>
+              </a:rPr>
+              <a:t>	@</a:t>
+            </a:r>
+            <a:r>
+              <a:rPr lang="en-US" sz="1400" dirty="0" err="1">
+                <a:latin typeface="Courier New" pitchFamily="49" charset="0"/>
+                <a:cs typeface="Courier New" pitchFamily="49" charset="0"/>
+              </a:rPr>
+              <a:t>FirstName</a:t>
+            </a:r>
+            <a:r>
+              <a:rPr lang="en-US" sz="1400" dirty="0">
+                <a:latin typeface="Courier New" pitchFamily="49" charset="0"/>
+                <a:cs typeface="Courier New" pitchFamily="49" charset="0"/>
+              </a:rPr>
+              <a:t>		VARCHAR(25),</a:t>
+            </a:r>
+          </a:p>
+          <a:p>
+            <a:pPr marL="0" indent="0">
+              <a:spcBef>
+                <a:spcPts val="0"/>
+              </a:spcBef>
+              <a:buNone/>
+            </a:pPr>
+            <a:r>
+              <a:rPr lang="en-US" sz="1400" dirty="0">
+                <a:latin typeface="Courier New" pitchFamily="49" charset="0"/>
+                <a:cs typeface="Courier New" pitchFamily="49" charset="0"/>
+              </a:rPr>
+              <a:t>	@</a:t>
+            </a:r>
+            <a:r>
+              <a:rPr lang="en-US" sz="1400" dirty="0" err="1">
+                <a:latin typeface="Courier New" pitchFamily="49" charset="0"/>
+                <a:cs typeface="Courier New" pitchFamily="49" charset="0"/>
+              </a:rPr>
+              <a:t>LastName</a:t>
+            </a:r>
+            <a:r>
+              <a:rPr lang="en-US" sz="1400" dirty="0">
+                <a:latin typeface="Courier New" pitchFamily="49" charset="0"/>
+                <a:cs typeface="Courier New" pitchFamily="49" charset="0"/>
+              </a:rPr>
+              <a:t>		VARCHAR(25)</a:t>
+            </a:r>
+          </a:p>
+          <a:p>
+            <a:pPr marL="0" indent="0">
+              <a:spcBef>
+                <a:spcPts val="0"/>
+              </a:spcBef>
+              <a:buNone/>
+            </a:pPr>
+            <a:r>
+              <a:rPr lang="en-US" sz="1400" dirty="0">
+                <a:latin typeface="Courier New" pitchFamily="49" charset="0"/>
+                <a:cs typeface="Courier New" pitchFamily="49" charset="0"/>
+              </a:rPr>
+              <a:t>)</a:t>
+            </a:r>
+          </a:p>
+          <a:p>
+            <a:pPr marL="0" indent="0">
+              <a:spcBef>
+                <a:spcPts val="0"/>
+              </a:spcBef>
+              <a:buNone/>
+            </a:pPr>
+            <a:r>
+              <a:rPr lang="en-US" sz="1400" dirty="0">
+                <a:latin typeface="Courier New" pitchFamily="49" charset="0"/>
+                <a:cs typeface="Courier New" pitchFamily="49" charset="0"/>
+              </a:rPr>
+              <a:t>AS</a:t>
+            </a:r>
+          </a:p>
+          <a:p>
+            <a:pPr marL="0" indent="0">
+              <a:spcBef>
+                <a:spcPts val="0"/>
+              </a:spcBef>
+              <a:buNone/>
+            </a:pPr>
+            <a:r>
+              <a:rPr lang="en-US" sz="1400" dirty="0">
+                <a:latin typeface="Courier New" pitchFamily="49" charset="0"/>
+                <a:cs typeface="Courier New" pitchFamily="49" charset="0"/>
+              </a:rPr>
+              <a:t>BEGIN</a:t>
+            </a:r>
+          </a:p>
+          <a:p>
+            <a:pPr marL="0" indent="0">
+              <a:spcBef>
+                <a:spcPts val="0"/>
+              </a:spcBef>
+              <a:buNone/>
+            </a:pPr>
+            <a:endParaRPr lang="en-US" sz="1400" dirty="0">
+              <a:latin typeface="Courier New" pitchFamily="49" charset="0"/>
+              <a:cs typeface="Courier New" pitchFamily="49" charset="0"/>
+            </a:endParaRPr>
+          </a:p>
+          <a:p>
+            <a:pPr marL="0" indent="0">
+              <a:spcBef>
+                <a:spcPts val="0"/>
+              </a:spcBef>
+              <a:buNone/>
+            </a:pPr>
+            <a:r>
+              <a:rPr lang="en-US" sz="1400" dirty="0">
+                <a:latin typeface="Courier New" pitchFamily="49" charset="0"/>
+                <a:cs typeface="Courier New" pitchFamily="49" charset="0"/>
+              </a:rPr>
+              <a:t>	SELECT</a:t>
+            </a:r>
+          </a:p>
+          <a:p>
+            <a:pPr marL="0" indent="0">
+              <a:spcBef>
+                <a:spcPts val="0"/>
+              </a:spcBef>
+              <a:buNone/>
+            </a:pPr>
+            <a:r>
+              <a:rPr lang="en-US" sz="1400" dirty="0">
+                <a:latin typeface="Courier New" pitchFamily="49" charset="0"/>
+                <a:cs typeface="Courier New" pitchFamily="49" charset="0"/>
+              </a:rPr>
+              <a:t>		</a:t>
+            </a:r>
+            <a:r>
+              <a:rPr lang="en-US" sz="1400" dirty="0" err="1">
+                <a:latin typeface="Courier New" pitchFamily="49" charset="0"/>
+                <a:cs typeface="Courier New" pitchFamily="49" charset="0"/>
+              </a:rPr>
+              <a:t>FirstName</a:t>
+            </a:r>
+            <a:r>
+              <a:rPr lang="en-US" sz="1400" dirty="0">
+                <a:latin typeface="Courier New" pitchFamily="49" charset="0"/>
+                <a:cs typeface="Courier New" pitchFamily="49" charset="0"/>
+              </a:rPr>
+              <a:t>,</a:t>
+            </a:r>
+          </a:p>
+          <a:p>
+            <a:pPr marL="0" indent="0">
+              <a:spcBef>
+                <a:spcPts val="0"/>
+              </a:spcBef>
+              <a:buNone/>
+            </a:pPr>
+            <a:r>
+              <a:rPr lang="en-US" sz="1400" dirty="0">
+                <a:latin typeface="Courier New" pitchFamily="49" charset="0"/>
+                <a:cs typeface="Courier New" pitchFamily="49" charset="0"/>
+              </a:rPr>
+              <a:t>		</a:t>
+            </a:r>
+            <a:r>
+              <a:rPr lang="en-US" sz="1400" dirty="0" err="1">
+                <a:latin typeface="Courier New" pitchFamily="49" charset="0"/>
+                <a:cs typeface="Courier New" pitchFamily="49" charset="0"/>
+              </a:rPr>
+              <a:t>LastName</a:t>
+            </a:r>
+            <a:r>
+              <a:rPr lang="en-US" sz="1400" dirty="0">
+                <a:latin typeface="Courier New" pitchFamily="49" charset="0"/>
+                <a:cs typeface="Courier New" pitchFamily="49" charset="0"/>
+              </a:rPr>
+              <a:t>,</a:t>
+            </a:r>
+          </a:p>
+          <a:p>
+            <a:pPr marL="0" indent="0">
+              <a:spcBef>
+                <a:spcPts val="0"/>
+              </a:spcBef>
+              <a:buNone/>
+            </a:pPr>
+            <a:r>
+              <a:rPr lang="en-US" sz="1400" dirty="0">
+                <a:latin typeface="Courier New" pitchFamily="49" charset="0"/>
+                <a:cs typeface="Courier New" pitchFamily="49" charset="0"/>
+              </a:rPr>
+              <a:t>		GPA</a:t>
+            </a:r>
+          </a:p>
+          <a:p>
+            <a:pPr marL="0" indent="0">
+              <a:spcBef>
+                <a:spcPts val="0"/>
+              </a:spcBef>
+              <a:buNone/>
+            </a:pPr>
+            <a:r>
+              <a:rPr lang="en-US" sz="1400" dirty="0">
+                <a:latin typeface="Courier New" pitchFamily="49" charset="0"/>
+                <a:cs typeface="Courier New" pitchFamily="49" charset="0"/>
+              </a:rPr>
+              <a:t>	FROM</a:t>
+            </a:r>
+          </a:p>
+          <a:p>
+            <a:pPr marL="0" indent="0">
+              <a:spcBef>
+                <a:spcPts val="0"/>
+              </a:spcBef>
+              <a:buNone/>
+            </a:pPr>
+            <a:r>
+              <a:rPr lang="en-US" sz="1400" dirty="0">
+                <a:latin typeface="Courier New" pitchFamily="49" charset="0"/>
+                <a:cs typeface="Courier New" pitchFamily="49" charset="0"/>
+              </a:rPr>
+              <a:t>		</a:t>
+            </a:r>
+            <a:r>
+              <a:rPr lang="en-US" sz="1400" dirty="0" err="1">
+                <a:latin typeface="Courier New" pitchFamily="49" charset="0"/>
+                <a:cs typeface="Courier New" pitchFamily="49" charset="0"/>
+              </a:rPr>
+              <a:t>dbo.Students</a:t>
+            </a:r>
+            <a:endParaRPr lang="en-US" sz="1400" dirty="0">
+              <a:latin typeface="Courier New" pitchFamily="49" charset="0"/>
+              <a:cs typeface="Courier New" pitchFamily="49" charset="0"/>
+            </a:endParaRPr>
+          </a:p>
+          <a:p>
+            <a:pPr marL="0" indent="0">
+              <a:spcBef>
+                <a:spcPts val="0"/>
+              </a:spcBef>
+              <a:buNone/>
+            </a:pPr>
+            <a:r>
+              <a:rPr lang="en-US" sz="1400" dirty="0">
+                <a:latin typeface="Courier New" pitchFamily="49" charset="0"/>
+                <a:cs typeface="Courier New" pitchFamily="49" charset="0"/>
+              </a:rPr>
+              <a:t>	WHERE</a:t>
+            </a:r>
+          </a:p>
+          <a:p>
+            <a:pPr marL="0" indent="0">
+              <a:spcBef>
+                <a:spcPts val="0"/>
+              </a:spcBef>
+              <a:buNone/>
+            </a:pPr>
+            <a:r>
+              <a:rPr lang="en-US" sz="1400" dirty="0">
+                <a:latin typeface="Courier New" pitchFamily="49" charset="0"/>
+                <a:cs typeface="Courier New" pitchFamily="49" charset="0"/>
+              </a:rPr>
+              <a:t>		</a:t>
+            </a:r>
+            <a:r>
+              <a:rPr lang="en-US" sz="1400" dirty="0" err="1">
+                <a:latin typeface="Courier New" pitchFamily="49" charset="0"/>
+                <a:cs typeface="Courier New" pitchFamily="49" charset="0"/>
+              </a:rPr>
+              <a:t>FirstName</a:t>
+            </a:r>
+            <a:r>
+              <a:rPr lang="en-US" sz="1400" dirty="0">
+                <a:latin typeface="Courier New" pitchFamily="49" charset="0"/>
+                <a:cs typeface="Courier New" pitchFamily="49" charset="0"/>
+              </a:rPr>
+              <a:t> = @</a:t>
+            </a:r>
+            <a:r>
+              <a:rPr lang="en-US" sz="1400" dirty="0" err="1">
+                <a:latin typeface="Courier New" pitchFamily="49" charset="0"/>
+                <a:cs typeface="Courier New" pitchFamily="49" charset="0"/>
+              </a:rPr>
+              <a:t>FirstName</a:t>
+            </a:r>
+            <a:endParaRPr lang="en-US" sz="1400" dirty="0">
+              <a:latin typeface="Courier New" pitchFamily="49" charset="0"/>
+              <a:cs typeface="Courier New" pitchFamily="49" charset="0"/>
+            </a:endParaRPr>
+          </a:p>
+          <a:p>
+            <a:pPr marL="0" indent="0">
+              <a:spcBef>
+                <a:spcPts val="0"/>
+              </a:spcBef>
+              <a:buNone/>
+            </a:pPr>
+            <a:r>
+              <a:rPr lang="en-US" sz="1400" dirty="0">
+                <a:latin typeface="Courier New" pitchFamily="49" charset="0"/>
+                <a:cs typeface="Courier New" pitchFamily="49" charset="0"/>
+              </a:rPr>
+              <a:t>		AND</a:t>
+            </a:r>
+          </a:p>
+          <a:p>
+            <a:pPr marL="0" indent="0">
+              <a:spcBef>
+                <a:spcPts val="0"/>
+              </a:spcBef>
+              <a:buNone/>
+            </a:pPr>
+            <a:r>
+              <a:rPr lang="en-US" sz="1400" dirty="0">
+                <a:latin typeface="Courier New" pitchFamily="49" charset="0"/>
+                <a:cs typeface="Courier New" pitchFamily="49" charset="0"/>
+              </a:rPr>
+              <a:t>		</a:t>
+            </a:r>
+            <a:r>
+              <a:rPr lang="en-US" sz="1400" dirty="0" err="1">
+                <a:latin typeface="Courier New" pitchFamily="49" charset="0"/>
+                <a:cs typeface="Courier New" pitchFamily="49" charset="0"/>
+              </a:rPr>
+              <a:t>LastName</a:t>
+            </a:r>
+            <a:r>
+              <a:rPr lang="en-US" sz="1400" dirty="0">
+                <a:latin typeface="Courier New" pitchFamily="49" charset="0"/>
+                <a:cs typeface="Courier New" pitchFamily="49" charset="0"/>
+              </a:rPr>
+              <a:t> = @</a:t>
+            </a:r>
+            <a:r>
+              <a:rPr lang="en-US" sz="1400" dirty="0" err="1">
+                <a:latin typeface="Courier New" pitchFamily="49" charset="0"/>
+                <a:cs typeface="Courier New" pitchFamily="49" charset="0"/>
+              </a:rPr>
+              <a:t>LastName</a:t>
+            </a:r>
+            <a:r>
+              <a:rPr lang="en-US" sz="1400" dirty="0">
+                <a:latin typeface="Courier New" pitchFamily="49" charset="0"/>
+                <a:cs typeface="Courier New" pitchFamily="49" charset="0"/>
+              </a:rPr>
+              <a:t>;</a:t>
+            </a:r>
+          </a:p>
+          <a:p>
+            <a:pPr marL="0" indent="0">
+              <a:spcBef>
+                <a:spcPts val="0"/>
+              </a:spcBef>
+              <a:buNone/>
+            </a:pPr>
+            <a:endParaRPr lang="en-US" sz="1400" dirty="0">
+              <a:latin typeface="Courier New" pitchFamily="49" charset="0"/>
+              <a:cs typeface="Courier New" pitchFamily="49" charset="0"/>
+            </a:endParaRPr>
+          </a:p>
+          <a:p>
+            <a:pPr marL="0" indent="0">
+              <a:spcBef>
+                <a:spcPts val="0"/>
+              </a:spcBef>
+              <a:buNone/>
+            </a:pPr>
+            <a:r>
+              <a:rPr lang="en-US" sz="1400" dirty="0">
+                <a:latin typeface="Courier New" pitchFamily="49" charset="0"/>
+                <a:cs typeface="Courier New" pitchFamily="49" charset="0"/>
+              </a:rPr>
+              <a:t>END;</a:t>
+            </a:r>
+          </a:p>
+        </p:txBody>
+      </p:sp>
+    </p:spTree>
+    <p:extLst>
+      <p:ext uri="{BB962C8B-B14F-4D97-AF65-F5344CB8AC3E}">
+        <p14:creationId xmlns:p14="http://schemas.microsoft.com/office/powerpoint/2010/main" val="3457212852"/>
+      </p:ext>
+    </p:extLst>
+  </p:cSld>
+  <p:clrMapOvr>
+    <a:masterClrMapping/>
+  </p:clrMapOvr>
+  <p:timing>
+    <p:tnLst>
+      <p:par>
+        <p:cTn id="1" dur="indefinite" restart="never" nodeType="tmRoot"/>
+      </p:par>
+    </p:tnLst>
+  </p:timing>
+</p:sld>
+</file>
+
+<file path=ppt/slides/slide21.xml><?xml version="1.0" encoding="utf-8"?>
+<p:sld xmlns:a="http://schemas.openxmlformats.org/drawingml/2006/main" xmlns:r="http://schemas.openxmlformats.org/officeDocument/2006/relationships" xmlns:p="http://schemas.openxmlformats.org/presentationml/2006/main">
+  <p:cSld>
+    <p:spTree>
+      <p:nvGrpSpPr>
+        <p:cNvPr id="1" name=""/>
+        <p:cNvGrpSpPr/>
+        <p:nvPr/>
+      </p:nvGrpSpPr>
+      <p:grpSpPr>
+        <a:xfrm>
+          <a:off x="0" y="0"/>
+          <a:ext cx="0" cy="0"/>
+          <a:chOff x="0" y="0"/>
+          <a:chExt cx="0" cy="0"/>
+        </a:xfrm>
+      </p:grpSpPr>
+      <p:sp>
+        <p:nvSpPr>
+          <p:cNvPr id="2" name="Title 1"/>
+          <p:cNvSpPr>
+            <a:spLocks noGrp="1"/>
+          </p:cNvSpPr>
+          <p:nvPr>
+            <p:ph type="title"/>
+          </p:nvPr>
+        </p:nvSpPr>
+        <p:spPr>
+          <a:xfrm>
+            <a:off x="513708" y="58738"/>
+            <a:ext cx="8517580" cy="1138237"/>
+          </a:xfrm>
+        </p:spPr>
+        <p:txBody>
+          <a:bodyPr/>
+          <a:lstStyle/>
+          <a:p>
+            <a:r>
+              <a:rPr lang="en-US" dirty="0">
+                <a:latin typeface="Arial" pitchFamily="34" charset="0"/>
+                <a:cs typeface="Arial" pitchFamily="34" charset="0"/>
+              </a:rPr>
+              <a:t>Use Stored Procedures in Data </a:t>
+            </a:r>
+            <a:r>
+              <a:rPr lang="en-US" dirty="0" smtClean="0">
+                <a:latin typeface="Arial" pitchFamily="34" charset="0"/>
+                <a:cs typeface="Arial" pitchFamily="34" charset="0"/>
+              </a:rPr>
+              <a:t>Layer, part 2</a:t>
+            </a:r>
+            <a:endParaRPr lang="en-US" dirty="0">
+              <a:latin typeface="Arial" pitchFamily="34" charset="0"/>
+              <a:cs typeface="Arial" pitchFamily="34" charset="0"/>
+            </a:endParaRPr>
+          </a:p>
+        </p:txBody>
+      </p:sp>
+      <p:sp>
+        <p:nvSpPr>
+          <p:cNvPr id="3" name="Content Placeholder 2"/>
+          <p:cNvSpPr>
+            <a:spLocks noGrp="1"/>
+          </p:cNvSpPr>
+          <p:nvPr>
+            <p:ph idx="1"/>
+          </p:nvPr>
+        </p:nvSpPr>
+        <p:spPr>
+          <a:xfrm>
+            <a:off x="390418" y="1356189"/>
+            <a:ext cx="8640870" cy="4397339"/>
+          </a:xfrm>
+        </p:spPr>
+        <p:txBody>
+          <a:bodyPr/>
+          <a:lstStyle/>
+          <a:p>
+            <a:pPr marL="0" indent="0">
+              <a:spcBef>
+                <a:spcPts val="0"/>
+              </a:spcBef>
+              <a:buNone/>
+            </a:pPr>
+            <a:r>
+              <a:rPr lang="en-US" sz="1400" dirty="0" smtClean="0">
+                <a:latin typeface="Courier New" pitchFamily="49" charset="0"/>
+                <a:cs typeface="Courier New" pitchFamily="49" charset="0"/>
+              </a:rPr>
+              <a:t>--	Deliberate bad example!!!</a:t>
+            </a:r>
+          </a:p>
+          <a:p>
+            <a:pPr marL="0" indent="0">
+              <a:spcBef>
+                <a:spcPts val="0"/>
+              </a:spcBef>
+              <a:buNone/>
+            </a:pPr>
+            <a:r>
+              <a:rPr lang="en-US" sz="1400" dirty="0" smtClean="0">
+                <a:latin typeface="Courier New" pitchFamily="49" charset="0"/>
+                <a:cs typeface="Courier New" pitchFamily="49" charset="0"/>
+              </a:rPr>
+              <a:t>CREATE </a:t>
+            </a:r>
+            <a:r>
+              <a:rPr lang="en-US" sz="1400" dirty="0">
+                <a:latin typeface="Courier New" pitchFamily="49" charset="0"/>
+                <a:cs typeface="Courier New" pitchFamily="49" charset="0"/>
+              </a:rPr>
+              <a:t>PROCEDURE </a:t>
+            </a:r>
+            <a:r>
+              <a:rPr lang="en-US" sz="1400" dirty="0" err="1">
+                <a:latin typeface="Courier New" pitchFamily="49" charset="0"/>
+                <a:cs typeface="Courier New" pitchFamily="49" charset="0"/>
+              </a:rPr>
+              <a:t>dbo.uspSelectGradesByStudent</a:t>
+            </a:r>
+            <a:endParaRPr lang="en-US" sz="1400" dirty="0">
+              <a:latin typeface="Courier New" pitchFamily="49" charset="0"/>
+              <a:cs typeface="Courier New" pitchFamily="49" charset="0"/>
+            </a:endParaRPr>
+          </a:p>
+          <a:p>
+            <a:pPr marL="0" indent="0">
+              <a:spcBef>
+                <a:spcPts val="0"/>
+              </a:spcBef>
+              <a:buNone/>
+            </a:pPr>
+            <a:r>
+              <a:rPr lang="en-US" sz="1400" dirty="0">
+                <a:latin typeface="Courier New" pitchFamily="49" charset="0"/>
+                <a:cs typeface="Courier New" pitchFamily="49" charset="0"/>
+              </a:rPr>
+              <a:t>(</a:t>
+            </a:r>
+          </a:p>
+          <a:p>
+            <a:pPr marL="0" indent="0">
+              <a:spcBef>
+                <a:spcPts val="0"/>
+              </a:spcBef>
+              <a:buNone/>
+            </a:pPr>
+            <a:r>
+              <a:rPr lang="en-US" sz="1400" dirty="0">
+                <a:latin typeface="Courier New" pitchFamily="49" charset="0"/>
+                <a:cs typeface="Courier New" pitchFamily="49" charset="0"/>
+              </a:rPr>
+              <a:t>	@</a:t>
+            </a:r>
+            <a:r>
+              <a:rPr lang="en-US" sz="1400" dirty="0" err="1">
+                <a:latin typeface="Courier New" pitchFamily="49" charset="0"/>
+                <a:cs typeface="Courier New" pitchFamily="49" charset="0"/>
+              </a:rPr>
+              <a:t>FirstName</a:t>
+            </a:r>
+            <a:r>
+              <a:rPr lang="en-US" sz="1400" dirty="0">
+                <a:latin typeface="Courier New" pitchFamily="49" charset="0"/>
+                <a:cs typeface="Courier New" pitchFamily="49" charset="0"/>
+              </a:rPr>
+              <a:t>		VARCHAR(25),</a:t>
+            </a:r>
+          </a:p>
+          <a:p>
+            <a:pPr marL="0" indent="0">
+              <a:spcBef>
+                <a:spcPts val="0"/>
+              </a:spcBef>
+              <a:buNone/>
+            </a:pPr>
+            <a:r>
+              <a:rPr lang="en-US" sz="1400" dirty="0">
+                <a:latin typeface="Courier New" pitchFamily="49" charset="0"/>
+                <a:cs typeface="Courier New" pitchFamily="49" charset="0"/>
+              </a:rPr>
+              <a:t>	@</a:t>
+            </a:r>
+            <a:r>
+              <a:rPr lang="en-US" sz="1400" dirty="0" err="1">
+                <a:latin typeface="Courier New" pitchFamily="49" charset="0"/>
+                <a:cs typeface="Courier New" pitchFamily="49" charset="0"/>
+              </a:rPr>
+              <a:t>LastName</a:t>
+            </a:r>
+            <a:r>
+              <a:rPr lang="en-US" sz="1400" dirty="0">
+                <a:latin typeface="Courier New" pitchFamily="49" charset="0"/>
+                <a:cs typeface="Courier New" pitchFamily="49" charset="0"/>
+              </a:rPr>
+              <a:t>		VARCHAR(25)</a:t>
+            </a:r>
+          </a:p>
+          <a:p>
+            <a:pPr marL="0" indent="0">
+              <a:spcBef>
+                <a:spcPts val="0"/>
+              </a:spcBef>
+              <a:buNone/>
+            </a:pPr>
+            <a:r>
+              <a:rPr lang="en-US" sz="1400" dirty="0">
+                <a:latin typeface="Courier New" pitchFamily="49" charset="0"/>
+                <a:cs typeface="Courier New" pitchFamily="49" charset="0"/>
+              </a:rPr>
+              <a:t>)</a:t>
+            </a:r>
+          </a:p>
+          <a:p>
+            <a:pPr marL="0" indent="0">
+              <a:spcBef>
+                <a:spcPts val="0"/>
+              </a:spcBef>
+              <a:buNone/>
+            </a:pPr>
+            <a:r>
+              <a:rPr lang="en-US" sz="1400" dirty="0">
+                <a:latin typeface="Courier New" pitchFamily="49" charset="0"/>
+                <a:cs typeface="Courier New" pitchFamily="49" charset="0"/>
+              </a:rPr>
+              <a:t>AS</a:t>
+            </a:r>
+          </a:p>
+          <a:p>
+            <a:pPr marL="0" indent="0">
+              <a:spcBef>
+                <a:spcPts val="0"/>
+              </a:spcBef>
+              <a:buNone/>
+            </a:pPr>
+            <a:r>
+              <a:rPr lang="en-US" sz="1400" dirty="0">
+                <a:latin typeface="Courier New" pitchFamily="49" charset="0"/>
+                <a:cs typeface="Courier New" pitchFamily="49" charset="0"/>
+              </a:rPr>
+              <a:t>BEGIN</a:t>
+            </a:r>
+          </a:p>
+          <a:p>
+            <a:pPr marL="0" indent="0">
+              <a:spcBef>
+                <a:spcPts val="0"/>
+              </a:spcBef>
+              <a:buNone/>
+            </a:pPr>
+            <a:endParaRPr lang="en-US" sz="1400" dirty="0">
+              <a:latin typeface="Courier New" pitchFamily="49" charset="0"/>
+              <a:cs typeface="Courier New" pitchFamily="49" charset="0"/>
+            </a:endParaRPr>
+          </a:p>
+          <a:p>
+            <a:pPr marL="0" indent="0">
+              <a:spcBef>
+                <a:spcPts val="0"/>
+              </a:spcBef>
+              <a:buNone/>
+            </a:pPr>
+            <a:r>
+              <a:rPr lang="en-US" sz="1400" dirty="0">
+                <a:latin typeface="Courier New" pitchFamily="49" charset="0"/>
+                <a:cs typeface="Courier New" pitchFamily="49" charset="0"/>
+              </a:rPr>
+              <a:t>	DECLARE @Query	NVARCHAR(4000);</a:t>
+            </a:r>
+          </a:p>
+          <a:p>
+            <a:pPr marL="0" indent="0">
+              <a:spcBef>
+                <a:spcPts val="0"/>
+              </a:spcBef>
+              <a:buNone/>
+            </a:pPr>
+            <a:endParaRPr lang="en-US" sz="1400" dirty="0">
+              <a:latin typeface="Courier New" pitchFamily="49" charset="0"/>
+              <a:cs typeface="Courier New" pitchFamily="49" charset="0"/>
+            </a:endParaRPr>
+          </a:p>
+          <a:p>
+            <a:pPr marL="0" indent="0">
+              <a:spcBef>
+                <a:spcPts val="0"/>
+              </a:spcBef>
+              <a:buNone/>
+            </a:pPr>
+            <a:r>
+              <a:rPr lang="en-US" sz="1400" dirty="0">
+                <a:latin typeface="Courier New" pitchFamily="49" charset="0"/>
+                <a:cs typeface="Courier New" pitchFamily="49" charset="0"/>
+              </a:rPr>
+              <a:t>	SET @Query = 'SELECT </a:t>
+            </a:r>
+            <a:r>
+              <a:rPr lang="en-US" sz="1400" dirty="0" err="1">
+                <a:latin typeface="Courier New" pitchFamily="49" charset="0"/>
+                <a:cs typeface="Courier New" pitchFamily="49" charset="0"/>
+              </a:rPr>
+              <a:t>FirstName</a:t>
+            </a:r>
+            <a:r>
+              <a:rPr lang="en-US" sz="1400" dirty="0">
+                <a:latin typeface="Courier New" pitchFamily="49" charset="0"/>
+                <a:cs typeface="Courier New" pitchFamily="49" charset="0"/>
+              </a:rPr>
+              <a:t>, </a:t>
+            </a:r>
+            <a:r>
+              <a:rPr lang="en-US" sz="1400" dirty="0" err="1">
+                <a:latin typeface="Courier New" pitchFamily="49" charset="0"/>
+                <a:cs typeface="Courier New" pitchFamily="49" charset="0"/>
+              </a:rPr>
+              <a:t>LastName</a:t>
+            </a:r>
+            <a:r>
+              <a:rPr lang="en-US" sz="1400" dirty="0">
+                <a:latin typeface="Courier New" pitchFamily="49" charset="0"/>
+                <a:cs typeface="Courier New" pitchFamily="49" charset="0"/>
+              </a:rPr>
+              <a:t>, GPA FROM </a:t>
+            </a:r>
+            <a:r>
+              <a:rPr lang="en-US" sz="1400" dirty="0" err="1">
+                <a:latin typeface="Courier New" pitchFamily="49" charset="0"/>
+                <a:cs typeface="Courier New" pitchFamily="49" charset="0"/>
+              </a:rPr>
+              <a:t>dbo.Students</a:t>
+            </a:r>
+            <a:r>
+              <a:rPr lang="en-US" sz="1400" dirty="0">
+                <a:latin typeface="Courier New" pitchFamily="49" charset="0"/>
+                <a:cs typeface="Courier New" pitchFamily="49" charset="0"/>
+              </a:rPr>
+              <a:t> WHERE ';</a:t>
+            </a:r>
+          </a:p>
+          <a:p>
+            <a:pPr marL="0" indent="0">
+              <a:spcBef>
+                <a:spcPts val="0"/>
+              </a:spcBef>
+              <a:buNone/>
+            </a:pPr>
+            <a:r>
+              <a:rPr lang="en-US" sz="1400" dirty="0">
+                <a:latin typeface="Courier New" pitchFamily="49" charset="0"/>
+                <a:cs typeface="Courier New" pitchFamily="49" charset="0"/>
+              </a:rPr>
+              <a:t>	SET @Query = @Query + '</a:t>
+            </a:r>
+            <a:r>
+              <a:rPr lang="en-US" sz="1400" dirty="0" err="1">
+                <a:latin typeface="Courier New" pitchFamily="49" charset="0"/>
+                <a:cs typeface="Courier New" pitchFamily="49" charset="0"/>
+              </a:rPr>
+              <a:t>FirstName</a:t>
+            </a:r>
+            <a:r>
+              <a:rPr lang="en-US" sz="1400" dirty="0">
+                <a:latin typeface="Courier New" pitchFamily="49" charset="0"/>
+                <a:cs typeface="Courier New" pitchFamily="49" charset="0"/>
+              </a:rPr>
+              <a:t> = ''' + @</a:t>
+            </a:r>
+            <a:r>
+              <a:rPr lang="en-US" sz="1400" dirty="0" err="1">
+                <a:latin typeface="Courier New" pitchFamily="49" charset="0"/>
+                <a:cs typeface="Courier New" pitchFamily="49" charset="0"/>
+              </a:rPr>
+              <a:t>FirstName</a:t>
+            </a:r>
+            <a:r>
+              <a:rPr lang="en-US" sz="1400" dirty="0">
+                <a:latin typeface="Courier New" pitchFamily="49" charset="0"/>
+                <a:cs typeface="Courier New" pitchFamily="49" charset="0"/>
+              </a:rPr>
+              <a:t> + ''' AND </a:t>
+            </a:r>
+            <a:r>
+              <a:rPr lang="en-US" sz="1400" dirty="0" err="1">
+                <a:latin typeface="Courier New" pitchFamily="49" charset="0"/>
+                <a:cs typeface="Courier New" pitchFamily="49" charset="0"/>
+              </a:rPr>
+              <a:t>LastName</a:t>
+            </a:r>
+            <a:r>
+              <a:rPr lang="en-US" sz="1400" dirty="0">
+                <a:latin typeface="Courier New" pitchFamily="49" charset="0"/>
+                <a:cs typeface="Courier New" pitchFamily="49" charset="0"/>
+              </a:rPr>
+              <a:t> = ';</a:t>
+            </a:r>
+          </a:p>
+          <a:p>
+            <a:pPr marL="0" indent="0">
+              <a:spcBef>
+                <a:spcPts val="0"/>
+              </a:spcBef>
+              <a:buNone/>
+            </a:pPr>
+            <a:r>
+              <a:rPr lang="en-US" sz="1400" dirty="0">
+                <a:latin typeface="Courier New" pitchFamily="49" charset="0"/>
+                <a:cs typeface="Courier New" pitchFamily="49" charset="0"/>
+              </a:rPr>
+              <a:t>	SET @Query = @Query + '''' + @</a:t>
+            </a:r>
+            <a:r>
+              <a:rPr lang="en-US" sz="1400" dirty="0" err="1">
+                <a:latin typeface="Courier New" pitchFamily="49" charset="0"/>
+                <a:cs typeface="Courier New" pitchFamily="49" charset="0"/>
+              </a:rPr>
+              <a:t>LastName</a:t>
+            </a:r>
+            <a:r>
+              <a:rPr lang="en-US" sz="1400" dirty="0">
+                <a:latin typeface="Courier New" pitchFamily="49" charset="0"/>
+                <a:cs typeface="Courier New" pitchFamily="49" charset="0"/>
+              </a:rPr>
+              <a:t> + '''';</a:t>
+            </a:r>
+          </a:p>
+          <a:p>
+            <a:pPr marL="0" indent="0">
+              <a:spcBef>
+                <a:spcPts val="0"/>
+              </a:spcBef>
+              <a:buNone/>
+            </a:pPr>
+            <a:endParaRPr lang="en-US" sz="1400" dirty="0">
+              <a:latin typeface="Courier New" pitchFamily="49" charset="0"/>
+              <a:cs typeface="Courier New" pitchFamily="49" charset="0"/>
+            </a:endParaRPr>
+          </a:p>
+          <a:p>
+            <a:pPr marL="0" indent="0">
+              <a:spcBef>
+                <a:spcPts val="0"/>
+              </a:spcBef>
+              <a:buNone/>
+            </a:pPr>
+            <a:r>
+              <a:rPr lang="en-US" sz="1400" dirty="0">
+                <a:latin typeface="Courier New" pitchFamily="49" charset="0"/>
+                <a:cs typeface="Courier New" pitchFamily="49" charset="0"/>
+              </a:rPr>
+              <a:t>	EXEC (@Query);</a:t>
+            </a:r>
+          </a:p>
+          <a:p>
+            <a:pPr marL="0" indent="0">
+              <a:spcBef>
+                <a:spcPts val="0"/>
+              </a:spcBef>
+              <a:buNone/>
+            </a:pPr>
+            <a:endParaRPr lang="en-US" sz="1400" dirty="0">
+              <a:latin typeface="Courier New" pitchFamily="49" charset="0"/>
+              <a:cs typeface="Courier New" pitchFamily="49" charset="0"/>
+            </a:endParaRPr>
+          </a:p>
+          <a:p>
+            <a:pPr marL="0" indent="0">
+              <a:spcBef>
+                <a:spcPts val="0"/>
+              </a:spcBef>
+              <a:buNone/>
+            </a:pPr>
+            <a:r>
+              <a:rPr lang="en-US" sz="1400" dirty="0">
+                <a:latin typeface="Courier New" pitchFamily="49" charset="0"/>
+                <a:cs typeface="Courier New" pitchFamily="49" charset="0"/>
+              </a:rPr>
+              <a:t>END;</a:t>
+            </a:r>
+          </a:p>
+        </p:txBody>
+      </p:sp>
+    </p:spTree>
+    <p:extLst>
+      <p:ext uri="{BB962C8B-B14F-4D97-AF65-F5344CB8AC3E}">
+        <p14:creationId xmlns:p14="http://schemas.microsoft.com/office/powerpoint/2010/main" val="1337114877"/>
+      </p:ext>
+    </p:extLst>
+  </p:cSld>
+  <p:clrMapOvr>
+    <a:masterClrMapping/>
+  </p:clrMapOvr>
+  <p:timing>
+    <p:tnLst>
+      <p:par>
+        <p:cTn id="1" dur="indefinite" restart="never" nodeType="tmRoot"/>
+      </p:par>
+    </p:tnLst>
+  </p:timing>
+</p:sld>
+</file>
+
+<file path=ppt/slides/slide22.xml><?xml version="1.0" encoding="utf-8"?>
+<p:sld xmlns:a="http://schemas.openxmlformats.org/drawingml/2006/main" xmlns:r="http://schemas.openxmlformats.org/officeDocument/2006/relationships" xmlns:p="http://schemas.openxmlformats.org/presentationml/2006/main">
+  <p:cSld>
+    <p:spTree>
+      <p:nvGrpSpPr>
+        <p:cNvPr id="1" name=""/>
+        <p:cNvGrpSpPr/>
+        <p:nvPr/>
+      </p:nvGrpSpPr>
+      <p:grpSpPr>
+        <a:xfrm>
+          <a:off x="0" y="0"/>
+          <a:ext cx="0" cy="0"/>
+          <a:chOff x="0" y="0"/>
+          <a:chExt cx="0" cy="0"/>
+        </a:xfrm>
+      </p:grpSpPr>
+      <p:sp>
+        <p:nvSpPr>
+          <p:cNvPr id="2" name="Title 1"/>
+          <p:cNvSpPr>
+            <a:spLocks noGrp="1"/>
+          </p:cNvSpPr>
+          <p:nvPr>
+            <p:ph type="title"/>
+          </p:nvPr>
+        </p:nvSpPr>
+        <p:spPr>
+          <a:xfrm>
+            <a:off x="513708" y="58738"/>
+            <a:ext cx="8517580" cy="1138237"/>
+          </a:xfrm>
+        </p:spPr>
+        <p:txBody>
+          <a:bodyPr/>
+          <a:lstStyle/>
+          <a:p>
+            <a:r>
+              <a:rPr lang="en-US" dirty="0">
+                <a:latin typeface="Arial" pitchFamily="34" charset="0"/>
+                <a:cs typeface="Arial" pitchFamily="34" charset="0"/>
+              </a:rPr>
+              <a:t>Use Stored Procedures in Data </a:t>
+            </a:r>
+            <a:r>
+              <a:rPr lang="en-US" dirty="0" smtClean="0">
+                <a:latin typeface="Arial" pitchFamily="34" charset="0"/>
+                <a:cs typeface="Arial" pitchFamily="34" charset="0"/>
+              </a:rPr>
+              <a:t>Layer, part 3</a:t>
+            </a:r>
+            <a:endParaRPr lang="en-US" dirty="0">
+              <a:latin typeface="Arial" pitchFamily="34" charset="0"/>
+              <a:cs typeface="Arial" pitchFamily="34" charset="0"/>
+            </a:endParaRPr>
+          </a:p>
+        </p:txBody>
+      </p:sp>
+      <p:sp>
+        <p:nvSpPr>
+          <p:cNvPr id="3" name="Content Placeholder 2"/>
+          <p:cNvSpPr>
+            <a:spLocks noGrp="1"/>
+          </p:cNvSpPr>
+          <p:nvPr>
+            <p:ph idx="1"/>
+          </p:nvPr>
+        </p:nvSpPr>
+        <p:spPr>
+          <a:xfrm>
+            <a:off x="390418" y="1356189"/>
+            <a:ext cx="8640870" cy="4397339"/>
+          </a:xfrm>
+        </p:spPr>
+        <p:txBody>
+          <a:bodyPr/>
+          <a:lstStyle/>
+          <a:p>
+            <a:pPr marL="0" indent="0">
+              <a:spcBef>
+                <a:spcPts val="0"/>
+              </a:spcBef>
+              <a:buNone/>
+            </a:pPr>
+            <a:r>
+              <a:rPr lang="en-US" sz="1000" dirty="0">
+                <a:latin typeface="Courier New" pitchFamily="49" charset="0"/>
+                <a:cs typeface="Courier New" pitchFamily="49" charset="0"/>
+              </a:rPr>
+              <a:t>--	Deliberate bad example!!!</a:t>
+            </a:r>
+          </a:p>
+          <a:p>
+            <a:pPr marL="0" indent="0">
+              <a:spcBef>
+                <a:spcPts val="0"/>
+              </a:spcBef>
+              <a:buNone/>
+            </a:pPr>
+            <a:r>
+              <a:rPr lang="en-US" sz="1000" dirty="0">
+                <a:latin typeface="Courier New" pitchFamily="49" charset="0"/>
+                <a:cs typeface="Courier New" pitchFamily="49" charset="0"/>
+              </a:rPr>
+              <a:t>CREATE PROCEDURE </a:t>
+            </a:r>
+            <a:r>
+              <a:rPr lang="en-US" sz="1000" dirty="0" err="1">
+                <a:latin typeface="Courier New" pitchFamily="49" charset="0"/>
+                <a:cs typeface="Courier New" pitchFamily="49" charset="0"/>
+              </a:rPr>
+              <a:t>dbo.uspSelectGradesByStudent</a:t>
+            </a:r>
+            <a:endParaRPr lang="en-US" sz="1000" dirty="0">
+              <a:latin typeface="Courier New" pitchFamily="49" charset="0"/>
+              <a:cs typeface="Courier New" pitchFamily="49" charset="0"/>
+            </a:endParaRPr>
+          </a:p>
+          <a:p>
+            <a:pPr marL="0" indent="0">
+              <a:spcBef>
+                <a:spcPts val="0"/>
+              </a:spcBef>
+              <a:buNone/>
+            </a:pPr>
+            <a:r>
+              <a:rPr lang="en-US" sz="1000" dirty="0">
+                <a:latin typeface="Courier New" pitchFamily="49" charset="0"/>
+                <a:cs typeface="Courier New" pitchFamily="49" charset="0"/>
+              </a:rPr>
+              <a:t>(</a:t>
+            </a:r>
+          </a:p>
+          <a:p>
+            <a:pPr marL="0" indent="0">
+              <a:spcBef>
+                <a:spcPts val="0"/>
+              </a:spcBef>
+              <a:buNone/>
+            </a:pPr>
+            <a:r>
+              <a:rPr lang="en-US" sz="1000" dirty="0">
+                <a:latin typeface="Courier New" pitchFamily="49" charset="0"/>
+                <a:cs typeface="Courier New" pitchFamily="49" charset="0"/>
+              </a:rPr>
+              <a:t>	@</a:t>
+            </a:r>
+            <a:r>
+              <a:rPr lang="en-US" sz="1000" dirty="0" err="1">
+                <a:latin typeface="Courier New" pitchFamily="49" charset="0"/>
+                <a:cs typeface="Courier New" pitchFamily="49" charset="0"/>
+              </a:rPr>
+              <a:t>FirstName</a:t>
+            </a:r>
+            <a:r>
+              <a:rPr lang="en-US" sz="1000" dirty="0">
+                <a:latin typeface="Courier New" pitchFamily="49" charset="0"/>
+                <a:cs typeface="Courier New" pitchFamily="49" charset="0"/>
+              </a:rPr>
+              <a:t>		VARCHAR(25) = NULL,</a:t>
+            </a:r>
+          </a:p>
+          <a:p>
+            <a:pPr marL="0" indent="0">
+              <a:spcBef>
+                <a:spcPts val="0"/>
+              </a:spcBef>
+              <a:buNone/>
+            </a:pPr>
+            <a:r>
+              <a:rPr lang="en-US" sz="1000" dirty="0">
+                <a:latin typeface="Courier New" pitchFamily="49" charset="0"/>
+                <a:cs typeface="Courier New" pitchFamily="49" charset="0"/>
+              </a:rPr>
+              <a:t>	@</a:t>
+            </a:r>
+            <a:r>
+              <a:rPr lang="en-US" sz="1000" dirty="0" err="1">
+                <a:latin typeface="Courier New" pitchFamily="49" charset="0"/>
+                <a:cs typeface="Courier New" pitchFamily="49" charset="0"/>
+              </a:rPr>
+              <a:t>LastName</a:t>
+            </a:r>
+            <a:r>
+              <a:rPr lang="en-US" sz="1000" dirty="0">
+                <a:latin typeface="Courier New" pitchFamily="49" charset="0"/>
+                <a:cs typeface="Courier New" pitchFamily="49" charset="0"/>
+              </a:rPr>
+              <a:t>		VARCHAR(25) = NULL</a:t>
+            </a:r>
+          </a:p>
+          <a:p>
+            <a:pPr marL="0" indent="0">
+              <a:spcBef>
+                <a:spcPts val="0"/>
+              </a:spcBef>
+              <a:buNone/>
+            </a:pPr>
+            <a:r>
+              <a:rPr lang="en-US" sz="1000" dirty="0">
+                <a:latin typeface="Courier New" pitchFamily="49" charset="0"/>
+                <a:cs typeface="Courier New" pitchFamily="49" charset="0"/>
+              </a:rPr>
+              <a:t>)</a:t>
+            </a:r>
+          </a:p>
+          <a:p>
+            <a:pPr marL="0" indent="0">
+              <a:spcBef>
+                <a:spcPts val="0"/>
+              </a:spcBef>
+              <a:buNone/>
+            </a:pPr>
+            <a:r>
+              <a:rPr lang="en-US" sz="1000" dirty="0">
+                <a:latin typeface="Courier New" pitchFamily="49" charset="0"/>
+                <a:cs typeface="Courier New" pitchFamily="49" charset="0"/>
+              </a:rPr>
+              <a:t>AS</a:t>
+            </a:r>
+          </a:p>
+          <a:p>
+            <a:pPr marL="0" indent="0">
+              <a:spcBef>
+                <a:spcPts val="0"/>
+              </a:spcBef>
+              <a:buNone/>
+            </a:pPr>
+            <a:r>
+              <a:rPr lang="en-US" sz="1000" dirty="0">
+                <a:latin typeface="Courier New" pitchFamily="49" charset="0"/>
+                <a:cs typeface="Courier New" pitchFamily="49" charset="0"/>
+              </a:rPr>
+              <a:t>BEGIN</a:t>
+            </a:r>
+          </a:p>
+          <a:p>
+            <a:pPr marL="0" indent="0">
+              <a:spcBef>
+                <a:spcPts val="0"/>
+              </a:spcBef>
+              <a:buNone/>
+            </a:pPr>
+            <a:endParaRPr lang="en-US" sz="1000" dirty="0">
+              <a:latin typeface="Courier New" pitchFamily="49" charset="0"/>
+              <a:cs typeface="Courier New" pitchFamily="49" charset="0"/>
+            </a:endParaRPr>
+          </a:p>
+          <a:p>
+            <a:pPr marL="0" indent="0">
+              <a:spcBef>
+                <a:spcPts val="0"/>
+              </a:spcBef>
+              <a:buNone/>
+            </a:pPr>
+            <a:r>
+              <a:rPr lang="en-US" sz="1000" dirty="0">
+                <a:latin typeface="Courier New" pitchFamily="49" charset="0"/>
+                <a:cs typeface="Courier New" pitchFamily="49" charset="0"/>
+              </a:rPr>
+              <a:t>	DECLARE @Query	NVARCHAR(4000);</a:t>
+            </a:r>
+          </a:p>
+          <a:p>
+            <a:pPr marL="0" indent="0">
+              <a:spcBef>
+                <a:spcPts val="0"/>
+              </a:spcBef>
+              <a:buNone/>
+            </a:pPr>
+            <a:endParaRPr lang="en-US" sz="1000" dirty="0">
+              <a:latin typeface="Courier New" pitchFamily="49" charset="0"/>
+              <a:cs typeface="Courier New" pitchFamily="49" charset="0"/>
+            </a:endParaRPr>
+          </a:p>
+          <a:p>
+            <a:pPr marL="0" indent="0">
+              <a:spcBef>
+                <a:spcPts val="0"/>
+              </a:spcBef>
+              <a:buNone/>
+            </a:pPr>
+            <a:r>
+              <a:rPr lang="en-US" sz="1000" dirty="0">
+                <a:latin typeface="Courier New" pitchFamily="49" charset="0"/>
+                <a:cs typeface="Courier New" pitchFamily="49" charset="0"/>
+              </a:rPr>
+              <a:t>	SET @Query = 'SELECT </a:t>
+            </a:r>
+            <a:r>
+              <a:rPr lang="en-US" sz="1000" dirty="0" err="1">
+                <a:latin typeface="Courier New" pitchFamily="49" charset="0"/>
+                <a:cs typeface="Courier New" pitchFamily="49" charset="0"/>
+              </a:rPr>
+              <a:t>FirstName</a:t>
+            </a:r>
+            <a:r>
+              <a:rPr lang="en-US" sz="1000" dirty="0">
+                <a:latin typeface="Courier New" pitchFamily="49" charset="0"/>
+                <a:cs typeface="Courier New" pitchFamily="49" charset="0"/>
+              </a:rPr>
+              <a:t>, </a:t>
+            </a:r>
+            <a:r>
+              <a:rPr lang="en-US" sz="1000" dirty="0" err="1">
+                <a:latin typeface="Courier New" pitchFamily="49" charset="0"/>
+                <a:cs typeface="Courier New" pitchFamily="49" charset="0"/>
+              </a:rPr>
+              <a:t>LastName</a:t>
+            </a:r>
+            <a:r>
+              <a:rPr lang="en-US" sz="1000" dirty="0">
+                <a:latin typeface="Courier New" pitchFamily="49" charset="0"/>
+                <a:cs typeface="Courier New" pitchFamily="49" charset="0"/>
+              </a:rPr>
+              <a:t>, GPA FROM </a:t>
+            </a:r>
+            <a:r>
+              <a:rPr lang="en-US" sz="1000" dirty="0" err="1">
+                <a:latin typeface="Courier New" pitchFamily="49" charset="0"/>
+                <a:cs typeface="Courier New" pitchFamily="49" charset="0"/>
+              </a:rPr>
+              <a:t>dbo.Students</a:t>
+            </a:r>
+            <a:r>
+              <a:rPr lang="en-US" sz="1000" dirty="0">
+                <a:latin typeface="Courier New" pitchFamily="49" charset="0"/>
+                <a:cs typeface="Courier New" pitchFamily="49" charset="0"/>
+              </a:rPr>
+              <a:t>'</a:t>
+            </a:r>
+          </a:p>
+          <a:p>
+            <a:pPr marL="0" indent="0">
+              <a:spcBef>
+                <a:spcPts val="0"/>
+              </a:spcBef>
+              <a:buNone/>
+            </a:pPr>
+            <a:endParaRPr lang="en-US" sz="1000" dirty="0">
+              <a:latin typeface="Courier New" pitchFamily="49" charset="0"/>
+              <a:cs typeface="Courier New" pitchFamily="49" charset="0"/>
+            </a:endParaRPr>
+          </a:p>
+          <a:p>
+            <a:pPr marL="0" indent="0">
+              <a:spcBef>
+                <a:spcPts val="0"/>
+              </a:spcBef>
+              <a:buNone/>
+            </a:pPr>
+            <a:r>
+              <a:rPr lang="en-US" sz="1000" dirty="0">
+                <a:latin typeface="Courier New" pitchFamily="49" charset="0"/>
+                <a:cs typeface="Courier New" pitchFamily="49" charset="0"/>
+              </a:rPr>
+              <a:t>	IF @</a:t>
+            </a:r>
+            <a:r>
+              <a:rPr lang="en-US" sz="1000" dirty="0" err="1">
+                <a:latin typeface="Courier New" pitchFamily="49" charset="0"/>
+                <a:cs typeface="Courier New" pitchFamily="49" charset="0"/>
+              </a:rPr>
+              <a:t>FirstName</a:t>
+            </a:r>
+            <a:r>
+              <a:rPr lang="en-US" sz="1000" dirty="0">
+                <a:latin typeface="Courier New" pitchFamily="49" charset="0"/>
+                <a:cs typeface="Courier New" pitchFamily="49" charset="0"/>
+              </a:rPr>
+              <a:t> IS NOT NULL OR @</a:t>
+            </a:r>
+            <a:r>
+              <a:rPr lang="en-US" sz="1000" dirty="0" err="1">
+                <a:latin typeface="Courier New" pitchFamily="49" charset="0"/>
+                <a:cs typeface="Courier New" pitchFamily="49" charset="0"/>
+              </a:rPr>
+              <a:t>LastName</a:t>
+            </a:r>
+            <a:r>
+              <a:rPr lang="en-US" sz="1000" dirty="0">
+                <a:latin typeface="Courier New" pitchFamily="49" charset="0"/>
+                <a:cs typeface="Courier New" pitchFamily="49" charset="0"/>
+              </a:rPr>
+              <a:t> IS NOT NULL</a:t>
+            </a:r>
+          </a:p>
+          <a:p>
+            <a:pPr marL="0" indent="0">
+              <a:spcBef>
+                <a:spcPts val="0"/>
+              </a:spcBef>
+              <a:buNone/>
+            </a:pPr>
+            <a:r>
+              <a:rPr lang="en-US" sz="1000" dirty="0">
+                <a:latin typeface="Courier New" pitchFamily="49" charset="0"/>
+                <a:cs typeface="Courier New" pitchFamily="49" charset="0"/>
+              </a:rPr>
+              <a:t>		SET @Query = @Query + ' WHERE ';</a:t>
+            </a:r>
+          </a:p>
+          <a:p>
+            <a:pPr marL="0" indent="0">
+              <a:spcBef>
+                <a:spcPts val="0"/>
+              </a:spcBef>
+              <a:buNone/>
+            </a:pPr>
+            <a:endParaRPr lang="en-US" sz="1000" dirty="0">
+              <a:latin typeface="Courier New" pitchFamily="49" charset="0"/>
+              <a:cs typeface="Courier New" pitchFamily="49" charset="0"/>
+            </a:endParaRPr>
+          </a:p>
+          <a:p>
+            <a:pPr marL="0" indent="0">
+              <a:spcBef>
+                <a:spcPts val="0"/>
+              </a:spcBef>
+              <a:buNone/>
+            </a:pPr>
+            <a:r>
+              <a:rPr lang="en-US" sz="1000" dirty="0">
+                <a:latin typeface="Courier New" pitchFamily="49" charset="0"/>
+                <a:cs typeface="Courier New" pitchFamily="49" charset="0"/>
+              </a:rPr>
+              <a:t>	IF @</a:t>
+            </a:r>
+            <a:r>
+              <a:rPr lang="en-US" sz="1000" dirty="0" err="1">
+                <a:latin typeface="Courier New" pitchFamily="49" charset="0"/>
+                <a:cs typeface="Courier New" pitchFamily="49" charset="0"/>
+              </a:rPr>
+              <a:t>FirstName</a:t>
+            </a:r>
+            <a:r>
+              <a:rPr lang="en-US" sz="1000" dirty="0">
+                <a:latin typeface="Courier New" pitchFamily="49" charset="0"/>
+                <a:cs typeface="Courier New" pitchFamily="49" charset="0"/>
+              </a:rPr>
+              <a:t> IS NOT NULL</a:t>
+            </a:r>
+          </a:p>
+          <a:p>
+            <a:pPr marL="0" indent="0">
+              <a:spcBef>
+                <a:spcPts val="0"/>
+              </a:spcBef>
+              <a:buNone/>
+            </a:pPr>
+            <a:r>
+              <a:rPr lang="en-US" sz="1000" dirty="0">
+                <a:latin typeface="Courier New" pitchFamily="49" charset="0"/>
+                <a:cs typeface="Courier New" pitchFamily="49" charset="0"/>
+              </a:rPr>
+              <a:t>		SET @Query = @Query + '</a:t>
+            </a:r>
+            <a:r>
+              <a:rPr lang="en-US" sz="1000" dirty="0" err="1">
+                <a:latin typeface="Courier New" pitchFamily="49" charset="0"/>
+                <a:cs typeface="Courier New" pitchFamily="49" charset="0"/>
+              </a:rPr>
+              <a:t>FirstName</a:t>
+            </a:r>
+            <a:r>
+              <a:rPr lang="en-US" sz="1000" dirty="0">
+                <a:latin typeface="Courier New" pitchFamily="49" charset="0"/>
+                <a:cs typeface="Courier New" pitchFamily="49" charset="0"/>
+              </a:rPr>
+              <a:t> = ''' + @</a:t>
+            </a:r>
+            <a:r>
+              <a:rPr lang="en-US" sz="1000" dirty="0" err="1">
+                <a:latin typeface="Courier New" pitchFamily="49" charset="0"/>
+                <a:cs typeface="Courier New" pitchFamily="49" charset="0"/>
+              </a:rPr>
+              <a:t>FirstName</a:t>
+            </a:r>
+            <a:r>
+              <a:rPr lang="en-US" sz="1000" dirty="0">
+                <a:latin typeface="Courier New" pitchFamily="49" charset="0"/>
+                <a:cs typeface="Courier New" pitchFamily="49" charset="0"/>
+              </a:rPr>
+              <a:t> + '''';</a:t>
+            </a:r>
+          </a:p>
+          <a:p>
+            <a:pPr marL="0" indent="0">
+              <a:spcBef>
+                <a:spcPts val="0"/>
+              </a:spcBef>
+              <a:buNone/>
+            </a:pPr>
+            <a:endParaRPr lang="en-US" sz="1000" dirty="0">
+              <a:latin typeface="Courier New" pitchFamily="49" charset="0"/>
+              <a:cs typeface="Courier New" pitchFamily="49" charset="0"/>
+            </a:endParaRPr>
+          </a:p>
+          <a:p>
+            <a:pPr marL="0" indent="0">
+              <a:spcBef>
+                <a:spcPts val="0"/>
+              </a:spcBef>
+              <a:buNone/>
+            </a:pPr>
+            <a:r>
+              <a:rPr lang="en-US" sz="1000" dirty="0">
+                <a:latin typeface="Courier New" pitchFamily="49" charset="0"/>
+                <a:cs typeface="Courier New" pitchFamily="49" charset="0"/>
+              </a:rPr>
+              <a:t>	IF @</a:t>
+            </a:r>
+            <a:r>
+              <a:rPr lang="en-US" sz="1000" dirty="0" err="1">
+                <a:latin typeface="Courier New" pitchFamily="49" charset="0"/>
+                <a:cs typeface="Courier New" pitchFamily="49" charset="0"/>
+              </a:rPr>
+              <a:t>FirstName</a:t>
+            </a:r>
+            <a:r>
+              <a:rPr lang="en-US" sz="1000" dirty="0">
+                <a:latin typeface="Courier New" pitchFamily="49" charset="0"/>
+                <a:cs typeface="Courier New" pitchFamily="49" charset="0"/>
+              </a:rPr>
+              <a:t> IS NOT NULL AND @</a:t>
+            </a:r>
+            <a:r>
+              <a:rPr lang="en-US" sz="1000" dirty="0" err="1">
+                <a:latin typeface="Courier New" pitchFamily="49" charset="0"/>
+                <a:cs typeface="Courier New" pitchFamily="49" charset="0"/>
+              </a:rPr>
+              <a:t>LastName</a:t>
+            </a:r>
+            <a:r>
+              <a:rPr lang="en-US" sz="1000" dirty="0">
+                <a:latin typeface="Courier New" pitchFamily="49" charset="0"/>
+                <a:cs typeface="Courier New" pitchFamily="49" charset="0"/>
+              </a:rPr>
+              <a:t> IS NOT NULL</a:t>
+            </a:r>
+          </a:p>
+          <a:p>
+            <a:pPr marL="0" indent="0">
+              <a:spcBef>
+                <a:spcPts val="0"/>
+              </a:spcBef>
+              <a:buNone/>
+            </a:pPr>
+            <a:r>
+              <a:rPr lang="en-US" sz="1000" dirty="0">
+                <a:latin typeface="Courier New" pitchFamily="49" charset="0"/>
+                <a:cs typeface="Courier New" pitchFamily="49" charset="0"/>
+              </a:rPr>
+              <a:t>		SET @Query = @Query + ' AND ';</a:t>
+            </a:r>
+          </a:p>
+          <a:p>
+            <a:pPr marL="0" indent="0">
+              <a:spcBef>
+                <a:spcPts val="0"/>
+              </a:spcBef>
+              <a:buNone/>
+            </a:pPr>
+            <a:endParaRPr lang="en-US" sz="1000" dirty="0">
+              <a:latin typeface="Courier New" pitchFamily="49" charset="0"/>
+              <a:cs typeface="Courier New" pitchFamily="49" charset="0"/>
+            </a:endParaRPr>
+          </a:p>
+          <a:p>
+            <a:pPr marL="0" indent="0">
+              <a:spcBef>
+                <a:spcPts val="0"/>
+              </a:spcBef>
+              <a:buNone/>
+            </a:pPr>
+            <a:r>
+              <a:rPr lang="en-US" sz="1000" dirty="0">
+                <a:latin typeface="Courier New" pitchFamily="49" charset="0"/>
+                <a:cs typeface="Courier New" pitchFamily="49" charset="0"/>
+              </a:rPr>
+              <a:t>	IF @</a:t>
+            </a:r>
+            <a:r>
+              <a:rPr lang="en-US" sz="1000" dirty="0" err="1">
+                <a:latin typeface="Courier New" pitchFamily="49" charset="0"/>
+                <a:cs typeface="Courier New" pitchFamily="49" charset="0"/>
+              </a:rPr>
+              <a:t>LastName</a:t>
+            </a:r>
+            <a:r>
+              <a:rPr lang="en-US" sz="1000" dirty="0">
+                <a:latin typeface="Courier New" pitchFamily="49" charset="0"/>
+                <a:cs typeface="Courier New" pitchFamily="49" charset="0"/>
+              </a:rPr>
+              <a:t> IS NOT NULL</a:t>
+            </a:r>
+          </a:p>
+          <a:p>
+            <a:pPr marL="0" indent="0">
+              <a:spcBef>
+                <a:spcPts val="0"/>
+              </a:spcBef>
+              <a:buNone/>
+            </a:pPr>
+            <a:r>
+              <a:rPr lang="en-US" sz="1000" dirty="0">
+                <a:latin typeface="Courier New" pitchFamily="49" charset="0"/>
+                <a:cs typeface="Courier New" pitchFamily="49" charset="0"/>
+              </a:rPr>
+              <a:t>		SET @Query = @Query + '</a:t>
+            </a:r>
+            <a:r>
+              <a:rPr lang="en-US" sz="1000" dirty="0" err="1">
+                <a:latin typeface="Courier New" pitchFamily="49" charset="0"/>
+                <a:cs typeface="Courier New" pitchFamily="49" charset="0"/>
+              </a:rPr>
+              <a:t>LastName</a:t>
+            </a:r>
+            <a:r>
+              <a:rPr lang="en-US" sz="1000" dirty="0">
+                <a:latin typeface="Courier New" pitchFamily="49" charset="0"/>
+                <a:cs typeface="Courier New" pitchFamily="49" charset="0"/>
+              </a:rPr>
+              <a:t> = ''' + @</a:t>
+            </a:r>
+            <a:r>
+              <a:rPr lang="en-US" sz="1000" dirty="0" err="1">
+                <a:latin typeface="Courier New" pitchFamily="49" charset="0"/>
+                <a:cs typeface="Courier New" pitchFamily="49" charset="0"/>
+              </a:rPr>
+              <a:t>LastName</a:t>
+            </a:r>
+            <a:r>
+              <a:rPr lang="en-US" sz="1000" dirty="0">
+                <a:latin typeface="Courier New" pitchFamily="49" charset="0"/>
+                <a:cs typeface="Courier New" pitchFamily="49" charset="0"/>
+              </a:rPr>
+              <a:t> + '''';</a:t>
+            </a:r>
+          </a:p>
+          <a:p>
+            <a:pPr marL="0" indent="0">
+              <a:spcBef>
+                <a:spcPts val="0"/>
+              </a:spcBef>
+              <a:buNone/>
+            </a:pPr>
+            <a:endParaRPr lang="en-US" sz="1000" dirty="0">
+              <a:latin typeface="Courier New" pitchFamily="49" charset="0"/>
+              <a:cs typeface="Courier New" pitchFamily="49" charset="0"/>
+            </a:endParaRPr>
+          </a:p>
+          <a:p>
+            <a:pPr marL="0" indent="0">
+              <a:spcBef>
+                <a:spcPts val="0"/>
+              </a:spcBef>
+              <a:buNone/>
+            </a:pPr>
+            <a:r>
+              <a:rPr lang="en-US" sz="1000" dirty="0">
+                <a:latin typeface="Courier New" pitchFamily="49" charset="0"/>
+                <a:cs typeface="Courier New" pitchFamily="49" charset="0"/>
+              </a:rPr>
+              <a:t>	EXEC (@Query);</a:t>
+            </a:r>
+          </a:p>
+          <a:p>
+            <a:pPr marL="0" indent="0">
+              <a:spcBef>
+                <a:spcPts val="0"/>
+              </a:spcBef>
+              <a:buNone/>
+            </a:pPr>
+            <a:endParaRPr lang="en-US" sz="1000" dirty="0">
+              <a:latin typeface="Courier New" pitchFamily="49" charset="0"/>
+              <a:cs typeface="Courier New" pitchFamily="49" charset="0"/>
+            </a:endParaRPr>
+          </a:p>
+          <a:p>
+            <a:pPr marL="0" indent="0">
+              <a:spcBef>
+                <a:spcPts val="0"/>
+              </a:spcBef>
+              <a:buNone/>
+            </a:pPr>
+            <a:r>
+              <a:rPr lang="en-US" sz="1000" dirty="0">
+                <a:latin typeface="Courier New" pitchFamily="49" charset="0"/>
+                <a:cs typeface="Courier New" pitchFamily="49" charset="0"/>
+              </a:rPr>
+              <a:t>END;</a:t>
+            </a:r>
+          </a:p>
+        </p:txBody>
+      </p:sp>
+    </p:spTree>
+    <p:extLst>
+      <p:ext uri="{BB962C8B-B14F-4D97-AF65-F5344CB8AC3E}">
+        <p14:creationId xmlns:p14="http://schemas.microsoft.com/office/powerpoint/2010/main" val="4112608665"/>
+      </p:ext>
+    </p:extLst>
+  </p:cSld>
+  <p:clrMapOvr>
+    <a:masterClrMapping/>
+  </p:clrMapOvr>
+  <p:timing>
+    <p:tnLst>
+      <p:par>
+        <p:cTn id="1" dur="indefinite" restart="never" nodeType="tmRoot"/>
+      </p:par>
+    </p:tnLst>
+  </p:timing>
+</p:sld>
+</file>
+
+<file path=ppt/slides/slide23.xml><?xml version="1.0" encoding="utf-8"?>
+<p:sld xmlns:a="http://schemas.openxmlformats.org/drawingml/2006/main" xmlns:r="http://schemas.openxmlformats.org/officeDocument/2006/relationships" xmlns:p="http://schemas.openxmlformats.org/presentationml/2006/main">
+  <p:cSld>
+    <p:spTree>
+      <p:nvGrpSpPr>
+        <p:cNvPr id="1" name=""/>
+        <p:cNvGrpSpPr/>
+        <p:nvPr/>
+      </p:nvGrpSpPr>
+      <p:grpSpPr>
+        <a:xfrm>
+          <a:off x="0" y="0"/>
+          <a:ext cx="0" cy="0"/>
+          <a:chOff x="0" y="0"/>
+          <a:chExt cx="0" cy="0"/>
+        </a:xfrm>
+      </p:grpSpPr>
+      <p:sp>
+        <p:nvSpPr>
+          <p:cNvPr id="2" name="Title 1"/>
+          <p:cNvSpPr>
+            <a:spLocks noGrp="1"/>
+          </p:cNvSpPr>
+          <p:nvPr>
+            <p:ph type="title"/>
+          </p:nvPr>
+        </p:nvSpPr>
+        <p:spPr>
+          <a:xfrm>
+            <a:off x="513708" y="58738"/>
+            <a:ext cx="8517580" cy="1138237"/>
+          </a:xfrm>
+        </p:spPr>
+        <p:txBody>
+          <a:bodyPr/>
+          <a:lstStyle/>
+          <a:p>
+            <a:r>
+              <a:rPr lang="en-US" dirty="0">
+                <a:latin typeface="Arial" pitchFamily="34" charset="0"/>
+                <a:cs typeface="Arial" pitchFamily="34" charset="0"/>
+              </a:rPr>
+              <a:t>Use Stored Procedures in Data </a:t>
+            </a:r>
+            <a:r>
+              <a:rPr lang="en-US" dirty="0" smtClean="0">
+                <a:latin typeface="Arial" pitchFamily="34" charset="0"/>
+                <a:cs typeface="Arial" pitchFamily="34" charset="0"/>
+              </a:rPr>
+              <a:t>Layer, part 4</a:t>
+            </a:r>
+            <a:endParaRPr lang="en-US" dirty="0">
+              <a:latin typeface="Arial" pitchFamily="34" charset="0"/>
+              <a:cs typeface="Arial" pitchFamily="34" charset="0"/>
+            </a:endParaRPr>
+          </a:p>
+        </p:txBody>
+      </p:sp>
+      <p:sp>
+        <p:nvSpPr>
+          <p:cNvPr id="3" name="Content Placeholder 2"/>
+          <p:cNvSpPr>
+            <a:spLocks noGrp="1"/>
+          </p:cNvSpPr>
+          <p:nvPr>
+            <p:ph idx="1"/>
+          </p:nvPr>
+        </p:nvSpPr>
+        <p:spPr>
+          <a:xfrm>
+            <a:off x="390418" y="1356189"/>
+            <a:ext cx="8640870" cy="4397339"/>
+          </a:xfrm>
+        </p:spPr>
+        <p:txBody>
+          <a:bodyPr/>
+          <a:lstStyle/>
+          <a:p>
+            <a:pPr marL="0" indent="0">
+              <a:spcBef>
+                <a:spcPts val="0"/>
+              </a:spcBef>
+              <a:buNone/>
+            </a:pPr>
+            <a:r>
+              <a:rPr lang="en-US" sz="1100" dirty="0">
+                <a:latin typeface="Courier New" pitchFamily="49" charset="0"/>
+                <a:cs typeface="Courier New" pitchFamily="49" charset="0"/>
+              </a:rPr>
+              <a:t>CREATE PROCEDURE </a:t>
+            </a:r>
+            <a:r>
+              <a:rPr lang="en-US" sz="1100" dirty="0" err="1">
+                <a:latin typeface="Courier New" pitchFamily="49" charset="0"/>
+                <a:cs typeface="Courier New" pitchFamily="49" charset="0"/>
+              </a:rPr>
+              <a:t>dbo.uspSelectGradesByStudent</a:t>
+            </a:r>
+            <a:endParaRPr lang="en-US" sz="1100" dirty="0">
+              <a:latin typeface="Courier New" pitchFamily="49" charset="0"/>
+              <a:cs typeface="Courier New" pitchFamily="49" charset="0"/>
+            </a:endParaRPr>
+          </a:p>
+          <a:p>
+            <a:pPr marL="0" indent="0">
+              <a:spcBef>
+                <a:spcPts val="0"/>
+              </a:spcBef>
+              <a:buNone/>
+            </a:pPr>
+            <a:r>
+              <a:rPr lang="en-US" sz="1100" dirty="0">
+                <a:latin typeface="Courier New" pitchFamily="49" charset="0"/>
+                <a:cs typeface="Courier New" pitchFamily="49" charset="0"/>
+              </a:rPr>
+              <a:t>(</a:t>
+            </a:r>
+          </a:p>
+          <a:p>
+            <a:pPr marL="0" indent="0">
+              <a:spcBef>
+                <a:spcPts val="0"/>
+              </a:spcBef>
+              <a:buNone/>
+            </a:pPr>
+            <a:r>
+              <a:rPr lang="en-US" sz="1100" dirty="0">
+                <a:latin typeface="Courier New" pitchFamily="49" charset="0"/>
+                <a:cs typeface="Courier New" pitchFamily="49" charset="0"/>
+              </a:rPr>
+              <a:t>	@</a:t>
+            </a:r>
+            <a:r>
+              <a:rPr lang="en-US" sz="1100" dirty="0" err="1">
+                <a:latin typeface="Courier New" pitchFamily="49" charset="0"/>
+                <a:cs typeface="Courier New" pitchFamily="49" charset="0"/>
+              </a:rPr>
+              <a:t>FirstName</a:t>
+            </a:r>
+            <a:r>
+              <a:rPr lang="en-US" sz="1100" dirty="0">
+                <a:latin typeface="Courier New" pitchFamily="49" charset="0"/>
+                <a:cs typeface="Courier New" pitchFamily="49" charset="0"/>
+              </a:rPr>
+              <a:t>		VARCHAR(25) = NULL,</a:t>
+            </a:r>
+          </a:p>
+          <a:p>
+            <a:pPr marL="0" indent="0">
+              <a:spcBef>
+                <a:spcPts val="0"/>
+              </a:spcBef>
+              <a:buNone/>
+            </a:pPr>
+            <a:r>
+              <a:rPr lang="en-US" sz="1100" dirty="0">
+                <a:latin typeface="Courier New" pitchFamily="49" charset="0"/>
+                <a:cs typeface="Courier New" pitchFamily="49" charset="0"/>
+              </a:rPr>
+              <a:t>	@</a:t>
+            </a:r>
+            <a:r>
+              <a:rPr lang="en-US" sz="1100" dirty="0" err="1">
+                <a:latin typeface="Courier New" pitchFamily="49" charset="0"/>
+                <a:cs typeface="Courier New" pitchFamily="49" charset="0"/>
+              </a:rPr>
+              <a:t>LastName</a:t>
+            </a:r>
+            <a:r>
+              <a:rPr lang="en-US" sz="1100" dirty="0">
+                <a:latin typeface="Courier New" pitchFamily="49" charset="0"/>
+                <a:cs typeface="Courier New" pitchFamily="49" charset="0"/>
+              </a:rPr>
+              <a:t>		VARCHAR(25) = NULL</a:t>
+            </a:r>
+          </a:p>
+          <a:p>
+            <a:pPr marL="0" indent="0">
+              <a:spcBef>
+                <a:spcPts val="0"/>
+              </a:spcBef>
+              <a:buNone/>
+            </a:pPr>
+            <a:r>
+              <a:rPr lang="en-US" sz="1100" dirty="0">
+                <a:latin typeface="Courier New" pitchFamily="49" charset="0"/>
+                <a:cs typeface="Courier New" pitchFamily="49" charset="0"/>
+              </a:rPr>
+              <a:t>)</a:t>
+            </a:r>
+          </a:p>
+          <a:p>
+            <a:pPr marL="0" indent="0">
+              <a:spcBef>
+                <a:spcPts val="0"/>
+              </a:spcBef>
+              <a:buNone/>
+            </a:pPr>
+            <a:r>
+              <a:rPr lang="en-US" sz="1100" dirty="0">
+                <a:latin typeface="Courier New" pitchFamily="49" charset="0"/>
+                <a:cs typeface="Courier New" pitchFamily="49" charset="0"/>
+              </a:rPr>
+              <a:t>AS</a:t>
+            </a:r>
+          </a:p>
+          <a:p>
+            <a:pPr marL="0" indent="0">
+              <a:spcBef>
+                <a:spcPts val="0"/>
+              </a:spcBef>
+              <a:buNone/>
+            </a:pPr>
+            <a:r>
+              <a:rPr lang="en-US" sz="1100" dirty="0">
+                <a:latin typeface="Courier New" pitchFamily="49" charset="0"/>
+                <a:cs typeface="Courier New" pitchFamily="49" charset="0"/>
+              </a:rPr>
+              <a:t>BEGIN</a:t>
+            </a:r>
+          </a:p>
+          <a:p>
+            <a:pPr marL="0" indent="0">
+              <a:spcBef>
+                <a:spcPts val="0"/>
+              </a:spcBef>
+              <a:buNone/>
+            </a:pPr>
+            <a:endParaRPr lang="en-US" sz="1100" dirty="0">
+              <a:latin typeface="Courier New" pitchFamily="49" charset="0"/>
+              <a:cs typeface="Courier New" pitchFamily="49" charset="0"/>
+            </a:endParaRPr>
+          </a:p>
+          <a:p>
+            <a:pPr marL="0" indent="0">
+              <a:spcBef>
+                <a:spcPts val="0"/>
+              </a:spcBef>
+              <a:buNone/>
+            </a:pPr>
+            <a:r>
+              <a:rPr lang="en-US" sz="1100" dirty="0">
+                <a:latin typeface="Courier New" pitchFamily="49" charset="0"/>
+                <a:cs typeface="Courier New" pitchFamily="49" charset="0"/>
+              </a:rPr>
+              <a:t>	SELECT</a:t>
+            </a:r>
+          </a:p>
+          <a:p>
+            <a:pPr marL="0" indent="0">
+              <a:spcBef>
+                <a:spcPts val="0"/>
+              </a:spcBef>
+              <a:buNone/>
+            </a:pPr>
+            <a:r>
+              <a:rPr lang="en-US" sz="1100" dirty="0">
+                <a:latin typeface="Courier New" pitchFamily="49" charset="0"/>
+                <a:cs typeface="Courier New" pitchFamily="49" charset="0"/>
+              </a:rPr>
+              <a:t>		</a:t>
+            </a:r>
+            <a:r>
+              <a:rPr lang="en-US" sz="1100" dirty="0" err="1">
+                <a:latin typeface="Courier New" pitchFamily="49" charset="0"/>
+                <a:cs typeface="Courier New" pitchFamily="49" charset="0"/>
+              </a:rPr>
+              <a:t>FirstName</a:t>
+            </a:r>
+            <a:r>
+              <a:rPr lang="en-US" sz="1100" dirty="0">
+                <a:latin typeface="Courier New" pitchFamily="49" charset="0"/>
+                <a:cs typeface="Courier New" pitchFamily="49" charset="0"/>
+              </a:rPr>
+              <a:t>,</a:t>
+            </a:r>
+          </a:p>
+          <a:p>
+            <a:pPr marL="0" indent="0">
+              <a:spcBef>
+                <a:spcPts val="0"/>
+              </a:spcBef>
+              <a:buNone/>
+            </a:pPr>
+            <a:r>
+              <a:rPr lang="en-US" sz="1100" dirty="0">
+                <a:latin typeface="Courier New" pitchFamily="49" charset="0"/>
+                <a:cs typeface="Courier New" pitchFamily="49" charset="0"/>
+              </a:rPr>
+              <a:t>		</a:t>
+            </a:r>
+            <a:r>
+              <a:rPr lang="en-US" sz="1100" dirty="0" err="1">
+                <a:latin typeface="Courier New" pitchFamily="49" charset="0"/>
+                <a:cs typeface="Courier New" pitchFamily="49" charset="0"/>
+              </a:rPr>
+              <a:t>LastName</a:t>
+            </a:r>
+            <a:r>
+              <a:rPr lang="en-US" sz="1100" dirty="0">
+                <a:latin typeface="Courier New" pitchFamily="49" charset="0"/>
+                <a:cs typeface="Courier New" pitchFamily="49" charset="0"/>
+              </a:rPr>
+              <a:t>,</a:t>
+            </a:r>
+          </a:p>
+          <a:p>
+            <a:pPr marL="0" indent="0">
+              <a:spcBef>
+                <a:spcPts val="0"/>
+              </a:spcBef>
+              <a:buNone/>
+            </a:pPr>
+            <a:r>
+              <a:rPr lang="en-US" sz="1100" dirty="0">
+                <a:latin typeface="Courier New" pitchFamily="49" charset="0"/>
+                <a:cs typeface="Courier New" pitchFamily="49" charset="0"/>
+              </a:rPr>
+              <a:t>		GPA</a:t>
+            </a:r>
+          </a:p>
+          <a:p>
+            <a:pPr marL="0" indent="0">
+              <a:spcBef>
+                <a:spcPts val="0"/>
+              </a:spcBef>
+              <a:buNone/>
+            </a:pPr>
+            <a:r>
+              <a:rPr lang="en-US" sz="1100" dirty="0">
+                <a:latin typeface="Courier New" pitchFamily="49" charset="0"/>
+                <a:cs typeface="Courier New" pitchFamily="49" charset="0"/>
+              </a:rPr>
+              <a:t>	FROM</a:t>
+            </a:r>
+          </a:p>
+          <a:p>
+            <a:pPr marL="0" indent="0">
+              <a:spcBef>
+                <a:spcPts val="0"/>
+              </a:spcBef>
+              <a:buNone/>
+            </a:pPr>
+            <a:r>
+              <a:rPr lang="en-US" sz="1100" dirty="0">
+                <a:latin typeface="Courier New" pitchFamily="49" charset="0"/>
+                <a:cs typeface="Courier New" pitchFamily="49" charset="0"/>
+              </a:rPr>
+              <a:t>		</a:t>
+            </a:r>
+            <a:r>
+              <a:rPr lang="en-US" sz="1100" dirty="0" err="1">
+                <a:latin typeface="Courier New" pitchFamily="49" charset="0"/>
+                <a:cs typeface="Courier New" pitchFamily="49" charset="0"/>
+              </a:rPr>
+              <a:t>dbo.Students</a:t>
+            </a:r>
+            <a:endParaRPr lang="en-US" sz="1100" dirty="0">
+              <a:latin typeface="Courier New" pitchFamily="49" charset="0"/>
+              <a:cs typeface="Courier New" pitchFamily="49" charset="0"/>
+            </a:endParaRPr>
+          </a:p>
+          <a:p>
+            <a:pPr marL="0" indent="0">
+              <a:spcBef>
+                <a:spcPts val="0"/>
+              </a:spcBef>
+              <a:buNone/>
+            </a:pPr>
+            <a:r>
+              <a:rPr lang="en-US" sz="1100" dirty="0">
+                <a:latin typeface="Courier New" pitchFamily="49" charset="0"/>
+                <a:cs typeface="Courier New" pitchFamily="49" charset="0"/>
+              </a:rPr>
+              <a:t>	WHERE</a:t>
+            </a:r>
+          </a:p>
+          <a:p>
+            <a:pPr marL="0" indent="0">
+              <a:spcBef>
+                <a:spcPts val="0"/>
+              </a:spcBef>
+              <a:buNone/>
+            </a:pPr>
+            <a:r>
+              <a:rPr lang="en-US" sz="1100" dirty="0">
+                <a:latin typeface="Courier New" pitchFamily="49" charset="0"/>
+                <a:cs typeface="Courier New" pitchFamily="49" charset="0"/>
+              </a:rPr>
+              <a:t>		(@</a:t>
+            </a:r>
+            <a:r>
+              <a:rPr lang="en-US" sz="1100" dirty="0" err="1">
+                <a:latin typeface="Courier New" pitchFamily="49" charset="0"/>
+                <a:cs typeface="Courier New" pitchFamily="49" charset="0"/>
+              </a:rPr>
+              <a:t>FirstName</a:t>
+            </a:r>
+            <a:r>
+              <a:rPr lang="en-US" sz="1100" dirty="0">
+                <a:latin typeface="Courier New" pitchFamily="49" charset="0"/>
+                <a:cs typeface="Courier New" pitchFamily="49" charset="0"/>
+              </a:rPr>
+              <a:t> IS NULL</a:t>
+            </a:r>
+          </a:p>
+          <a:p>
+            <a:pPr marL="0" indent="0">
+              <a:spcBef>
+                <a:spcPts val="0"/>
+              </a:spcBef>
+              <a:buNone/>
+            </a:pPr>
+            <a:r>
+              <a:rPr lang="en-US" sz="1100" dirty="0">
+                <a:latin typeface="Courier New" pitchFamily="49" charset="0"/>
+                <a:cs typeface="Courier New" pitchFamily="49" charset="0"/>
+              </a:rPr>
+              <a:t>			OR</a:t>
+            </a:r>
+          </a:p>
+          <a:p>
+            <a:pPr marL="0" indent="0">
+              <a:spcBef>
+                <a:spcPts val="0"/>
+              </a:spcBef>
+              <a:buNone/>
+            </a:pPr>
+            <a:r>
+              <a:rPr lang="en-US" sz="1100" dirty="0">
+                <a:latin typeface="Courier New" pitchFamily="49" charset="0"/>
+                <a:cs typeface="Courier New" pitchFamily="49" charset="0"/>
+              </a:rPr>
+              <a:t>			</a:t>
+            </a:r>
+            <a:r>
+              <a:rPr lang="en-US" sz="1100" dirty="0" err="1">
+                <a:latin typeface="Courier New" pitchFamily="49" charset="0"/>
+                <a:cs typeface="Courier New" pitchFamily="49" charset="0"/>
+              </a:rPr>
+              <a:t>FirstName</a:t>
+            </a:r>
+            <a:r>
+              <a:rPr lang="en-US" sz="1100" dirty="0">
+                <a:latin typeface="Courier New" pitchFamily="49" charset="0"/>
+                <a:cs typeface="Courier New" pitchFamily="49" charset="0"/>
+              </a:rPr>
+              <a:t> = @</a:t>
+            </a:r>
+            <a:r>
+              <a:rPr lang="en-US" sz="1100" dirty="0" err="1">
+                <a:latin typeface="Courier New" pitchFamily="49" charset="0"/>
+                <a:cs typeface="Courier New" pitchFamily="49" charset="0"/>
+              </a:rPr>
+              <a:t>FirstName</a:t>
+            </a:r>
+            <a:r>
+              <a:rPr lang="en-US" sz="1100" dirty="0">
+                <a:latin typeface="Courier New" pitchFamily="49" charset="0"/>
+                <a:cs typeface="Courier New" pitchFamily="49" charset="0"/>
+              </a:rPr>
+              <a:t>)</a:t>
+            </a:r>
+          </a:p>
+          <a:p>
+            <a:pPr marL="0" indent="0">
+              <a:spcBef>
+                <a:spcPts val="0"/>
+              </a:spcBef>
+              <a:buNone/>
+            </a:pPr>
+            <a:r>
+              <a:rPr lang="en-US" sz="1100" dirty="0">
+                <a:latin typeface="Courier New" pitchFamily="49" charset="0"/>
+                <a:cs typeface="Courier New" pitchFamily="49" charset="0"/>
+              </a:rPr>
+              <a:t>		AND</a:t>
+            </a:r>
+          </a:p>
+          <a:p>
+            <a:pPr marL="0" indent="0">
+              <a:spcBef>
+                <a:spcPts val="0"/>
+              </a:spcBef>
+              <a:buNone/>
+            </a:pPr>
+            <a:r>
+              <a:rPr lang="en-US" sz="1100" dirty="0">
+                <a:latin typeface="Courier New" pitchFamily="49" charset="0"/>
+                <a:cs typeface="Courier New" pitchFamily="49" charset="0"/>
+              </a:rPr>
+              <a:t>		(@</a:t>
+            </a:r>
+            <a:r>
+              <a:rPr lang="en-US" sz="1100" dirty="0" err="1">
+                <a:latin typeface="Courier New" pitchFamily="49" charset="0"/>
+                <a:cs typeface="Courier New" pitchFamily="49" charset="0"/>
+              </a:rPr>
+              <a:t>LastName</a:t>
+            </a:r>
+            <a:r>
+              <a:rPr lang="en-US" sz="1100" dirty="0">
+                <a:latin typeface="Courier New" pitchFamily="49" charset="0"/>
+                <a:cs typeface="Courier New" pitchFamily="49" charset="0"/>
+              </a:rPr>
+              <a:t> IS NULL</a:t>
+            </a:r>
+          </a:p>
+          <a:p>
+            <a:pPr marL="0" indent="0">
+              <a:spcBef>
+                <a:spcPts val="0"/>
+              </a:spcBef>
+              <a:buNone/>
+            </a:pPr>
+            <a:r>
+              <a:rPr lang="en-US" sz="1100" dirty="0">
+                <a:latin typeface="Courier New" pitchFamily="49" charset="0"/>
+                <a:cs typeface="Courier New" pitchFamily="49" charset="0"/>
+              </a:rPr>
+              <a:t>			OR</a:t>
+            </a:r>
+          </a:p>
+          <a:p>
+            <a:pPr marL="0" indent="0">
+              <a:spcBef>
+                <a:spcPts val="0"/>
+              </a:spcBef>
+              <a:buNone/>
+            </a:pPr>
+            <a:r>
+              <a:rPr lang="en-US" sz="1100" dirty="0">
+                <a:latin typeface="Courier New" pitchFamily="49" charset="0"/>
+                <a:cs typeface="Courier New" pitchFamily="49" charset="0"/>
+              </a:rPr>
+              <a:t>			</a:t>
+            </a:r>
+            <a:r>
+              <a:rPr lang="en-US" sz="1100" dirty="0" err="1">
+                <a:latin typeface="Courier New" pitchFamily="49" charset="0"/>
+                <a:cs typeface="Courier New" pitchFamily="49" charset="0"/>
+              </a:rPr>
+              <a:t>LastName</a:t>
+            </a:r>
+            <a:r>
+              <a:rPr lang="en-US" sz="1100" dirty="0">
+                <a:latin typeface="Courier New" pitchFamily="49" charset="0"/>
+                <a:cs typeface="Courier New" pitchFamily="49" charset="0"/>
+              </a:rPr>
+              <a:t> = @</a:t>
+            </a:r>
+            <a:r>
+              <a:rPr lang="en-US" sz="1100" dirty="0" err="1">
+                <a:latin typeface="Courier New" pitchFamily="49" charset="0"/>
+                <a:cs typeface="Courier New" pitchFamily="49" charset="0"/>
+              </a:rPr>
+              <a:t>LastName</a:t>
+            </a:r>
+            <a:r>
+              <a:rPr lang="en-US" sz="1100" dirty="0">
+                <a:latin typeface="Courier New" pitchFamily="49" charset="0"/>
+                <a:cs typeface="Courier New" pitchFamily="49" charset="0"/>
+              </a:rPr>
+              <a:t>)</a:t>
+            </a:r>
+          </a:p>
+          <a:p>
+            <a:pPr marL="0" indent="0">
+              <a:spcBef>
+                <a:spcPts val="0"/>
+              </a:spcBef>
+              <a:buNone/>
+            </a:pPr>
+            <a:endParaRPr lang="en-US" sz="1100" dirty="0">
+              <a:latin typeface="Courier New" pitchFamily="49" charset="0"/>
+              <a:cs typeface="Courier New" pitchFamily="49" charset="0"/>
+            </a:endParaRPr>
+          </a:p>
+          <a:p>
+            <a:pPr marL="0" indent="0">
+              <a:spcBef>
+                <a:spcPts val="0"/>
+              </a:spcBef>
+              <a:buNone/>
+            </a:pPr>
+            <a:r>
+              <a:rPr lang="en-US" sz="1100" dirty="0">
+                <a:latin typeface="Courier New" pitchFamily="49" charset="0"/>
+                <a:cs typeface="Courier New" pitchFamily="49" charset="0"/>
+              </a:rPr>
+              <a:t>END;</a:t>
+            </a:r>
+          </a:p>
+        </p:txBody>
+      </p:sp>
+    </p:spTree>
+    <p:extLst>
+      <p:ext uri="{BB962C8B-B14F-4D97-AF65-F5344CB8AC3E}">
+        <p14:creationId xmlns:p14="http://schemas.microsoft.com/office/powerpoint/2010/main" val="2501099042"/>
+      </p:ext>
+    </p:extLst>
+  </p:cSld>
+  <p:clrMapOvr>
+    <a:masterClrMapping/>
+  </p:clrMapOvr>
+  <p:timing>
+    <p:tnLst>
+      <p:par>
+        <p:cTn id="1" dur="indefinite" restart="never" nodeType="tmRoot"/>
+      </p:par>
+    </p:tnLst>
+  </p:timing>
+</p:sld>
+</file>
+
+<file path=ppt/slides/slide24.xml><?xml version="1.0" encoding="utf-8"?>
+<p:sld xmlns:a="http://schemas.openxmlformats.org/drawingml/2006/main" xmlns:r="http://schemas.openxmlformats.org/officeDocument/2006/relationships" xmlns:p="http://schemas.openxmlformats.org/presentationml/2006/main">
+  <p:cSld>
+    <p:spTree>
+      <p:nvGrpSpPr>
+        <p:cNvPr id="1" name=""/>
+        <p:cNvGrpSpPr/>
+        <p:nvPr/>
+      </p:nvGrpSpPr>
+      <p:grpSpPr>
+        <a:xfrm>
+          <a:off x="0" y="0"/>
+          <a:ext cx="0" cy="0"/>
+          <a:chOff x="0" y="0"/>
+          <a:chExt cx="0" cy="0"/>
+        </a:xfrm>
+      </p:grpSpPr>
+      <p:sp>
+        <p:nvSpPr>
+          <p:cNvPr id="2" name="Title 1"/>
+          <p:cNvSpPr>
+            <a:spLocks noGrp="1"/>
+          </p:cNvSpPr>
+          <p:nvPr>
+            <p:ph type="title"/>
+          </p:nvPr>
+        </p:nvSpPr>
+        <p:spPr>
+          <a:xfrm>
+            <a:off x="513708" y="58738"/>
+            <a:ext cx="8517580" cy="1138237"/>
+          </a:xfrm>
+        </p:spPr>
+        <p:txBody>
+          <a:bodyPr/>
+          <a:lstStyle/>
+          <a:p>
+            <a:r>
+              <a:rPr lang="en-US" dirty="0">
+                <a:latin typeface="Arial" pitchFamily="34" charset="0"/>
+                <a:cs typeface="Arial" pitchFamily="34" charset="0"/>
+              </a:rPr>
+              <a:t>Use Stored Procedures in Data </a:t>
+            </a:r>
+            <a:r>
+              <a:rPr lang="en-US" dirty="0" smtClean="0">
+                <a:latin typeface="Arial" pitchFamily="34" charset="0"/>
+                <a:cs typeface="Arial" pitchFamily="34" charset="0"/>
+              </a:rPr>
+              <a:t>Layer, part 5</a:t>
+            </a:r>
+            <a:endParaRPr lang="en-US" dirty="0">
+              <a:latin typeface="Arial" pitchFamily="34" charset="0"/>
+              <a:cs typeface="Arial" pitchFamily="34" charset="0"/>
+            </a:endParaRPr>
+          </a:p>
+        </p:txBody>
+      </p:sp>
+      <p:sp>
+        <p:nvSpPr>
+          <p:cNvPr id="3" name="Content Placeholder 2"/>
+          <p:cNvSpPr>
+            <a:spLocks noGrp="1"/>
+          </p:cNvSpPr>
+          <p:nvPr>
+            <p:ph idx="1"/>
+          </p:nvPr>
+        </p:nvSpPr>
+        <p:spPr>
+          <a:xfrm>
+            <a:off x="390418" y="1356189"/>
+            <a:ext cx="8640870" cy="4397339"/>
+          </a:xfrm>
+        </p:spPr>
+        <p:txBody>
+          <a:bodyPr/>
+          <a:lstStyle/>
+          <a:p>
+            <a:pPr marL="0" indent="0">
+              <a:spcBef>
+                <a:spcPts val="0"/>
+              </a:spcBef>
+              <a:buNone/>
+            </a:pPr>
+            <a:r>
+              <a:rPr lang="en-US" sz="1100" dirty="0">
+                <a:latin typeface="Courier New" pitchFamily="49" charset="0"/>
+                <a:cs typeface="Courier New" pitchFamily="49" charset="0"/>
+              </a:rPr>
+              <a:t>--	Parameterized SQL example</a:t>
+            </a:r>
+          </a:p>
+          <a:p>
+            <a:pPr marL="0" indent="0">
+              <a:spcBef>
+                <a:spcPts val="0"/>
+              </a:spcBef>
+              <a:buNone/>
+            </a:pPr>
+            <a:r>
+              <a:rPr lang="en-US" sz="1100" dirty="0">
+                <a:latin typeface="Courier New" pitchFamily="49" charset="0"/>
+                <a:cs typeface="Courier New" pitchFamily="49" charset="0"/>
+              </a:rPr>
+              <a:t>CREATE PROCEDURE </a:t>
+            </a:r>
+            <a:r>
+              <a:rPr lang="en-US" sz="1100" dirty="0" err="1">
+                <a:latin typeface="Courier New" pitchFamily="49" charset="0"/>
+                <a:cs typeface="Courier New" pitchFamily="49" charset="0"/>
+              </a:rPr>
+              <a:t>dbo.uspSelectGradesByStudent</a:t>
+            </a:r>
+            <a:endParaRPr lang="en-US" sz="1100" dirty="0">
+              <a:latin typeface="Courier New" pitchFamily="49" charset="0"/>
+              <a:cs typeface="Courier New" pitchFamily="49" charset="0"/>
+            </a:endParaRPr>
+          </a:p>
+          <a:p>
+            <a:pPr marL="0" indent="0">
+              <a:spcBef>
+                <a:spcPts val="0"/>
+              </a:spcBef>
+              <a:buNone/>
+            </a:pPr>
+            <a:r>
+              <a:rPr lang="en-US" sz="1100" dirty="0">
+                <a:latin typeface="Courier New" pitchFamily="49" charset="0"/>
+                <a:cs typeface="Courier New" pitchFamily="49" charset="0"/>
+              </a:rPr>
+              <a:t>(</a:t>
+            </a:r>
+          </a:p>
+          <a:p>
+            <a:pPr marL="0" indent="0">
+              <a:spcBef>
+                <a:spcPts val="0"/>
+              </a:spcBef>
+              <a:buNone/>
+            </a:pPr>
+            <a:r>
+              <a:rPr lang="en-US" sz="1100" dirty="0">
+                <a:latin typeface="Courier New" pitchFamily="49" charset="0"/>
+                <a:cs typeface="Courier New" pitchFamily="49" charset="0"/>
+              </a:rPr>
+              <a:t>	@</a:t>
+            </a:r>
+            <a:r>
+              <a:rPr lang="en-US" sz="1100" dirty="0" err="1">
+                <a:latin typeface="Courier New" pitchFamily="49" charset="0"/>
+                <a:cs typeface="Courier New" pitchFamily="49" charset="0"/>
+              </a:rPr>
+              <a:t>FirstName</a:t>
+            </a:r>
+            <a:r>
+              <a:rPr lang="en-US" sz="1100" dirty="0">
+                <a:latin typeface="Courier New" pitchFamily="49" charset="0"/>
+                <a:cs typeface="Courier New" pitchFamily="49" charset="0"/>
+              </a:rPr>
+              <a:t>		VARCHAR(25),</a:t>
+            </a:r>
+          </a:p>
+          <a:p>
+            <a:pPr marL="0" indent="0">
+              <a:spcBef>
+                <a:spcPts val="0"/>
+              </a:spcBef>
+              <a:buNone/>
+            </a:pPr>
+            <a:r>
+              <a:rPr lang="en-US" sz="1100" dirty="0">
+                <a:latin typeface="Courier New" pitchFamily="49" charset="0"/>
+                <a:cs typeface="Courier New" pitchFamily="49" charset="0"/>
+              </a:rPr>
+              <a:t>	@</a:t>
+            </a:r>
+            <a:r>
+              <a:rPr lang="en-US" sz="1100" dirty="0" err="1">
+                <a:latin typeface="Courier New" pitchFamily="49" charset="0"/>
+                <a:cs typeface="Courier New" pitchFamily="49" charset="0"/>
+              </a:rPr>
+              <a:t>LastName</a:t>
+            </a:r>
+            <a:r>
+              <a:rPr lang="en-US" sz="1100" dirty="0">
+                <a:latin typeface="Courier New" pitchFamily="49" charset="0"/>
+                <a:cs typeface="Courier New" pitchFamily="49" charset="0"/>
+              </a:rPr>
+              <a:t>		VARCHAR(25)</a:t>
+            </a:r>
+          </a:p>
+          <a:p>
+            <a:pPr marL="0" indent="0">
+              <a:spcBef>
+                <a:spcPts val="0"/>
+              </a:spcBef>
+              <a:buNone/>
+            </a:pPr>
+            <a:r>
+              <a:rPr lang="en-US" sz="1100" dirty="0">
+                <a:latin typeface="Courier New" pitchFamily="49" charset="0"/>
+                <a:cs typeface="Courier New" pitchFamily="49" charset="0"/>
+              </a:rPr>
+              <a:t>)</a:t>
+            </a:r>
+          </a:p>
+          <a:p>
+            <a:pPr marL="0" indent="0">
+              <a:spcBef>
+                <a:spcPts val="0"/>
+              </a:spcBef>
+              <a:buNone/>
+            </a:pPr>
+            <a:r>
+              <a:rPr lang="en-US" sz="1100" dirty="0">
+                <a:latin typeface="Courier New" pitchFamily="49" charset="0"/>
+                <a:cs typeface="Courier New" pitchFamily="49" charset="0"/>
+              </a:rPr>
+              <a:t>AS</a:t>
+            </a:r>
+          </a:p>
+          <a:p>
+            <a:pPr marL="0" indent="0">
+              <a:spcBef>
+                <a:spcPts val="0"/>
+              </a:spcBef>
+              <a:buNone/>
+            </a:pPr>
+            <a:r>
+              <a:rPr lang="en-US" sz="1100" dirty="0">
+                <a:latin typeface="Courier New" pitchFamily="49" charset="0"/>
+                <a:cs typeface="Courier New" pitchFamily="49" charset="0"/>
+              </a:rPr>
+              <a:t>BEGIN</a:t>
+            </a:r>
+          </a:p>
+          <a:p>
+            <a:pPr marL="0" indent="0">
+              <a:spcBef>
+                <a:spcPts val="0"/>
+              </a:spcBef>
+              <a:buNone/>
+            </a:pPr>
+            <a:endParaRPr lang="en-US" sz="1100" dirty="0">
+              <a:latin typeface="Courier New" pitchFamily="49" charset="0"/>
+              <a:cs typeface="Courier New" pitchFamily="49" charset="0"/>
+            </a:endParaRPr>
+          </a:p>
+          <a:p>
+            <a:pPr marL="0" indent="0">
+              <a:spcBef>
+                <a:spcPts val="0"/>
+              </a:spcBef>
+              <a:buNone/>
+            </a:pPr>
+            <a:r>
+              <a:rPr lang="en-US" sz="1100" dirty="0">
+                <a:latin typeface="Courier New" pitchFamily="49" charset="0"/>
+                <a:cs typeface="Courier New" pitchFamily="49" charset="0"/>
+              </a:rPr>
+              <a:t>	DECLARE @Query		NVARCHAR(4000);</a:t>
+            </a:r>
+          </a:p>
+          <a:p>
+            <a:pPr marL="0" indent="0">
+              <a:spcBef>
+                <a:spcPts val="0"/>
+              </a:spcBef>
+              <a:buNone/>
+            </a:pPr>
+            <a:r>
+              <a:rPr lang="en-US" sz="1100" dirty="0">
+                <a:latin typeface="Courier New" pitchFamily="49" charset="0"/>
+                <a:cs typeface="Courier New" pitchFamily="49" charset="0"/>
+              </a:rPr>
+              <a:t>	DECLARE @Parameters		NVARCHAR(500);</a:t>
+            </a:r>
+          </a:p>
+          <a:p>
+            <a:pPr marL="0" indent="0">
+              <a:spcBef>
+                <a:spcPts val="0"/>
+              </a:spcBef>
+              <a:buNone/>
+            </a:pPr>
+            <a:endParaRPr lang="en-US" sz="1100" dirty="0">
+              <a:latin typeface="Courier New" pitchFamily="49" charset="0"/>
+              <a:cs typeface="Courier New" pitchFamily="49" charset="0"/>
+            </a:endParaRPr>
+          </a:p>
+          <a:p>
+            <a:pPr marL="0" indent="0">
+              <a:spcBef>
+                <a:spcPts val="0"/>
+              </a:spcBef>
+              <a:buNone/>
+            </a:pPr>
+            <a:r>
+              <a:rPr lang="en-US" sz="1100" dirty="0">
+                <a:latin typeface="Courier New" pitchFamily="49" charset="0"/>
+                <a:cs typeface="Courier New" pitchFamily="49" charset="0"/>
+              </a:rPr>
+              <a:t>	SET @Parameters = '@</a:t>
+            </a:r>
+            <a:r>
+              <a:rPr lang="en-US" sz="1100" dirty="0" err="1">
+                <a:latin typeface="Courier New" pitchFamily="49" charset="0"/>
+                <a:cs typeface="Courier New" pitchFamily="49" charset="0"/>
+              </a:rPr>
+              <a:t>LastName</a:t>
+            </a:r>
+            <a:r>
+              <a:rPr lang="en-US" sz="1100" dirty="0">
+                <a:latin typeface="Courier New" pitchFamily="49" charset="0"/>
+                <a:cs typeface="Courier New" pitchFamily="49" charset="0"/>
+              </a:rPr>
+              <a:t> VARCHAR(25), @</a:t>
+            </a:r>
+            <a:r>
+              <a:rPr lang="en-US" sz="1100" dirty="0" err="1">
+                <a:latin typeface="Courier New" pitchFamily="49" charset="0"/>
+                <a:cs typeface="Courier New" pitchFamily="49" charset="0"/>
+              </a:rPr>
+              <a:t>FirstName</a:t>
+            </a:r>
+            <a:r>
+              <a:rPr lang="en-US" sz="1100" dirty="0">
+                <a:latin typeface="Courier New" pitchFamily="49" charset="0"/>
+                <a:cs typeface="Courier New" pitchFamily="49" charset="0"/>
+              </a:rPr>
+              <a:t> VARCHAR(25)';</a:t>
+            </a:r>
+          </a:p>
+          <a:p>
+            <a:pPr marL="0" indent="0">
+              <a:spcBef>
+                <a:spcPts val="0"/>
+              </a:spcBef>
+              <a:buNone/>
+            </a:pPr>
+            <a:endParaRPr lang="en-US" sz="1100" dirty="0">
+              <a:latin typeface="Courier New" pitchFamily="49" charset="0"/>
+              <a:cs typeface="Courier New" pitchFamily="49" charset="0"/>
+            </a:endParaRPr>
+          </a:p>
+          <a:p>
+            <a:pPr marL="0" indent="0">
+              <a:spcBef>
+                <a:spcPts val="0"/>
+              </a:spcBef>
+              <a:buNone/>
+            </a:pPr>
+            <a:r>
+              <a:rPr lang="en-US" sz="1100" dirty="0">
+                <a:latin typeface="Courier New" pitchFamily="49" charset="0"/>
+                <a:cs typeface="Courier New" pitchFamily="49" charset="0"/>
+              </a:rPr>
+              <a:t>	SET @Query = 'SELECT </a:t>
+            </a:r>
+            <a:r>
+              <a:rPr lang="en-US" sz="1100" dirty="0" err="1">
+                <a:latin typeface="Courier New" pitchFamily="49" charset="0"/>
+                <a:cs typeface="Courier New" pitchFamily="49" charset="0"/>
+              </a:rPr>
+              <a:t>FirstName</a:t>
+            </a:r>
+            <a:r>
+              <a:rPr lang="en-US" sz="1100" dirty="0">
+                <a:latin typeface="Courier New" pitchFamily="49" charset="0"/>
+                <a:cs typeface="Courier New" pitchFamily="49" charset="0"/>
+              </a:rPr>
+              <a:t>, </a:t>
+            </a:r>
+            <a:r>
+              <a:rPr lang="en-US" sz="1100" dirty="0" err="1">
+                <a:latin typeface="Courier New" pitchFamily="49" charset="0"/>
+                <a:cs typeface="Courier New" pitchFamily="49" charset="0"/>
+              </a:rPr>
+              <a:t>LastName</a:t>
+            </a:r>
+            <a:r>
+              <a:rPr lang="en-US" sz="1100" dirty="0">
+                <a:latin typeface="Courier New" pitchFamily="49" charset="0"/>
+                <a:cs typeface="Courier New" pitchFamily="49" charset="0"/>
+              </a:rPr>
+              <a:t>, GPA FROM </a:t>
+            </a:r>
+            <a:r>
+              <a:rPr lang="en-US" sz="1100" dirty="0" err="1">
+                <a:latin typeface="Courier New" pitchFamily="49" charset="0"/>
+                <a:cs typeface="Courier New" pitchFamily="49" charset="0"/>
+              </a:rPr>
+              <a:t>dbo.Students</a:t>
+            </a:r>
+            <a:r>
+              <a:rPr lang="en-US" sz="1100" dirty="0">
+                <a:latin typeface="Courier New" pitchFamily="49" charset="0"/>
+                <a:cs typeface="Courier New" pitchFamily="49" charset="0"/>
+              </a:rPr>
+              <a:t> WHERE ';</a:t>
+            </a:r>
+          </a:p>
+          <a:p>
+            <a:pPr marL="0" indent="0">
+              <a:spcBef>
+                <a:spcPts val="0"/>
+              </a:spcBef>
+              <a:buNone/>
+            </a:pPr>
+            <a:r>
+              <a:rPr lang="en-US" sz="1100" dirty="0">
+                <a:latin typeface="Courier New" pitchFamily="49" charset="0"/>
+                <a:cs typeface="Courier New" pitchFamily="49" charset="0"/>
+              </a:rPr>
+              <a:t>	SET @Query = @Query + '</a:t>
+            </a:r>
+            <a:r>
+              <a:rPr lang="en-US" sz="1100" dirty="0" err="1">
+                <a:latin typeface="Courier New" pitchFamily="49" charset="0"/>
+                <a:cs typeface="Courier New" pitchFamily="49" charset="0"/>
+              </a:rPr>
+              <a:t>FirstName</a:t>
+            </a:r>
+            <a:r>
+              <a:rPr lang="en-US" sz="1100" dirty="0">
+                <a:latin typeface="Courier New" pitchFamily="49" charset="0"/>
+                <a:cs typeface="Courier New" pitchFamily="49" charset="0"/>
+              </a:rPr>
+              <a:t> = ''' + @</a:t>
+            </a:r>
+            <a:r>
+              <a:rPr lang="en-US" sz="1100" dirty="0" err="1">
+                <a:latin typeface="Courier New" pitchFamily="49" charset="0"/>
+                <a:cs typeface="Courier New" pitchFamily="49" charset="0"/>
+              </a:rPr>
+              <a:t>FirstName</a:t>
+            </a:r>
+            <a:r>
+              <a:rPr lang="en-US" sz="1100" dirty="0">
+                <a:latin typeface="Courier New" pitchFamily="49" charset="0"/>
+                <a:cs typeface="Courier New" pitchFamily="49" charset="0"/>
+              </a:rPr>
+              <a:t> + ''' AND </a:t>
+            </a:r>
+            <a:r>
+              <a:rPr lang="en-US" sz="1100" dirty="0" err="1">
+                <a:latin typeface="Courier New" pitchFamily="49" charset="0"/>
+                <a:cs typeface="Courier New" pitchFamily="49" charset="0"/>
+              </a:rPr>
+              <a:t>LastName</a:t>
+            </a:r>
+            <a:r>
+              <a:rPr lang="en-US" sz="1100" dirty="0">
+                <a:latin typeface="Courier New" pitchFamily="49" charset="0"/>
+                <a:cs typeface="Courier New" pitchFamily="49" charset="0"/>
+              </a:rPr>
+              <a:t> = ';</a:t>
+            </a:r>
+          </a:p>
+          <a:p>
+            <a:pPr marL="0" indent="0">
+              <a:spcBef>
+                <a:spcPts val="0"/>
+              </a:spcBef>
+              <a:buNone/>
+            </a:pPr>
+            <a:r>
+              <a:rPr lang="en-US" sz="1100" dirty="0">
+                <a:latin typeface="Courier New" pitchFamily="49" charset="0"/>
+                <a:cs typeface="Courier New" pitchFamily="49" charset="0"/>
+              </a:rPr>
+              <a:t>	SET @Query = @Query + '''' + @</a:t>
+            </a:r>
+            <a:r>
+              <a:rPr lang="en-US" sz="1100" dirty="0" err="1">
+                <a:latin typeface="Courier New" pitchFamily="49" charset="0"/>
+                <a:cs typeface="Courier New" pitchFamily="49" charset="0"/>
+              </a:rPr>
+              <a:t>LastName</a:t>
+            </a:r>
+            <a:r>
+              <a:rPr lang="en-US" sz="1100" dirty="0">
+                <a:latin typeface="Courier New" pitchFamily="49" charset="0"/>
+                <a:cs typeface="Courier New" pitchFamily="49" charset="0"/>
+              </a:rPr>
+              <a:t> + '''';</a:t>
+            </a:r>
+          </a:p>
+          <a:p>
+            <a:pPr marL="0" indent="0">
+              <a:spcBef>
+                <a:spcPts val="0"/>
+              </a:spcBef>
+              <a:buNone/>
+            </a:pPr>
+            <a:endParaRPr lang="en-US" sz="1100" dirty="0">
+              <a:latin typeface="Courier New" pitchFamily="49" charset="0"/>
+              <a:cs typeface="Courier New" pitchFamily="49" charset="0"/>
+            </a:endParaRPr>
+          </a:p>
+          <a:p>
+            <a:pPr marL="0" indent="0">
+              <a:spcBef>
+                <a:spcPts val="0"/>
+              </a:spcBef>
+              <a:buNone/>
+            </a:pPr>
+            <a:r>
+              <a:rPr lang="en-US" sz="1100" dirty="0">
+                <a:latin typeface="Courier New" pitchFamily="49" charset="0"/>
+                <a:cs typeface="Courier New" pitchFamily="49" charset="0"/>
+              </a:rPr>
+              <a:t>	EXEC </a:t>
+            </a:r>
+            <a:r>
+              <a:rPr lang="en-US" sz="1100" dirty="0" err="1">
+                <a:latin typeface="Courier New" pitchFamily="49" charset="0"/>
+                <a:cs typeface="Courier New" pitchFamily="49" charset="0"/>
+              </a:rPr>
+              <a:t>sp_executesql</a:t>
+            </a:r>
+            <a:r>
+              <a:rPr lang="en-US" sz="1100" dirty="0">
+                <a:latin typeface="Courier New" pitchFamily="49" charset="0"/>
+                <a:cs typeface="Courier New" pitchFamily="49" charset="0"/>
+              </a:rPr>
+              <a:t> @Query, @Parameters, @</a:t>
+            </a:r>
+            <a:r>
+              <a:rPr lang="en-US" sz="1100" dirty="0" err="1">
+                <a:latin typeface="Courier New" pitchFamily="49" charset="0"/>
+                <a:cs typeface="Courier New" pitchFamily="49" charset="0"/>
+              </a:rPr>
+              <a:t>FirstName</a:t>
+            </a:r>
+            <a:r>
+              <a:rPr lang="en-US" sz="1100" dirty="0">
+                <a:latin typeface="Courier New" pitchFamily="49" charset="0"/>
+                <a:cs typeface="Courier New" pitchFamily="49" charset="0"/>
+              </a:rPr>
+              <a:t>, @</a:t>
+            </a:r>
+            <a:r>
+              <a:rPr lang="en-US" sz="1100" dirty="0" err="1">
+                <a:latin typeface="Courier New" pitchFamily="49" charset="0"/>
+                <a:cs typeface="Courier New" pitchFamily="49" charset="0"/>
+              </a:rPr>
+              <a:t>LastName</a:t>
+            </a:r>
+            <a:r>
+              <a:rPr lang="en-US" sz="1100" dirty="0">
+                <a:latin typeface="Courier New" pitchFamily="49" charset="0"/>
+                <a:cs typeface="Courier New" pitchFamily="49" charset="0"/>
+              </a:rPr>
+              <a:t>;</a:t>
+            </a:r>
+          </a:p>
+          <a:p>
+            <a:pPr marL="0" indent="0">
+              <a:spcBef>
+                <a:spcPts val="0"/>
+              </a:spcBef>
+              <a:buNone/>
+            </a:pPr>
+            <a:endParaRPr lang="en-US" sz="1100" dirty="0">
+              <a:latin typeface="Courier New" pitchFamily="49" charset="0"/>
+              <a:cs typeface="Courier New" pitchFamily="49" charset="0"/>
+            </a:endParaRPr>
+          </a:p>
+          <a:p>
+            <a:pPr marL="0" indent="0">
+              <a:spcBef>
+                <a:spcPts val="0"/>
+              </a:spcBef>
+              <a:buNone/>
+            </a:pPr>
+            <a:r>
+              <a:rPr lang="en-US" sz="1100" dirty="0">
+                <a:latin typeface="Courier New" pitchFamily="49" charset="0"/>
+                <a:cs typeface="Courier New" pitchFamily="49" charset="0"/>
+              </a:rPr>
+              <a:t>END;</a:t>
+            </a:r>
+          </a:p>
+        </p:txBody>
+      </p:sp>
+    </p:spTree>
+    <p:extLst>
+      <p:ext uri="{BB962C8B-B14F-4D97-AF65-F5344CB8AC3E}">
+        <p14:creationId xmlns:p14="http://schemas.microsoft.com/office/powerpoint/2010/main" val="3793551887"/>
+      </p:ext>
+    </p:extLst>
+  </p:cSld>
+  <p:clrMapOvr>
+    <a:masterClrMapping/>
+  </p:clrMapOvr>
+  <p:timing>
+    <p:tnLst>
+      <p:par>
+        <p:cTn id="1" dur="indefinite" restart="never" nodeType="tmRoot"/>
+      </p:par>
+    </p:tnLst>
+  </p:timing>
+</p:sld>
+</file>
+
+<file path=ppt/slides/slide25.xml><?xml version="1.0" encoding="utf-8"?>
+<p:sld xmlns:a="http://schemas.openxmlformats.org/drawingml/2006/main" xmlns:r="http://schemas.openxmlformats.org/officeDocument/2006/relationships" xmlns:p="http://schemas.openxmlformats.org/presentationml/2006/main">
+  <p:cSld>
+    <p:spTree>
+      <p:nvGrpSpPr>
+        <p:cNvPr id="1" name=""/>
+        <p:cNvGrpSpPr/>
+        <p:nvPr/>
+      </p:nvGrpSpPr>
+      <p:grpSpPr>
+        <a:xfrm>
+          <a:off x="0" y="0"/>
+          <a:ext cx="0" cy="0"/>
+          <a:chOff x="0" y="0"/>
+          <a:chExt cx="0" cy="0"/>
+        </a:xfrm>
+      </p:grpSpPr>
+      <p:sp>
+        <p:nvSpPr>
+          <p:cNvPr id="2" name="Title 1"/>
+          <p:cNvSpPr>
+            <a:spLocks noGrp="1"/>
+          </p:cNvSpPr>
+          <p:nvPr>
+            <p:ph type="title"/>
+          </p:nvPr>
+        </p:nvSpPr>
+        <p:spPr>
+          <a:xfrm>
+            <a:off x="513708" y="58738"/>
+            <a:ext cx="8517580" cy="1138237"/>
+          </a:xfrm>
+        </p:spPr>
+        <p:txBody>
+          <a:bodyPr/>
+          <a:lstStyle/>
+          <a:p>
+            <a:r>
+              <a:rPr lang="en-US" dirty="0" smtClean="0">
+                <a:latin typeface="Arial" pitchFamily="34" charset="0"/>
+                <a:cs typeface="Arial" pitchFamily="34" charset="0"/>
+              </a:rPr>
+              <a:t>MySQL Prepared Statements</a:t>
+            </a:r>
+            <a:endParaRPr lang="en-US" dirty="0">
+              <a:latin typeface="Arial" pitchFamily="34" charset="0"/>
+              <a:cs typeface="Arial" pitchFamily="34" charset="0"/>
+            </a:endParaRPr>
+          </a:p>
+        </p:txBody>
+      </p:sp>
+      <p:sp>
+        <p:nvSpPr>
+          <p:cNvPr id="3" name="Content Placeholder 2"/>
+          <p:cNvSpPr>
+            <a:spLocks noGrp="1"/>
+          </p:cNvSpPr>
+          <p:nvPr>
+            <p:ph idx="1"/>
+          </p:nvPr>
+        </p:nvSpPr>
+        <p:spPr>
+          <a:xfrm>
+            <a:off x="390418" y="1356189"/>
+            <a:ext cx="8640870" cy="4397339"/>
+          </a:xfrm>
+        </p:spPr>
+        <p:txBody>
+          <a:bodyPr/>
+          <a:lstStyle/>
+          <a:p>
+            <a:pPr marL="0" indent="0">
+              <a:spcBef>
+                <a:spcPts val="0"/>
+              </a:spcBef>
+              <a:buNone/>
+            </a:pPr>
+            <a:r>
+              <a:rPr lang="en-US" sz="1600" dirty="0">
+                <a:latin typeface="Courier New" pitchFamily="49" charset="0"/>
+                <a:cs typeface="Courier New" pitchFamily="49" charset="0"/>
+              </a:rPr>
+              <a:t>--	</a:t>
+            </a:r>
+            <a:r>
+              <a:rPr lang="en-US" sz="1600" dirty="0" smtClean="0">
+                <a:latin typeface="Courier New" pitchFamily="49" charset="0"/>
+                <a:cs typeface="Courier New" pitchFamily="49" charset="0"/>
+              </a:rPr>
+              <a:t>Prepared statement </a:t>
+            </a:r>
+            <a:r>
+              <a:rPr lang="en-US" sz="1600" dirty="0">
+                <a:latin typeface="Courier New" pitchFamily="49" charset="0"/>
+                <a:cs typeface="Courier New" pitchFamily="49" charset="0"/>
+              </a:rPr>
+              <a:t>example</a:t>
+            </a:r>
+          </a:p>
+          <a:p>
+            <a:pPr marL="0" indent="0">
+              <a:spcBef>
+                <a:spcPts val="0"/>
+              </a:spcBef>
+              <a:buNone/>
+            </a:pPr>
+            <a:r>
+              <a:rPr lang="en-US" sz="1600" dirty="0">
+                <a:latin typeface="Courier New" pitchFamily="49" charset="0"/>
+                <a:cs typeface="Courier New" pitchFamily="49" charset="0"/>
+              </a:rPr>
+              <a:t>PREPARE statement FROM "SELECT </a:t>
+            </a:r>
+            <a:r>
+              <a:rPr lang="en-US" sz="1600" dirty="0" err="1">
+                <a:latin typeface="Courier New" pitchFamily="49" charset="0"/>
+                <a:cs typeface="Courier New" pitchFamily="49" charset="0"/>
+              </a:rPr>
+              <a:t>FirstName</a:t>
+            </a:r>
+            <a:r>
+              <a:rPr lang="en-US" sz="1600" dirty="0">
+                <a:latin typeface="Courier New" pitchFamily="49" charset="0"/>
+                <a:cs typeface="Courier New" pitchFamily="49" charset="0"/>
+              </a:rPr>
+              <a:t>, </a:t>
+            </a:r>
+            <a:r>
+              <a:rPr lang="en-US" sz="1600" dirty="0" err="1">
+                <a:latin typeface="Courier New" pitchFamily="49" charset="0"/>
+                <a:cs typeface="Courier New" pitchFamily="49" charset="0"/>
+              </a:rPr>
+              <a:t>LastName</a:t>
+            </a:r>
+            <a:r>
+              <a:rPr lang="en-US" sz="1600" dirty="0">
+                <a:latin typeface="Courier New" pitchFamily="49" charset="0"/>
+                <a:cs typeface="Courier New" pitchFamily="49" charset="0"/>
+              </a:rPr>
+              <a:t>, GPA FROM Students WHERE </a:t>
+            </a:r>
+            <a:r>
+              <a:rPr lang="en-US" sz="1600" dirty="0" err="1">
+                <a:latin typeface="Courier New" pitchFamily="49" charset="0"/>
+                <a:cs typeface="Courier New" pitchFamily="49" charset="0"/>
+              </a:rPr>
+              <a:t>FirstName</a:t>
+            </a:r>
+            <a:r>
+              <a:rPr lang="en-US" sz="1600" dirty="0">
+                <a:latin typeface="Courier New" pitchFamily="49" charset="0"/>
+                <a:cs typeface="Courier New" pitchFamily="49" charset="0"/>
+              </a:rPr>
+              <a:t> = ? AND </a:t>
+            </a:r>
+            <a:r>
+              <a:rPr lang="en-US" sz="1600" dirty="0" err="1">
+                <a:latin typeface="Courier New" pitchFamily="49" charset="0"/>
+                <a:cs typeface="Courier New" pitchFamily="49" charset="0"/>
+              </a:rPr>
+              <a:t>LastName</a:t>
+            </a:r>
+            <a:r>
+              <a:rPr lang="en-US" sz="1600" dirty="0">
+                <a:latin typeface="Courier New" pitchFamily="49" charset="0"/>
+                <a:cs typeface="Courier New" pitchFamily="49" charset="0"/>
+              </a:rPr>
+              <a:t> = ?";</a:t>
+            </a:r>
+          </a:p>
+          <a:p>
+            <a:pPr marL="0" indent="0">
+              <a:spcBef>
+                <a:spcPts val="0"/>
+              </a:spcBef>
+              <a:buNone/>
+            </a:pPr>
+            <a:endParaRPr lang="en-US" sz="1600" dirty="0">
+              <a:latin typeface="Courier New" pitchFamily="49" charset="0"/>
+              <a:cs typeface="Courier New" pitchFamily="49" charset="0"/>
+            </a:endParaRPr>
+          </a:p>
+          <a:p>
+            <a:pPr marL="0" indent="0">
+              <a:spcBef>
+                <a:spcPts val="0"/>
+              </a:spcBef>
+              <a:buNone/>
+            </a:pPr>
+            <a:r>
+              <a:rPr lang="en-US" sz="1600" dirty="0">
+                <a:latin typeface="Courier New" pitchFamily="49" charset="0"/>
+                <a:cs typeface="Courier New" pitchFamily="49" charset="0"/>
+              </a:rPr>
+              <a:t>SET</a:t>
+            </a:r>
+          </a:p>
+          <a:p>
+            <a:pPr marL="0" indent="0">
+              <a:spcBef>
+                <a:spcPts val="0"/>
+              </a:spcBef>
+              <a:buNone/>
+            </a:pPr>
+            <a:r>
+              <a:rPr lang="en-US" sz="1600" dirty="0">
+                <a:latin typeface="Courier New" pitchFamily="49" charset="0"/>
+                <a:cs typeface="Courier New" pitchFamily="49" charset="0"/>
+              </a:rPr>
+              <a:t>	@</a:t>
+            </a:r>
+            <a:r>
+              <a:rPr lang="en-US" sz="1600" dirty="0" err="1">
+                <a:latin typeface="Courier New" pitchFamily="49" charset="0"/>
+                <a:cs typeface="Courier New" pitchFamily="49" charset="0"/>
+              </a:rPr>
+              <a:t>FirstName</a:t>
+            </a:r>
+            <a:r>
+              <a:rPr lang="en-US" sz="1600" dirty="0">
+                <a:latin typeface="Courier New" pitchFamily="49" charset="0"/>
+                <a:cs typeface="Courier New" pitchFamily="49" charset="0"/>
+              </a:rPr>
+              <a:t> = 'Robert',</a:t>
+            </a:r>
+          </a:p>
+          <a:p>
+            <a:pPr marL="0" indent="0">
+              <a:spcBef>
+                <a:spcPts val="0"/>
+              </a:spcBef>
+              <a:buNone/>
+            </a:pPr>
+            <a:r>
+              <a:rPr lang="en-US" sz="1600" dirty="0">
+                <a:latin typeface="Courier New" pitchFamily="49" charset="0"/>
+                <a:cs typeface="Courier New" pitchFamily="49" charset="0"/>
+              </a:rPr>
+              <a:t>	@</a:t>
+            </a:r>
+            <a:r>
+              <a:rPr lang="en-US" sz="1600" dirty="0" err="1">
+                <a:latin typeface="Courier New" pitchFamily="49" charset="0"/>
+                <a:cs typeface="Courier New" pitchFamily="49" charset="0"/>
+              </a:rPr>
+              <a:t>LastName</a:t>
+            </a:r>
+            <a:r>
+              <a:rPr lang="en-US" sz="1600" dirty="0">
+                <a:latin typeface="Courier New" pitchFamily="49" charset="0"/>
+                <a:cs typeface="Courier New" pitchFamily="49" charset="0"/>
+              </a:rPr>
+              <a:t> = 'Smith';</a:t>
+            </a:r>
+          </a:p>
+          <a:p>
+            <a:pPr marL="0" indent="0">
+              <a:spcBef>
+                <a:spcPts val="0"/>
+              </a:spcBef>
+              <a:buNone/>
+            </a:pPr>
+            <a:endParaRPr lang="en-US" sz="1600" dirty="0">
+              <a:latin typeface="Courier New" pitchFamily="49" charset="0"/>
+              <a:cs typeface="Courier New" pitchFamily="49" charset="0"/>
+            </a:endParaRPr>
+          </a:p>
+          <a:p>
+            <a:pPr marL="0" indent="0">
+              <a:spcBef>
+                <a:spcPts val="0"/>
+              </a:spcBef>
+              <a:buNone/>
+            </a:pPr>
+            <a:r>
+              <a:rPr lang="en-US" sz="1600" dirty="0">
+                <a:latin typeface="Courier New" pitchFamily="49" charset="0"/>
+                <a:cs typeface="Courier New" pitchFamily="49" charset="0"/>
+              </a:rPr>
+              <a:t>EXECUTE statement USING @</a:t>
+            </a:r>
+            <a:r>
+              <a:rPr lang="en-US" sz="1600" dirty="0" err="1">
+                <a:latin typeface="Courier New" pitchFamily="49" charset="0"/>
+                <a:cs typeface="Courier New" pitchFamily="49" charset="0"/>
+              </a:rPr>
+              <a:t>FirstName</a:t>
+            </a:r>
+            <a:r>
+              <a:rPr lang="en-US" sz="1600" dirty="0">
+                <a:latin typeface="Courier New" pitchFamily="49" charset="0"/>
+                <a:cs typeface="Courier New" pitchFamily="49" charset="0"/>
+              </a:rPr>
+              <a:t>, @</a:t>
+            </a:r>
+            <a:r>
+              <a:rPr lang="en-US" sz="1600" dirty="0" err="1" smtClean="0">
+                <a:latin typeface="Courier New" pitchFamily="49" charset="0"/>
+                <a:cs typeface="Courier New" pitchFamily="49" charset="0"/>
+              </a:rPr>
+              <a:t>LastName</a:t>
+            </a:r>
+            <a:r>
+              <a:rPr lang="en-US" sz="1600" dirty="0" smtClean="0">
+                <a:latin typeface="Courier New" pitchFamily="49" charset="0"/>
+                <a:cs typeface="Courier New" pitchFamily="49" charset="0"/>
+              </a:rPr>
+              <a:t>;</a:t>
+            </a:r>
+            <a:endParaRPr lang="en-US" sz="1600" dirty="0">
+              <a:latin typeface="Courier New" pitchFamily="49" charset="0"/>
+              <a:cs typeface="Courier New" pitchFamily="49" charset="0"/>
+            </a:endParaRPr>
+          </a:p>
+          <a:p>
+            <a:pPr marL="0" indent="0">
+              <a:spcBef>
+                <a:spcPts val="0"/>
+              </a:spcBef>
+              <a:buNone/>
+            </a:pPr>
+            <a:endParaRPr lang="en-US" sz="1600" dirty="0" smtClean="0">
+              <a:latin typeface="Courier New" pitchFamily="49" charset="0"/>
+              <a:cs typeface="Courier New" pitchFamily="49" charset="0"/>
+            </a:endParaRPr>
+          </a:p>
+          <a:p>
+            <a:pPr marL="0" indent="0">
+              <a:spcBef>
+                <a:spcPts val="0"/>
+              </a:spcBef>
+              <a:buNone/>
+            </a:pPr>
+            <a:r>
+              <a:rPr lang="en-US" sz="1600" dirty="0" smtClean="0">
+                <a:latin typeface="Courier New" pitchFamily="49" charset="0"/>
+                <a:cs typeface="Courier New" pitchFamily="49" charset="0"/>
+              </a:rPr>
+              <a:t>DEALLOCATE </a:t>
+            </a:r>
+            <a:r>
+              <a:rPr lang="en-US" sz="1600" dirty="0">
+                <a:latin typeface="Courier New" pitchFamily="49" charset="0"/>
+                <a:cs typeface="Courier New" pitchFamily="49" charset="0"/>
+              </a:rPr>
+              <a:t>PREPARE statement;</a:t>
+            </a:r>
+          </a:p>
+          <a:p>
+            <a:pPr marL="0" indent="0">
+              <a:spcBef>
+                <a:spcPts val="0"/>
+              </a:spcBef>
+              <a:buNone/>
+            </a:pPr>
+            <a:endParaRPr lang="en-US" sz="1600" dirty="0">
+              <a:latin typeface="Courier New" pitchFamily="49" charset="0"/>
+              <a:cs typeface="Courier New" pitchFamily="49" charset="0"/>
+            </a:endParaRPr>
+          </a:p>
+        </p:txBody>
+      </p:sp>
+    </p:spTree>
+    <p:extLst>
+      <p:ext uri="{BB962C8B-B14F-4D97-AF65-F5344CB8AC3E}">
+        <p14:creationId xmlns:p14="http://schemas.microsoft.com/office/powerpoint/2010/main" val="1151853797"/>
+      </p:ext>
+    </p:extLst>
+  </p:cSld>
+  <p:clrMapOvr>
+    <a:masterClrMapping/>
+  </p:clrMapOvr>
+  <p:timing>
+    <p:tnLst>
+      <p:par>
+        <p:cTn id="1" dur="indefinite" restart="never" nodeType="tmRoot"/>
+      </p:par>
+    </p:tnLst>
+  </p:timing>
+</p:sld>
+</file>
+
+<file path=ppt/slides/slide26.xml><?xml version="1.0" encoding="utf-8"?>
+<p:sld xmlns:a="http://schemas.openxmlformats.org/drawingml/2006/main" xmlns:r="http://schemas.openxmlformats.org/officeDocument/2006/relationships" xmlns:p="http://schemas.openxmlformats.org/presentationml/2006/main">
+  <p:cSld>
+    <p:spTree>
+      <p:nvGrpSpPr>
+        <p:cNvPr id="1" name=""/>
+        <p:cNvGrpSpPr/>
+        <p:nvPr/>
+      </p:nvGrpSpPr>
+      <p:grpSpPr>
+        <a:xfrm>
+          <a:off x="0" y="0"/>
+          <a:ext cx="0" cy="0"/>
+          <a:chOff x="0" y="0"/>
+          <a:chExt cx="0" cy="0"/>
+        </a:xfrm>
+      </p:grpSpPr>
+      <p:sp>
+        <p:nvSpPr>
+          <p:cNvPr id="2" name="Title 1"/>
+          <p:cNvSpPr>
+            <a:spLocks noGrp="1"/>
+          </p:cNvSpPr>
+          <p:nvPr>
+            <p:ph type="title"/>
+          </p:nvPr>
+        </p:nvSpPr>
+        <p:spPr>
+          <a:xfrm>
+            <a:off x="513708" y="58738"/>
+            <a:ext cx="8517580" cy="1138237"/>
+          </a:xfrm>
+        </p:spPr>
+        <p:txBody>
+          <a:bodyPr/>
+          <a:lstStyle/>
+          <a:p>
+            <a:r>
+              <a:rPr lang="en-US" dirty="0" smtClean="0">
+                <a:latin typeface="Arial" pitchFamily="34" charset="0"/>
+                <a:cs typeface="Arial" pitchFamily="34" charset="0"/>
+              </a:rPr>
+              <a:t>Security Best Practices</a:t>
+            </a:r>
+            <a:endParaRPr lang="en-US" dirty="0">
+              <a:latin typeface="Arial" pitchFamily="34" charset="0"/>
+              <a:cs typeface="Arial" pitchFamily="34" charset="0"/>
+            </a:endParaRPr>
+          </a:p>
+        </p:txBody>
+      </p:sp>
+      <p:sp>
+        <p:nvSpPr>
+          <p:cNvPr id="3" name="Content Placeholder 2"/>
+          <p:cNvSpPr>
+            <a:spLocks noGrp="1"/>
+          </p:cNvSpPr>
+          <p:nvPr>
+            <p:ph idx="1"/>
+          </p:nvPr>
+        </p:nvSpPr>
+        <p:spPr>
+          <a:xfrm>
+            <a:off x="390418" y="1356189"/>
+            <a:ext cx="8640870" cy="4397339"/>
+          </a:xfrm>
+        </p:spPr>
+        <p:txBody>
+          <a:bodyPr/>
+          <a:lstStyle/>
+          <a:p>
+            <a:pPr marL="0" indent="0">
+              <a:spcBef>
+                <a:spcPts val="0"/>
+              </a:spcBef>
+              <a:buNone/>
+            </a:pPr>
+            <a:r>
+              <a:rPr lang="en-US" dirty="0" smtClean="0">
+                <a:latin typeface="Arial" pitchFamily="34" charset="0"/>
+                <a:cs typeface="Arial" pitchFamily="34" charset="0"/>
+              </a:rPr>
+              <a:t>Specific database login for the data layer</a:t>
+            </a:r>
+          </a:p>
+          <a:p>
+            <a:pPr marL="0" indent="0">
+              <a:spcBef>
+                <a:spcPts val="0"/>
+              </a:spcBef>
+              <a:buNone/>
+            </a:pPr>
+            <a:endParaRPr lang="en-US" dirty="0">
+              <a:latin typeface="Arial" pitchFamily="34" charset="0"/>
+              <a:cs typeface="Arial" pitchFamily="34" charset="0"/>
+            </a:endParaRPr>
+          </a:p>
+          <a:p>
+            <a:pPr marL="0" indent="0">
+              <a:spcBef>
+                <a:spcPts val="0"/>
+              </a:spcBef>
+              <a:buNone/>
+            </a:pPr>
+            <a:r>
+              <a:rPr lang="en-US" dirty="0" smtClean="0">
+                <a:latin typeface="Arial" pitchFamily="34" charset="0"/>
+                <a:cs typeface="Arial" pitchFamily="34" charset="0"/>
+              </a:rPr>
+              <a:t>Only has access to CRUD (create, read, update, delete) actions on needed tables and stored procedures</a:t>
+            </a:r>
+          </a:p>
+          <a:p>
+            <a:pPr marL="0" indent="0">
+              <a:spcBef>
+                <a:spcPts val="0"/>
+              </a:spcBef>
+              <a:buNone/>
+            </a:pPr>
+            <a:endParaRPr lang="en-US" dirty="0">
+              <a:latin typeface="Arial" pitchFamily="34" charset="0"/>
+              <a:cs typeface="Arial" pitchFamily="34" charset="0"/>
+            </a:endParaRPr>
+          </a:p>
+          <a:p>
+            <a:pPr marL="0" indent="0">
+              <a:spcBef>
+                <a:spcPts val="0"/>
+              </a:spcBef>
+              <a:buNone/>
+            </a:pPr>
+            <a:r>
+              <a:rPr lang="en-US" dirty="0" smtClean="0">
+                <a:latin typeface="Arial" pitchFamily="34" charset="0"/>
+                <a:cs typeface="Arial" pitchFamily="34" charset="0"/>
+              </a:rPr>
+              <a:t>Principle of least privilege: </a:t>
+            </a:r>
+            <a:r>
+              <a:rPr lang="en-US" u="sng" dirty="0" smtClean="0">
+                <a:latin typeface="Arial" pitchFamily="34" charset="0"/>
+                <a:cs typeface="Arial" pitchFamily="34" charset="0"/>
+              </a:rPr>
+              <a:t>Minimum but Necessary</a:t>
+            </a:r>
+            <a:endParaRPr lang="en-US" u="sng" dirty="0">
+              <a:latin typeface="Arial" pitchFamily="34" charset="0"/>
+              <a:cs typeface="Arial" pitchFamily="34" charset="0"/>
+            </a:endParaRPr>
+          </a:p>
+        </p:txBody>
+      </p:sp>
+    </p:spTree>
+    <p:extLst>
+      <p:ext uri="{BB962C8B-B14F-4D97-AF65-F5344CB8AC3E}">
+        <p14:creationId xmlns:p14="http://schemas.microsoft.com/office/powerpoint/2010/main" val="3220881766"/>
+      </p:ext>
+    </p:extLst>
+  </p:cSld>
+  <p:clrMapOvr>
+    <a:masterClrMapping/>
+  </p:clrMapOvr>
+  <p:timing>
+    <p:tnLst>
+      <p:par>
+        <p:cTn id="1" dur="indefinite" restart="never" nodeType="tmRoot"/>
+      </p:par>
+    </p:tnLst>
+  </p:timing>
+</p:sld>
+</file>
+
+<file path=ppt/slides/slide27.xml><?xml version="1.0" encoding="utf-8"?>
+<p:sld xmlns:a="http://schemas.openxmlformats.org/drawingml/2006/main" xmlns:r="http://schemas.openxmlformats.org/officeDocument/2006/relationships" xmlns:p="http://schemas.openxmlformats.org/presentationml/2006/main">
+  <p:cSld>
+    <p:spTree>
+      <p:nvGrpSpPr>
+        <p:cNvPr id="1" name=""/>
+        <p:cNvGrpSpPr/>
+        <p:nvPr/>
+      </p:nvGrpSpPr>
+      <p:grpSpPr>
+        <a:xfrm>
+          <a:off x="0" y="0"/>
+          <a:ext cx="0" cy="0"/>
+          <a:chOff x="0" y="0"/>
+          <a:chExt cx="0" cy="0"/>
+        </a:xfrm>
+      </p:grpSpPr>
+      <p:sp>
+        <p:nvSpPr>
+          <p:cNvPr id="2" name="Title 1"/>
+          <p:cNvSpPr>
+            <a:spLocks noGrp="1"/>
+          </p:cNvSpPr>
+          <p:nvPr>
+            <p:ph type="title"/>
+          </p:nvPr>
+        </p:nvSpPr>
+        <p:spPr>
+          <a:xfrm>
+            <a:off x="513708" y="58738"/>
+            <a:ext cx="8517580" cy="1138237"/>
+          </a:xfrm>
+        </p:spPr>
+        <p:txBody>
+          <a:bodyPr/>
+          <a:lstStyle/>
+          <a:p>
+            <a:r>
+              <a:rPr lang="en-US" dirty="0" smtClean="0">
+                <a:latin typeface="Arial" pitchFamily="34" charset="0"/>
+                <a:cs typeface="Arial" pitchFamily="34" charset="0"/>
+              </a:rPr>
+              <a:t>Additional LAMP Practice</a:t>
+            </a:r>
+            <a:endParaRPr lang="en-US" dirty="0">
+              <a:latin typeface="Arial" pitchFamily="34" charset="0"/>
+              <a:cs typeface="Arial" pitchFamily="34" charset="0"/>
+            </a:endParaRPr>
+          </a:p>
+        </p:txBody>
+      </p:sp>
+      <p:sp>
+        <p:nvSpPr>
+          <p:cNvPr id="3" name="Content Placeholder 2"/>
+          <p:cNvSpPr>
+            <a:spLocks noGrp="1"/>
+          </p:cNvSpPr>
+          <p:nvPr>
+            <p:ph idx="1"/>
+          </p:nvPr>
+        </p:nvSpPr>
+        <p:spPr>
+          <a:xfrm>
+            <a:off x="390418" y="1356189"/>
+            <a:ext cx="8640870" cy="4397339"/>
+          </a:xfrm>
+        </p:spPr>
+        <p:txBody>
+          <a:bodyPr/>
+          <a:lstStyle/>
+          <a:p>
+            <a:pPr marL="0" indent="0">
+              <a:spcBef>
+                <a:spcPts val="0"/>
+              </a:spcBef>
+              <a:buNone/>
+            </a:pPr>
+            <a:r>
+              <a:rPr lang="en-US" dirty="0" smtClean="0">
+                <a:latin typeface="Arial" pitchFamily="34" charset="0"/>
+                <a:cs typeface="Arial" pitchFamily="34" charset="0"/>
+              </a:rPr>
+              <a:t>Watch out for other types of code injection</a:t>
+            </a:r>
+          </a:p>
+          <a:p>
+            <a:pPr marL="0" indent="0">
+              <a:spcBef>
+                <a:spcPts val="0"/>
+              </a:spcBef>
+              <a:buNone/>
+            </a:pPr>
+            <a:endParaRPr lang="en-US" u="sng" dirty="0">
+              <a:latin typeface="Arial" pitchFamily="34" charset="0"/>
+              <a:cs typeface="Arial" pitchFamily="34" charset="0"/>
+            </a:endParaRPr>
+          </a:p>
+          <a:p>
+            <a:pPr marL="0" indent="0">
+              <a:spcBef>
+                <a:spcPts val="0"/>
+              </a:spcBef>
+              <a:buNone/>
+            </a:pPr>
+            <a:r>
+              <a:rPr lang="en-US" u="sng" dirty="0" smtClean="0">
+                <a:latin typeface="Arial" pitchFamily="34" charset="0"/>
+                <a:cs typeface="Arial" pitchFamily="34" charset="0"/>
+              </a:rPr>
+              <a:t>HTML injection</a:t>
+            </a:r>
+          </a:p>
+          <a:p>
+            <a:pPr marL="0" indent="0">
+              <a:spcBef>
+                <a:spcPts val="0"/>
+              </a:spcBef>
+              <a:buNone/>
+            </a:pPr>
+            <a:endParaRPr lang="en-US" u="sng" dirty="0">
+              <a:latin typeface="Arial" pitchFamily="34" charset="0"/>
+              <a:cs typeface="Arial" pitchFamily="34" charset="0"/>
+            </a:endParaRPr>
+          </a:p>
+          <a:p>
+            <a:pPr marL="0" indent="0">
+              <a:spcBef>
+                <a:spcPts val="0"/>
+              </a:spcBef>
+              <a:buNone/>
+            </a:pPr>
+            <a:r>
+              <a:rPr lang="en-US" u="sng" dirty="0" smtClean="0">
+                <a:latin typeface="Arial" pitchFamily="34" charset="0"/>
+                <a:cs typeface="Arial" pitchFamily="34" charset="0"/>
+              </a:rPr>
+              <a:t>Cross-site scripting (CSS) injection</a:t>
+            </a:r>
+            <a:endParaRPr lang="en-US" u="sng" dirty="0">
+              <a:latin typeface="Arial" pitchFamily="34" charset="0"/>
+              <a:cs typeface="Arial" pitchFamily="34" charset="0"/>
+            </a:endParaRPr>
+          </a:p>
+        </p:txBody>
+      </p:sp>
+    </p:spTree>
+    <p:extLst>
+      <p:ext uri="{BB962C8B-B14F-4D97-AF65-F5344CB8AC3E}">
+        <p14:creationId xmlns:p14="http://schemas.microsoft.com/office/powerpoint/2010/main" val="1122564012"/>
+      </p:ext>
+    </p:extLst>
+  </p:cSld>
+  <p:clrMapOvr>
+    <a:masterClrMapping/>
+  </p:clrMapOvr>
+  <p:timing>
+    <p:tnLst>
+      <p:par>
+        <p:cTn id="1" dur="indefinite" restart="never" nodeType="tmRoot"/>
+      </p:par>
+    </p:tnLst>
+  </p:timing>
+</p:sld>
+</file>
+
+<file path=ppt/slides/slide28.xml><?xml version="1.0" encoding="utf-8"?>
+<p:sld xmlns:a="http://schemas.openxmlformats.org/drawingml/2006/main" xmlns:r="http://schemas.openxmlformats.org/officeDocument/2006/relationships" xmlns:p="http://schemas.openxmlformats.org/presentationml/2006/main">
+  <p:cSld>
+    <p:spTree>
+      <p:nvGrpSpPr>
+        <p:cNvPr id="1" name=""/>
+        <p:cNvGrpSpPr/>
+        <p:nvPr/>
+      </p:nvGrpSpPr>
+      <p:grpSpPr>
+        <a:xfrm>
+          <a:off x="0" y="0"/>
+          <a:ext cx="0" cy="0"/>
+          <a:chOff x="0" y="0"/>
+          <a:chExt cx="0" cy="0"/>
+        </a:xfrm>
+      </p:grpSpPr>
+      <p:sp>
+        <p:nvSpPr>
+          <p:cNvPr id="2" name="Title 1"/>
+          <p:cNvSpPr>
+            <a:spLocks noGrp="1"/>
+          </p:cNvSpPr>
+          <p:nvPr>
+            <p:ph type="title"/>
+          </p:nvPr>
+        </p:nvSpPr>
+        <p:spPr>
+          <a:xfrm>
+            <a:off x="513708" y="58738"/>
+            <a:ext cx="8517580" cy="1138237"/>
+          </a:xfrm>
+        </p:spPr>
+        <p:txBody>
+          <a:bodyPr/>
+          <a:lstStyle/>
+          <a:p>
+            <a:r>
+              <a:rPr lang="en-US" dirty="0" smtClean="0">
+                <a:latin typeface="Arial" pitchFamily="34" charset="0"/>
+                <a:cs typeface="Arial" pitchFamily="34" charset="0"/>
+              </a:rPr>
+              <a:t>Resources</a:t>
+            </a:r>
+            <a:endParaRPr lang="en-US" dirty="0">
+              <a:latin typeface="Arial" pitchFamily="34" charset="0"/>
+              <a:cs typeface="Arial" pitchFamily="34" charset="0"/>
+            </a:endParaRPr>
+          </a:p>
+        </p:txBody>
+      </p:sp>
+      <p:sp>
+        <p:nvSpPr>
+          <p:cNvPr id="3" name="Content Placeholder 2"/>
+          <p:cNvSpPr>
+            <a:spLocks noGrp="1"/>
+          </p:cNvSpPr>
+          <p:nvPr>
+            <p:ph idx="1"/>
+          </p:nvPr>
+        </p:nvSpPr>
+        <p:spPr>
+          <a:xfrm>
+            <a:off x="390418" y="1356189"/>
+            <a:ext cx="8640870" cy="4397339"/>
+          </a:xfrm>
+        </p:spPr>
+        <p:txBody>
+          <a:bodyPr/>
+          <a:lstStyle/>
+          <a:p>
+            <a:pPr marL="0" indent="0">
+              <a:spcBef>
+                <a:spcPts val="0"/>
+              </a:spcBef>
+              <a:buNone/>
+            </a:pPr>
+            <a:r>
+              <a:rPr lang="en-US" dirty="0" smtClean="0">
+                <a:latin typeface="Arial" pitchFamily="34" charset="0"/>
+                <a:cs typeface="Arial" pitchFamily="34" charset="0"/>
+              </a:rPr>
+              <a:t>Writing Secure Dynamic SQL in SQL Server:</a:t>
+            </a:r>
+          </a:p>
+          <a:p>
+            <a:pPr marL="0" indent="0">
+              <a:spcBef>
+                <a:spcPts val="0"/>
+              </a:spcBef>
+              <a:buNone/>
+            </a:pPr>
+            <a:endParaRPr lang="en-US" dirty="0" smtClean="0">
+              <a:latin typeface="Arial" pitchFamily="34" charset="0"/>
+              <a:cs typeface="Arial" pitchFamily="34" charset="0"/>
+            </a:endParaRPr>
+          </a:p>
+          <a:p>
+            <a:pPr marL="0" indent="0">
+              <a:spcBef>
+                <a:spcPts val="0"/>
+              </a:spcBef>
+              <a:buNone/>
+            </a:pPr>
+            <a:r>
+              <a:rPr lang="en-US" sz="2000" dirty="0">
+                <a:latin typeface="Arial" pitchFamily="34" charset="0"/>
+                <a:cs typeface="Arial" pitchFamily="34" charset="0"/>
+              </a:rPr>
+              <a:t>	</a:t>
+            </a:r>
+            <a:r>
+              <a:rPr lang="en-US" sz="2000" dirty="0">
+                <a:latin typeface="Arial" pitchFamily="34" charset="0"/>
+                <a:cs typeface="Arial" pitchFamily="34" charset="0"/>
+                <a:hlinkClick r:id="rId2"/>
+              </a:rPr>
+              <a:t>https://msdn.microsoft.com/en-us/library/bb669091(v=vs.110).</a:t>
+            </a:r>
+            <a:r>
+              <a:rPr lang="en-US" sz="2000" dirty="0" smtClean="0">
+                <a:latin typeface="Arial" pitchFamily="34" charset="0"/>
+                <a:cs typeface="Arial" pitchFamily="34" charset="0"/>
+                <a:hlinkClick r:id="rId2"/>
+              </a:rPr>
+              <a:t>aspx</a:t>
+            </a:r>
+            <a:endParaRPr lang="en-US" sz="2000" dirty="0" smtClean="0">
+              <a:latin typeface="Arial" pitchFamily="34" charset="0"/>
+              <a:cs typeface="Arial" pitchFamily="34" charset="0"/>
+            </a:endParaRPr>
+          </a:p>
+          <a:p>
+            <a:pPr marL="0" indent="0">
+              <a:spcBef>
+                <a:spcPts val="0"/>
+              </a:spcBef>
+              <a:buNone/>
+            </a:pPr>
+            <a:endParaRPr lang="en-US" dirty="0">
+              <a:latin typeface="Arial" pitchFamily="34" charset="0"/>
+              <a:cs typeface="Arial" pitchFamily="34" charset="0"/>
+            </a:endParaRPr>
+          </a:p>
+          <a:p>
+            <a:pPr marL="0" indent="0">
+              <a:spcBef>
+                <a:spcPts val="0"/>
+              </a:spcBef>
+              <a:buNone/>
+            </a:pPr>
+            <a:r>
+              <a:rPr lang="en-US" dirty="0" smtClean="0">
+                <a:latin typeface="Arial" pitchFamily="34" charset="0"/>
+                <a:cs typeface="Arial" pitchFamily="34" charset="0"/>
+              </a:rPr>
+              <a:t>Using </a:t>
+            </a:r>
+            <a:r>
+              <a:rPr lang="en-US" dirty="0" err="1" smtClean="0">
+                <a:latin typeface="Arial" pitchFamily="34" charset="0"/>
+                <a:cs typeface="Arial" pitchFamily="34" charset="0"/>
+              </a:rPr>
+              <a:t>sp_executesql</a:t>
+            </a:r>
+            <a:endParaRPr lang="en-US" dirty="0" smtClean="0">
+              <a:latin typeface="Arial" pitchFamily="34" charset="0"/>
+              <a:cs typeface="Arial" pitchFamily="34" charset="0"/>
+            </a:endParaRPr>
+          </a:p>
+          <a:p>
+            <a:pPr marL="0" indent="0">
+              <a:spcBef>
+                <a:spcPts val="0"/>
+              </a:spcBef>
+              <a:buNone/>
+            </a:pPr>
+            <a:endParaRPr lang="en-US" dirty="0" smtClean="0">
+              <a:latin typeface="Arial" pitchFamily="34" charset="0"/>
+              <a:cs typeface="Arial" pitchFamily="34" charset="0"/>
+            </a:endParaRPr>
+          </a:p>
+          <a:p>
+            <a:pPr marL="0" indent="0">
+              <a:spcBef>
+                <a:spcPts val="0"/>
+              </a:spcBef>
+              <a:buNone/>
+            </a:pPr>
+            <a:r>
+              <a:rPr lang="en-US" sz="2000" dirty="0" smtClean="0">
+                <a:latin typeface="Arial" pitchFamily="34" charset="0"/>
+                <a:cs typeface="Arial" pitchFamily="34" charset="0"/>
+              </a:rPr>
+              <a:t>	</a:t>
+            </a:r>
+            <a:r>
+              <a:rPr lang="en-US" sz="2000" dirty="0" smtClean="0">
+                <a:latin typeface="Arial" pitchFamily="34" charset="0"/>
+                <a:cs typeface="Arial" pitchFamily="34" charset="0"/>
+                <a:hlinkClick r:id="rId3"/>
+              </a:rPr>
+              <a:t>https</a:t>
+            </a:r>
+            <a:r>
+              <a:rPr lang="en-US" sz="2000" dirty="0">
+                <a:latin typeface="Arial" pitchFamily="34" charset="0"/>
+                <a:cs typeface="Arial" pitchFamily="34" charset="0"/>
+                <a:hlinkClick r:id="rId3"/>
+              </a:rPr>
+              <a:t>://</a:t>
+            </a:r>
+            <a:r>
+              <a:rPr lang="en-US" sz="2000" dirty="0" smtClean="0">
+                <a:latin typeface="Arial" pitchFamily="34" charset="0"/>
+                <a:cs typeface="Arial" pitchFamily="34" charset="0"/>
+                <a:hlinkClick r:id="rId3"/>
+              </a:rPr>
+              <a:t>msdn.microsoft.com/en-us/library/ms188001.aspx</a:t>
+            </a:r>
+            <a:endParaRPr lang="en-US" sz="2000" dirty="0" smtClean="0">
+              <a:latin typeface="Arial" pitchFamily="34" charset="0"/>
+              <a:cs typeface="Arial" pitchFamily="34" charset="0"/>
+            </a:endParaRPr>
+          </a:p>
+          <a:p>
+            <a:pPr marL="0" indent="0">
+              <a:spcBef>
+                <a:spcPts val="0"/>
+              </a:spcBef>
+              <a:buNone/>
+            </a:pPr>
+            <a:endParaRPr lang="en-US" sz="2000" dirty="0">
+              <a:latin typeface="Arial" pitchFamily="34" charset="0"/>
+              <a:cs typeface="Arial" pitchFamily="34" charset="0"/>
+            </a:endParaRPr>
+          </a:p>
+        </p:txBody>
+      </p:sp>
+    </p:spTree>
+    <p:extLst>
+      <p:ext uri="{BB962C8B-B14F-4D97-AF65-F5344CB8AC3E}">
+        <p14:creationId xmlns:p14="http://schemas.microsoft.com/office/powerpoint/2010/main" val="2855516125"/>
       </p:ext>
     </p:extLst>
   </p:cSld>
@@ -12712,61 +14305,50 @@
                 <a:latin typeface="Courier New" pitchFamily="49" charset="0"/>
                 <a:cs typeface="Courier New" pitchFamily="49" charset="0"/>
               </a:rPr>
-              <a:t>'); DROP </a:t>
+              <a:t>'); DROP TABLE </a:t>
+            </a:r>
+            <a:r>
+              <a:rPr lang="en-US" sz="1600" dirty="0">
+                <a:latin typeface="Courier New" pitchFamily="49" charset="0"/>
+                <a:cs typeface="Courier New" pitchFamily="49" charset="0"/>
+              </a:rPr>
+              <a:t>Students</a:t>
             </a:r>
             <a:r>
               <a:rPr lang="en-US" sz="1600" dirty="0" smtClean="0">
                 <a:latin typeface="Courier New" pitchFamily="49" charset="0"/>
                 <a:cs typeface="Courier New" pitchFamily="49" charset="0"/>
               </a:rPr>
-              <a:t>TABLE </a:t>
+              <a:t>;--’) </a:t>
             </a:r>
             <a:r>
               <a:rPr lang="en-US" sz="1600" dirty="0">
                 <a:latin typeface="Courier New" pitchFamily="49" charset="0"/>
                 <a:cs typeface="Courier New" pitchFamily="49" charset="0"/>
               </a:rPr>
-              <a:t>Students</a:t>
+              <a:t>AND (</a:t>
+            </a:r>
+            <a:r>
+              <a:rPr lang="en-US" sz="1600" dirty="0" err="1">
+                <a:latin typeface="Courier New" pitchFamily="49" charset="0"/>
+                <a:cs typeface="Courier New" pitchFamily="49" charset="0"/>
+              </a:rPr>
+              <a:t>LastName</a:t>
+            </a:r>
+            <a:r>
+              <a:rPr lang="en-US" sz="1600" dirty="0">
+                <a:latin typeface="Courier New" pitchFamily="49" charset="0"/>
+                <a:cs typeface="Courier New" pitchFamily="49" charset="0"/>
+              </a:rPr>
+              <a:t> = 'Smith</a:t>
             </a:r>
             <a:r>
               <a:rPr lang="en-US" sz="1600" dirty="0" smtClean="0">
                 <a:latin typeface="Courier New" pitchFamily="49" charset="0"/>
                 <a:cs typeface="Courier New" pitchFamily="49" charset="0"/>
               </a:rPr>
-              <a:t>;--’) </a:t>
-            </a:r>
-            <a:r>
-              <a:rPr lang="en-US" sz="1600" dirty="0">
-                <a:latin typeface="Courier New" pitchFamily="49" charset="0"/>
-                <a:cs typeface="Courier New" pitchFamily="49" charset="0"/>
-              </a:rPr>
-              <a:t>AND (</a:t>
-            </a:r>
-            <a:r>
-              <a:rPr lang="en-US" sz="1600" dirty="0" err="1">
-                <a:latin typeface="Courier New" pitchFamily="49" charset="0"/>
-                <a:cs typeface="Courier New" pitchFamily="49" charset="0"/>
-              </a:rPr>
-              <a:t>LastName</a:t>
-            </a:r>
-            <a:r>
-              <a:rPr lang="en-US" sz="1600" dirty="0">
-                <a:latin typeface="Courier New" pitchFamily="49" charset="0"/>
-                <a:cs typeface="Courier New" pitchFamily="49" charset="0"/>
-              </a:rPr>
-              <a:t> = 'Smith</a:t>
-            </a:r>
-            <a:r>
-              <a:rPr lang="en-US" sz="1600" dirty="0" smtClean="0">
-                <a:latin typeface="Courier New" pitchFamily="49" charset="0"/>
-                <a:cs typeface="Courier New" pitchFamily="49" charset="0"/>
-              </a:rPr>
               <a:t>');</a:t>
             </a:r>
-            <a:endParaRPr lang="en-US" sz="1600" dirty="0" smtClean="0">
-              <a:latin typeface="Courier New" pitchFamily="49" charset="0"/>
-              <a:cs typeface="Courier New" pitchFamily="49" charset="0"/>
-            </a:endParaRPr>
           </a:p>
           <a:p>
             <a:pPr marL="0" indent="0">
@@ -13136,7 +14718,7 @@
                 <a:latin typeface="Arial" pitchFamily="34" charset="0"/>
                 <a:cs typeface="Arial" pitchFamily="34" charset="0"/>
               </a:rPr>
-              <a:t>So What Went Wrong?</a:t>
+              <a:t>Installing SQL Server R Services, part 1</a:t>
             </a:r>
             <a:endParaRPr lang="en-US" dirty="0">
               <a:latin typeface="Arial" pitchFamily="34" charset="0"/>
@@ -13172,21 +14754,28 @@
               <a:buNone/>
             </a:pPr>
             <a:r>
+              <a:rPr lang="en-US" dirty="0">
+                <a:latin typeface="Arial" pitchFamily="34" charset="0"/>
+                <a:cs typeface="Arial" pitchFamily="34" charset="0"/>
+              </a:rPr>
+              <a:t>1</a:t>
+            </a:r>
+            <a:r>
               <a:rPr lang="en-US" dirty="0" smtClean="0">
                 <a:latin typeface="Arial" pitchFamily="34" charset="0"/>
                 <a:cs typeface="Arial" pitchFamily="34" charset="0"/>
               </a:rPr>
-              <a:t>Five key mistakes:</a:t>
-            </a:r>
-          </a:p>
-          <a:p>
-            <a:pPr marL="0" indent="0">
-              <a:spcBef>
-                <a:spcPts val="0"/>
-              </a:spcBef>
-              <a:buNone/>
-            </a:pPr>
-            <a:endParaRPr lang="en-US" dirty="0" smtClean="0">
+              <a:t>.  Install Advanced Analytics Extensions</a:t>
+            </a:r>
+          </a:p>
+          <a:p>
+            <a:pPr marL="0" indent="0">
+              <a:spcBef>
+                <a:spcPts val="0"/>
+              </a:spcBef>
+              <a:buNone/>
+            </a:pPr>
+            <a:endParaRPr lang="en-US" dirty="0">
               <a:latin typeface="Arial" pitchFamily="34" charset="0"/>
               <a:cs typeface="Arial" pitchFamily="34" charset="0"/>
             </a:endParaRPr>
@@ -13202,18 +14791,27 @@
               <a:rPr lang="en-US" dirty="0" smtClean="0">
                 <a:latin typeface="Arial" pitchFamily="34" charset="0"/>
                 <a:cs typeface="Arial" pitchFamily="34" charset="0"/>
-              </a:rPr>
-              <a:t>	Database input was not sanitized</a:t>
-            </a:r>
-          </a:p>
-          <a:p>
-            <a:pPr marL="0" indent="0">
-              <a:spcBef>
-                <a:spcPts val="0"/>
-              </a:spcBef>
-              <a:buNone/>
-            </a:pPr>
-            <a:endParaRPr lang="en-US" dirty="0" smtClean="0">
+                <a:hlinkClick r:id="rId2"/>
+              </a:rPr>
+              <a:t>https</a:t>
+            </a:r>
+            <a:r>
+              <a:rPr lang="en-US" dirty="0">
+                <a:latin typeface="Arial" pitchFamily="34" charset="0"/>
+                <a:cs typeface="Arial" pitchFamily="34" charset="0"/>
+                <a:hlinkClick r:id="rId2"/>
+              </a:rPr>
+              <a:t>://</a:t>
+            </a:r>
+            <a:r>
+              <a:rPr lang="en-US" dirty="0" smtClean="0">
+                <a:latin typeface="Arial" pitchFamily="34" charset="0"/>
+                <a:cs typeface="Arial" pitchFamily="34" charset="0"/>
+                <a:hlinkClick r:id="rId2"/>
+              </a:rPr>
+              <a:t>msdn.microsoft.com/en-US/library/mt590808.aspx</a:t>
+            </a:r>
+            <a:endParaRPr lang="en-US" dirty="0">
               <a:latin typeface="Arial" pitchFamily="34" charset="0"/>
               <a:cs typeface="Arial" pitchFamily="34" charset="0"/>
             </a:endParaRPr>
@@ -13225,95 +14823,7 @@
               </a:spcBef>
               <a:buNone/>
             </a:pPr>
-            <a:r>
-              <a:rPr lang="en-US" dirty="0" smtClean="0">
-                <a:latin typeface="Arial" pitchFamily="34" charset="0"/>
-                <a:cs typeface="Arial" pitchFamily="34" charset="0"/>
-              </a:rPr>
-              <a:t>	Length of allowed input was inappropriate</a:t>
-            </a:r>
-          </a:p>
-          <a:p>
-            <a:pPr marL="0" indent="0">
-              <a:spcBef>
-                <a:spcPts val="0"/>
-              </a:spcBef>
-              <a:buNone/>
-            </a:pPr>
             <a:endParaRPr lang="en-US" dirty="0" smtClean="0">
-              <a:latin typeface="Arial" pitchFamily="34" charset="0"/>
-              <a:cs typeface="Arial" pitchFamily="34" charset="0"/>
-            </a:endParaRPr>
-          </a:p>
-          <a:p>
-            <a:pPr marL="0" indent="0">
-              <a:spcBef>
-                <a:spcPts val="0"/>
-              </a:spcBef>
-              <a:buNone/>
-            </a:pPr>
-            <a:r>
-              <a:rPr lang="en-US" dirty="0" smtClean="0">
-                <a:latin typeface="Arial" pitchFamily="34" charset="0"/>
-                <a:cs typeface="Arial" pitchFamily="34" charset="0"/>
-              </a:rPr>
-              <a:t>	Did not use stored procedures for data layer</a:t>
-            </a:r>
-          </a:p>
-          <a:p>
-            <a:pPr marL="0" indent="0">
-              <a:spcBef>
-                <a:spcPts val="0"/>
-              </a:spcBef>
-              <a:buNone/>
-            </a:pPr>
-            <a:endParaRPr lang="en-US" dirty="0" smtClean="0">
-              <a:latin typeface="Arial" pitchFamily="34" charset="0"/>
-              <a:cs typeface="Arial" pitchFamily="34" charset="0"/>
-            </a:endParaRPr>
-          </a:p>
-          <a:p>
-            <a:pPr marL="0" indent="0">
-              <a:spcBef>
-                <a:spcPts val="0"/>
-              </a:spcBef>
-              <a:buNone/>
-            </a:pPr>
-            <a:r>
-              <a:rPr lang="en-US" dirty="0" smtClean="0">
-                <a:latin typeface="Arial" pitchFamily="34" charset="0"/>
-                <a:cs typeface="Arial" pitchFamily="34" charset="0"/>
-              </a:rPr>
-              <a:t>	Dynamic SQL should be avoided</a:t>
-            </a:r>
-          </a:p>
-          <a:p>
-            <a:pPr marL="0" indent="0">
-              <a:spcBef>
-                <a:spcPts val="0"/>
-              </a:spcBef>
-              <a:buNone/>
-            </a:pPr>
-            <a:endParaRPr lang="en-US" dirty="0" smtClean="0">
-              <a:latin typeface="Arial" pitchFamily="34" charset="0"/>
-              <a:cs typeface="Arial" pitchFamily="34" charset="0"/>
-            </a:endParaRPr>
-          </a:p>
-          <a:p>
-            <a:pPr marL="0" indent="0">
-              <a:spcBef>
-                <a:spcPts val="0"/>
-              </a:spcBef>
-              <a:buNone/>
-            </a:pPr>
-            <a:r>
-              <a:rPr lang="en-US" dirty="0" smtClean="0">
-                <a:latin typeface="Arial" pitchFamily="34" charset="0"/>
-                <a:cs typeface="Arial" pitchFamily="34" charset="0"/>
-              </a:rPr>
-              <a:t>	Data layer used elevated permissions</a:t>
-            </a:r>
-            <a:endParaRPr lang="en-US" dirty="0">
               <a:latin typeface="Arial" pitchFamily="34" charset="0"/>
               <a:cs typeface="Arial" pitchFamily="34" charset="0"/>
             </a:endParaRPr>
@@ -13333,335 +14843,7 @@
   <p:timing>
     <p:tnLst>
       <p:par>
-        <p:cTn id="1" dur="indefinite" restart="never" nodeType="tmRoot">
-          <p:childTnLst>
-            <p:seq concurrent="1" nextAc="seek">
-              <p:cTn id="2" dur="indefinite" nodeType="mainSeq">
-                <p:childTnLst>
-                  <p:par>
-                    <p:cTn id="3" fill="hold">
-                      <p:stCondLst>
-                        <p:cond delay="indefinite"/>
-                      </p:stCondLst>
-                      <p:childTnLst>
-                        <p:par>
-                          <p:cTn id="4" fill="hold">
-                            <p:stCondLst>
-                              <p:cond delay="0"/>
-                            </p:stCondLst>
-                            <p:childTnLst>
-                              <p:par>
-                                <p:cTn id="5" presetID="9" presetClass="entr" presetSubtype="0" fill="hold" nodeType="clickEffect">
-                                  <p:stCondLst>
-                                    <p:cond delay="0"/>
-                                  </p:stCondLst>
-                                  <p:childTnLst>
-                                    <p:set>
-                                      <p:cBhvr>
-                                        <p:cTn id="6" dur="1" fill="hold">
-                                          <p:stCondLst>
-                                            <p:cond delay="0"/>
-                                          </p:stCondLst>
-                                        </p:cTn>
-                                        <p:tgtEl>
-                                          <p:spTgt spid="3">
-                                            <p:txEl>
-                                              <p:pRg st="2" end="2"/>
-                                            </p:txEl>
-                                          </p:spTgt>
-                                        </p:tgtEl>
-                                        <p:attrNameLst>
-                                          <p:attrName>style.visibility</p:attrName>
-                                        </p:attrNameLst>
-                                      </p:cBhvr>
-                                      <p:to>
-                                        <p:strVal val="visible"/>
-                                      </p:to>
-                                    </p:set>
-                                    <p:animEffect transition="in" filter="dissolve">
-                                      <p:cBhvr>
-                                        <p:cTn id="7" dur="500"/>
-                                        <p:tgtEl>
-                                          <p:spTgt spid="3">
-                                            <p:txEl>
-                                              <p:pRg st="2" end="2"/>
-                                            </p:txEl>
-                                          </p:spTgt>
-                                        </p:tgtEl>
-                                      </p:cBhvr>
-                                    </p:animEffect>
-                                  </p:childTnLst>
-                                </p:cTn>
-                              </p:par>
-                            </p:childTnLst>
-                          </p:cTn>
-                        </p:par>
-                      </p:childTnLst>
-                    </p:cTn>
-                  </p:par>
-                  <p:par>
-                    <p:cTn id="8" fill="hold">
-                      <p:stCondLst>
-                        <p:cond delay="indefinite"/>
-                      </p:stCondLst>
-                      <p:childTnLst>
-                        <p:par>
-                          <p:cTn id="9" fill="hold">
-                            <p:stCondLst>
-                              <p:cond delay="0"/>
-                            </p:stCondLst>
-                            <p:childTnLst>
-                              <p:par>
-                                <p:cTn id="10" presetID="9" presetClass="entr" presetSubtype="0" fill="hold" nodeType="clickEffect">
-                                  <p:stCondLst>
-                                    <p:cond delay="0"/>
-                                  </p:stCondLst>
-                                  <p:childTnLst>
-                                    <p:set>
-                                      <p:cBhvr>
-                                        <p:cTn id="11" dur="1" fill="hold">
-                                          <p:stCondLst>
-                                            <p:cond delay="0"/>
-                                          </p:stCondLst>
-                                        </p:cTn>
-                                        <p:tgtEl>
-                                          <p:spTgt spid="3">
-                                            <p:txEl>
-                                              <p:pRg st="4" end="4"/>
-                                            </p:txEl>
-                                          </p:spTgt>
-                                        </p:tgtEl>
-                                        <p:attrNameLst>
-                                          <p:attrName>style.visibility</p:attrName>
-                                        </p:attrNameLst>
-                                      </p:cBhvr>
-                                      <p:to>
-                                        <p:strVal val="visible"/>
-                                      </p:to>
-                                    </p:set>
-                                    <p:animEffect transition="in" filter="dissolve">
-                                      <p:cBhvr>
-                                        <p:cTn id="12" dur="500"/>
-                                        <p:tgtEl>
-                                          <p:spTgt spid="3">
-                                            <p:txEl>
-                                              <p:pRg st="4" end="4"/>
-                                            </p:txEl>
-                                          </p:spTgt>
-                                        </p:tgtEl>
-                                      </p:cBhvr>
-                                    </p:animEffect>
-                                  </p:childTnLst>
-                                </p:cTn>
-                              </p:par>
-                            </p:childTnLst>
-                          </p:cTn>
-                        </p:par>
-                      </p:childTnLst>
-                    </p:cTn>
-                  </p:par>
-                  <p:par>
-                    <p:cTn id="13" fill="hold">
-                      <p:stCondLst>
-                        <p:cond delay="indefinite"/>
-                      </p:stCondLst>
-                      <p:childTnLst>
-                        <p:par>
-                          <p:cTn id="14" fill="hold">
-                            <p:stCondLst>
-                              <p:cond delay="0"/>
-                            </p:stCondLst>
-                            <p:childTnLst>
-                              <p:par>
-                                <p:cTn id="15" presetID="9" presetClass="entr" presetSubtype="0" fill="hold" nodeType="clickEffect">
-                                  <p:stCondLst>
-                                    <p:cond delay="0"/>
-                                  </p:stCondLst>
-                                  <p:childTnLst>
-                                    <p:set>
-                                      <p:cBhvr>
-                                        <p:cTn id="16" dur="1" fill="hold">
-                                          <p:stCondLst>
-                                            <p:cond delay="0"/>
-                                          </p:stCondLst>
-                                        </p:cTn>
-                                        <p:tgtEl>
-                                          <p:spTgt spid="3">
-                                            <p:txEl>
-                                              <p:pRg st="6" end="6"/>
-                                            </p:txEl>
-                                          </p:spTgt>
-                                        </p:tgtEl>
-                                        <p:attrNameLst>
-                                          <p:attrName>style.visibility</p:attrName>
-                                        </p:attrNameLst>
-                                      </p:cBhvr>
-                                      <p:to>
-                                        <p:strVal val="visible"/>
-                                      </p:to>
-                                    </p:set>
-                                    <p:animEffect transition="in" filter="dissolve">
-                                      <p:cBhvr>
-                                        <p:cTn id="17" dur="500"/>
-                                        <p:tgtEl>
-                                          <p:spTgt spid="3">
-                                            <p:txEl>
-                                              <p:pRg st="6" end="6"/>
-                                            </p:txEl>
-                                          </p:spTgt>
-                                        </p:tgtEl>
-                                      </p:cBhvr>
-                                    </p:animEffect>
-                                  </p:childTnLst>
-                                </p:cTn>
-                              </p:par>
-                            </p:childTnLst>
-                          </p:cTn>
-                        </p:par>
-                      </p:childTnLst>
-                    </p:cTn>
-                  </p:par>
-                  <p:par>
-                    <p:cTn id="18" fill="hold">
-                      <p:stCondLst>
-                        <p:cond delay="indefinite"/>
-                      </p:stCondLst>
-                      <p:childTnLst>
-                        <p:par>
-                          <p:cTn id="19" fill="hold">
-                            <p:stCondLst>
-                              <p:cond delay="0"/>
-                            </p:stCondLst>
-                            <p:childTnLst>
-                              <p:par>
-                                <p:cTn id="20" presetID="9" presetClass="entr" presetSubtype="0" fill="hold" nodeType="clickEffect">
-                                  <p:stCondLst>
-                                    <p:cond delay="0"/>
-                                  </p:stCondLst>
-                                  <p:childTnLst>
-                                    <p:set>
-                                      <p:cBhvr>
-                                        <p:cTn id="21" dur="1" fill="hold">
-                                          <p:stCondLst>
-                                            <p:cond delay="0"/>
-                                          </p:stCondLst>
-                                        </p:cTn>
-                                        <p:tgtEl>
-                                          <p:spTgt spid="3">
-                                            <p:txEl>
-                                              <p:pRg st="8" end="8"/>
-                                            </p:txEl>
-                                          </p:spTgt>
-                                        </p:tgtEl>
-                                        <p:attrNameLst>
-                                          <p:attrName>style.visibility</p:attrName>
-                                        </p:attrNameLst>
-                                      </p:cBhvr>
-                                      <p:to>
-                                        <p:strVal val="visible"/>
-                                      </p:to>
-                                    </p:set>
-                                    <p:animEffect transition="in" filter="dissolve">
-                                      <p:cBhvr>
-                                        <p:cTn id="22" dur="500"/>
-                                        <p:tgtEl>
-                                          <p:spTgt spid="3">
-                                            <p:txEl>
-                                              <p:pRg st="8" end="8"/>
-                                            </p:txEl>
-                                          </p:spTgt>
-                                        </p:tgtEl>
-                                      </p:cBhvr>
-                                    </p:animEffect>
-                                  </p:childTnLst>
-                                </p:cTn>
-                              </p:par>
-                            </p:childTnLst>
-                          </p:cTn>
-                        </p:par>
-                      </p:childTnLst>
-                    </p:cTn>
-                  </p:par>
-                  <p:par>
-                    <p:cTn id="23" fill="hold">
-                      <p:stCondLst>
-                        <p:cond delay="indefinite"/>
-                      </p:stCondLst>
-                      <p:childTnLst>
-                        <p:par>
-                          <p:cTn id="24" fill="hold">
-                            <p:stCondLst>
-                              <p:cond delay="0"/>
-                            </p:stCondLst>
-                            <p:childTnLst>
-                              <p:par>
-                                <p:cTn id="25" presetID="9" presetClass="entr" presetSubtype="0" fill="hold" nodeType="clickEffect">
-                                  <p:stCondLst>
-                                    <p:cond delay="0"/>
-                                  </p:stCondLst>
-                                  <p:childTnLst>
-                                    <p:set>
-                                      <p:cBhvr>
-                                        <p:cTn id="26" dur="1" fill="hold">
-                                          <p:stCondLst>
-                                            <p:cond delay="0"/>
-                                          </p:stCondLst>
-                                        </p:cTn>
-                                        <p:tgtEl>
-                                          <p:spTgt spid="3">
-                                            <p:txEl>
-                                              <p:pRg st="10" end="10"/>
-                                            </p:txEl>
-                                          </p:spTgt>
-                                        </p:tgtEl>
-                                        <p:attrNameLst>
-                                          <p:attrName>style.visibility</p:attrName>
-                                        </p:attrNameLst>
-                                      </p:cBhvr>
-                                      <p:to>
-                                        <p:strVal val="visible"/>
-                                      </p:to>
-                                    </p:set>
-                                    <p:animEffect transition="in" filter="dissolve">
-                                      <p:cBhvr>
-                                        <p:cTn id="27" dur="500"/>
-                                        <p:tgtEl>
-                                          <p:spTgt spid="3">
-                                            <p:txEl>
-                                              <p:pRg st="10" end="10"/>
-                                            </p:txEl>
-                                          </p:spTgt>
-                                        </p:tgtEl>
-                                      </p:cBhvr>
-                                    </p:animEffect>
-                                  </p:childTnLst>
-                                </p:cTn>
-                              </p:par>
-                            </p:childTnLst>
-                          </p:cTn>
-                        </p:par>
-                      </p:childTnLst>
-                    </p:cTn>
-                  </p:par>
-                </p:childTnLst>
-              </p:cTn>
-              <p:prevCondLst>
-                <p:cond evt="onPrev" delay="0">
-                  <p:tgtEl>
-                    <p:sldTgt/>
-                  </p:tgtEl>
-                </p:cond>
-              </p:prevCondLst>
-              <p:nextCondLst>
-                <p:cond evt="onNext" delay="0">
-                  <p:tgtEl>
-                    <p:sldTgt/>
-                  </p:tgtEl>
-                </p:cond>
-              </p:nextCondLst>
-            </p:seq>
-          </p:childTnLst>
-        </p:cTn>
+        <p:cTn id="1" dur="indefinite" restart="never" nodeType="tmRoot"/>
       </p:par>
     </p:tnLst>
   </p:timing>
@@ -13710,7 +14892,14 @@
                 <a:latin typeface="Arial" pitchFamily="34" charset="0"/>
                 <a:cs typeface="Arial" pitchFamily="34" charset="0"/>
               </a:rPr>
-              <a:t>Sanitize Your Database Input</a:t>
+              <a:t>Installing SQL Server R Services, part </a:t>
+            </a:r>
+            <a:r>
+              <a:rPr lang="en-US" dirty="0" smtClean="0">
+                <a:latin typeface="Arial" pitchFamily="34" charset="0"/>
+                <a:cs typeface="Arial" pitchFamily="34" charset="0"/>
+              </a:rPr>
+              <a:t>2</a:t>
             </a:r>
             <a:endParaRPr lang="en-US" dirty="0">
               <a:latin typeface="Arial" pitchFamily="34" charset="0"/>
@@ -13719,158 +14908,40 @@
           </a:p>
         </p:txBody>
       </p:sp>
-      <p:sp>
-        <p:nvSpPr>
-          <p:cNvPr id="3" name="Content Placeholder 2"/>
-          <p:cNvSpPr>
-            <a:spLocks noGrp="1"/>
-          </p:cNvSpPr>
-          <p:nvPr>
-            <p:ph idx="1"/>
-          </p:nvPr>
-        </p:nvSpPr>
+      <p:pic>
+        <p:nvPicPr>
+          <p:cNvPr id="5" name="Picture 4"/>
+          <p:cNvPicPr>
+            <a:picLocks noChangeAspect="1"/>
+          </p:cNvPicPr>
+          <p:nvPr/>
+        </p:nvPicPr>
+        <p:blipFill>
+          <a:blip r:embed="rId2">
+            <a:extLst>
+              <a:ext uri="{28A0092B-C50C-407E-A947-70E740481C1C}">
+                <a14:useLocalDpi xmlns:a14="http://schemas.microsoft.com/office/drawing/2010/main" val="0"/>
+              </a:ext>
+            </a:extLst>
+          </a:blip>
+          <a:stretch>
+            <a:fillRect/>
+          </a:stretch>
+        </p:blipFill>
         <p:spPr>
           <a:xfrm>
-            <a:off x="390418" y="1356189"/>
-            <a:ext cx="8640870" cy="4397339"/>
+            <a:off x="253218" y="1336431"/>
+            <a:ext cx="6935373" cy="4174947"/>
           </a:xfrm>
+          <a:prstGeom prst="rect">
+            <a:avLst/>
+          </a:prstGeom>
         </p:spPr>
-        <p:txBody>
-          <a:bodyPr/>
-          <a:lstStyle/>
-          <a:p>
-            <a:pPr marL="0" indent="0">
-              <a:spcBef>
-                <a:spcPts val="0"/>
-              </a:spcBef>
-              <a:buNone/>
-            </a:pPr>
-            <a:r>
-              <a:rPr lang="en-US" dirty="0" smtClean="0">
-                <a:latin typeface="Arial" pitchFamily="34" charset="0"/>
-                <a:cs typeface="Arial" pitchFamily="34" charset="0"/>
-              </a:rPr>
-              <a:t>Handle special characters used in SQL Injection attacks</a:t>
-            </a:r>
-          </a:p>
-          <a:p>
-            <a:pPr marL="0" indent="0">
-              <a:spcBef>
-                <a:spcPts val="0"/>
-              </a:spcBef>
-              <a:buNone/>
-            </a:pPr>
-            <a:endParaRPr lang="en-US" dirty="0" smtClean="0">
-              <a:latin typeface="Arial" pitchFamily="34" charset="0"/>
-              <a:cs typeface="Arial" pitchFamily="34" charset="0"/>
-            </a:endParaRPr>
-          </a:p>
-          <a:p>
-            <a:pPr marL="0" indent="0">
-              <a:spcBef>
-                <a:spcPts val="0"/>
-              </a:spcBef>
-              <a:buNone/>
-            </a:pPr>
-            <a:r>
-              <a:rPr lang="en-US" dirty="0" smtClean="0">
-                <a:latin typeface="Arial" pitchFamily="34" charset="0"/>
-                <a:cs typeface="Arial" pitchFamily="34" charset="0"/>
-              </a:rPr>
-              <a:t>	‘;	‘);	used to terminate WHERE clause</a:t>
-            </a:r>
-          </a:p>
-          <a:p>
-            <a:pPr marL="0" indent="0">
-              <a:spcBef>
-                <a:spcPts val="0"/>
-              </a:spcBef>
-              <a:buNone/>
-            </a:pPr>
-            <a:endParaRPr lang="en-US" dirty="0" smtClean="0">
-              <a:latin typeface="Arial" pitchFamily="34" charset="0"/>
-              <a:cs typeface="Arial" pitchFamily="34" charset="0"/>
-            </a:endParaRPr>
-          </a:p>
-          <a:p>
-            <a:pPr marL="0" indent="0">
-              <a:spcBef>
-                <a:spcPts val="0"/>
-              </a:spcBef>
-              <a:buNone/>
-            </a:pPr>
-            <a:r>
-              <a:rPr lang="en-US" dirty="0" smtClean="0">
-                <a:latin typeface="Arial" pitchFamily="34" charset="0"/>
-                <a:cs typeface="Arial" pitchFamily="34" charset="0"/>
-              </a:rPr>
-              <a:t>	--	#	used to comment out rest of query statement</a:t>
-            </a:r>
-          </a:p>
-          <a:p>
-            <a:pPr marL="0" indent="0">
-              <a:spcBef>
-                <a:spcPts val="0"/>
-              </a:spcBef>
-              <a:buNone/>
-            </a:pPr>
-            <a:endParaRPr lang="en-US" dirty="0">
-              <a:latin typeface="Arial" pitchFamily="34" charset="0"/>
-              <a:cs typeface="Arial" pitchFamily="34" charset="0"/>
-            </a:endParaRPr>
-          </a:p>
-          <a:p>
-            <a:pPr marL="0" indent="0">
-              <a:spcBef>
-                <a:spcPts val="0"/>
-              </a:spcBef>
-              <a:buNone/>
-            </a:pPr>
-            <a:r>
-              <a:rPr lang="en-US" dirty="0" smtClean="0">
-                <a:latin typeface="Arial" pitchFamily="34" charset="0"/>
-                <a:cs typeface="Arial" pitchFamily="34" charset="0"/>
-              </a:rPr>
-              <a:t>Handle keywords passed as input</a:t>
-            </a:r>
-          </a:p>
-          <a:p>
-            <a:pPr marL="0" indent="0">
-              <a:spcBef>
-                <a:spcPts val="0"/>
-              </a:spcBef>
-              <a:buNone/>
-            </a:pPr>
-            <a:endParaRPr lang="en-US" dirty="0">
-              <a:latin typeface="Arial" pitchFamily="34" charset="0"/>
-              <a:cs typeface="Arial" pitchFamily="34" charset="0"/>
-            </a:endParaRPr>
-          </a:p>
-          <a:p>
-            <a:pPr marL="0" indent="0">
-              <a:spcBef>
-                <a:spcPts val="0"/>
-              </a:spcBef>
-              <a:buNone/>
-            </a:pPr>
-            <a:r>
-              <a:rPr lang="en-US" dirty="0" smtClean="0">
-                <a:latin typeface="Arial" pitchFamily="34" charset="0"/>
-                <a:cs typeface="Arial" pitchFamily="34" charset="0"/>
-              </a:rPr>
-              <a:t>	DROP, CREATE, GRANT, etc.</a:t>
-            </a:r>
-            <a:endParaRPr lang="en-US" dirty="0">
-              <a:latin typeface="Arial" pitchFamily="34" charset="0"/>
-              <a:cs typeface="Arial" pitchFamily="34" charset="0"/>
-            </a:endParaRPr>
-          </a:p>
-        </p:txBody>
-      </p:sp>
+      </p:pic>
     </p:spTree>
     <p:extLst>
       <p:ext uri="{BB962C8B-B14F-4D97-AF65-F5344CB8AC3E}">
-        <p14:creationId xmlns:p14="http://schemas.microsoft.com/office/powerpoint/2010/main" val="1741452563"/>
+        <p14:creationId xmlns:p14="http://schemas.microsoft.com/office/powerpoint/2010/main" val="240537631"/>
       </p:ext>
     </p:extLst>
   </p:cSld>
@@ -13929,7 +15000,14 @@
                 <a:latin typeface="Arial" pitchFamily="34" charset="0"/>
                 <a:cs typeface="Arial" pitchFamily="34" charset="0"/>
               </a:rPr>
-              <a:t>Use Appropriate Lengths for Input</a:t>
+              <a:t>Installing SQL Server R Services, part </a:t>
+            </a:r>
+            <a:r>
+              <a:rPr lang="en-US" dirty="0">
+                <a:latin typeface="Arial" pitchFamily="34" charset="0"/>
+                <a:cs typeface="Arial" pitchFamily="34" charset="0"/>
+              </a:rPr>
+              <a:t>3</a:t>
             </a:r>
             <a:endParaRPr lang="en-US" dirty="0">
               <a:latin typeface="Arial" pitchFamily="34" charset="0"/>
@@ -13938,138 +15016,40 @@
           </a:p>
         </p:txBody>
       </p:sp>
-      <p:sp>
-        <p:nvSpPr>
-          <p:cNvPr id="3" name="Content Placeholder 2"/>
-          <p:cNvSpPr>
-            <a:spLocks noGrp="1"/>
-          </p:cNvSpPr>
-          <p:nvPr>
-            <p:ph idx="1"/>
-          </p:nvPr>
-        </p:nvSpPr>
+      <p:pic>
+        <p:nvPicPr>
+          <p:cNvPr id="3" name="Picture 2"/>
+          <p:cNvPicPr>
+            <a:picLocks noChangeAspect="1"/>
+          </p:cNvPicPr>
+          <p:nvPr/>
+        </p:nvPicPr>
+        <p:blipFill>
+          <a:blip r:embed="rId2">
+            <a:extLst>
+              <a:ext uri="{28A0092B-C50C-407E-A947-70E740481C1C}">
+                <a14:useLocalDpi xmlns:a14="http://schemas.microsoft.com/office/drawing/2010/main" val="0"/>
+              </a:ext>
+            </a:extLst>
+          </a:blip>
+          <a:stretch>
+            <a:fillRect/>
+          </a:stretch>
+        </p:blipFill>
         <p:spPr>
           <a:xfrm>
-            <a:off x="390418" y="1356189"/>
-            <a:ext cx="8640870" cy="4397339"/>
+            <a:off x="243179" y="1323584"/>
+            <a:ext cx="5098631" cy="4134681"/>
           </a:xfrm>
+          <a:prstGeom prst="rect">
+            <a:avLst/>
+          </a:prstGeom>
         </p:spPr>
-        <p:txBody>
-          <a:bodyPr/>
-          <a:lstStyle/>
-          <a:p>
-            <a:pPr marL="0" indent="0">
-              <a:spcBef>
-                <a:spcPts val="0"/>
-              </a:spcBef>
-              <a:buNone/>
-            </a:pPr>
-            <a:r>
-              <a:rPr lang="en-US" dirty="0" smtClean="0">
-                <a:latin typeface="Arial" pitchFamily="34" charset="0"/>
-                <a:cs typeface="Arial" pitchFamily="34" charset="0"/>
-              </a:rPr>
-              <a:t>Don’t allow more characters for the input than necessary</a:t>
-            </a:r>
-          </a:p>
-          <a:p>
-            <a:pPr marL="0" indent="0">
-              <a:spcBef>
-                <a:spcPts val="0"/>
-              </a:spcBef>
-              <a:buNone/>
-            </a:pPr>
-            <a:endParaRPr lang="en-US" dirty="0">
-              <a:latin typeface="Arial" pitchFamily="34" charset="0"/>
-              <a:cs typeface="Arial" pitchFamily="34" charset="0"/>
-            </a:endParaRPr>
-          </a:p>
-          <a:p>
-            <a:pPr marL="0" indent="0">
-              <a:spcBef>
-                <a:spcPts val="0"/>
-              </a:spcBef>
-              <a:buNone/>
-            </a:pPr>
-            <a:r>
-              <a:rPr lang="en-US" dirty="0" smtClean="0">
-                <a:latin typeface="Arial" pitchFamily="34" charset="0"/>
-                <a:cs typeface="Arial" pitchFamily="34" charset="0"/>
-              </a:rPr>
-              <a:t>	Use database field length as a guide</a:t>
-            </a:r>
-          </a:p>
-          <a:p>
-            <a:pPr marL="0" indent="0">
-              <a:spcBef>
-                <a:spcPts val="0"/>
-              </a:spcBef>
-              <a:buNone/>
-            </a:pPr>
-            <a:endParaRPr lang="en-US" dirty="0">
-              <a:latin typeface="Arial" pitchFamily="34" charset="0"/>
-              <a:cs typeface="Arial" pitchFamily="34" charset="0"/>
-            </a:endParaRPr>
-          </a:p>
-          <a:p>
-            <a:pPr marL="0" indent="0">
-              <a:spcBef>
-                <a:spcPts val="0"/>
-              </a:spcBef>
-              <a:buNone/>
-            </a:pPr>
-            <a:r>
-              <a:rPr lang="en-US" dirty="0" smtClean="0">
-                <a:latin typeface="Arial" pitchFamily="34" charset="0"/>
-                <a:cs typeface="Arial" pitchFamily="34" charset="0"/>
-              </a:rPr>
-              <a:t>The same rules apply for data types</a:t>
-            </a:r>
-          </a:p>
-          <a:p>
-            <a:pPr marL="0" indent="0">
-              <a:spcBef>
-                <a:spcPts val="0"/>
-              </a:spcBef>
-              <a:buNone/>
-            </a:pPr>
-            <a:endParaRPr lang="en-US" dirty="0" smtClean="0">
-              <a:latin typeface="Arial" pitchFamily="34" charset="0"/>
-              <a:cs typeface="Arial" pitchFamily="34" charset="0"/>
-            </a:endParaRPr>
-          </a:p>
-          <a:p>
-            <a:pPr marL="0" indent="0">
-              <a:spcBef>
-                <a:spcPts val="0"/>
-              </a:spcBef>
-              <a:buNone/>
-            </a:pPr>
-            <a:r>
-              <a:rPr lang="en-US" dirty="0">
-                <a:latin typeface="Arial" pitchFamily="34" charset="0"/>
-                <a:cs typeface="Arial" pitchFamily="34" charset="0"/>
-              </a:rPr>
-              <a:t>	</a:t>
-            </a:r>
-            <a:r>
-              <a:rPr lang="en-US" dirty="0" smtClean="0">
-                <a:latin typeface="Arial" pitchFamily="34" charset="0"/>
-                <a:cs typeface="Arial" pitchFamily="34" charset="0"/>
-              </a:rPr>
-              <a:t>i.e. don’t allow text input for a numeric field</a:t>
-            </a:r>
-            <a:endParaRPr lang="en-US" dirty="0">
-              <a:latin typeface="Arial" pitchFamily="34" charset="0"/>
-              <a:cs typeface="Arial" pitchFamily="34" charset="0"/>
-            </a:endParaRPr>
-          </a:p>
-        </p:txBody>
-      </p:sp>
+      </p:pic>
     </p:spTree>
     <p:extLst>
       <p:ext uri="{BB962C8B-B14F-4D97-AF65-F5344CB8AC3E}">
-        <p14:creationId xmlns:p14="http://schemas.microsoft.com/office/powerpoint/2010/main" val="1986777882"/>
+        <p14:creationId xmlns:p14="http://schemas.microsoft.com/office/powerpoint/2010/main" val="3687509454"/>
       </p:ext>
     </p:extLst>
   </p:cSld>

--- a/Presentations/SQL Server R Services/SQL Server R Services - ABQSQL.pptx
+++ b/Presentations/SQL Server R Services/SQL Server R Services - ABQSQL.pptx
@@ -6,40 +6,31 @@
     <p:sldMasterId id="2147483799" r:id="rId2"/>
   </p:sldMasterIdLst>
   <p:notesMasterIdLst>
-    <p:notesMasterId r:id="rId31"/>
+    <p:notesMasterId r:id="rId22"/>
   </p:notesMasterIdLst>
   <p:handoutMasterIdLst>
-    <p:handoutMasterId r:id="rId32"/>
+    <p:handoutMasterId r:id="rId23"/>
   </p:handoutMasterIdLst>
   <p:sldIdLst>
     <p:sldId id="287" r:id="rId3"/>
     <p:sldId id="288" r:id="rId4"/>
     <p:sldId id="351" r:id="rId5"/>
-    <p:sldId id="366" r:id="rId6"/>
-    <p:sldId id="363" r:id="rId7"/>
-    <p:sldId id="362" r:id="rId8"/>
-    <p:sldId id="348" r:id="rId9"/>
-    <p:sldId id="378" r:id="rId10"/>
-    <p:sldId id="379" r:id="rId11"/>
-    <p:sldId id="380" r:id="rId12"/>
-    <p:sldId id="377" r:id="rId13"/>
-    <p:sldId id="381" r:id="rId14"/>
-    <p:sldId id="382" r:id="rId15"/>
-    <p:sldId id="383" r:id="rId16"/>
-    <p:sldId id="384" r:id="rId17"/>
-    <p:sldId id="385" r:id="rId18"/>
+    <p:sldId id="387" r:id="rId6"/>
+    <p:sldId id="388" r:id="rId7"/>
+    <p:sldId id="348" r:id="rId8"/>
+    <p:sldId id="378" r:id="rId9"/>
+    <p:sldId id="379" r:id="rId10"/>
+    <p:sldId id="380" r:id="rId11"/>
+    <p:sldId id="377" r:id="rId12"/>
+    <p:sldId id="381" r:id="rId13"/>
+    <p:sldId id="382" r:id="rId14"/>
+    <p:sldId id="383" r:id="rId15"/>
+    <p:sldId id="384" r:id="rId16"/>
+    <p:sldId id="385" r:id="rId17"/>
+    <p:sldId id="364" r:id="rId18"/>
     <p:sldId id="386" r:id="rId19"/>
-    <p:sldId id="364" r:id="rId20"/>
-    <p:sldId id="365" r:id="rId21"/>
-    <p:sldId id="369" r:id="rId22"/>
-    <p:sldId id="370" r:id="rId23"/>
-    <p:sldId id="371" r:id="rId24"/>
-    <p:sldId id="372" r:id="rId25"/>
-    <p:sldId id="373" r:id="rId26"/>
-    <p:sldId id="374" r:id="rId27"/>
-    <p:sldId id="375" r:id="rId28"/>
-    <p:sldId id="376" r:id="rId29"/>
-    <p:sldId id="368" r:id="rId30"/>
+    <p:sldId id="365" r:id="rId20"/>
+    <p:sldId id="389" r:id="rId21"/>
   </p:sldIdLst>
   <p:sldSz cx="9144000" cy="6858000" type="screen4x3"/>
   <p:notesSz cx="6858000" cy="9144000"/>
@@ -296,7 +287,7 @@
               <a:pPr>
                 <a:defRPr/>
               </a:pPr>
-              <a:t>1/7/2016</a:t>
+              <a:t>1/8/2016</a:t>
             </a:fld>
             <a:endParaRPr lang="en-US" dirty="0"/>
           </a:p>
@@ -516,7 +507,7 @@
               <a:pPr>
                 <a:defRPr/>
               </a:pPr>
-              <a:t>1/7/2016</a:t>
+              <a:t>1/8/2016</a:t>
             </a:fld>
             <a:endParaRPr lang="en-US" dirty="0"/>
           </a:p>
@@ -7206,56 +7197,186 @@
                 <a:latin typeface="Arial" pitchFamily="34" charset="0"/>
                 <a:cs typeface="Arial" pitchFamily="34" charset="0"/>
               </a:rPr>
-              <a:t>Installing SQL Server R Services, part </a:t>
-            </a:r>
+              <a:t>Installing SQL Server R Services, part 5</a:t>
+            </a:r>
+            <a:endParaRPr lang="en-US" dirty="0">
+              <a:latin typeface="Arial" pitchFamily="34" charset="0"/>
+              <a:cs typeface="Arial" pitchFamily="34" charset="0"/>
+            </a:endParaRPr>
+          </a:p>
+        </p:txBody>
+      </p:sp>
+      <p:sp>
+        <p:nvSpPr>
+          <p:cNvPr id="3" name="Content Placeholder 2"/>
+          <p:cNvSpPr>
+            <a:spLocks noGrp="1"/>
+          </p:cNvSpPr>
+          <p:nvPr>
+            <p:ph idx="1"/>
+          </p:nvPr>
+        </p:nvSpPr>
+        <p:spPr>
+          <a:xfrm>
+            <a:off x="390418" y="1356189"/>
+            <a:ext cx="8640870" cy="4397339"/>
+          </a:xfrm>
+        </p:spPr>
+        <p:txBody>
+          <a:bodyPr/>
+          <a:lstStyle/>
+          <a:p>
+            <a:pPr marL="0" indent="0">
+              <a:spcBef>
+                <a:spcPts val="0"/>
+              </a:spcBef>
+              <a:buNone/>
+            </a:pPr>
             <a:r>
               <a:rPr lang="en-US" dirty="0" smtClean="0">
                 <a:latin typeface="Arial" pitchFamily="34" charset="0"/>
                 <a:cs typeface="Arial" pitchFamily="34" charset="0"/>
               </a:rPr>
-              <a:t>4</a:t>
-            </a:r>
+              <a:t>2.  Install </a:t>
+            </a:r>
+            <a:r>
+              <a:rPr lang="en-US" dirty="0">
+                <a:latin typeface="Arial" pitchFamily="34" charset="0"/>
+                <a:cs typeface="Arial" pitchFamily="34" charset="0"/>
+              </a:rPr>
+              <a:t>Revolution R Open </a:t>
+            </a:r>
+            <a:r>
+              <a:rPr lang="en-US" dirty="0" smtClean="0">
+                <a:latin typeface="Arial" pitchFamily="34" charset="0"/>
+                <a:cs typeface="Arial" pitchFamily="34" charset="0"/>
+              </a:rPr>
+              <a:t>3.2.2 on database server</a:t>
+            </a:r>
+          </a:p>
+          <a:p>
+            <a:pPr marL="0" indent="0">
+              <a:spcBef>
+                <a:spcPts val="0"/>
+              </a:spcBef>
+              <a:buNone/>
+            </a:pPr>
+            <a:r>
+              <a:rPr lang="en-US" dirty="0" smtClean="0">
+                <a:latin typeface="Arial" pitchFamily="34" charset="0"/>
+                <a:cs typeface="Arial" pitchFamily="34" charset="0"/>
+              </a:rPr>
+              <a:t>	(R runtime engine)</a:t>
+            </a:r>
+          </a:p>
+          <a:p>
+            <a:pPr marL="0" indent="0">
+              <a:spcBef>
+                <a:spcPts val="0"/>
+              </a:spcBef>
+              <a:buNone/>
+            </a:pPr>
+            <a:endParaRPr lang="en-US" dirty="0" smtClean="0">
+              <a:latin typeface="Arial" pitchFamily="34" charset="0"/>
+              <a:cs typeface="Arial" pitchFamily="34" charset="0"/>
+            </a:endParaRPr>
+          </a:p>
+          <a:p>
+            <a:pPr marL="0" indent="0">
+              <a:spcBef>
+                <a:spcPts val="0"/>
+              </a:spcBef>
+              <a:buNone/>
+            </a:pPr>
+            <a:r>
+              <a:rPr lang="en-US" dirty="0" smtClean="0">
+                <a:latin typeface="Arial" pitchFamily="34" charset="0"/>
+                <a:cs typeface="Arial" pitchFamily="34" charset="0"/>
+              </a:rPr>
+              <a:t>3.  Install Revolution R Enterprise 7.5 on database server</a:t>
+            </a:r>
+          </a:p>
+          <a:p>
+            <a:pPr marL="0" indent="0">
+              <a:spcBef>
+                <a:spcPts val="0"/>
+              </a:spcBef>
+              <a:buNone/>
+            </a:pPr>
+            <a:r>
+              <a:rPr lang="en-US" dirty="0" smtClean="0">
+                <a:latin typeface="Arial" pitchFamily="34" charset="0"/>
+                <a:cs typeface="Arial" pitchFamily="34" charset="0"/>
+              </a:rPr>
+              <a:t>	(R platform)</a:t>
+            </a:r>
+          </a:p>
+          <a:p>
+            <a:pPr marL="0" indent="0">
+              <a:spcBef>
+                <a:spcPts val="0"/>
+              </a:spcBef>
+              <a:buNone/>
+            </a:pPr>
             <a:endParaRPr lang="en-US" dirty="0">
               <a:latin typeface="Arial" pitchFamily="34" charset="0"/>
               <a:cs typeface="Arial" pitchFamily="34" charset="0"/>
             </a:endParaRPr>
           </a:p>
+          <a:p>
+            <a:pPr marL="0" indent="0">
+              <a:spcBef>
+                <a:spcPts val="0"/>
+              </a:spcBef>
+              <a:buNone/>
+            </a:pPr>
+            <a:r>
+              <a:rPr lang="en-US" dirty="0" smtClean="0">
+                <a:latin typeface="Arial" pitchFamily="34" charset="0"/>
+                <a:cs typeface="Arial" pitchFamily="34" charset="0"/>
+                <a:hlinkClick r:id="rId2"/>
+              </a:rPr>
+              <a:t>https</a:t>
+            </a:r>
+            <a:r>
+              <a:rPr lang="en-US" dirty="0">
+                <a:latin typeface="Arial" pitchFamily="34" charset="0"/>
+                <a:cs typeface="Arial" pitchFamily="34" charset="0"/>
+                <a:hlinkClick r:id="rId2"/>
+              </a:rPr>
+              <a:t>://</a:t>
+            </a:r>
+            <a:r>
+              <a:rPr lang="en-US" dirty="0" smtClean="0">
+                <a:latin typeface="Arial" pitchFamily="34" charset="0"/>
+                <a:cs typeface="Arial" pitchFamily="34" charset="0"/>
+                <a:hlinkClick r:id="rId2"/>
+              </a:rPr>
+              <a:t>msdn.microsoft.com/en-US/library/mt590809.aspx</a:t>
+            </a:r>
+            <a:endParaRPr lang="en-US" dirty="0">
+              <a:latin typeface="Arial" pitchFamily="34" charset="0"/>
+              <a:cs typeface="Arial" pitchFamily="34" charset="0"/>
+            </a:endParaRPr>
+          </a:p>
+          <a:p>
+            <a:pPr marL="0" indent="0">
+              <a:spcBef>
+                <a:spcPts val="0"/>
+              </a:spcBef>
+              <a:buNone/>
+            </a:pPr>
+            <a:endParaRPr lang="en-US" dirty="0" smtClean="0">
+              <a:latin typeface="Arial" pitchFamily="34" charset="0"/>
+              <a:cs typeface="Arial" pitchFamily="34" charset="0"/>
+            </a:endParaRPr>
+          </a:p>
         </p:txBody>
       </p:sp>
-      <p:pic>
-        <p:nvPicPr>
-          <p:cNvPr id="4" name="Picture 3"/>
-          <p:cNvPicPr>
-            <a:picLocks noChangeAspect="1"/>
-          </p:cNvPicPr>
-          <p:nvPr/>
-        </p:nvPicPr>
-        <p:blipFill>
-          <a:blip r:embed="rId2">
-            <a:extLst>
-              <a:ext uri="{28A0092B-C50C-407E-A947-70E740481C1C}">
-                <a14:useLocalDpi xmlns:a14="http://schemas.microsoft.com/office/drawing/2010/main" val="0"/>
-              </a:ext>
-            </a:extLst>
-          </a:blip>
-          <a:stretch>
-            <a:fillRect/>
-          </a:stretch>
-        </p:blipFill>
-        <p:spPr>
-          <a:xfrm>
-            <a:off x="211016" y="1364383"/>
-            <a:ext cx="6527410" cy="4152699"/>
-          </a:xfrm>
-          <a:prstGeom prst="rect">
-            <a:avLst/>
-          </a:prstGeom>
-        </p:spPr>
-      </p:pic>
     </p:spTree>
     <p:extLst>
       <p:ext uri="{BB962C8B-B14F-4D97-AF65-F5344CB8AC3E}">
-        <p14:creationId xmlns:p14="http://schemas.microsoft.com/office/powerpoint/2010/main" val="2571625966"/>
+        <p14:creationId xmlns:p14="http://schemas.microsoft.com/office/powerpoint/2010/main" val="1006024625"/>
       </p:ext>
     </p:extLst>
   </p:cSld>
@@ -7314,186 +7435,52 @@
                 <a:latin typeface="Arial" pitchFamily="34" charset="0"/>
                 <a:cs typeface="Arial" pitchFamily="34" charset="0"/>
               </a:rPr>
-              <a:t>Installing SQL Server R Services, part 5</a:t>
-            </a:r>
-            <a:endParaRPr lang="en-US" dirty="0">
-              <a:latin typeface="Arial" pitchFamily="34" charset="0"/>
-              <a:cs typeface="Arial" pitchFamily="34" charset="0"/>
-            </a:endParaRPr>
-          </a:p>
-        </p:txBody>
-      </p:sp>
-      <p:sp>
-        <p:nvSpPr>
-          <p:cNvPr id="3" name="Content Placeholder 2"/>
-          <p:cNvSpPr>
-            <a:spLocks noGrp="1"/>
-          </p:cNvSpPr>
-          <p:nvPr>
-            <p:ph idx="1"/>
-          </p:nvPr>
-        </p:nvSpPr>
-        <p:spPr>
-          <a:xfrm>
-            <a:off x="390418" y="1356189"/>
-            <a:ext cx="8640870" cy="4397339"/>
-          </a:xfrm>
-        </p:spPr>
-        <p:txBody>
-          <a:bodyPr/>
-          <a:lstStyle/>
-          <a:p>
-            <a:pPr marL="0" indent="0">
-              <a:spcBef>
-                <a:spcPts val="0"/>
-              </a:spcBef>
-              <a:buNone/>
-            </a:pPr>
-            <a:r>
-              <a:rPr lang="en-US" dirty="0" smtClean="0">
-                <a:latin typeface="Arial" pitchFamily="34" charset="0"/>
-                <a:cs typeface="Arial" pitchFamily="34" charset="0"/>
-              </a:rPr>
-              <a:t>2.  Install </a:t>
+              <a:t>Installing SQL Server R Services, part </a:t>
             </a:r>
             <a:r>
               <a:rPr lang="en-US" dirty="0">
                 <a:latin typeface="Arial" pitchFamily="34" charset="0"/>
                 <a:cs typeface="Arial" pitchFamily="34" charset="0"/>
               </a:rPr>
-              <a:t>Revolution R Open </a:t>
-            </a:r>
-            <a:r>
-              <a:rPr lang="en-US" dirty="0" smtClean="0">
-                <a:latin typeface="Arial" pitchFamily="34" charset="0"/>
-                <a:cs typeface="Arial" pitchFamily="34" charset="0"/>
-              </a:rPr>
-              <a:t>3.2.2 on database server</a:t>
-            </a:r>
-          </a:p>
-          <a:p>
-            <a:pPr marL="0" indent="0">
-              <a:spcBef>
-                <a:spcPts val="0"/>
-              </a:spcBef>
-              <a:buNone/>
-            </a:pPr>
-            <a:r>
-              <a:rPr lang="en-US" dirty="0" smtClean="0">
-                <a:latin typeface="Arial" pitchFamily="34" charset="0"/>
-                <a:cs typeface="Arial" pitchFamily="34" charset="0"/>
-              </a:rPr>
-              <a:t>	(R runtime engine)</a:t>
-            </a:r>
-          </a:p>
-          <a:p>
-            <a:pPr marL="0" indent="0">
-              <a:spcBef>
-                <a:spcPts val="0"/>
-              </a:spcBef>
-              <a:buNone/>
-            </a:pPr>
-            <a:endParaRPr lang="en-US" dirty="0" smtClean="0">
-              <a:latin typeface="Arial" pitchFamily="34" charset="0"/>
-              <a:cs typeface="Arial" pitchFamily="34" charset="0"/>
-            </a:endParaRPr>
-          </a:p>
-          <a:p>
-            <a:pPr marL="0" indent="0">
-              <a:spcBef>
-                <a:spcPts val="0"/>
-              </a:spcBef>
-              <a:buNone/>
-            </a:pPr>
-            <a:r>
-              <a:rPr lang="en-US" dirty="0" smtClean="0">
-                <a:latin typeface="Arial" pitchFamily="34" charset="0"/>
-                <a:cs typeface="Arial" pitchFamily="34" charset="0"/>
-              </a:rPr>
-              <a:t>3.  Install Revolution R Enterprise 7.5 on database server</a:t>
-            </a:r>
-          </a:p>
-          <a:p>
-            <a:pPr marL="0" indent="0">
-              <a:spcBef>
-                <a:spcPts val="0"/>
-              </a:spcBef>
-              <a:buNone/>
-            </a:pPr>
-            <a:r>
-              <a:rPr lang="en-US" dirty="0" smtClean="0">
-                <a:latin typeface="Arial" pitchFamily="34" charset="0"/>
-                <a:cs typeface="Arial" pitchFamily="34" charset="0"/>
-              </a:rPr>
-              <a:t>	(R platform)</a:t>
-            </a:r>
-          </a:p>
-          <a:p>
-            <a:pPr marL="0" indent="0">
-              <a:spcBef>
-                <a:spcPts val="0"/>
-              </a:spcBef>
-              <a:buNone/>
-            </a:pPr>
-            <a:endParaRPr lang="en-US" dirty="0">
-              <a:latin typeface="Arial" pitchFamily="34" charset="0"/>
-              <a:cs typeface="Arial" pitchFamily="34" charset="0"/>
-            </a:endParaRPr>
-          </a:p>
-          <a:p>
-            <a:pPr marL="0" indent="0">
-              <a:spcBef>
-                <a:spcPts val="0"/>
-              </a:spcBef>
-              <a:buNone/>
-            </a:pPr>
-            <a:r>
-              <a:rPr lang="en-US" dirty="0" smtClean="0">
-                <a:latin typeface="Arial" pitchFamily="34" charset="0"/>
-                <a:cs typeface="Arial" pitchFamily="34" charset="0"/>
-                <a:hlinkClick r:id="rId2"/>
-              </a:rPr>
-              <a:t>https</a:t>
-            </a:r>
-            <a:r>
-              <a:rPr lang="en-US" dirty="0">
-                <a:latin typeface="Arial" pitchFamily="34" charset="0"/>
-                <a:cs typeface="Arial" pitchFamily="34" charset="0"/>
-                <a:hlinkClick r:id="rId2"/>
-              </a:rPr>
-              <a:t>://</a:t>
-            </a:r>
-            <a:r>
-              <a:rPr lang="en-US" dirty="0" smtClean="0">
-                <a:latin typeface="Arial" pitchFamily="34" charset="0"/>
-                <a:cs typeface="Arial" pitchFamily="34" charset="0"/>
-                <a:hlinkClick r:id="rId2"/>
-              </a:rPr>
-              <a:t>msdn.microsoft.com/en-US/library/mt590809.aspx</a:t>
-            </a:r>
-            <a:endParaRPr lang="en-US" dirty="0">
-              <a:latin typeface="Arial" pitchFamily="34" charset="0"/>
-              <a:cs typeface="Arial" pitchFamily="34" charset="0"/>
-            </a:endParaRPr>
-          </a:p>
-          <a:p>
-            <a:pPr marL="0" indent="0">
-              <a:spcBef>
-                <a:spcPts val="0"/>
-              </a:spcBef>
-              <a:buNone/>
-            </a:pPr>
-            <a:endParaRPr lang="en-US" dirty="0" smtClean="0">
-              <a:latin typeface="Arial" pitchFamily="34" charset="0"/>
-              <a:cs typeface="Arial" pitchFamily="34" charset="0"/>
-            </a:endParaRPr>
+              <a:t>6</a:t>
+            </a:r>
           </a:p>
         </p:txBody>
       </p:sp>
+      <p:pic>
+        <p:nvPicPr>
+          <p:cNvPr id="5" name="Picture 4"/>
+          <p:cNvPicPr>
+            <a:picLocks noChangeAspect="1"/>
+          </p:cNvPicPr>
+          <p:nvPr/>
+        </p:nvPicPr>
+        <p:blipFill>
+          <a:blip r:embed="rId2">
+            <a:extLst>
+              <a:ext uri="{28A0092B-C50C-407E-A947-70E740481C1C}">
+                <a14:useLocalDpi xmlns:a14="http://schemas.microsoft.com/office/drawing/2010/main" val="0"/>
+              </a:ext>
+            </a:extLst>
+          </a:blip>
+          <a:stretch>
+            <a:fillRect/>
+          </a:stretch>
+        </p:blipFill>
+        <p:spPr>
+          <a:xfrm>
+            <a:off x="227867" y="1309515"/>
+            <a:ext cx="6076293" cy="4219087"/>
+          </a:xfrm>
+          <a:prstGeom prst="rect">
+            <a:avLst/>
+          </a:prstGeom>
+        </p:spPr>
+      </p:pic>
     </p:spTree>
     <p:extLst>
       <p:ext uri="{BB962C8B-B14F-4D97-AF65-F5344CB8AC3E}">
-        <p14:creationId xmlns:p14="http://schemas.microsoft.com/office/powerpoint/2010/main" val="1006024625"/>
+        <p14:creationId xmlns:p14="http://schemas.microsoft.com/office/powerpoint/2010/main" val="1622342288"/>
       </p:ext>
     </p:extLst>
   </p:cSld>
@@ -7552,14 +7539,7 @@
                 <a:latin typeface="Arial" pitchFamily="34" charset="0"/>
                 <a:cs typeface="Arial" pitchFamily="34" charset="0"/>
               </a:rPr>
-              <a:t>Installing SQL Server R Services, part </a:t>
-            </a:r>
-            <a:r>
-              <a:rPr lang="en-US" dirty="0">
-                <a:latin typeface="Arial" pitchFamily="34" charset="0"/>
-                <a:cs typeface="Arial" pitchFamily="34" charset="0"/>
-              </a:rPr>
-              <a:t>6</a:t>
+              <a:t>Installing SQL Server R Services, part 7</a:t>
             </a:r>
             <a:endParaRPr lang="en-US" dirty="0">
               <a:latin typeface="Arial" pitchFamily="34" charset="0"/>
@@ -7570,7 +7550,7 @@
       </p:sp>
       <p:pic>
         <p:nvPicPr>
-          <p:cNvPr id="5" name="Picture 4"/>
+          <p:cNvPr id="3" name="Picture 2"/>
           <p:cNvPicPr>
             <a:picLocks noChangeAspect="1"/>
           </p:cNvPicPr>
@@ -7590,8 +7570,8 @@
         </p:blipFill>
         <p:spPr>
           <a:xfrm>
-            <a:off x="227867" y="1309515"/>
-            <a:ext cx="6076293" cy="4219087"/>
+            <a:off x="248749" y="1345882"/>
+            <a:ext cx="5322057" cy="4171907"/>
           </a:xfrm>
           <a:prstGeom prst="rect">
             <a:avLst/>
@@ -7601,7 +7581,7 @@
     </p:spTree>
     <p:extLst>
       <p:ext uri="{BB962C8B-B14F-4D97-AF65-F5344CB8AC3E}">
-        <p14:creationId xmlns:p14="http://schemas.microsoft.com/office/powerpoint/2010/main" val="1622342288"/>
+        <p14:creationId xmlns:p14="http://schemas.microsoft.com/office/powerpoint/2010/main" val="3434753538"/>
       </p:ext>
     </p:extLst>
   </p:cSld>
@@ -7660,56 +7640,244 @@
                 <a:latin typeface="Arial" pitchFamily="34" charset="0"/>
                 <a:cs typeface="Arial" pitchFamily="34" charset="0"/>
               </a:rPr>
-              <a:t>Installing SQL Server R Services, part </a:t>
-            </a:r>
+              <a:t>Installing SQL Server R Services, part 8</a:t>
+            </a:r>
+            <a:endParaRPr lang="en-US" dirty="0">
+              <a:latin typeface="Arial" pitchFamily="34" charset="0"/>
+              <a:cs typeface="Arial" pitchFamily="34" charset="0"/>
+            </a:endParaRPr>
+          </a:p>
+        </p:txBody>
+      </p:sp>
+      <p:sp>
+        <p:nvSpPr>
+          <p:cNvPr id="3" name="Content Placeholder 2"/>
+          <p:cNvSpPr>
+            <a:spLocks noGrp="1"/>
+          </p:cNvSpPr>
+          <p:nvPr>
+            <p:ph idx="1"/>
+          </p:nvPr>
+        </p:nvSpPr>
+        <p:spPr>
+          <a:xfrm>
+            <a:off x="390418" y="1356189"/>
+            <a:ext cx="8640870" cy="4397339"/>
+          </a:xfrm>
+        </p:spPr>
+        <p:txBody>
+          <a:bodyPr/>
+          <a:lstStyle/>
+          <a:p>
+            <a:pPr marL="0" indent="0">
+              <a:spcBef>
+                <a:spcPts val="0"/>
+              </a:spcBef>
+              <a:buNone/>
+            </a:pPr>
             <a:r>
               <a:rPr lang="en-US" dirty="0" smtClean="0">
                 <a:latin typeface="Arial" pitchFamily="34" charset="0"/>
                 <a:cs typeface="Arial" pitchFamily="34" charset="0"/>
               </a:rPr>
-              <a:t>7</a:t>
+              <a:t>Post-installation scripts and configuration</a:t>
+            </a:r>
+          </a:p>
+          <a:p>
+            <a:pPr marL="0" indent="0">
+              <a:spcBef>
+                <a:spcPts val="0"/>
+              </a:spcBef>
+              <a:buNone/>
+            </a:pPr>
+            <a:endParaRPr lang="en-US" dirty="0" smtClean="0">
+              <a:latin typeface="Arial" pitchFamily="34" charset="0"/>
+              <a:cs typeface="Arial" pitchFamily="34" charset="0"/>
+            </a:endParaRPr>
+          </a:p>
+          <a:p>
+            <a:pPr marL="0" indent="0">
+              <a:spcBef>
+                <a:spcPts val="0"/>
+              </a:spcBef>
+              <a:buNone/>
+            </a:pPr>
+            <a:r>
+              <a:rPr lang="en-US" dirty="0" smtClean="0">
+                <a:latin typeface="Arial" pitchFamily="34" charset="0"/>
+                <a:cs typeface="Arial" pitchFamily="34" charset="0"/>
+              </a:rPr>
+              <a:t>1.  Enable external scripts</a:t>
             </a:r>
             <a:endParaRPr lang="en-US" dirty="0">
               <a:latin typeface="Arial" pitchFamily="34" charset="0"/>
               <a:cs typeface="Arial" pitchFamily="34" charset="0"/>
             </a:endParaRPr>
           </a:p>
+          <a:p>
+            <a:pPr marL="0" indent="0">
+              <a:spcBef>
+                <a:spcPts val="0"/>
+              </a:spcBef>
+              <a:buNone/>
+            </a:pPr>
+            <a:r>
+              <a:rPr lang="en-US" sz="2000" dirty="0" smtClean="0">
+                <a:latin typeface="Courier New" panose="02070309020205020404" pitchFamily="49" charset="0"/>
+                <a:cs typeface="Courier New" panose="02070309020205020404" pitchFamily="49" charset="0"/>
+              </a:rPr>
+              <a:t>EXEC </a:t>
+            </a:r>
+            <a:r>
+              <a:rPr lang="en-US" sz="2000" dirty="0" err="1">
+                <a:latin typeface="Courier New" panose="02070309020205020404" pitchFamily="49" charset="0"/>
+                <a:cs typeface="Courier New" panose="02070309020205020404" pitchFamily="49" charset="0"/>
+              </a:rPr>
+              <a:t>sp_configure</a:t>
+            </a:r>
+            <a:r>
+              <a:rPr lang="en-US" sz="2000" dirty="0">
+                <a:latin typeface="Courier New" panose="02070309020205020404" pitchFamily="49" charset="0"/>
+                <a:cs typeface="Courier New" panose="02070309020205020404" pitchFamily="49" charset="0"/>
+              </a:rPr>
+              <a:t> 'external scripts enabled', 1; </a:t>
+            </a:r>
+          </a:p>
+          <a:p>
+            <a:pPr marL="0" indent="0">
+              <a:spcBef>
+                <a:spcPts val="0"/>
+              </a:spcBef>
+              <a:buNone/>
+            </a:pPr>
+            <a:r>
+              <a:rPr lang="en-US" sz="2000" dirty="0" smtClean="0">
+                <a:latin typeface="Courier New" panose="02070309020205020404" pitchFamily="49" charset="0"/>
+                <a:cs typeface="Courier New" panose="02070309020205020404" pitchFamily="49" charset="0"/>
+              </a:rPr>
+              <a:t>RECONFIGURE;</a:t>
+            </a:r>
+          </a:p>
+          <a:p>
+            <a:pPr marL="0" indent="0">
+              <a:spcBef>
+                <a:spcPts val="0"/>
+              </a:spcBef>
+              <a:buNone/>
+            </a:pPr>
+            <a:endParaRPr lang="en-US" dirty="0" smtClean="0">
+              <a:latin typeface="Arial" pitchFamily="34" charset="0"/>
+              <a:cs typeface="Arial" pitchFamily="34" charset="0"/>
+            </a:endParaRPr>
+          </a:p>
+          <a:p>
+            <a:pPr marL="0" indent="0">
+              <a:spcBef>
+                <a:spcPts val="0"/>
+              </a:spcBef>
+              <a:buNone/>
+            </a:pPr>
+            <a:r>
+              <a:rPr lang="en-US" dirty="0" smtClean="0">
+                <a:latin typeface="Arial" pitchFamily="34" charset="0"/>
+                <a:cs typeface="Arial" pitchFamily="34" charset="0"/>
+              </a:rPr>
+              <a:t>2.  Configure memory appropriately</a:t>
+            </a:r>
+          </a:p>
+          <a:p>
+            <a:pPr marL="0" indent="0">
+              <a:spcBef>
+                <a:spcPts val="0"/>
+              </a:spcBef>
+              <a:buNone/>
+            </a:pPr>
+            <a:endParaRPr lang="en-US" dirty="0" smtClean="0">
+              <a:latin typeface="Arial" pitchFamily="34" charset="0"/>
+              <a:cs typeface="Arial" pitchFamily="34" charset="0"/>
+            </a:endParaRPr>
+          </a:p>
+          <a:p>
+            <a:pPr marL="0" indent="0">
+              <a:spcBef>
+                <a:spcPts val="0"/>
+              </a:spcBef>
+              <a:buNone/>
+            </a:pPr>
+            <a:r>
+              <a:rPr lang="en-US" dirty="0" smtClean="0">
+                <a:latin typeface="Arial" pitchFamily="34" charset="0"/>
+                <a:cs typeface="Arial" pitchFamily="34" charset="0"/>
+              </a:rPr>
+              <a:t>3.  Post-installation command script</a:t>
+            </a:r>
+          </a:p>
+          <a:p>
+            <a:pPr marL="0" indent="0">
+              <a:spcBef>
+                <a:spcPts val="0"/>
+              </a:spcBef>
+              <a:buNone/>
+            </a:pPr>
+            <a:endParaRPr lang="en-US" dirty="0">
+              <a:latin typeface="Arial" pitchFamily="34" charset="0"/>
+              <a:cs typeface="Arial" pitchFamily="34" charset="0"/>
+            </a:endParaRPr>
+          </a:p>
+          <a:p>
+            <a:pPr marL="0" indent="0">
+              <a:spcBef>
+                <a:spcPts val="0"/>
+              </a:spcBef>
+              <a:buNone/>
+            </a:pPr>
+            <a:r>
+              <a:rPr lang="en-US" dirty="0" smtClean="0">
+                <a:latin typeface="Arial" pitchFamily="34" charset="0"/>
+                <a:cs typeface="Arial" pitchFamily="34" charset="0"/>
+                <a:hlinkClick r:id="rId2"/>
+              </a:rPr>
+              <a:t>https</a:t>
+            </a:r>
+            <a:r>
+              <a:rPr lang="en-US" dirty="0">
+                <a:latin typeface="Arial" pitchFamily="34" charset="0"/>
+                <a:cs typeface="Arial" pitchFamily="34" charset="0"/>
+                <a:hlinkClick r:id="rId2"/>
+              </a:rPr>
+              <a:t>://</a:t>
+            </a:r>
+            <a:r>
+              <a:rPr lang="en-US" dirty="0" smtClean="0">
+                <a:latin typeface="Arial" pitchFamily="34" charset="0"/>
+                <a:cs typeface="Arial" pitchFamily="34" charset="0"/>
+                <a:hlinkClick r:id="rId2"/>
+              </a:rPr>
+              <a:t>msdn.microsoft.com/en-US/library/mt590536.aspx</a:t>
+            </a:r>
+            <a:endParaRPr lang="en-US" dirty="0">
+              <a:latin typeface="Arial" pitchFamily="34" charset="0"/>
+              <a:cs typeface="Arial" pitchFamily="34" charset="0"/>
+            </a:endParaRPr>
+          </a:p>
+          <a:p>
+            <a:pPr marL="0" indent="0">
+              <a:spcBef>
+                <a:spcPts val="0"/>
+              </a:spcBef>
+              <a:buNone/>
+            </a:pPr>
+            <a:endParaRPr lang="en-US" dirty="0" smtClean="0">
+              <a:latin typeface="Arial" pitchFamily="34" charset="0"/>
+              <a:cs typeface="Arial" pitchFamily="34" charset="0"/>
+            </a:endParaRPr>
+          </a:p>
         </p:txBody>
       </p:sp>
-      <p:pic>
-        <p:nvPicPr>
-          <p:cNvPr id="3" name="Picture 2"/>
-          <p:cNvPicPr>
-            <a:picLocks noChangeAspect="1"/>
-          </p:cNvPicPr>
-          <p:nvPr/>
-        </p:nvPicPr>
-        <p:blipFill>
-          <a:blip r:embed="rId2">
-            <a:extLst>
-              <a:ext uri="{28A0092B-C50C-407E-A947-70E740481C1C}">
-                <a14:useLocalDpi xmlns:a14="http://schemas.microsoft.com/office/drawing/2010/main" val="0"/>
-              </a:ext>
-            </a:extLst>
-          </a:blip>
-          <a:stretch>
-            <a:fillRect/>
-          </a:stretch>
-        </p:blipFill>
-        <p:spPr>
-          <a:xfrm>
-            <a:off x="248749" y="1345882"/>
-            <a:ext cx="5322057" cy="4171907"/>
-          </a:xfrm>
-          <a:prstGeom prst="rect">
-            <a:avLst/>
-          </a:prstGeom>
-        </p:spPr>
-      </p:pic>
     </p:spTree>
     <p:extLst>
       <p:ext uri="{BB962C8B-B14F-4D97-AF65-F5344CB8AC3E}">
-        <p14:creationId xmlns:p14="http://schemas.microsoft.com/office/powerpoint/2010/main" val="3434753538"/>
+        <p14:creationId xmlns:p14="http://schemas.microsoft.com/office/powerpoint/2010/main" val="2880793802"/>
       </p:ext>
     </p:extLst>
   </p:cSld>
@@ -7771,252 +7939,49 @@
               <a:t>Installing SQL Server R Services, part </a:t>
             </a:r>
             <a:r>
-              <a:rPr lang="en-US" dirty="0" smtClean="0">
+              <a:rPr lang="en-US" dirty="0">
                 <a:latin typeface="Arial" pitchFamily="34" charset="0"/>
                 <a:cs typeface="Arial" pitchFamily="34" charset="0"/>
               </a:rPr>
-              <a:t>8</a:t>
-            </a:r>
-            <a:endParaRPr lang="en-US" dirty="0">
-              <a:latin typeface="Arial" pitchFamily="34" charset="0"/>
-              <a:cs typeface="Arial" pitchFamily="34" charset="0"/>
-            </a:endParaRPr>
+              <a:t>9</a:t>
+            </a:r>
           </a:p>
         </p:txBody>
       </p:sp>
-      <p:sp>
-        <p:nvSpPr>
-          <p:cNvPr id="3" name="Content Placeholder 2"/>
-          <p:cNvSpPr>
-            <a:spLocks noGrp="1"/>
-          </p:cNvSpPr>
-          <p:nvPr>
-            <p:ph idx="1"/>
-          </p:nvPr>
-        </p:nvSpPr>
+      <p:pic>
+        <p:nvPicPr>
+          <p:cNvPr id="3" name="Picture 2"/>
+          <p:cNvPicPr>
+            <a:picLocks noChangeAspect="1"/>
+          </p:cNvPicPr>
+          <p:nvPr/>
+        </p:nvPicPr>
+        <p:blipFill>
+          <a:blip r:embed="rId2">
+            <a:extLst>
+              <a:ext uri="{28A0092B-C50C-407E-A947-70E740481C1C}">
+                <a14:useLocalDpi xmlns:a14="http://schemas.microsoft.com/office/drawing/2010/main" val="0"/>
+              </a:ext>
+            </a:extLst>
+          </a:blip>
+          <a:stretch>
+            <a:fillRect/>
+          </a:stretch>
+        </p:blipFill>
         <p:spPr>
           <a:xfrm>
-            <a:off x="390418" y="1356189"/>
-            <a:ext cx="8640870" cy="4397339"/>
+            <a:off x="316303" y="1383982"/>
+            <a:ext cx="4980805" cy="4032080"/>
           </a:xfrm>
+          <a:prstGeom prst="rect">
+            <a:avLst/>
+          </a:prstGeom>
         </p:spPr>
-        <p:txBody>
-          <a:bodyPr/>
-          <a:lstStyle/>
-          <a:p>
-            <a:pPr marL="0" indent="0">
-              <a:spcBef>
-                <a:spcPts val="0"/>
-              </a:spcBef>
-              <a:buNone/>
-            </a:pPr>
-            <a:r>
-              <a:rPr lang="en-US" dirty="0" smtClean="0">
-                <a:latin typeface="Arial" pitchFamily="34" charset="0"/>
-                <a:cs typeface="Arial" pitchFamily="34" charset="0"/>
-              </a:rPr>
-              <a:t>Post-installation scripts and configuration</a:t>
-            </a:r>
-          </a:p>
-          <a:p>
-            <a:pPr marL="0" indent="0">
-              <a:spcBef>
-                <a:spcPts val="0"/>
-              </a:spcBef>
-              <a:buNone/>
-            </a:pPr>
-            <a:endParaRPr lang="en-US" dirty="0" smtClean="0">
-              <a:latin typeface="Arial" pitchFamily="34" charset="0"/>
-              <a:cs typeface="Arial" pitchFamily="34" charset="0"/>
-            </a:endParaRPr>
-          </a:p>
-          <a:p>
-            <a:pPr marL="0" indent="0">
-              <a:spcBef>
-                <a:spcPts val="0"/>
-              </a:spcBef>
-              <a:buNone/>
-            </a:pPr>
-            <a:r>
-              <a:rPr lang="en-US" dirty="0" smtClean="0">
-                <a:latin typeface="Arial" pitchFamily="34" charset="0"/>
-                <a:cs typeface="Arial" pitchFamily="34" charset="0"/>
-              </a:rPr>
-              <a:t>1.  Enable external scripts</a:t>
-            </a:r>
-            <a:endParaRPr lang="en-US" dirty="0">
-              <a:latin typeface="Arial" pitchFamily="34" charset="0"/>
-              <a:cs typeface="Arial" pitchFamily="34" charset="0"/>
-            </a:endParaRPr>
-          </a:p>
-          <a:p>
-            <a:pPr marL="0" indent="0">
-              <a:spcBef>
-                <a:spcPts val="0"/>
-              </a:spcBef>
-              <a:buNone/>
-            </a:pPr>
-            <a:r>
-              <a:rPr lang="en-US" sz="2000" dirty="0" smtClean="0">
-                <a:latin typeface="Courier New" panose="02070309020205020404" pitchFamily="49" charset="0"/>
-                <a:cs typeface="Courier New" panose="02070309020205020404" pitchFamily="49" charset="0"/>
-              </a:rPr>
-              <a:t>EXEC </a:t>
-            </a:r>
-            <a:r>
-              <a:rPr lang="en-US" sz="2000" dirty="0" err="1">
-                <a:latin typeface="Courier New" panose="02070309020205020404" pitchFamily="49" charset="0"/>
-                <a:cs typeface="Courier New" panose="02070309020205020404" pitchFamily="49" charset="0"/>
-              </a:rPr>
-              <a:t>sp_configure</a:t>
-            </a:r>
-            <a:r>
-              <a:rPr lang="en-US" sz="2000" dirty="0">
-                <a:latin typeface="Courier New" panose="02070309020205020404" pitchFamily="49" charset="0"/>
-                <a:cs typeface="Courier New" panose="02070309020205020404" pitchFamily="49" charset="0"/>
-              </a:rPr>
-              <a:t> 'external scripts enabled', 1; </a:t>
-            </a:r>
-          </a:p>
-          <a:p>
-            <a:pPr marL="0" indent="0">
-              <a:spcBef>
-                <a:spcPts val="0"/>
-              </a:spcBef>
-              <a:buNone/>
-            </a:pPr>
-            <a:r>
-              <a:rPr lang="en-US" sz="2000" dirty="0" smtClean="0">
-                <a:latin typeface="Courier New" panose="02070309020205020404" pitchFamily="49" charset="0"/>
-                <a:cs typeface="Courier New" panose="02070309020205020404" pitchFamily="49" charset="0"/>
-              </a:rPr>
-              <a:t>RECONFIGURE;</a:t>
-            </a:r>
-            <a:endParaRPr lang="en-US" sz="2000" dirty="0" smtClean="0">
-              <a:latin typeface="Courier New" panose="02070309020205020404" pitchFamily="49" charset="0"/>
-              <a:cs typeface="Courier New" panose="02070309020205020404" pitchFamily="49" charset="0"/>
-            </a:endParaRPr>
-          </a:p>
-          <a:p>
-            <a:pPr marL="0" indent="0">
-              <a:spcBef>
-                <a:spcPts val="0"/>
-              </a:spcBef>
-              <a:buNone/>
-            </a:pPr>
-            <a:endParaRPr lang="en-US" dirty="0" smtClean="0">
-              <a:latin typeface="Arial" pitchFamily="34" charset="0"/>
-              <a:cs typeface="Arial" pitchFamily="34" charset="0"/>
-            </a:endParaRPr>
-          </a:p>
-          <a:p>
-            <a:pPr marL="0" indent="0">
-              <a:spcBef>
-                <a:spcPts val="0"/>
-              </a:spcBef>
-              <a:buNone/>
-            </a:pPr>
-            <a:r>
-              <a:rPr lang="en-US" dirty="0" smtClean="0">
-                <a:latin typeface="Arial" pitchFamily="34" charset="0"/>
-                <a:cs typeface="Arial" pitchFamily="34" charset="0"/>
-              </a:rPr>
-              <a:t>2.  Configure memory appropriately</a:t>
-            </a:r>
-          </a:p>
-          <a:p>
-            <a:pPr marL="0" indent="0">
-              <a:spcBef>
-                <a:spcPts val="0"/>
-              </a:spcBef>
-              <a:buNone/>
-            </a:pPr>
-            <a:endParaRPr lang="en-US" dirty="0" smtClean="0">
-              <a:latin typeface="Arial" pitchFamily="34" charset="0"/>
-              <a:cs typeface="Arial" pitchFamily="34" charset="0"/>
-            </a:endParaRPr>
-          </a:p>
-          <a:p>
-            <a:pPr marL="0" indent="0">
-              <a:spcBef>
-                <a:spcPts val="0"/>
-              </a:spcBef>
-              <a:buNone/>
-            </a:pPr>
-            <a:r>
-              <a:rPr lang="en-US" dirty="0" smtClean="0">
-                <a:latin typeface="Arial" pitchFamily="34" charset="0"/>
-                <a:cs typeface="Arial" pitchFamily="34" charset="0"/>
-              </a:rPr>
-              <a:t>3.  Post-installation command script</a:t>
-            </a:r>
-          </a:p>
-          <a:p>
-            <a:pPr marL="0" indent="0">
-              <a:spcBef>
-                <a:spcPts val="0"/>
-              </a:spcBef>
-              <a:buNone/>
-            </a:pPr>
-            <a:endParaRPr lang="en-US" dirty="0">
-              <a:latin typeface="Arial" pitchFamily="34" charset="0"/>
-              <a:cs typeface="Arial" pitchFamily="34" charset="0"/>
-            </a:endParaRPr>
-          </a:p>
-          <a:p>
-            <a:pPr marL="0" indent="0">
-              <a:spcBef>
-                <a:spcPts val="0"/>
-              </a:spcBef>
-              <a:buNone/>
-            </a:pPr>
-            <a:r>
-              <a:rPr lang="en-US" dirty="0" smtClean="0">
-                <a:latin typeface="Arial" pitchFamily="34" charset="0"/>
-                <a:cs typeface="Arial" pitchFamily="34" charset="0"/>
-                <a:hlinkClick r:id="rId2"/>
-              </a:rPr>
-              <a:t>https</a:t>
-            </a:r>
-            <a:r>
-              <a:rPr lang="en-US" dirty="0">
-                <a:latin typeface="Arial" pitchFamily="34" charset="0"/>
-                <a:cs typeface="Arial" pitchFamily="34" charset="0"/>
-                <a:hlinkClick r:id="rId2"/>
-              </a:rPr>
-              <a:t>://</a:t>
-            </a:r>
-            <a:r>
-              <a:rPr lang="en-US" dirty="0" smtClean="0">
-                <a:latin typeface="Arial" pitchFamily="34" charset="0"/>
-                <a:cs typeface="Arial" pitchFamily="34" charset="0"/>
-                <a:hlinkClick r:id="rId2"/>
-              </a:rPr>
-              <a:t>msdn.microsoft.com/en-US/library/mt590536.aspx</a:t>
-            </a:r>
-            <a:endParaRPr lang="en-US" dirty="0">
-              <a:latin typeface="Arial" pitchFamily="34" charset="0"/>
-              <a:cs typeface="Arial" pitchFamily="34" charset="0"/>
-            </a:endParaRPr>
-          </a:p>
-          <a:p>
-            <a:pPr marL="0" indent="0">
-              <a:spcBef>
-                <a:spcPts val="0"/>
-              </a:spcBef>
-              <a:buNone/>
-            </a:pPr>
-            <a:endParaRPr lang="en-US" dirty="0" smtClean="0">
-              <a:latin typeface="Arial" pitchFamily="34" charset="0"/>
-              <a:cs typeface="Arial" pitchFamily="34" charset="0"/>
-            </a:endParaRPr>
-          </a:p>
-        </p:txBody>
-      </p:sp>
+      </p:pic>
     </p:spTree>
     <p:extLst>
       <p:ext uri="{BB962C8B-B14F-4D97-AF65-F5344CB8AC3E}">
-        <p14:creationId xmlns:p14="http://schemas.microsoft.com/office/powerpoint/2010/main" val="2880793802"/>
+        <p14:creationId xmlns:p14="http://schemas.microsoft.com/office/powerpoint/2010/main" val="585259203"/>
       </p:ext>
     </p:extLst>
   </p:cSld>
@@ -8075,14 +8040,7 @@
                 <a:latin typeface="Arial" pitchFamily="34" charset="0"/>
                 <a:cs typeface="Arial" pitchFamily="34" charset="0"/>
               </a:rPr>
-              <a:t>Installing SQL Server R Services, part </a:t>
-            </a:r>
-            <a:r>
-              <a:rPr lang="en-US" dirty="0">
-                <a:latin typeface="Arial" pitchFamily="34" charset="0"/>
-                <a:cs typeface="Arial" pitchFamily="34" charset="0"/>
-              </a:rPr>
-              <a:t>9</a:t>
+              <a:t>Installing SQL Server R Services, part 10</a:t>
             </a:r>
             <a:endParaRPr lang="en-US" dirty="0">
               <a:latin typeface="Arial" pitchFamily="34" charset="0"/>
@@ -8093,7 +8051,7 @@
       </p:sp>
       <p:pic>
         <p:nvPicPr>
-          <p:cNvPr id="3" name="Picture 2"/>
+          <p:cNvPr id="4" name="Picture 3"/>
           <p:cNvPicPr>
             <a:picLocks noChangeAspect="1"/>
           </p:cNvPicPr>
@@ -8113,8 +8071,8 @@
         </p:blipFill>
         <p:spPr>
           <a:xfrm>
-            <a:off x="316303" y="1383982"/>
-            <a:ext cx="4980805" cy="4032080"/>
+            <a:off x="292710" y="1387499"/>
+            <a:ext cx="8062484" cy="4084833"/>
           </a:xfrm>
           <a:prstGeom prst="rect">
             <a:avLst/>
@@ -8124,7 +8082,7 @@
     </p:spTree>
     <p:extLst>
       <p:ext uri="{BB962C8B-B14F-4D97-AF65-F5344CB8AC3E}">
-        <p14:creationId xmlns:p14="http://schemas.microsoft.com/office/powerpoint/2010/main" val="585259203"/>
+        <p14:creationId xmlns:p14="http://schemas.microsoft.com/office/powerpoint/2010/main" val="2729895670"/>
       </p:ext>
     </p:extLst>
   </p:cSld>
@@ -8183,14 +8141,47 @@
                 <a:latin typeface="Arial" pitchFamily="34" charset="0"/>
                 <a:cs typeface="Arial" pitchFamily="34" charset="0"/>
               </a:rPr>
-              <a:t>Installing SQL Server R Services, part </a:t>
-            </a:r>
+              <a:t>Getting Data Into and Out Of R</a:t>
+            </a:r>
+            <a:endParaRPr lang="en-US" dirty="0">
+              <a:latin typeface="Arial" pitchFamily="34" charset="0"/>
+              <a:cs typeface="Arial" pitchFamily="34" charset="0"/>
+            </a:endParaRPr>
+          </a:p>
+        </p:txBody>
+      </p:sp>
+      <p:sp>
+        <p:nvSpPr>
+          <p:cNvPr id="3" name="Content Placeholder 2"/>
+          <p:cNvSpPr>
+            <a:spLocks noGrp="1"/>
+          </p:cNvSpPr>
+          <p:nvPr>
+            <p:ph idx="1"/>
+          </p:nvPr>
+        </p:nvSpPr>
+        <p:spPr>
+          <a:xfrm>
+            <a:off x="390418" y="1356189"/>
+            <a:ext cx="8640870" cy="4397339"/>
+          </a:xfrm>
+        </p:spPr>
+        <p:txBody>
+          <a:bodyPr/>
+          <a:lstStyle/>
+          <a:p>
+            <a:pPr marL="0" indent="0">
+              <a:spcBef>
+                <a:spcPts val="0"/>
+              </a:spcBef>
+              <a:buNone/>
+            </a:pPr>
             <a:r>
               <a:rPr lang="en-US" dirty="0" smtClean="0">
                 <a:latin typeface="Arial" pitchFamily="34" charset="0"/>
                 <a:cs typeface="Arial" pitchFamily="34" charset="0"/>
               </a:rPr>
-              <a:t>10</a:t>
+              <a:t>DEMO</a:t>
             </a:r>
             <a:endParaRPr lang="en-US" dirty="0">
               <a:latin typeface="Arial" pitchFamily="34" charset="0"/>
@@ -8199,40 +8190,10 @@
           </a:p>
         </p:txBody>
       </p:sp>
-      <p:pic>
-        <p:nvPicPr>
-          <p:cNvPr id="4" name="Picture 3"/>
-          <p:cNvPicPr>
-            <a:picLocks noChangeAspect="1"/>
-          </p:cNvPicPr>
-          <p:nvPr/>
-        </p:nvPicPr>
-        <p:blipFill>
-          <a:blip r:embed="rId2">
-            <a:extLst>
-              <a:ext uri="{28A0092B-C50C-407E-A947-70E740481C1C}">
-                <a14:useLocalDpi xmlns:a14="http://schemas.microsoft.com/office/drawing/2010/main" val="0"/>
-              </a:ext>
-            </a:extLst>
-          </a:blip>
-          <a:stretch>
-            <a:fillRect/>
-          </a:stretch>
-        </p:blipFill>
-        <p:spPr>
-          <a:xfrm>
-            <a:off x="292710" y="1387499"/>
-            <a:ext cx="8062484" cy="4084833"/>
-          </a:xfrm>
-          <a:prstGeom prst="rect">
-            <a:avLst/>
-          </a:prstGeom>
-        </p:spPr>
-      </p:pic>
     </p:spTree>
     <p:extLst>
       <p:ext uri="{BB962C8B-B14F-4D97-AF65-F5344CB8AC3E}">
-        <p14:creationId xmlns:p14="http://schemas.microsoft.com/office/powerpoint/2010/main" val="2729895670"/>
+        <p14:creationId xmlns:p14="http://schemas.microsoft.com/office/powerpoint/2010/main" val="1741452563"/>
       </p:ext>
     </p:extLst>
   </p:cSld>
@@ -8392,7 +8353,7 @@
                 <a:latin typeface="Arial" pitchFamily="34" charset="0"/>
                 <a:cs typeface="Arial" pitchFamily="34" charset="0"/>
               </a:rPr>
-              <a:t>Sanitize Your Database Input</a:t>
+              <a:t>Distribution of Charges</a:t>
             </a:r>
             <a:endParaRPr lang="en-US" dirty="0">
               <a:latin typeface="Arial" pitchFamily="34" charset="0"/>
@@ -8432,115 +8393,7 @@
                 <a:latin typeface="Arial" pitchFamily="34" charset="0"/>
                 <a:cs typeface="Arial" pitchFamily="34" charset="0"/>
               </a:rPr>
-              <a:t>Handle special characters used in SQL Injection attacks</a:t>
-            </a:r>
-          </a:p>
-          <a:p>
-            <a:pPr marL="0" indent="0">
-              <a:spcBef>
-                <a:spcPts val="0"/>
-              </a:spcBef>
-              <a:buNone/>
-            </a:pPr>
-            <a:endParaRPr lang="en-US" dirty="0" smtClean="0">
-              <a:latin typeface="Arial" pitchFamily="34" charset="0"/>
-              <a:cs typeface="Arial" pitchFamily="34" charset="0"/>
-            </a:endParaRPr>
-          </a:p>
-          <a:p>
-            <a:pPr marL="0" indent="0">
-              <a:spcBef>
-                <a:spcPts val="0"/>
-              </a:spcBef>
-              <a:buNone/>
-            </a:pPr>
-            <a:r>
-              <a:rPr lang="en-US" dirty="0" smtClean="0">
-                <a:latin typeface="Arial" pitchFamily="34" charset="0"/>
-                <a:cs typeface="Arial" pitchFamily="34" charset="0"/>
-              </a:rPr>
-              <a:t>	‘;	‘);	used to terminate WHERE clause</a:t>
-            </a:r>
-          </a:p>
-          <a:p>
-            <a:pPr marL="0" indent="0">
-              <a:spcBef>
-                <a:spcPts val="0"/>
-              </a:spcBef>
-              <a:buNone/>
-            </a:pPr>
-            <a:endParaRPr lang="en-US" dirty="0" smtClean="0">
-              <a:latin typeface="Arial" pitchFamily="34" charset="0"/>
-              <a:cs typeface="Arial" pitchFamily="34" charset="0"/>
-            </a:endParaRPr>
-          </a:p>
-          <a:p>
-            <a:pPr marL="0" indent="0">
-              <a:spcBef>
-                <a:spcPts val="0"/>
-              </a:spcBef>
-              <a:buNone/>
-            </a:pPr>
-            <a:r>
-              <a:rPr lang="en-US" dirty="0" smtClean="0">
-                <a:latin typeface="Arial" pitchFamily="34" charset="0"/>
-                <a:cs typeface="Arial" pitchFamily="34" charset="0"/>
-              </a:rPr>
-              <a:t>	--	#	used to comment out rest of query statement</a:t>
-            </a:r>
-          </a:p>
-          <a:p>
-            <a:pPr marL="0" indent="0">
-              <a:spcBef>
-                <a:spcPts val="0"/>
-              </a:spcBef>
-              <a:buNone/>
-            </a:pPr>
-            <a:endParaRPr lang="en-US" dirty="0">
-              <a:latin typeface="Arial" pitchFamily="34" charset="0"/>
-              <a:cs typeface="Arial" pitchFamily="34" charset="0"/>
-            </a:endParaRPr>
-          </a:p>
-          <a:p>
-            <a:pPr marL="0" indent="0">
-              <a:spcBef>
-                <a:spcPts val="0"/>
-              </a:spcBef>
-              <a:buNone/>
-            </a:pPr>
-            <a:r>
-              <a:rPr lang="en-US" dirty="0" smtClean="0">
-                <a:latin typeface="Arial" pitchFamily="34" charset="0"/>
-                <a:cs typeface="Arial" pitchFamily="34" charset="0"/>
-              </a:rPr>
-              <a:t>Handle keywords passed as input</a:t>
-            </a:r>
-          </a:p>
-          <a:p>
-            <a:pPr marL="0" indent="0">
-              <a:spcBef>
-                <a:spcPts val="0"/>
-              </a:spcBef>
-              <a:buNone/>
-            </a:pPr>
-            <a:endParaRPr lang="en-US" dirty="0">
-              <a:latin typeface="Arial" pitchFamily="34" charset="0"/>
-              <a:cs typeface="Arial" pitchFamily="34" charset="0"/>
-            </a:endParaRPr>
-          </a:p>
-          <a:p>
-            <a:pPr marL="0" indent="0">
-              <a:spcBef>
-                <a:spcPts val="0"/>
-              </a:spcBef>
-              <a:buNone/>
-            </a:pPr>
-            <a:r>
-              <a:rPr lang="en-US" dirty="0" smtClean="0">
-                <a:latin typeface="Arial" pitchFamily="34" charset="0"/>
-                <a:cs typeface="Arial" pitchFamily="34" charset="0"/>
-              </a:rPr>
-              <a:t>	DROP, CREATE, GRANT, etc.</a:t>
+              <a:t>DEMO</a:t>
             </a:r>
             <a:endParaRPr lang="en-US" dirty="0">
               <a:latin typeface="Arial" pitchFamily="34" charset="0"/>
@@ -8552,7 +8405,7 @@
     </p:spTree>
     <p:extLst>
       <p:ext uri="{BB962C8B-B14F-4D97-AF65-F5344CB8AC3E}">
-        <p14:creationId xmlns:p14="http://schemas.microsoft.com/office/powerpoint/2010/main" val="1741452563"/>
+        <p14:creationId xmlns:p14="http://schemas.microsoft.com/office/powerpoint/2010/main" val="1986777882"/>
       </p:ext>
     </p:extLst>
   </p:cSld>
@@ -8607,11 +8460,11 @@
           <a:lstStyle/>
           <a:p>
             <a:r>
-              <a:rPr lang="en-US" dirty="0" smtClean="0">
+              <a:rPr lang="en-US" smtClean="0">
                 <a:latin typeface="Arial" pitchFamily="34" charset="0"/>
                 <a:cs typeface="Arial" pitchFamily="34" charset="0"/>
               </a:rPr>
-              <a:t>Use Appropriate Lengths for Input</a:t>
+              <a:t>Overbooking</a:t>
             </a:r>
             <a:endParaRPr lang="en-US" dirty="0">
               <a:latin typeface="Arial" pitchFamily="34" charset="0"/>
@@ -8651,95 +8504,7 @@
                 <a:latin typeface="Arial" pitchFamily="34" charset="0"/>
                 <a:cs typeface="Arial" pitchFamily="34" charset="0"/>
               </a:rPr>
-              <a:t>Don’t allow more characters for the input than necessary</a:t>
-            </a:r>
-          </a:p>
-          <a:p>
-            <a:pPr marL="0" indent="0">
-              <a:spcBef>
-                <a:spcPts val="0"/>
-              </a:spcBef>
-              <a:buNone/>
-            </a:pPr>
-            <a:endParaRPr lang="en-US" dirty="0">
-              <a:latin typeface="Arial" pitchFamily="34" charset="0"/>
-              <a:cs typeface="Arial" pitchFamily="34" charset="0"/>
-            </a:endParaRPr>
-          </a:p>
-          <a:p>
-            <a:pPr marL="0" indent="0">
-              <a:spcBef>
-                <a:spcPts val="0"/>
-              </a:spcBef>
-              <a:buNone/>
-            </a:pPr>
-            <a:r>
-              <a:rPr lang="en-US" dirty="0" smtClean="0">
-                <a:latin typeface="Arial" pitchFamily="34" charset="0"/>
-                <a:cs typeface="Arial" pitchFamily="34" charset="0"/>
-              </a:rPr>
-              <a:t>	Use database field length as a guide</a:t>
-            </a:r>
-          </a:p>
-          <a:p>
-            <a:pPr marL="0" indent="0">
-              <a:spcBef>
-                <a:spcPts val="0"/>
-              </a:spcBef>
-              <a:buNone/>
-            </a:pPr>
-            <a:endParaRPr lang="en-US" dirty="0">
-              <a:latin typeface="Arial" pitchFamily="34" charset="0"/>
-              <a:cs typeface="Arial" pitchFamily="34" charset="0"/>
-            </a:endParaRPr>
-          </a:p>
-          <a:p>
-            <a:pPr marL="0" indent="0">
-              <a:spcBef>
-                <a:spcPts val="0"/>
-              </a:spcBef>
-              <a:buNone/>
-            </a:pPr>
-            <a:r>
-              <a:rPr lang="en-US" dirty="0" smtClean="0">
-                <a:latin typeface="Arial" pitchFamily="34" charset="0"/>
-                <a:cs typeface="Arial" pitchFamily="34" charset="0"/>
-              </a:rPr>
-              <a:t>The same rules apply for data types</a:t>
-            </a:r>
-          </a:p>
-          <a:p>
-            <a:pPr marL="0" indent="0">
-              <a:spcBef>
-                <a:spcPts val="0"/>
-              </a:spcBef>
-              <a:buNone/>
-            </a:pPr>
-            <a:endParaRPr lang="en-US" dirty="0" smtClean="0">
-              <a:latin typeface="Arial" pitchFamily="34" charset="0"/>
-              <a:cs typeface="Arial" pitchFamily="34" charset="0"/>
-            </a:endParaRPr>
-          </a:p>
-          <a:p>
-            <a:pPr marL="0" indent="0">
-              <a:spcBef>
-                <a:spcPts val="0"/>
-              </a:spcBef>
-              <a:buNone/>
-            </a:pPr>
-            <a:r>
-              <a:rPr lang="en-US" dirty="0">
-                <a:latin typeface="Arial" pitchFamily="34" charset="0"/>
-                <a:cs typeface="Arial" pitchFamily="34" charset="0"/>
-              </a:rPr>
-              <a:t>	</a:t>
-            </a:r>
-            <a:r>
-              <a:rPr lang="en-US" dirty="0" smtClean="0">
-                <a:latin typeface="Arial" pitchFamily="34" charset="0"/>
-                <a:cs typeface="Arial" pitchFamily="34" charset="0"/>
-              </a:rPr>
-              <a:t>i.e. don’t allow text input for a numeric field</a:t>
+              <a:t>DEMO</a:t>
             </a:r>
             <a:endParaRPr lang="en-US" dirty="0">
               <a:latin typeface="Arial" pitchFamily="34" charset="0"/>
@@ -8751,7 +8516,7 @@
     </p:spTree>
     <p:extLst>
       <p:ext uri="{BB962C8B-B14F-4D97-AF65-F5344CB8AC3E}">
-        <p14:creationId xmlns:p14="http://schemas.microsoft.com/office/powerpoint/2010/main" val="1986777882"/>
+        <p14:creationId xmlns:p14="http://schemas.microsoft.com/office/powerpoint/2010/main" val="315174550"/>
       </p:ext>
     </p:extLst>
   </p:cSld>
@@ -8993,3946 +8758,6 @@
 </p:sld>
 </file>
 
-<file path=ppt/slides/slide20.xml><?xml version="1.0" encoding="utf-8"?>
-<p:sld xmlns:a="http://schemas.openxmlformats.org/drawingml/2006/main" xmlns:r="http://schemas.openxmlformats.org/officeDocument/2006/relationships" xmlns:p="http://schemas.openxmlformats.org/presentationml/2006/main">
-  <p:cSld>
-    <p:spTree>
-      <p:nvGrpSpPr>
-        <p:cNvPr id="1" name=""/>
-        <p:cNvGrpSpPr/>
-        <p:nvPr/>
-      </p:nvGrpSpPr>
-      <p:grpSpPr>
-        <a:xfrm>
-          <a:off x="0" y="0"/>
-          <a:ext cx="0" cy="0"/>
-          <a:chOff x="0" y="0"/>
-          <a:chExt cx="0" cy="0"/>
-        </a:xfrm>
-      </p:grpSpPr>
-      <p:sp>
-        <p:nvSpPr>
-          <p:cNvPr id="2" name="Title 1"/>
-          <p:cNvSpPr>
-            <a:spLocks noGrp="1"/>
-          </p:cNvSpPr>
-          <p:nvPr>
-            <p:ph type="title"/>
-          </p:nvPr>
-        </p:nvSpPr>
-        <p:spPr>
-          <a:xfrm>
-            <a:off x="513708" y="58738"/>
-            <a:ext cx="8517580" cy="1138237"/>
-          </a:xfrm>
-        </p:spPr>
-        <p:txBody>
-          <a:bodyPr/>
-          <a:lstStyle/>
-          <a:p>
-            <a:r>
-              <a:rPr lang="en-US" dirty="0">
-                <a:latin typeface="Arial" pitchFamily="34" charset="0"/>
-                <a:cs typeface="Arial" pitchFamily="34" charset="0"/>
-              </a:rPr>
-              <a:t>Use Stored Procedures in Data </a:t>
-            </a:r>
-            <a:r>
-              <a:rPr lang="en-US" dirty="0" smtClean="0">
-                <a:latin typeface="Arial" pitchFamily="34" charset="0"/>
-                <a:cs typeface="Arial" pitchFamily="34" charset="0"/>
-              </a:rPr>
-              <a:t>Layer, part 1</a:t>
-            </a:r>
-            <a:endParaRPr lang="en-US" dirty="0">
-              <a:latin typeface="Arial" pitchFamily="34" charset="0"/>
-              <a:cs typeface="Arial" pitchFamily="34" charset="0"/>
-            </a:endParaRPr>
-          </a:p>
-        </p:txBody>
-      </p:sp>
-      <p:sp>
-        <p:nvSpPr>
-          <p:cNvPr id="3" name="Content Placeholder 2"/>
-          <p:cNvSpPr>
-            <a:spLocks noGrp="1"/>
-          </p:cNvSpPr>
-          <p:nvPr>
-            <p:ph idx="1"/>
-          </p:nvPr>
-        </p:nvSpPr>
-        <p:spPr>
-          <a:xfrm>
-            <a:off x="390418" y="1356189"/>
-            <a:ext cx="8640870" cy="4397339"/>
-          </a:xfrm>
-        </p:spPr>
-        <p:txBody>
-          <a:bodyPr/>
-          <a:lstStyle/>
-          <a:p>
-            <a:pPr marL="0" indent="0">
-              <a:spcBef>
-                <a:spcPts val="0"/>
-              </a:spcBef>
-              <a:buNone/>
-            </a:pPr>
-            <a:r>
-              <a:rPr lang="en-US" sz="1400" dirty="0">
-                <a:latin typeface="Courier New" pitchFamily="49" charset="0"/>
-                <a:cs typeface="Courier New" pitchFamily="49" charset="0"/>
-              </a:rPr>
-              <a:t>CREATE PROCEDURE </a:t>
-            </a:r>
-            <a:r>
-              <a:rPr lang="en-US" sz="1400" dirty="0" err="1">
-                <a:latin typeface="Courier New" pitchFamily="49" charset="0"/>
-                <a:cs typeface="Courier New" pitchFamily="49" charset="0"/>
-              </a:rPr>
-              <a:t>dbo.uspSelectGradesByStudent</a:t>
-            </a:r>
-            <a:endParaRPr lang="en-US" sz="1400" dirty="0">
-              <a:latin typeface="Courier New" pitchFamily="49" charset="0"/>
-              <a:cs typeface="Courier New" pitchFamily="49" charset="0"/>
-            </a:endParaRPr>
-          </a:p>
-          <a:p>
-            <a:pPr marL="0" indent="0">
-              <a:spcBef>
-                <a:spcPts val="0"/>
-              </a:spcBef>
-              <a:buNone/>
-            </a:pPr>
-            <a:r>
-              <a:rPr lang="en-US" sz="1400" dirty="0">
-                <a:latin typeface="Courier New" pitchFamily="49" charset="0"/>
-                <a:cs typeface="Courier New" pitchFamily="49" charset="0"/>
-              </a:rPr>
-              <a:t>(</a:t>
-            </a:r>
-          </a:p>
-          <a:p>
-            <a:pPr marL="0" indent="0">
-              <a:spcBef>
-                <a:spcPts val="0"/>
-              </a:spcBef>
-              <a:buNone/>
-            </a:pPr>
-            <a:r>
-              <a:rPr lang="en-US" sz="1400" dirty="0">
-                <a:latin typeface="Courier New" pitchFamily="49" charset="0"/>
-                <a:cs typeface="Courier New" pitchFamily="49" charset="0"/>
-              </a:rPr>
-              <a:t>	@</a:t>
-            </a:r>
-            <a:r>
-              <a:rPr lang="en-US" sz="1400" dirty="0" err="1">
-                <a:latin typeface="Courier New" pitchFamily="49" charset="0"/>
-                <a:cs typeface="Courier New" pitchFamily="49" charset="0"/>
-              </a:rPr>
-              <a:t>FirstName</a:t>
-            </a:r>
-            <a:r>
-              <a:rPr lang="en-US" sz="1400" dirty="0">
-                <a:latin typeface="Courier New" pitchFamily="49" charset="0"/>
-                <a:cs typeface="Courier New" pitchFamily="49" charset="0"/>
-              </a:rPr>
-              <a:t>		VARCHAR(25),</a:t>
-            </a:r>
-          </a:p>
-          <a:p>
-            <a:pPr marL="0" indent="0">
-              <a:spcBef>
-                <a:spcPts val="0"/>
-              </a:spcBef>
-              <a:buNone/>
-            </a:pPr>
-            <a:r>
-              <a:rPr lang="en-US" sz="1400" dirty="0">
-                <a:latin typeface="Courier New" pitchFamily="49" charset="0"/>
-                <a:cs typeface="Courier New" pitchFamily="49" charset="0"/>
-              </a:rPr>
-              <a:t>	@</a:t>
-            </a:r>
-            <a:r>
-              <a:rPr lang="en-US" sz="1400" dirty="0" err="1">
-                <a:latin typeface="Courier New" pitchFamily="49" charset="0"/>
-                <a:cs typeface="Courier New" pitchFamily="49" charset="0"/>
-              </a:rPr>
-              <a:t>LastName</a:t>
-            </a:r>
-            <a:r>
-              <a:rPr lang="en-US" sz="1400" dirty="0">
-                <a:latin typeface="Courier New" pitchFamily="49" charset="0"/>
-                <a:cs typeface="Courier New" pitchFamily="49" charset="0"/>
-              </a:rPr>
-              <a:t>		VARCHAR(25)</a:t>
-            </a:r>
-          </a:p>
-          <a:p>
-            <a:pPr marL="0" indent="0">
-              <a:spcBef>
-                <a:spcPts val="0"/>
-              </a:spcBef>
-              <a:buNone/>
-            </a:pPr>
-            <a:r>
-              <a:rPr lang="en-US" sz="1400" dirty="0">
-                <a:latin typeface="Courier New" pitchFamily="49" charset="0"/>
-                <a:cs typeface="Courier New" pitchFamily="49" charset="0"/>
-              </a:rPr>
-              <a:t>)</a:t>
-            </a:r>
-          </a:p>
-          <a:p>
-            <a:pPr marL="0" indent="0">
-              <a:spcBef>
-                <a:spcPts val="0"/>
-              </a:spcBef>
-              <a:buNone/>
-            </a:pPr>
-            <a:r>
-              <a:rPr lang="en-US" sz="1400" dirty="0">
-                <a:latin typeface="Courier New" pitchFamily="49" charset="0"/>
-                <a:cs typeface="Courier New" pitchFamily="49" charset="0"/>
-              </a:rPr>
-              <a:t>AS</a:t>
-            </a:r>
-          </a:p>
-          <a:p>
-            <a:pPr marL="0" indent="0">
-              <a:spcBef>
-                <a:spcPts val="0"/>
-              </a:spcBef>
-              <a:buNone/>
-            </a:pPr>
-            <a:r>
-              <a:rPr lang="en-US" sz="1400" dirty="0">
-                <a:latin typeface="Courier New" pitchFamily="49" charset="0"/>
-                <a:cs typeface="Courier New" pitchFamily="49" charset="0"/>
-              </a:rPr>
-              <a:t>BEGIN</a:t>
-            </a:r>
-          </a:p>
-          <a:p>
-            <a:pPr marL="0" indent="0">
-              <a:spcBef>
-                <a:spcPts val="0"/>
-              </a:spcBef>
-              <a:buNone/>
-            </a:pPr>
-            <a:endParaRPr lang="en-US" sz="1400" dirty="0">
-              <a:latin typeface="Courier New" pitchFamily="49" charset="0"/>
-              <a:cs typeface="Courier New" pitchFamily="49" charset="0"/>
-            </a:endParaRPr>
-          </a:p>
-          <a:p>
-            <a:pPr marL="0" indent="0">
-              <a:spcBef>
-                <a:spcPts val="0"/>
-              </a:spcBef>
-              <a:buNone/>
-            </a:pPr>
-            <a:r>
-              <a:rPr lang="en-US" sz="1400" dirty="0">
-                <a:latin typeface="Courier New" pitchFamily="49" charset="0"/>
-                <a:cs typeface="Courier New" pitchFamily="49" charset="0"/>
-              </a:rPr>
-              <a:t>	SELECT</a:t>
-            </a:r>
-          </a:p>
-          <a:p>
-            <a:pPr marL="0" indent="0">
-              <a:spcBef>
-                <a:spcPts val="0"/>
-              </a:spcBef>
-              <a:buNone/>
-            </a:pPr>
-            <a:r>
-              <a:rPr lang="en-US" sz="1400" dirty="0">
-                <a:latin typeface="Courier New" pitchFamily="49" charset="0"/>
-                <a:cs typeface="Courier New" pitchFamily="49" charset="0"/>
-              </a:rPr>
-              <a:t>		</a:t>
-            </a:r>
-            <a:r>
-              <a:rPr lang="en-US" sz="1400" dirty="0" err="1">
-                <a:latin typeface="Courier New" pitchFamily="49" charset="0"/>
-                <a:cs typeface="Courier New" pitchFamily="49" charset="0"/>
-              </a:rPr>
-              <a:t>FirstName</a:t>
-            </a:r>
-            <a:r>
-              <a:rPr lang="en-US" sz="1400" dirty="0">
-                <a:latin typeface="Courier New" pitchFamily="49" charset="0"/>
-                <a:cs typeface="Courier New" pitchFamily="49" charset="0"/>
-              </a:rPr>
-              <a:t>,</a:t>
-            </a:r>
-          </a:p>
-          <a:p>
-            <a:pPr marL="0" indent="0">
-              <a:spcBef>
-                <a:spcPts val="0"/>
-              </a:spcBef>
-              <a:buNone/>
-            </a:pPr>
-            <a:r>
-              <a:rPr lang="en-US" sz="1400" dirty="0">
-                <a:latin typeface="Courier New" pitchFamily="49" charset="0"/>
-                <a:cs typeface="Courier New" pitchFamily="49" charset="0"/>
-              </a:rPr>
-              <a:t>		</a:t>
-            </a:r>
-            <a:r>
-              <a:rPr lang="en-US" sz="1400" dirty="0" err="1">
-                <a:latin typeface="Courier New" pitchFamily="49" charset="0"/>
-                <a:cs typeface="Courier New" pitchFamily="49" charset="0"/>
-              </a:rPr>
-              <a:t>LastName</a:t>
-            </a:r>
-            <a:r>
-              <a:rPr lang="en-US" sz="1400" dirty="0">
-                <a:latin typeface="Courier New" pitchFamily="49" charset="0"/>
-                <a:cs typeface="Courier New" pitchFamily="49" charset="0"/>
-              </a:rPr>
-              <a:t>,</a:t>
-            </a:r>
-          </a:p>
-          <a:p>
-            <a:pPr marL="0" indent="0">
-              <a:spcBef>
-                <a:spcPts val="0"/>
-              </a:spcBef>
-              <a:buNone/>
-            </a:pPr>
-            <a:r>
-              <a:rPr lang="en-US" sz="1400" dirty="0">
-                <a:latin typeface="Courier New" pitchFamily="49" charset="0"/>
-                <a:cs typeface="Courier New" pitchFamily="49" charset="0"/>
-              </a:rPr>
-              <a:t>		GPA</a:t>
-            </a:r>
-          </a:p>
-          <a:p>
-            <a:pPr marL="0" indent="0">
-              <a:spcBef>
-                <a:spcPts val="0"/>
-              </a:spcBef>
-              <a:buNone/>
-            </a:pPr>
-            <a:r>
-              <a:rPr lang="en-US" sz="1400" dirty="0">
-                <a:latin typeface="Courier New" pitchFamily="49" charset="0"/>
-                <a:cs typeface="Courier New" pitchFamily="49" charset="0"/>
-              </a:rPr>
-              <a:t>	FROM</a:t>
-            </a:r>
-          </a:p>
-          <a:p>
-            <a:pPr marL="0" indent="0">
-              <a:spcBef>
-                <a:spcPts val="0"/>
-              </a:spcBef>
-              <a:buNone/>
-            </a:pPr>
-            <a:r>
-              <a:rPr lang="en-US" sz="1400" dirty="0">
-                <a:latin typeface="Courier New" pitchFamily="49" charset="0"/>
-                <a:cs typeface="Courier New" pitchFamily="49" charset="0"/>
-              </a:rPr>
-              <a:t>		</a:t>
-            </a:r>
-            <a:r>
-              <a:rPr lang="en-US" sz="1400" dirty="0" err="1">
-                <a:latin typeface="Courier New" pitchFamily="49" charset="0"/>
-                <a:cs typeface="Courier New" pitchFamily="49" charset="0"/>
-              </a:rPr>
-              <a:t>dbo.Students</a:t>
-            </a:r>
-            <a:endParaRPr lang="en-US" sz="1400" dirty="0">
-              <a:latin typeface="Courier New" pitchFamily="49" charset="0"/>
-              <a:cs typeface="Courier New" pitchFamily="49" charset="0"/>
-            </a:endParaRPr>
-          </a:p>
-          <a:p>
-            <a:pPr marL="0" indent="0">
-              <a:spcBef>
-                <a:spcPts val="0"/>
-              </a:spcBef>
-              <a:buNone/>
-            </a:pPr>
-            <a:r>
-              <a:rPr lang="en-US" sz="1400" dirty="0">
-                <a:latin typeface="Courier New" pitchFamily="49" charset="0"/>
-                <a:cs typeface="Courier New" pitchFamily="49" charset="0"/>
-              </a:rPr>
-              <a:t>	WHERE</a:t>
-            </a:r>
-          </a:p>
-          <a:p>
-            <a:pPr marL="0" indent="0">
-              <a:spcBef>
-                <a:spcPts val="0"/>
-              </a:spcBef>
-              <a:buNone/>
-            </a:pPr>
-            <a:r>
-              <a:rPr lang="en-US" sz="1400" dirty="0">
-                <a:latin typeface="Courier New" pitchFamily="49" charset="0"/>
-                <a:cs typeface="Courier New" pitchFamily="49" charset="0"/>
-              </a:rPr>
-              <a:t>		</a:t>
-            </a:r>
-            <a:r>
-              <a:rPr lang="en-US" sz="1400" dirty="0" err="1">
-                <a:latin typeface="Courier New" pitchFamily="49" charset="0"/>
-                <a:cs typeface="Courier New" pitchFamily="49" charset="0"/>
-              </a:rPr>
-              <a:t>FirstName</a:t>
-            </a:r>
-            <a:r>
-              <a:rPr lang="en-US" sz="1400" dirty="0">
-                <a:latin typeface="Courier New" pitchFamily="49" charset="0"/>
-                <a:cs typeface="Courier New" pitchFamily="49" charset="0"/>
-              </a:rPr>
-              <a:t> = @</a:t>
-            </a:r>
-            <a:r>
-              <a:rPr lang="en-US" sz="1400" dirty="0" err="1">
-                <a:latin typeface="Courier New" pitchFamily="49" charset="0"/>
-                <a:cs typeface="Courier New" pitchFamily="49" charset="0"/>
-              </a:rPr>
-              <a:t>FirstName</a:t>
-            </a:r>
-            <a:endParaRPr lang="en-US" sz="1400" dirty="0">
-              <a:latin typeface="Courier New" pitchFamily="49" charset="0"/>
-              <a:cs typeface="Courier New" pitchFamily="49" charset="0"/>
-            </a:endParaRPr>
-          </a:p>
-          <a:p>
-            <a:pPr marL="0" indent="0">
-              <a:spcBef>
-                <a:spcPts val="0"/>
-              </a:spcBef>
-              <a:buNone/>
-            </a:pPr>
-            <a:r>
-              <a:rPr lang="en-US" sz="1400" dirty="0">
-                <a:latin typeface="Courier New" pitchFamily="49" charset="0"/>
-                <a:cs typeface="Courier New" pitchFamily="49" charset="0"/>
-              </a:rPr>
-              <a:t>		AND</a:t>
-            </a:r>
-          </a:p>
-          <a:p>
-            <a:pPr marL="0" indent="0">
-              <a:spcBef>
-                <a:spcPts val="0"/>
-              </a:spcBef>
-              <a:buNone/>
-            </a:pPr>
-            <a:r>
-              <a:rPr lang="en-US" sz="1400" dirty="0">
-                <a:latin typeface="Courier New" pitchFamily="49" charset="0"/>
-                <a:cs typeface="Courier New" pitchFamily="49" charset="0"/>
-              </a:rPr>
-              <a:t>		</a:t>
-            </a:r>
-            <a:r>
-              <a:rPr lang="en-US" sz="1400" dirty="0" err="1">
-                <a:latin typeface="Courier New" pitchFamily="49" charset="0"/>
-                <a:cs typeface="Courier New" pitchFamily="49" charset="0"/>
-              </a:rPr>
-              <a:t>LastName</a:t>
-            </a:r>
-            <a:r>
-              <a:rPr lang="en-US" sz="1400" dirty="0">
-                <a:latin typeface="Courier New" pitchFamily="49" charset="0"/>
-                <a:cs typeface="Courier New" pitchFamily="49" charset="0"/>
-              </a:rPr>
-              <a:t> = @</a:t>
-            </a:r>
-            <a:r>
-              <a:rPr lang="en-US" sz="1400" dirty="0" err="1">
-                <a:latin typeface="Courier New" pitchFamily="49" charset="0"/>
-                <a:cs typeface="Courier New" pitchFamily="49" charset="0"/>
-              </a:rPr>
-              <a:t>LastName</a:t>
-            </a:r>
-            <a:r>
-              <a:rPr lang="en-US" sz="1400" dirty="0">
-                <a:latin typeface="Courier New" pitchFamily="49" charset="0"/>
-                <a:cs typeface="Courier New" pitchFamily="49" charset="0"/>
-              </a:rPr>
-              <a:t>;</a:t>
-            </a:r>
-          </a:p>
-          <a:p>
-            <a:pPr marL="0" indent="0">
-              <a:spcBef>
-                <a:spcPts val="0"/>
-              </a:spcBef>
-              <a:buNone/>
-            </a:pPr>
-            <a:endParaRPr lang="en-US" sz="1400" dirty="0">
-              <a:latin typeface="Courier New" pitchFamily="49" charset="0"/>
-              <a:cs typeface="Courier New" pitchFamily="49" charset="0"/>
-            </a:endParaRPr>
-          </a:p>
-          <a:p>
-            <a:pPr marL="0" indent="0">
-              <a:spcBef>
-                <a:spcPts val="0"/>
-              </a:spcBef>
-              <a:buNone/>
-            </a:pPr>
-            <a:r>
-              <a:rPr lang="en-US" sz="1400" dirty="0">
-                <a:latin typeface="Courier New" pitchFamily="49" charset="0"/>
-                <a:cs typeface="Courier New" pitchFamily="49" charset="0"/>
-              </a:rPr>
-              <a:t>END;</a:t>
-            </a:r>
-          </a:p>
-        </p:txBody>
-      </p:sp>
-    </p:spTree>
-    <p:extLst>
-      <p:ext uri="{BB962C8B-B14F-4D97-AF65-F5344CB8AC3E}">
-        <p14:creationId xmlns:p14="http://schemas.microsoft.com/office/powerpoint/2010/main" val="3457212852"/>
-      </p:ext>
-    </p:extLst>
-  </p:cSld>
-  <p:clrMapOvr>
-    <a:masterClrMapping/>
-  </p:clrMapOvr>
-  <p:timing>
-    <p:tnLst>
-      <p:par>
-        <p:cTn id="1" dur="indefinite" restart="never" nodeType="tmRoot"/>
-      </p:par>
-    </p:tnLst>
-  </p:timing>
-</p:sld>
-</file>
-
-<file path=ppt/slides/slide21.xml><?xml version="1.0" encoding="utf-8"?>
-<p:sld xmlns:a="http://schemas.openxmlformats.org/drawingml/2006/main" xmlns:r="http://schemas.openxmlformats.org/officeDocument/2006/relationships" xmlns:p="http://schemas.openxmlformats.org/presentationml/2006/main">
-  <p:cSld>
-    <p:spTree>
-      <p:nvGrpSpPr>
-        <p:cNvPr id="1" name=""/>
-        <p:cNvGrpSpPr/>
-        <p:nvPr/>
-      </p:nvGrpSpPr>
-      <p:grpSpPr>
-        <a:xfrm>
-          <a:off x="0" y="0"/>
-          <a:ext cx="0" cy="0"/>
-          <a:chOff x="0" y="0"/>
-          <a:chExt cx="0" cy="0"/>
-        </a:xfrm>
-      </p:grpSpPr>
-      <p:sp>
-        <p:nvSpPr>
-          <p:cNvPr id="2" name="Title 1"/>
-          <p:cNvSpPr>
-            <a:spLocks noGrp="1"/>
-          </p:cNvSpPr>
-          <p:nvPr>
-            <p:ph type="title"/>
-          </p:nvPr>
-        </p:nvSpPr>
-        <p:spPr>
-          <a:xfrm>
-            <a:off x="513708" y="58738"/>
-            <a:ext cx="8517580" cy="1138237"/>
-          </a:xfrm>
-        </p:spPr>
-        <p:txBody>
-          <a:bodyPr/>
-          <a:lstStyle/>
-          <a:p>
-            <a:r>
-              <a:rPr lang="en-US" dirty="0">
-                <a:latin typeface="Arial" pitchFamily="34" charset="0"/>
-                <a:cs typeface="Arial" pitchFamily="34" charset="0"/>
-              </a:rPr>
-              <a:t>Use Stored Procedures in Data </a:t>
-            </a:r>
-            <a:r>
-              <a:rPr lang="en-US" dirty="0" smtClean="0">
-                <a:latin typeface="Arial" pitchFamily="34" charset="0"/>
-                <a:cs typeface="Arial" pitchFamily="34" charset="0"/>
-              </a:rPr>
-              <a:t>Layer, part 2</a:t>
-            </a:r>
-            <a:endParaRPr lang="en-US" dirty="0">
-              <a:latin typeface="Arial" pitchFamily="34" charset="0"/>
-              <a:cs typeface="Arial" pitchFamily="34" charset="0"/>
-            </a:endParaRPr>
-          </a:p>
-        </p:txBody>
-      </p:sp>
-      <p:sp>
-        <p:nvSpPr>
-          <p:cNvPr id="3" name="Content Placeholder 2"/>
-          <p:cNvSpPr>
-            <a:spLocks noGrp="1"/>
-          </p:cNvSpPr>
-          <p:nvPr>
-            <p:ph idx="1"/>
-          </p:nvPr>
-        </p:nvSpPr>
-        <p:spPr>
-          <a:xfrm>
-            <a:off x="390418" y="1356189"/>
-            <a:ext cx="8640870" cy="4397339"/>
-          </a:xfrm>
-        </p:spPr>
-        <p:txBody>
-          <a:bodyPr/>
-          <a:lstStyle/>
-          <a:p>
-            <a:pPr marL="0" indent="0">
-              <a:spcBef>
-                <a:spcPts val="0"/>
-              </a:spcBef>
-              <a:buNone/>
-            </a:pPr>
-            <a:r>
-              <a:rPr lang="en-US" sz="1400" dirty="0" smtClean="0">
-                <a:latin typeface="Courier New" pitchFamily="49" charset="0"/>
-                <a:cs typeface="Courier New" pitchFamily="49" charset="0"/>
-              </a:rPr>
-              <a:t>--	Deliberate bad example!!!</a:t>
-            </a:r>
-          </a:p>
-          <a:p>
-            <a:pPr marL="0" indent="0">
-              <a:spcBef>
-                <a:spcPts val="0"/>
-              </a:spcBef>
-              <a:buNone/>
-            </a:pPr>
-            <a:r>
-              <a:rPr lang="en-US" sz="1400" dirty="0" smtClean="0">
-                <a:latin typeface="Courier New" pitchFamily="49" charset="0"/>
-                <a:cs typeface="Courier New" pitchFamily="49" charset="0"/>
-              </a:rPr>
-              <a:t>CREATE </a:t>
-            </a:r>
-            <a:r>
-              <a:rPr lang="en-US" sz="1400" dirty="0">
-                <a:latin typeface="Courier New" pitchFamily="49" charset="0"/>
-                <a:cs typeface="Courier New" pitchFamily="49" charset="0"/>
-              </a:rPr>
-              <a:t>PROCEDURE </a:t>
-            </a:r>
-            <a:r>
-              <a:rPr lang="en-US" sz="1400" dirty="0" err="1">
-                <a:latin typeface="Courier New" pitchFamily="49" charset="0"/>
-                <a:cs typeface="Courier New" pitchFamily="49" charset="0"/>
-              </a:rPr>
-              <a:t>dbo.uspSelectGradesByStudent</a:t>
-            </a:r>
-            <a:endParaRPr lang="en-US" sz="1400" dirty="0">
-              <a:latin typeface="Courier New" pitchFamily="49" charset="0"/>
-              <a:cs typeface="Courier New" pitchFamily="49" charset="0"/>
-            </a:endParaRPr>
-          </a:p>
-          <a:p>
-            <a:pPr marL="0" indent="0">
-              <a:spcBef>
-                <a:spcPts val="0"/>
-              </a:spcBef>
-              <a:buNone/>
-            </a:pPr>
-            <a:r>
-              <a:rPr lang="en-US" sz="1400" dirty="0">
-                <a:latin typeface="Courier New" pitchFamily="49" charset="0"/>
-                <a:cs typeface="Courier New" pitchFamily="49" charset="0"/>
-              </a:rPr>
-              <a:t>(</a:t>
-            </a:r>
-          </a:p>
-          <a:p>
-            <a:pPr marL="0" indent="0">
-              <a:spcBef>
-                <a:spcPts val="0"/>
-              </a:spcBef>
-              <a:buNone/>
-            </a:pPr>
-            <a:r>
-              <a:rPr lang="en-US" sz="1400" dirty="0">
-                <a:latin typeface="Courier New" pitchFamily="49" charset="0"/>
-                <a:cs typeface="Courier New" pitchFamily="49" charset="0"/>
-              </a:rPr>
-              <a:t>	@</a:t>
-            </a:r>
-            <a:r>
-              <a:rPr lang="en-US" sz="1400" dirty="0" err="1">
-                <a:latin typeface="Courier New" pitchFamily="49" charset="0"/>
-                <a:cs typeface="Courier New" pitchFamily="49" charset="0"/>
-              </a:rPr>
-              <a:t>FirstName</a:t>
-            </a:r>
-            <a:r>
-              <a:rPr lang="en-US" sz="1400" dirty="0">
-                <a:latin typeface="Courier New" pitchFamily="49" charset="0"/>
-                <a:cs typeface="Courier New" pitchFamily="49" charset="0"/>
-              </a:rPr>
-              <a:t>		VARCHAR(25),</a:t>
-            </a:r>
-          </a:p>
-          <a:p>
-            <a:pPr marL="0" indent="0">
-              <a:spcBef>
-                <a:spcPts val="0"/>
-              </a:spcBef>
-              <a:buNone/>
-            </a:pPr>
-            <a:r>
-              <a:rPr lang="en-US" sz="1400" dirty="0">
-                <a:latin typeface="Courier New" pitchFamily="49" charset="0"/>
-                <a:cs typeface="Courier New" pitchFamily="49" charset="0"/>
-              </a:rPr>
-              <a:t>	@</a:t>
-            </a:r>
-            <a:r>
-              <a:rPr lang="en-US" sz="1400" dirty="0" err="1">
-                <a:latin typeface="Courier New" pitchFamily="49" charset="0"/>
-                <a:cs typeface="Courier New" pitchFamily="49" charset="0"/>
-              </a:rPr>
-              <a:t>LastName</a:t>
-            </a:r>
-            <a:r>
-              <a:rPr lang="en-US" sz="1400" dirty="0">
-                <a:latin typeface="Courier New" pitchFamily="49" charset="0"/>
-                <a:cs typeface="Courier New" pitchFamily="49" charset="0"/>
-              </a:rPr>
-              <a:t>		VARCHAR(25)</a:t>
-            </a:r>
-          </a:p>
-          <a:p>
-            <a:pPr marL="0" indent="0">
-              <a:spcBef>
-                <a:spcPts val="0"/>
-              </a:spcBef>
-              <a:buNone/>
-            </a:pPr>
-            <a:r>
-              <a:rPr lang="en-US" sz="1400" dirty="0">
-                <a:latin typeface="Courier New" pitchFamily="49" charset="0"/>
-                <a:cs typeface="Courier New" pitchFamily="49" charset="0"/>
-              </a:rPr>
-              <a:t>)</a:t>
-            </a:r>
-          </a:p>
-          <a:p>
-            <a:pPr marL="0" indent="0">
-              <a:spcBef>
-                <a:spcPts val="0"/>
-              </a:spcBef>
-              <a:buNone/>
-            </a:pPr>
-            <a:r>
-              <a:rPr lang="en-US" sz="1400" dirty="0">
-                <a:latin typeface="Courier New" pitchFamily="49" charset="0"/>
-                <a:cs typeface="Courier New" pitchFamily="49" charset="0"/>
-              </a:rPr>
-              <a:t>AS</a:t>
-            </a:r>
-          </a:p>
-          <a:p>
-            <a:pPr marL="0" indent="0">
-              <a:spcBef>
-                <a:spcPts val="0"/>
-              </a:spcBef>
-              <a:buNone/>
-            </a:pPr>
-            <a:r>
-              <a:rPr lang="en-US" sz="1400" dirty="0">
-                <a:latin typeface="Courier New" pitchFamily="49" charset="0"/>
-                <a:cs typeface="Courier New" pitchFamily="49" charset="0"/>
-              </a:rPr>
-              <a:t>BEGIN</a:t>
-            </a:r>
-          </a:p>
-          <a:p>
-            <a:pPr marL="0" indent="0">
-              <a:spcBef>
-                <a:spcPts val="0"/>
-              </a:spcBef>
-              <a:buNone/>
-            </a:pPr>
-            <a:endParaRPr lang="en-US" sz="1400" dirty="0">
-              <a:latin typeface="Courier New" pitchFamily="49" charset="0"/>
-              <a:cs typeface="Courier New" pitchFamily="49" charset="0"/>
-            </a:endParaRPr>
-          </a:p>
-          <a:p>
-            <a:pPr marL="0" indent="0">
-              <a:spcBef>
-                <a:spcPts val="0"/>
-              </a:spcBef>
-              <a:buNone/>
-            </a:pPr>
-            <a:r>
-              <a:rPr lang="en-US" sz="1400" dirty="0">
-                <a:latin typeface="Courier New" pitchFamily="49" charset="0"/>
-                <a:cs typeface="Courier New" pitchFamily="49" charset="0"/>
-              </a:rPr>
-              <a:t>	DECLARE @Query	NVARCHAR(4000);</a:t>
-            </a:r>
-          </a:p>
-          <a:p>
-            <a:pPr marL="0" indent="0">
-              <a:spcBef>
-                <a:spcPts val="0"/>
-              </a:spcBef>
-              <a:buNone/>
-            </a:pPr>
-            <a:endParaRPr lang="en-US" sz="1400" dirty="0">
-              <a:latin typeface="Courier New" pitchFamily="49" charset="0"/>
-              <a:cs typeface="Courier New" pitchFamily="49" charset="0"/>
-            </a:endParaRPr>
-          </a:p>
-          <a:p>
-            <a:pPr marL="0" indent="0">
-              <a:spcBef>
-                <a:spcPts val="0"/>
-              </a:spcBef>
-              <a:buNone/>
-            </a:pPr>
-            <a:r>
-              <a:rPr lang="en-US" sz="1400" dirty="0">
-                <a:latin typeface="Courier New" pitchFamily="49" charset="0"/>
-                <a:cs typeface="Courier New" pitchFamily="49" charset="0"/>
-              </a:rPr>
-              <a:t>	SET @Query = 'SELECT </a:t>
-            </a:r>
-            <a:r>
-              <a:rPr lang="en-US" sz="1400" dirty="0" err="1">
-                <a:latin typeface="Courier New" pitchFamily="49" charset="0"/>
-                <a:cs typeface="Courier New" pitchFamily="49" charset="0"/>
-              </a:rPr>
-              <a:t>FirstName</a:t>
-            </a:r>
-            <a:r>
-              <a:rPr lang="en-US" sz="1400" dirty="0">
-                <a:latin typeface="Courier New" pitchFamily="49" charset="0"/>
-                <a:cs typeface="Courier New" pitchFamily="49" charset="0"/>
-              </a:rPr>
-              <a:t>, </a:t>
-            </a:r>
-            <a:r>
-              <a:rPr lang="en-US" sz="1400" dirty="0" err="1">
-                <a:latin typeface="Courier New" pitchFamily="49" charset="0"/>
-                <a:cs typeface="Courier New" pitchFamily="49" charset="0"/>
-              </a:rPr>
-              <a:t>LastName</a:t>
-            </a:r>
-            <a:r>
-              <a:rPr lang="en-US" sz="1400" dirty="0">
-                <a:latin typeface="Courier New" pitchFamily="49" charset="0"/>
-                <a:cs typeface="Courier New" pitchFamily="49" charset="0"/>
-              </a:rPr>
-              <a:t>, GPA FROM </a:t>
-            </a:r>
-            <a:r>
-              <a:rPr lang="en-US" sz="1400" dirty="0" err="1">
-                <a:latin typeface="Courier New" pitchFamily="49" charset="0"/>
-                <a:cs typeface="Courier New" pitchFamily="49" charset="0"/>
-              </a:rPr>
-              <a:t>dbo.Students</a:t>
-            </a:r>
-            <a:r>
-              <a:rPr lang="en-US" sz="1400" dirty="0">
-                <a:latin typeface="Courier New" pitchFamily="49" charset="0"/>
-                <a:cs typeface="Courier New" pitchFamily="49" charset="0"/>
-              </a:rPr>
-              <a:t> WHERE ';</a:t>
-            </a:r>
-          </a:p>
-          <a:p>
-            <a:pPr marL="0" indent="0">
-              <a:spcBef>
-                <a:spcPts val="0"/>
-              </a:spcBef>
-              <a:buNone/>
-            </a:pPr>
-            <a:r>
-              <a:rPr lang="en-US" sz="1400" dirty="0">
-                <a:latin typeface="Courier New" pitchFamily="49" charset="0"/>
-                <a:cs typeface="Courier New" pitchFamily="49" charset="0"/>
-              </a:rPr>
-              <a:t>	SET @Query = @Query + '</a:t>
-            </a:r>
-            <a:r>
-              <a:rPr lang="en-US" sz="1400" dirty="0" err="1">
-                <a:latin typeface="Courier New" pitchFamily="49" charset="0"/>
-                <a:cs typeface="Courier New" pitchFamily="49" charset="0"/>
-              </a:rPr>
-              <a:t>FirstName</a:t>
-            </a:r>
-            <a:r>
-              <a:rPr lang="en-US" sz="1400" dirty="0">
-                <a:latin typeface="Courier New" pitchFamily="49" charset="0"/>
-                <a:cs typeface="Courier New" pitchFamily="49" charset="0"/>
-              </a:rPr>
-              <a:t> = ''' + @</a:t>
-            </a:r>
-            <a:r>
-              <a:rPr lang="en-US" sz="1400" dirty="0" err="1">
-                <a:latin typeface="Courier New" pitchFamily="49" charset="0"/>
-                <a:cs typeface="Courier New" pitchFamily="49" charset="0"/>
-              </a:rPr>
-              <a:t>FirstName</a:t>
-            </a:r>
-            <a:r>
-              <a:rPr lang="en-US" sz="1400" dirty="0">
-                <a:latin typeface="Courier New" pitchFamily="49" charset="0"/>
-                <a:cs typeface="Courier New" pitchFamily="49" charset="0"/>
-              </a:rPr>
-              <a:t> + ''' AND </a:t>
-            </a:r>
-            <a:r>
-              <a:rPr lang="en-US" sz="1400" dirty="0" err="1">
-                <a:latin typeface="Courier New" pitchFamily="49" charset="0"/>
-                <a:cs typeface="Courier New" pitchFamily="49" charset="0"/>
-              </a:rPr>
-              <a:t>LastName</a:t>
-            </a:r>
-            <a:r>
-              <a:rPr lang="en-US" sz="1400" dirty="0">
-                <a:latin typeface="Courier New" pitchFamily="49" charset="0"/>
-                <a:cs typeface="Courier New" pitchFamily="49" charset="0"/>
-              </a:rPr>
-              <a:t> = ';</a:t>
-            </a:r>
-          </a:p>
-          <a:p>
-            <a:pPr marL="0" indent="0">
-              <a:spcBef>
-                <a:spcPts val="0"/>
-              </a:spcBef>
-              <a:buNone/>
-            </a:pPr>
-            <a:r>
-              <a:rPr lang="en-US" sz="1400" dirty="0">
-                <a:latin typeface="Courier New" pitchFamily="49" charset="0"/>
-                <a:cs typeface="Courier New" pitchFamily="49" charset="0"/>
-              </a:rPr>
-              <a:t>	SET @Query = @Query + '''' + @</a:t>
-            </a:r>
-            <a:r>
-              <a:rPr lang="en-US" sz="1400" dirty="0" err="1">
-                <a:latin typeface="Courier New" pitchFamily="49" charset="0"/>
-                <a:cs typeface="Courier New" pitchFamily="49" charset="0"/>
-              </a:rPr>
-              <a:t>LastName</a:t>
-            </a:r>
-            <a:r>
-              <a:rPr lang="en-US" sz="1400" dirty="0">
-                <a:latin typeface="Courier New" pitchFamily="49" charset="0"/>
-                <a:cs typeface="Courier New" pitchFamily="49" charset="0"/>
-              </a:rPr>
-              <a:t> + '''';</a:t>
-            </a:r>
-          </a:p>
-          <a:p>
-            <a:pPr marL="0" indent="0">
-              <a:spcBef>
-                <a:spcPts val="0"/>
-              </a:spcBef>
-              <a:buNone/>
-            </a:pPr>
-            <a:endParaRPr lang="en-US" sz="1400" dirty="0">
-              <a:latin typeface="Courier New" pitchFamily="49" charset="0"/>
-              <a:cs typeface="Courier New" pitchFamily="49" charset="0"/>
-            </a:endParaRPr>
-          </a:p>
-          <a:p>
-            <a:pPr marL="0" indent="0">
-              <a:spcBef>
-                <a:spcPts val="0"/>
-              </a:spcBef>
-              <a:buNone/>
-            </a:pPr>
-            <a:r>
-              <a:rPr lang="en-US" sz="1400" dirty="0">
-                <a:latin typeface="Courier New" pitchFamily="49" charset="0"/>
-                <a:cs typeface="Courier New" pitchFamily="49" charset="0"/>
-              </a:rPr>
-              <a:t>	EXEC (@Query);</a:t>
-            </a:r>
-          </a:p>
-          <a:p>
-            <a:pPr marL="0" indent="0">
-              <a:spcBef>
-                <a:spcPts val="0"/>
-              </a:spcBef>
-              <a:buNone/>
-            </a:pPr>
-            <a:endParaRPr lang="en-US" sz="1400" dirty="0">
-              <a:latin typeface="Courier New" pitchFamily="49" charset="0"/>
-              <a:cs typeface="Courier New" pitchFamily="49" charset="0"/>
-            </a:endParaRPr>
-          </a:p>
-          <a:p>
-            <a:pPr marL="0" indent="0">
-              <a:spcBef>
-                <a:spcPts val="0"/>
-              </a:spcBef>
-              <a:buNone/>
-            </a:pPr>
-            <a:r>
-              <a:rPr lang="en-US" sz="1400" dirty="0">
-                <a:latin typeface="Courier New" pitchFamily="49" charset="0"/>
-                <a:cs typeface="Courier New" pitchFamily="49" charset="0"/>
-              </a:rPr>
-              <a:t>END;</a:t>
-            </a:r>
-          </a:p>
-        </p:txBody>
-      </p:sp>
-    </p:spTree>
-    <p:extLst>
-      <p:ext uri="{BB962C8B-B14F-4D97-AF65-F5344CB8AC3E}">
-        <p14:creationId xmlns:p14="http://schemas.microsoft.com/office/powerpoint/2010/main" val="1337114877"/>
-      </p:ext>
-    </p:extLst>
-  </p:cSld>
-  <p:clrMapOvr>
-    <a:masterClrMapping/>
-  </p:clrMapOvr>
-  <p:timing>
-    <p:tnLst>
-      <p:par>
-        <p:cTn id="1" dur="indefinite" restart="never" nodeType="tmRoot"/>
-      </p:par>
-    </p:tnLst>
-  </p:timing>
-</p:sld>
-</file>
-
-<file path=ppt/slides/slide22.xml><?xml version="1.0" encoding="utf-8"?>
-<p:sld xmlns:a="http://schemas.openxmlformats.org/drawingml/2006/main" xmlns:r="http://schemas.openxmlformats.org/officeDocument/2006/relationships" xmlns:p="http://schemas.openxmlformats.org/presentationml/2006/main">
-  <p:cSld>
-    <p:spTree>
-      <p:nvGrpSpPr>
-        <p:cNvPr id="1" name=""/>
-        <p:cNvGrpSpPr/>
-        <p:nvPr/>
-      </p:nvGrpSpPr>
-      <p:grpSpPr>
-        <a:xfrm>
-          <a:off x="0" y="0"/>
-          <a:ext cx="0" cy="0"/>
-          <a:chOff x="0" y="0"/>
-          <a:chExt cx="0" cy="0"/>
-        </a:xfrm>
-      </p:grpSpPr>
-      <p:sp>
-        <p:nvSpPr>
-          <p:cNvPr id="2" name="Title 1"/>
-          <p:cNvSpPr>
-            <a:spLocks noGrp="1"/>
-          </p:cNvSpPr>
-          <p:nvPr>
-            <p:ph type="title"/>
-          </p:nvPr>
-        </p:nvSpPr>
-        <p:spPr>
-          <a:xfrm>
-            <a:off x="513708" y="58738"/>
-            <a:ext cx="8517580" cy="1138237"/>
-          </a:xfrm>
-        </p:spPr>
-        <p:txBody>
-          <a:bodyPr/>
-          <a:lstStyle/>
-          <a:p>
-            <a:r>
-              <a:rPr lang="en-US" dirty="0">
-                <a:latin typeface="Arial" pitchFamily="34" charset="0"/>
-                <a:cs typeface="Arial" pitchFamily="34" charset="0"/>
-              </a:rPr>
-              <a:t>Use Stored Procedures in Data </a:t>
-            </a:r>
-            <a:r>
-              <a:rPr lang="en-US" dirty="0" smtClean="0">
-                <a:latin typeface="Arial" pitchFamily="34" charset="0"/>
-                <a:cs typeface="Arial" pitchFamily="34" charset="0"/>
-              </a:rPr>
-              <a:t>Layer, part 3</a:t>
-            </a:r>
-            <a:endParaRPr lang="en-US" dirty="0">
-              <a:latin typeface="Arial" pitchFamily="34" charset="0"/>
-              <a:cs typeface="Arial" pitchFamily="34" charset="0"/>
-            </a:endParaRPr>
-          </a:p>
-        </p:txBody>
-      </p:sp>
-      <p:sp>
-        <p:nvSpPr>
-          <p:cNvPr id="3" name="Content Placeholder 2"/>
-          <p:cNvSpPr>
-            <a:spLocks noGrp="1"/>
-          </p:cNvSpPr>
-          <p:nvPr>
-            <p:ph idx="1"/>
-          </p:nvPr>
-        </p:nvSpPr>
-        <p:spPr>
-          <a:xfrm>
-            <a:off x="390418" y="1356189"/>
-            <a:ext cx="8640870" cy="4397339"/>
-          </a:xfrm>
-        </p:spPr>
-        <p:txBody>
-          <a:bodyPr/>
-          <a:lstStyle/>
-          <a:p>
-            <a:pPr marL="0" indent="0">
-              <a:spcBef>
-                <a:spcPts val="0"/>
-              </a:spcBef>
-              <a:buNone/>
-            </a:pPr>
-            <a:r>
-              <a:rPr lang="en-US" sz="1000" dirty="0">
-                <a:latin typeface="Courier New" pitchFamily="49" charset="0"/>
-                <a:cs typeface="Courier New" pitchFamily="49" charset="0"/>
-              </a:rPr>
-              <a:t>--	Deliberate bad example!!!</a:t>
-            </a:r>
-          </a:p>
-          <a:p>
-            <a:pPr marL="0" indent="0">
-              <a:spcBef>
-                <a:spcPts val="0"/>
-              </a:spcBef>
-              <a:buNone/>
-            </a:pPr>
-            <a:r>
-              <a:rPr lang="en-US" sz="1000" dirty="0">
-                <a:latin typeface="Courier New" pitchFamily="49" charset="0"/>
-                <a:cs typeface="Courier New" pitchFamily="49" charset="0"/>
-              </a:rPr>
-              <a:t>CREATE PROCEDURE </a:t>
-            </a:r>
-            <a:r>
-              <a:rPr lang="en-US" sz="1000" dirty="0" err="1">
-                <a:latin typeface="Courier New" pitchFamily="49" charset="0"/>
-                <a:cs typeface="Courier New" pitchFamily="49" charset="0"/>
-              </a:rPr>
-              <a:t>dbo.uspSelectGradesByStudent</a:t>
-            </a:r>
-            <a:endParaRPr lang="en-US" sz="1000" dirty="0">
-              <a:latin typeface="Courier New" pitchFamily="49" charset="0"/>
-              <a:cs typeface="Courier New" pitchFamily="49" charset="0"/>
-            </a:endParaRPr>
-          </a:p>
-          <a:p>
-            <a:pPr marL="0" indent="0">
-              <a:spcBef>
-                <a:spcPts val="0"/>
-              </a:spcBef>
-              <a:buNone/>
-            </a:pPr>
-            <a:r>
-              <a:rPr lang="en-US" sz="1000" dirty="0">
-                <a:latin typeface="Courier New" pitchFamily="49" charset="0"/>
-                <a:cs typeface="Courier New" pitchFamily="49" charset="0"/>
-              </a:rPr>
-              <a:t>(</a:t>
-            </a:r>
-          </a:p>
-          <a:p>
-            <a:pPr marL="0" indent="0">
-              <a:spcBef>
-                <a:spcPts val="0"/>
-              </a:spcBef>
-              <a:buNone/>
-            </a:pPr>
-            <a:r>
-              <a:rPr lang="en-US" sz="1000" dirty="0">
-                <a:latin typeface="Courier New" pitchFamily="49" charset="0"/>
-                <a:cs typeface="Courier New" pitchFamily="49" charset="0"/>
-              </a:rPr>
-              <a:t>	@</a:t>
-            </a:r>
-            <a:r>
-              <a:rPr lang="en-US" sz="1000" dirty="0" err="1">
-                <a:latin typeface="Courier New" pitchFamily="49" charset="0"/>
-                <a:cs typeface="Courier New" pitchFamily="49" charset="0"/>
-              </a:rPr>
-              <a:t>FirstName</a:t>
-            </a:r>
-            <a:r>
-              <a:rPr lang="en-US" sz="1000" dirty="0">
-                <a:latin typeface="Courier New" pitchFamily="49" charset="0"/>
-                <a:cs typeface="Courier New" pitchFamily="49" charset="0"/>
-              </a:rPr>
-              <a:t>		VARCHAR(25) = NULL,</a:t>
-            </a:r>
-          </a:p>
-          <a:p>
-            <a:pPr marL="0" indent="0">
-              <a:spcBef>
-                <a:spcPts val="0"/>
-              </a:spcBef>
-              <a:buNone/>
-            </a:pPr>
-            <a:r>
-              <a:rPr lang="en-US" sz="1000" dirty="0">
-                <a:latin typeface="Courier New" pitchFamily="49" charset="0"/>
-                <a:cs typeface="Courier New" pitchFamily="49" charset="0"/>
-              </a:rPr>
-              <a:t>	@</a:t>
-            </a:r>
-            <a:r>
-              <a:rPr lang="en-US" sz="1000" dirty="0" err="1">
-                <a:latin typeface="Courier New" pitchFamily="49" charset="0"/>
-                <a:cs typeface="Courier New" pitchFamily="49" charset="0"/>
-              </a:rPr>
-              <a:t>LastName</a:t>
-            </a:r>
-            <a:r>
-              <a:rPr lang="en-US" sz="1000" dirty="0">
-                <a:latin typeface="Courier New" pitchFamily="49" charset="0"/>
-                <a:cs typeface="Courier New" pitchFamily="49" charset="0"/>
-              </a:rPr>
-              <a:t>		VARCHAR(25) = NULL</a:t>
-            </a:r>
-          </a:p>
-          <a:p>
-            <a:pPr marL="0" indent="0">
-              <a:spcBef>
-                <a:spcPts val="0"/>
-              </a:spcBef>
-              <a:buNone/>
-            </a:pPr>
-            <a:r>
-              <a:rPr lang="en-US" sz="1000" dirty="0">
-                <a:latin typeface="Courier New" pitchFamily="49" charset="0"/>
-                <a:cs typeface="Courier New" pitchFamily="49" charset="0"/>
-              </a:rPr>
-              <a:t>)</a:t>
-            </a:r>
-          </a:p>
-          <a:p>
-            <a:pPr marL="0" indent="0">
-              <a:spcBef>
-                <a:spcPts val="0"/>
-              </a:spcBef>
-              <a:buNone/>
-            </a:pPr>
-            <a:r>
-              <a:rPr lang="en-US" sz="1000" dirty="0">
-                <a:latin typeface="Courier New" pitchFamily="49" charset="0"/>
-                <a:cs typeface="Courier New" pitchFamily="49" charset="0"/>
-              </a:rPr>
-              <a:t>AS</a:t>
-            </a:r>
-          </a:p>
-          <a:p>
-            <a:pPr marL="0" indent="0">
-              <a:spcBef>
-                <a:spcPts val="0"/>
-              </a:spcBef>
-              <a:buNone/>
-            </a:pPr>
-            <a:r>
-              <a:rPr lang="en-US" sz="1000" dirty="0">
-                <a:latin typeface="Courier New" pitchFamily="49" charset="0"/>
-                <a:cs typeface="Courier New" pitchFamily="49" charset="0"/>
-              </a:rPr>
-              <a:t>BEGIN</a:t>
-            </a:r>
-          </a:p>
-          <a:p>
-            <a:pPr marL="0" indent="0">
-              <a:spcBef>
-                <a:spcPts val="0"/>
-              </a:spcBef>
-              <a:buNone/>
-            </a:pPr>
-            <a:endParaRPr lang="en-US" sz="1000" dirty="0">
-              <a:latin typeface="Courier New" pitchFamily="49" charset="0"/>
-              <a:cs typeface="Courier New" pitchFamily="49" charset="0"/>
-            </a:endParaRPr>
-          </a:p>
-          <a:p>
-            <a:pPr marL="0" indent="0">
-              <a:spcBef>
-                <a:spcPts val="0"/>
-              </a:spcBef>
-              <a:buNone/>
-            </a:pPr>
-            <a:r>
-              <a:rPr lang="en-US" sz="1000" dirty="0">
-                <a:latin typeface="Courier New" pitchFamily="49" charset="0"/>
-                <a:cs typeface="Courier New" pitchFamily="49" charset="0"/>
-              </a:rPr>
-              <a:t>	DECLARE @Query	NVARCHAR(4000);</a:t>
-            </a:r>
-          </a:p>
-          <a:p>
-            <a:pPr marL="0" indent="0">
-              <a:spcBef>
-                <a:spcPts val="0"/>
-              </a:spcBef>
-              <a:buNone/>
-            </a:pPr>
-            <a:endParaRPr lang="en-US" sz="1000" dirty="0">
-              <a:latin typeface="Courier New" pitchFamily="49" charset="0"/>
-              <a:cs typeface="Courier New" pitchFamily="49" charset="0"/>
-            </a:endParaRPr>
-          </a:p>
-          <a:p>
-            <a:pPr marL="0" indent="0">
-              <a:spcBef>
-                <a:spcPts val="0"/>
-              </a:spcBef>
-              <a:buNone/>
-            </a:pPr>
-            <a:r>
-              <a:rPr lang="en-US" sz="1000" dirty="0">
-                <a:latin typeface="Courier New" pitchFamily="49" charset="0"/>
-                <a:cs typeface="Courier New" pitchFamily="49" charset="0"/>
-              </a:rPr>
-              <a:t>	SET @Query = 'SELECT </a:t>
-            </a:r>
-            <a:r>
-              <a:rPr lang="en-US" sz="1000" dirty="0" err="1">
-                <a:latin typeface="Courier New" pitchFamily="49" charset="0"/>
-                <a:cs typeface="Courier New" pitchFamily="49" charset="0"/>
-              </a:rPr>
-              <a:t>FirstName</a:t>
-            </a:r>
-            <a:r>
-              <a:rPr lang="en-US" sz="1000" dirty="0">
-                <a:latin typeface="Courier New" pitchFamily="49" charset="0"/>
-                <a:cs typeface="Courier New" pitchFamily="49" charset="0"/>
-              </a:rPr>
-              <a:t>, </a:t>
-            </a:r>
-            <a:r>
-              <a:rPr lang="en-US" sz="1000" dirty="0" err="1">
-                <a:latin typeface="Courier New" pitchFamily="49" charset="0"/>
-                <a:cs typeface="Courier New" pitchFamily="49" charset="0"/>
-              </a:rPr>
-              <a:t>LastName</a:t>
-            </a:r>
-            <a:r>
-              <a:rPr lang="en-US" sz="1000" dirty="0">
-                <a:latin typeface="Courier New" pitchFamily="49" charset="0"/>
-                <a:cs typeface="Courier New" pitchFamily="49" charset="0"/>
-              </a:rPr>
-              <a:t>, GPA FROM </a:t>
-            </a:r>
-            <a:r>
-              <a:rPr lang="en-US" sz="1000" dirty="0" err="1">
-                <a:latin typeface="Courier New" pitchFamily="49" charset="0"/>
-                <a:cs typeface="Courier New" pitchFamily="49" charset="0"/>
-              </a:rPr>
-              <a:t>dbo.Students</a:t>
-            </a:r>
-            <a:r>
-              <a:rPr lang="en-US" sz="1000" dirty="0">
-                <a:latin typeface="Courier New" pitchFamily="49" charset="0"/>
-                <a:cs typeface="Courier New" pitchFamily="49" charset="0"/>
-              </a:rPr>
-              <a:t>'</a:t>
-            </a:r>
-          </a:p>
-          <a:p>
-            <a:pPr marL="0" indent="0">
-              <a:spcBef>
-                <a:spcPts val="0"/>
-              </a:spcBef>
-              <a:buNone/>
-            </a:pPr>
-            <a:endParaRPr lang="en-US" sz="1000" dirty="0">
-              <a:latin typeface="Courier New" pitchFamily="49" charset="0"/>
-              <a:cs typeface="Courier New" pitchFamily="49" charset="0"/>
-            </a:endParaRPr>
-          </a:p>
-          <a:p>
-            <a:pPr marL="0" indent="0">
-              <a:spcBef>
-                <a:spcPts val="0"/>
-              </a:spcBef>
-              <a:buNone/>
-            </a:pPr>
-            <a:r>
-              <a:rPr lang="en-US" sz="1000" dirty="0">
-                <a:latin typeface="Courier New" pitchFamily="49" charset="0"/>
-                <a:cs typeface="Courier New" pitchFamily="49" charset="0"/>
-              </a:rPr>
-              <a:t>	IF @</a:t>
-            </a:r>
-            <a:r>
-              <a:rPr lang="en-US" sz="1000" dirty="0" err="1">
-                <a:latin typeface="Courier New" pitchFamily="49" charset="0"/>
-                <a:cs typeface="Courier New" pitchFamily="49" charset="0"/>
-              </a:rPr>
-              <a:t>FirstName</a:t>
-            </a:r>
-            <a:r>
-              <a:rPr lang="en-US" sz="1000" dirty="0">
-                <a:latin typeface="Courier New" pitchFamily="49" charset="0"/>
-                <a:cs typeface="Courier New" pitchFamily="49" charset="0"/>
-              </a:rPr>
-              <a:t> IS NOT NULL OR @</a:t>
-            </a:r>
-            <a:r>
-              <a:rPr lang="en-US" sz="1000" dirty="0" err="1">
-                <a:latin typeface="Courier New" pitchFamily="49" charset="0"/>
-                <a:cs typeface="Courier New" pitchFamily="49" charset="0"/>
-              </a:rPr>
-              <a:t>LastName</a:t>
-            </a:r>
-            <a:r>
-              <a:rPr lang="en-US" sz="1000" dirty="0">
-                <a:latin typeface="Courier New" pitchFamily="49" charset="0"/>
-                <a:cs typeface="Courier New" pitchFamily="49" charset="0"/>
-              </a:rPr>
-              <a:t> IS NOT NULL</a:t>
-            </a:r>
-          </a:p>
-          <a:p>
-            <a:pPr marL="0" indent="0">
-              <a:spcBef>
-                <a:spcPts val="0"/>
-              </a:spcBef>
-              <a:buNone/>
-            </a:pPr>
-            <a:r>
-              <a:rPr lang="en-US" sz="1000" dirty="0">
-                <a:latin typeface="Courier New" pitchFamily="49" charset="0"/>
-                <a:cs typeface="Courier New" pitchFamily="49" charset="0"/>
-              </a:rPr>
-              <a:t>		SET @Query = @Query + ' WHERE ';</a:t>
-            </a:r>
-          </a:p>
-          <a:p>
-            <a:pPr marL="0" indent="0">
-              <a:spcBef>
-                <a:spcPts val="0"/>
-              </a:spcBef>
-              <a:buNone/>
-            </a:pPr>
-            <a:endParaRPr lang="en-US" sz="1000" dirty="0">
-              <a:latin typeface="Courier New" pitchFamily="49" charset="0"/>
-              <a:cs typeface="Courier New" pitchFamily="49" charset="0"/>
-            </a:endParaRPr>
-          </a:p>
-          <a:p>
-            <a:pPr marL="0" indent="0">
-              <a:spcBef>
-                <a:spcPts val="0"/>
-              </a:spcBef>
-              <a:buNone/>
-            </a:pPr>
-            <a:r>
-              <a:rPr lang="en-US" sz="1000" dirty="0">
-                <a:latin typeface="Courier New" pitchFamily="49" charset="0"/>
-                <a:cs typeface="Courier New" pitchFamily="49" charset="0"/>
-              </a:rPr>
-              <a:t>	IF @</a:t>
-            </a:r>
-            <a:r>
-              <a:rPr lang="en-US" sz="1000" dirty="0" err="1">
-                <a:latin typeface="Courier New" pitchFamily="49" charset="0"/>
-                <a:cs typeface="Courier New" pitchFamily="49" charset="0"/>
-              </a:rPr>
-              <a:t>FirstName</a:t>
-            </a:r>
-            <a:r>
-              <a:rPr lang="en-US" sz="1000" dirty="0">
-                <a:latin typeface="Courier New" pitchFamily="49" charset="0"/>
-                <a:cs typeface="Courier New" pitchFamily="49" charset="0"/>
-              </a:rPr>
-              <a:t> IS NOT NULL</a:t>
-            </a:r>
-          </a:p>
-          <a:p>
-            <a:pPr marL="0" indent="0">
-              <a:spcBef>
-                <a:spcPts val="0"/>
-              </a:spcBef>
-              <a:buNone/>
-            </a:pPr>
-            <a:r>
-              <a:rPr lang="en-US" sz="1000" dirty="0">
-                <a:latin typeface="Courier New" pitchFamily="49" charset="0"/>
-                <a:cs typeface="Courier New" pitchFamily="49" charset="0"/>
-              </a:rPr>
-              <a:t>		SET @Query = @Query + '</a:t>
-            </a:r>
-            <a:r>
-              <a:rPr lang="en-US" sz="1000" dirty="0" err="1">
-                <a:latin typeface="Courier New" pitchFamily="49" charset="0"/>
-                <a:cs typeface="Courier New" pitchFamily="49" charset="0"/>
-              </a:rPr>
-              <a:t>FirstName</a:t>
-            </a:r>
-            <a:r>
-              <a:rPr lang="en-US" sz="1000" dirty="0">
-                <a:latin typeface="Courier New" pitchFamily="49" charset="0"/>
-                <a:cs typeface="Courier New" pitchFamily="49" charset="0"/>
-              </a:rPr>
-              <a:t> = ''' + @</a:t>
-            </a:r>
-            <a:r>
-              <a:rPr lang="en-US" sz="1000" dirty="0" err="1">
-                <a:latin typeface="Courier New" pitchFamily="49" charset="0"/>
-                <a:cs typeface="Courier New" pitchFamily="49" charset="0"/>
-              </a:rPr>
-              <a:t>FirstName</a:t>
-            </a:r>
-            <a:r>
-              <a:rPr lang="en-US" sz="1000" dirty="0">
-                <a:latin typeface="Courier New" pitchFamily="49" charset="0"/>
-                <a:cs typeface="Courier New" pitchFamily="49" charset="0"/>
-              </a:rPr>
-              <a:t> + '''';</a:t>
-            </a:r>
-          </a:p>
-          <a:p>
-            <a:pPr marL="0" indent="0">
-              <a:spcBef>
-                <a:spcPts val="0"/>
-              </a:spcBef>
-              <a:buNone/>
-            </a:pPr>
-            <a:endParaRPr lang="en-US" sz="1000" dirty="0">
-              <a:latin typeface="Courier New" pitchFamily="49" charset="0"/>
-              <a:cs typeface="Courier New" pitchFamily="49" charset="0"/>
-            </a:endParaRPr>
-          </a:p>
-          <a:p>
-            <a:pPr marL="0" indent="0">
-              <a:spcBef>
-                <a:spcPts val="0"/>
-              </a:spcBef>
-              <a:buNone/>
-            </a:pPr>
-            <a:r>
-              <a:rPr lang="en-US" sz="1000" dirty="0">
-                <a:latin typeface="Courier New" pitchFamily="49" charset="0"/>
-                <a:cs typeface="Courier New" pitchFamily="49" charset="0"/>
-              </a:rPr>
-              <a:t>	IF @</a:t>
-            </a:r>
-            <a:r>
-              <a:rPr lang="en-US" sz="1000" dirty="0" err="1">
-                <a:latin typeface="Courier New" pitchFamily="49" charset="0"/>
-                <a:cs typeface="Courier New" pitchFamily="49" charset="0"/>
-              </a:rPr>
-              <a:t>FirstName</a:t>
-            </a:r>
-            <a:r>
-              <a:rPr lang="en-US" sz="1000" dirty="0">
-                <a:latin typeface="Courier New" pitchFamily="49" charset="0"/>
-                <a:cs typeface="Courier New" pitchFamily="49" charset="0"/>
-              </a:rPr>
-              <a:t> IS NOT NULL AND @</a:t>
-            </a:r>
-            <a:r>
-              <a:rPr lang="en-US" sz="1000" dirty="0" err="1">
-                <a:latin typeface="Courier New" pitchFamily="49" charset="0"/>
-                <a:cs typeface="Courier New" pitchFamily="49" charset="0"/>
-              </a:rPr>
-              <a:t>LastName</a:t>
-            </a:r>
-            <a:r>
-              <a:rPr lang="en-US" sz="1000" dirty="0">
-                <a:latin typeface="Courier New" pitchFamily="49" charset="0"/>
-                <a:cs typeface="Courier New" pitchFamily="49" charset="0"/>
-              </a:rPr>
-              <a:t> IS NOT NULL</a:t>
-            </a:r>
-          </a:p>
-          <a:p>
-            <a:pPr marL="0" indent="0">
-              <a:spcBef>
-                <a:spcPts val="0"/>
-              </a:spcBef>
-              <a:buNone/>
-            </a:pPr>
-            <a:r>
-              <a:rPr lang="en-US" sz="1000" dirty="0">
-                <a:latin typeface="Courier New" pitchFamily="49" charset="0"/>
-                <a:cs typeface="Courier New" pitchFamily="49" charset="0"/>
-              </a:rPr>
-              <a:t>		SET @Query = @Query + ' AND ';</a:t>
-            </a:r>
-          </a:p>
-          <a:p>
-            <a:pPr marL="0" indent="0">
-              <a:spcBef>
-                <a:spcPts val="0"/>
-              </a:spcBef>
-              <a:buNone/>
-            </a:pPr>
-            <a:endParaRPr lang="en-US" sz="1000" dirty="0">
-              <a:latin typeface="Courier New" pitchFamily="49" charset="0"/>
-              <a:cs typeface="Courier New" pitchFamily="49" charset="0"/>
-            </a:endParaRPr>
-          </a:p>
-          <a:p>
-            <a:pPr marL="0" indent="0">
-              <a:spcBef>
-                <a:spcPts val="0"/>
-              </a:spcBef>
-              <a:buNone/>
-            </a:pPr>
-            <a:r>
-              <a:rPr lang="en-US" sz="1000" dirty="0">
-                <a:latin typeface="Courier New" pitchFamily="49" charset="0"/>
-                <a:cs typeface="Courier New" pitchFamily="49" charset="0"/>
-              </a:rPr>
-              <a:t>	IF @</a:t>
-            </a:r>
-            <a:r>
-              <a:rPr lang="en-US" sz="1000" dirty="0" err="1">
-                <a:latin typeface="Courier New" pitchFamily="49" charset="0"/>
-                <a:cs typeface="Courier New" pitchFamily="49" charset="0"/>
-              </a:rPr>
-              <a:t>LastName</a:t>
-            </a:r>
-            <a:r>
-              <a:rPr lang="en-US" sz="1000" dirty="0">
-                <a:latin typeface="Courier New" pitchFamily="49" charset="0"/>
-                <a:cs typeface="Courier New" pitchFamily="49" charset="0"/>
-              </a:rPr>
-              <a:t> IS NOT NULL</a:t>
-            </a:r>
-          </a:p>
-          <a:p>
-            <a:pPr marL="0" indent="0">
-              <a:spcBef>
-                <a:spcPts val="0"/>
-              </a:spcBef>
-              <a:buNone/>
-            </a:pPr>
-            <a:r>
-              <a:rPr lang="en-US" sz="1000" dirty="0">
-                <a:latin typeface="Courier New" pitchFamily="49" charset="0"/>
-                <a:cs typeface="Courier New" pitchFamily="49" charset="0"/>
-              </a:rPr>
-              <a:t>		SET @Query = @Query + '</a:t>
-            </a:r>
-            <a:r>
-              <a:rPr lang="en-US" sz="1000" dirty="0" err="1">
-                <a:latin typeface="Courier New" pitchFamily="49" charset="0"/>
-                <a:cs typeface="Courier New" pitchFamily="49" charset="0"/>
-              </a:rPr>
-              <a:t>LastName</a:t>
-            </a:r>
-            <a:r>
-              <a:rPr lang="en-US" sz="1000" dirty="0">
-                <a:latin typeface="Courier New" pitchFamily="49" charset="0"/>
-                <a:cs typeface="Courier New" pitchFamily="49" charset="0"/>
-              </a:rPr>
-              <a:t> = ''' + @</a:t>
-            </a:r>
-            <a:r>
-              <a:rPr lang="en-US" sz="1000" dirty="0" err="1">
-                <a:latin typeface="Courier New" pitchFamily="49" charset="0"/>
-                <a:cs typeface="Courier New" pitchFamily="49" charset="0"/>
-              </a:rPr>
-              <a:t>LastName</a:t>
-            </a:r>
-            <a:r>
-              <a:rPr lang="en-US" sz="1000" dirty="0">
-                <a:latin typeface="Courier New" pitchFamily="49" charset="0"/>
-                <a:cs typeface="Courier New" pitchFamily="49" charset="0"/>
-              </a:rPr>
-              <a:t> + '''';</a:t>
-            </a:r>
-          </a:p>
-          <a:p>
-            <a:pPr marL="0" indent="0">
-              <a:spcBef>
-                <a:spcPts val="0"/>
-              </a:spcBef>
-              <a:buNone/>
-            </a:pPr>
-            <a:endParaRPr lang="en-US" sz="1000" dirty="0">
-              <a:latin typeface="Courier New" pitchFamily="49" charset="0"/>
-              <a:cs typeface="Courier New" pitchFamily="49" charset="0"/>
-            </a:endParaRPr>
-          </a:p>
-          <a:p>
-            <a:pPr marL="0" indent="0">
-              <a:spcBef>
-                <a:spcPts val="0"/>
-              </a:spcBef>
-              <a:buNone/>
-            </a:pPr>
-            <a:r>
-              <a:rPr lang="en-US" sz="1000" dirty="0">
-                <a:latin typeface="Courier New" pitchFamily="49" charset="0"/>
-                <a:cs typeface="Courier New" pitchFamily="49" charset="0"/>
-              </a:rPr>
-              <a:t>	EXEC (@Query);</a:t>
-            </a:r>
-          </a:p>
-          <a:p>
-            <a:pPr marL="0" indent="0">
-              <a:spcBef>
-                <a:spcPts val="0"/>
-              </a:spcBef>
-              <a:buNone/>
-            </a:pPr>
-            <a:endParaRPr lang="en-US" sz="1000" dirty="0">
-              <a:latin typeface="Courier New" pitchFamily="49" charset="0"/>
-              <a:cs typeface="Courier New" pitchFamily="49" charset="0"/>
-            </a:endParaRPr>
-          </a:p>
-          <a:p>
-            <a:pPr marL="0" indent="0">
-              <a:spcBef>
-                <a:spcPts val="0"/>
-              </a:spcBef>
-              <a:buNone/>
-            </a:pPr>
-            <a:r>
-              <a:rPr lang="en-US" sz="1000" dirty="0">
-                <a:latin typeface="Courier New" pitchFamily="49" charset="0"/>
-                <a:cs typeface="Courier New" pitchFamily="49" charset="0"/>
-              </a:rPr>
-              <a:t>END;</a:t>
-            </a:r>
-          </a:p>
-        </p:txBody>
-      </p:sp>
-    </p:spTree>
-    <p:extLst>
-      <p:ext uri="{BB962C8B-B14F-4D97-AF65-F5344CB8AC3E}">
-        <p14:creationId xmlns:p14="http://schemas.microsoft.com/office/powerpoint/2010/main" val="4112608665"/>
-      </p:ext>
-    </p:extLst>
-  </p:cSld>
-  <p:clrMapOvr>
-    <a:masterClrMapping/>
-  </p:clrMapOvr>
-  <p:timing>
-    <p:tnLst>
-      <p:par>
-        <p:cTn id="1" dur="indefinite" restart="never" nodeType="tmRoot"/>
-      </p:par>
-    </p:tnLst>
-  </p:timing>
-</p:sld>
-</file>
-
-<file path=ppt/slides/slide23.xml><?xml version="1.0" encoding="utf-8"?>
-<p:sld xmlns:a="http://schemas.openxmlformats.org/drawingml/2006/main" xmlns:r="http://schemas.openxmlformats.org/officeDocument/2006/relationships" xmlns:p="http://schemas.openxmlformats.org/presentationml/2006/main">
-  <p:cSld>
-    <p:spTree>
-      <p:nvGrpSpPr>
-        <p:cNvPr id="1" name=""/>
-        <p:cNvGrpSpPr/>
-        <p:nvPr/>
-      </p:nvGrpSpPr>
-      <p:grpSpPr>
-        <a:xfrm>
-          <a:off x="0" y="0"/>
-          <a:ext cx="0" cy="0"/>
-          <a:chOff x="0" y="0"/>
-          <a:chExt cx="0" cy="0"/>
-        </a:xfrm>
-      </p:grpSpPr>
-      <p:sp>
-        <p:nvSpPr>
-          <p:cNvPr id="2" name="Title 1"/>
-          <p:cNvSpPr>
-            <a:spLocks noGrp="1"/>
-          </p:cNvSpPr>
-          <p:nvPr>
-            <p:ph type="title"/>
-          </p:nvPr>
-        </p:nvSpPr>
-        <p:spPr>
-          <a:xfrm>
-            <a:off x="513708" y="58738"/>
-            <a:ext cx="8517580" cy="1138237"/>
-          </a:xfrm>
-        </p:spPr>
-        <p:txBody>
-          <a:bodyPr/>
-          <a:lstStyle/>
-          <a:p>
-            <a:r>
-              <a:rPr lang="en-US" dirty="0">
-                <a:latin typeface="Arial" pitchFamily="34" charset="0"/>
-                <a:cs typeface="Arial" pitchFamily="34" charset="0"/>
-              </a:rPr>
-              <a:t>Use Stored Procedures in Data </a:t>
-            </a:r>
-            <a:r>
-              <a:rPr lang="en-US" dirty="0" smtClean="0">
-                <a:latin typeface="Arial" pitchFamily="34" charset="0"/>
-                <a:cs typeface="Arial" pitchFamily="34" charset="0"/>
-              </a:rPr>
-              <a:t>Layer, part 4</a:t>
-            </a:r>
-            <a:endParaRPr lang="en-US" dirty="0">
-              <a:latin typeface="Arial" pitchFamily="34" charset="0"/>
-              <a:cs typeface="Arial" pitchFamily="34" charset="0"/>
-            </a:endParaRPr>
-          </a:p>
-        </p:txBody>
-      </p:sp>
-      <p:sp>
-        <p:nvSpPr>
-          <p:cNvPr id="3" name="Content Placeholder 2"/>
-          <p:cNvSpPr>
-            <a:spLocks noGrp="1"/>
-          </p:cNvSpPr>
-          <p:nvPr>
-            <p:ph idx="1"/>
-          </p:nvPr>
-        </p:nvSpPr>
-        <p:spPr>
-          <a:xfrm>
-            <a:off x="390418" y="1356189"/>
-            <a:ext cx="8640870" cy="4397339"/>
-          </a:xfrm>
-        </p:spPr>
-        <p:txBody>
-          <a:bodyPr/>
-          <a:lstStyle/>
-          <a:p>
-            <a:pPr marL="0" indent="0">
-              <a:spcBef>
-                <a:spcPts val="0"/>
-              </a:spcBef>
-              <a:buNone/>
-            </a:pPr>
-            <a:r>
-              <a:rPr lang="en-US" sz="1100" dirty="0">
-                <a:latin typeface="Courier New" pitchFamily="49" charset="0"/>
-                <a:cs typeface="Courier New" pitchFamily="49" charset="0"/>
-              </a:rPr>
-              <a:t>CREATE PROCEDURE </a:t>
-            </a:r>
-            <a:r>
-              <a:rPr lang="en-US" sz="1100" dirty="0" err="1">
-                <a:latin typeface="Courier New" pitchFamily="49" charset="0"/>
-                <a:cs typeface="Courier New" pitchFamily="49" charset="0"/>
-              </a:rPr>
-              <a:t>dbo.uspSelectGradesByStudent</a:t>
-            </a:r>
-            <a:endParaRPr lang="en-US" sz="1100" dirty="0">
-              <a:latin typeface="Courier New" pitchFamily="49" charset="0"/>
-              <a:cs typeface="Courier New" pitchFamily="49" charset="0"/>
-            </a:endParaRPr>
-          </a:p>
-          <a:p>
-            <a:pPr marL="0" indent="0">
-              <a:spcBef>
-                <a:spcPts val="0"/>
-              </a:spcBef>
-              <a:buNone/>
-            </a:pPr>
-            <a:r>
-              <a:rPr lang="en-US" sz="1100" dirty="0">
-                <a:latin typeface="Courier New" pitchFamily="49" charset="0"/>
-                <a:cs typeface="Courier New" pitchFamily="49" charset="0"/>
-              </a:rPr>
-              <a:t>(</a:t>
-            </a:r>
-          </a:p>
-          <a:p>
-            <a:pPr marL="0" indent="0">
-              <a:spcBef>
-                <a:spcPts val="0"/>
-              </a:spcBef>
-              <a:buNone/>
-            </a:pPr>
-            <a:r>
-              <a:rPr lang="en-US" sz="1100" dirty="0">
-                <a:latin typeface="Courier New" pitchFamily="49" charset="0"/>
-                <a:cs typeface="Courier New" pitchFamily="49" charset="0"/>
-              </a:rPr>
-              <a:t>	@</a:t>
-            </a:r>
-            <a:r>
-              <a:rPr lang="en-US" sz="1100" dirty="0" err="1">
-                <a:latin typeface="Courier New" pitchFamily="49" charset="0"/>
-                <a:cs typeface="Courier New" pitchFamily="49" charset="0"/>
-              </a:rPr>
-              <a:t>FirstName</a:t>
-            </a:r>
-            <a:r>
-              <a:rPr lang="en-US" sz="1100" dirty="0">
-                <a:latin typeface="Courier New" pitchFamily="49" charset="0"/>
-                <a:cs typeface="Courier New" pitchFamily="49" charset="0"/>
-              </a:rPr>
-              <a:t>		VARCHAR(25) = NULL,</a:t>
-            </a:r>
-          </a:p>
-          <a:p>
-            <a:pPr marL="0" indent="0">
-              <a:spcBef>
-                <a:spcPts val="0"/>
-              </a:spcBef>
-              <a:buNone/>
-            </a:pPr>
-            <a:r>
-              <a:rPr lang="en-US" sz="1100" dirty="0">
-                <a:latin typeface="Courier New" pitchFamily="49" charset="0"/>
-                <a:cs typeface="Courier New" pitchFamily="49" charset="0"/>
-              </a:rPr>
-              <a:t>	@</a:t>
-            </a:r>
-            <a:r>
-              <a:rPr lang="en-US" sz="1100" dirty="0" err="1">
-                <a:latin typeface="Courier New" pitchFamily="49" charset="0"/>
-                <a:cs typeface="Courier New" pitchFamily="49" charset="0"/>
-              </a:rPr>
-              <a:t>LastName</a:t>
-            </a:r>
-            <a:r>
-              <a:rPr lang="en-US" sz="1100" dirty="0">
-                <a:latin typeface="Courier New" pitchFamily="49" charset="0"/>
-                <a:cs typeface="Courier New" pitchFamily="49" charset="0"/>
-              </a:rPr>
-              <a:t>		VARCHAR(25) = NULL</a:t>
-            </a:r>
-          </a:p>
-          <a:p>
-            <a:pPr marL="0" indent="0">
-              <a:spcBef>
-                <a:spcPts val="0"/>
-              </a:spcBef>
-              <a:buNone/>
-            </a:pPr>
-            <a:r>
-              <a:rPr lang="en-US" sz="1100" dirty="0">
-                <a:latin typeface="Courier New" pitchFamily="49" charset="0"/>
-                <a:cs typeface="Courier New" pitchFamily="49" charset="0"/>
-              </a:rPr>
-              <a:t>)</a:t>
-            </a:r>
-          </a:p>
-          <a:p>
-            <a:pPr marL="0" indent="0">
-              <a:spcBef>
-                <a:spcPts val="0"/>
-              </a:spcBef>
-              <a:buNone/>
-            </a:pPr>
-            <a:r>
-              <a:rPr lang="en-US" sz="1100" dirty="0">
-                <a:latin typeface="Courier New" pitchFamily="49" charset="0"/>
-                <a:cs typeface="Courier New" pitchFamily="49" charset="0"/>
-              </a:rPr>
-              <a:t>AS</a:t>
-            </a:r>
-          </a:p>
-          <a:p>
-            <a:pPr marL="0" indent="0">
-              <a:spcBef>
-                <a:spcPts val="0"/>
-              </a:spcBef>
-              <a:buNone/>
-            </a:pPr>
-            <a:r>
-              <a:rPr lang="en-US" sz="1100" dirty="0">
-                <a:latin typeface="Courier New" pitchFamily="49" charset="0"/>
-                <a:cs typeface="Courier New" pitchFamily="49" charset="0"/>
-              </a:rPr>
-              <a:t>BEGIN</a:t>
-            </a:r>
-          </a:p>
-          <a:p>
-            <a:pPr marL="0" indent="0">
-              <a:spcBef>
-                <a:spcPts val="0"/>
-              </a:spcBef>
-              <a:buNone/>
-            </a:pPr>
-            <a:endParaRPr lang="en-US" sz="1100" dirty="0">
-              <a:latin typeface="Courier New" pitchFamily="49" charset="0"/>
-              <a:cs typeface="Courier New" pitchFamily="49" charset="0"/>
-            </a:endParaRPr>
-          </a:p>
-          <a:p>
-            <a:pPr marL="0" indent="0">
-              <a:spcBef>
-                <a:spcPts val="0"/>
-              </a:spcBef>
-              <a:buNone/>
-            </a:pPr>
-            <a:r>
-              <a:rPr lang="en-US" sz="1100" dirty="0">
-                <a:latin typeface="Courier New" pitchFamily="49" charset="0"/>
-                <a:cs typeface="Courier New" pitchFamily="49" charset="0"/>
-              </a:rPr>
-              <a:t>	SELECT</a:t>
-            </a:r>
-          </a:p>
-          <a:p>
-            <a:pPr marL="0" indent="0">
-              <a:spcBef>
-                <a:spcPts val="0"/>
-              </a:spcBef>
-              <a:buNone/>
-            </a:pPr>
-            <a:r>
-              <a:rPr lang="en-US" sz="1100" dirty="0">
-                <a:latin typeface="Courier New" pitchFamily="49" charset="0"/>
-                <a:cs typeface="Courier New" pitchFamily="49" charset="0"/>
-              </a:rPr>
-              <a:t>		</a:t>
-            </a:r>
-            <a:r>
-              <a:rPr lang="en-US" sz="1100" dirty="0" err="1">
-                <a:latin typeface="Courier New" pitchFamily="49" charset="0"/>
-                <a:cs typeface="Courier New" pitchFamily="49" charset="0"/>
-              </a:rPr>
-              <a:t>FirstName</a:t>
-            </a:r>
-            <a:r>
-              <a:rPr lang="en-US" sz="1100" dirty="0">
-                <a:latin typeface="Courier New" pitchFamily="49" charset="0"/>
-                <a:cs typeface="Courier New" pitchFamily="49" charset="0"/>
-              </a:rPr>
-              <a:t>,</a:t>
-            </a:r>
-          </a:p>
-          <a:p>
-            <a:pPr marL="0" indent="0">
-              <a:spcBef>
-                <a:spcPts val="0"/>
-              </a:spcBef>
-              <a:buNone/>
-            </a:pPr>
-            <a:r>
-              <a:rPr lang="en-US" sz="1100" dirty="0">
-                <a:latin typeface="Courier New" pitchFamily="49" charset="0"/>
-                <a:cs typeface="Courier New" pitchFamily="49" charset="0"/>
-              </a:rPr>
-              <a:t>		</a:t>
-            </a:r>
-            <a:r>
-              <a:rPr lang="en-US" sz="1100" dirty="0" err="1">
-                <a:latin typeface="Courier New" pitchFamily="49" charset="0"/>
-                <a:cs typeface="Courier New" pitchFamily="49" charset="0"/>
-              </a:rPr>
-              <a:t>LastName</a:t>
-            </a:r>
-            <a:r>
-              <a:rPr lang="en-US" sz="1100" dirty="0">
-                <a:latin typeface="Courier New" pitchFamily="49" charset="0"/>
-                <a:cs typeface="Courier New" pitchFamily="49" charset="0"/>
-              </a:rPr>
-              <a:t>,</a:t>
-            </a:r>
-          </a:p>
-          <a:p>
-            <a:pPr marL="0" indent="0">
-              <a:spcBef>
-                <a:spcPts val="0"/>
-              </a:spcBef>
-              <a:buNone/>
-            </a:pPr>
-            <a:r>
-              <a:rPr lang="en-US" sz="1100" dirty="0">
-                <a:latin typeface="Courier New" pitchFamily="49" charset="0"/>
-                <a:cs typeface="Courier New" pitchFamily="49" charset="0"/>
-              </a:rPr>
-              <a:t>		GPA</a:t>
-            </a:r>
-          </a:p>
-          <a:p>
-            <a:pPr marL="0" indent="0">
-              <a:spcBef>
-                <a:spcPts val="0"/>
-              </a:spcBef>
-              <a:buNone/>
-            </a:pPr>
-            <a:r>
-              <a:rPr lang="en-US" sz="1100" dirty="0">
-                <a:latin typeface="Courier New" pitchFamily="49" charset="0"/>
-                <a:cs typeface="Courier New" pitchFamily="49" charset="0"/>
-              </a:rPr>
-              <a:t>	FROM</a:t>
-            </a:r>
-          </a:p>
-          <a:p>
-            <a:pPr marL="0" indent="0">
-              <a:spcBef>
-                <a:spcPts val="0"/>
-              </a:spcBef>
-              <a:buNone/>
-            </a:pPr>
-            <a:r>
-              <a:rPr lang="en-US" sz="1100" dirty="0">
-                <a:latin typeface="Courier New" pitchFamily="49" charset="0"/>
-                <a:cs typeface="Courier New" pitchFamily="49" charset="0"/>
-              </a:rPr>
-              <a:t>		</a:t>
-            </a:r>
-            <a:r>
-              <a:rPr lang="en-US" sz="1100" dirty="0" err="1">
-                <a:latin typeface="Courier New" pitchFamily="49" charset="0"/>
-                <a:cs typeface="Courier New" pitchFamily="49" charset="0"/>
-              </a:rPr>
-              <a:t>dbo.Students</a:t>
-            </a:r>
-            <a:endParaRPr lang="en-US" sz="1100" dirty="0">
-              <a:latin typeface="Courier New" pitchFamily="49" charset="0"/>
-              <a:cs typeface="Courier New" pitchFamily="49" charset="0"/>
-            </a:endParaRPr>
-          </a:p>
-          <a:p>
-            <a:pPr marL="0" indent="0">
-              <a:spcBef>
-                <a:spcPts val="0"/>
-              </a:spcBef>
-              <a:buNone/>
-            </a:pPr>
-            <a:r>
-              <a:rPr lang="en-US" sz="1100" dirty="0">
-                <a:latin typeface="Courier New" pitchFamily="49" charset="0"/>
-                <a:cs typeface="Courier New" pitchFamily="49" charset="0"/>
-              </a:rPr>
-              <a:t>	WHERE</a:t>
-            </a:r>
-          </a:p>
-          <a:p>
-            <a:pPr marL="0" indent="0">
-              <a:spcBef>
-                <a:spcPts val="0"/>
-              </a:spcBef>
-              <a:buNone/>
-            </a:pPr>
-            <a:r>
-              <a:rPr lang="en-US" sz="1100" dirty="0">
-                <a:latin typeface="Courier New" pitchFamily="49" charset="0"/>
-                <a:cs typeface="Courier New" pitchFamily="49" charset="0"/>
-              </a:rPr>
-              <a:t>		(@</a:t>
-            </a:r>
-            <a:r>
-              <a:rPr lang="en-US" sz="1100" dirty="0" err="1">
-                <a:latin typeface="Courier New" pitchFamily="49" charset="0"/>
-                <a:cs typeface="Courier New" pitchFamily="49" charset="0"/>
-              </a:rPr>
-              <a:t>FirstName</a:t>
-            </a:r>
-            <a:r>
-              <a:rPr lang="en-US" sz="1100" dirty="0">
-                <a:latin typeface="Courier New" pitchFamily="49" charset="0"/>
-                <a:cs typeface="Courier New" pitchFamily="49" charset="0"/>
-              </a:rPr>
-              <a:t> IS NULL</a:t>
-            </a:r>
-          </a:p>
-          <a:p>
-            <a:pPr marL="0" indent="0">
-              <a:spcBef>
-                <a:spcPts val="0"/>
-              </a:spcBef>
-              <a:buNone/>
-            </a:pPr>
-            <a:r>
-              <a:rPr lang="en-US" sz="1100" dirty="0">
-                <a:latin typeface="Courier New" pitchFamily="49" charset="0"/>
-                <a:cs typeface="Courier New" pitchFamily="49" charset="0"/>
-              </a:rPr>
-              <a:t>			OR</a:t>
-            </a:r>
-          </a:p>
-          <a:p>
-            <a:pPr marL="0" indent="0">
-              <a:spcBef>
-                <a:spcPts val="0"/>
-              </a:spcBef>
-              <a:buNone/>
-            </a:pPr>
-            <a:r>
-              <a:rPr lang="en-US" sz="1100" dirty="0">
-                <a:latin typeface="Courier New" pitchFamily="49" charset="0"/>
-                <a:cs typeface="Courier New" pitchFamily="49" charset="0"/>
-              </a:rPr>
-              <a:t>			</a:t>
-            </a:r>
-            <a:r>
-              <a:rPr lang="en-US" sz="1100" dirty="0" err="1">
-                <a:latin typeface="Courier New" pitchFamily="49" charset="0"/>
-                <a:cs typeface="Courier New" pitchFamily="49" charset="0"/>
-              </a:rPr>
-              <a:t>FirstName</a:t>
-            </a:r>
-            <a:r>
-              <a:rPr lang="en-US" sz="1100" dirty="0">
-                <a:latin typeface="Courier New" pitchFamily="49" charset="0"/>
-                <a:cs typeface="Courier New" pitchFamily="49" charset="0"/>
-              </a:rPr>
-              <a:t> = @</a:t>
-            </a:r>
-            <a:r>
-              <a:rPr lang="en-US" sz="1100" dirty="0" err="1">
-                <a:latin typeface="Courier New" pitchFamily="49" charset="0"/>
-                <a:cs typeface="Courier New" pitchFamily="49" charset="0"/>
-              </a:rPr>
-              <a:t>FirstName</a:t>
-            </a:r>
-            <a:r>
-              <a:rPr lang="en-US" sz="1100" dirty="0">
-                <a:latin typeface="Courier New" pitchFamily="49" charset="0"/>
-                <a:cs typeface="Courier New" pitchFamily="49" charset="0"/>
-              </a:rPr>
-              <a:t>)</a:t>
-            </a:r>
-          </a:p>
-          <a:p>
-            <a:pPr marL="0" indent="0">
-              <a:spcBef>
-                <a:spcPts val="0"/>
-              </a:spcBef>
-              <a:buNone/>
-            </a:pPr>
-            <a:r>
-              <a:rPr lang="en-US" sz="1100" dirty="0">
-                <a:latin typeface="Courier New" pitchFamily="49" charset="0"/>
-                <a:cs typeface="Courier New" pitchFamily="49" charset="0"/>
-              </a:rPr>
-              <a:t>		AND</a:t>
-            </a:r>
-          </a:p>
-          <a:p>
-            <a:pPr marL="0" indent="0">
-              <a:spcBef>
-                <a:spcPts val="0"/>
-              </a:spcBef>
-              <a:buNone/>
-            </a:pPr>
-            <a:r>
-              <a:rPr lang="en-US" sz="1100" dirty="0">
-                <a:latin typeface="Courier New" pitchFamily="49" charset="0"/>
-                <a:cs typeface="Courier New" pitchFamily="49" charset="0"/>
-              </a:rPr>
-              <a:t>		(@</a:t>
-            </a:r>
-            <a:r>
-              <a:rPr lang="en-US" sz="1100" dirty="0" err="1">
-                <a:latin typeface="Courier New" pitchFamily="49" charset="0"/>
-                <a:cs typeface="Courier New" pitchFamily="49" charset="0"/>
-              </a:rPr>
-              <a:t>LastName</a:t>
-            </a:r>
-            <a:r>
-              <a:rPr lang="en-US" sz="1100" dirty="0">
-                <a:latin typeface="Courier New" pitchFamily="49" charset="0"/>
-                <a:cs typeface="Courier New" pitchFamily="49" charset="0"/>
-              </a:rPr>
-              <a:t> IS NULL</a:t>
-            </a:r>
-          </a:p>
-          <a:p>
-            <a:pPr marL="0" indent="0">
-              <a:spcBef>
-                <a:spcPts val="0"/>
-              </a:spcBef>
-              <a:buNone/>
-            </a:pPr>
-            <a:r>
-              <a:rPr lang="en-US" sz="1100" dirty="0">
-                <a:latin typeface="Courier New" pitchFamily="49" charset="0"/>
-                <a:cs typeface="Courier New" pitchFamily="49" charset="0"/>
-              </a:rPr>
-              <a:t>			OR</a:t>
-            </a:r>
-          </a:p>
-          <a:p>
-            <a:pPr marL="0" indent="0">
-              <a:spcBef>
-                <a:spcPts val="0"/>
-              </a:spcBef>
-              <a:buNone/>
-            </a:pPr>
-            <a:r>
-              <a:rPr lang="en-US" sz="1100" dirty="0">
-                <a:latin typeface="Courier New" pitchFamily="49" charset="0"/>
-                <a:cs typeface="Courier New" pitchFamily="49" charset="0"/>
-              </a:rPr>
-              <a:t>			</a:t>
-            </a:r>
-            <a:r>
-              <a:rPr lang="en-US" sz="1100" dirty="0" err="1">
-                <a:latin typeface="Courier New" pitchFamily="49" charset="0"/>
-                <a:cs typeface="Courier New" pitchFamily="49" charset="0"/>
-              </a:rPr>
-              <a:t>LastName</a:t>
-            </a:r>
-            <a:r>
-              <a:rPr lang="en-US" sz="1100" dirty="0">
-                <a:latin typeface="Courier New" pitchFamily="49" charset="0"/>
-                <a:cs typeface="Courier New" pitchFamily="49" charset="0"/>
-              </a:rPr>
-              <a:t> = @</a:t>
-            </a:r>
-            <a:r>
-              <a:rPr lang="en-US" sz="1100" dirty="0" err="1">
-                <a:latin typeface="Courier New" pitchFamily="49" charset="0"/>
-                <a:cs typeface="Courier New" pitchFamily="49" charset="0"/>
-              </a:rPr>
-              <a:t>LastName</a:t>
-            </a:r>
-            <a:r>
-              <a:rPr lang="en-US" sz="1100" dirty="0">
-                <a:latin typeface="Courier New" pitchFamily="49" charset="0"/>
-                <a:cs typeface="Courier New" pitchFamily="49" charset="0"/>
-              </a:rPr>
-              <a:t>)</a:t>
-            </a:r>
-          </a:p>
-          <a:p>
-            <a:pPr marL="0" indent="0">
-              <a:spcBef>
-                <a:spcPts val="0"/>
-              </a:spcBef>
-              <a:buNone/>
-            </a:pPr>
-            <a:endParaRPr lang="en-US" sz="1100" dirty="0">
-              <a:latin typeface="Courier New" pitchFamily="49" charset="0"/>
-              <a:cs typeface="Courier New" pitchFamily="49" charset="0"/>
-            </a:endParaRPr>
-          </a:p>
-          <a:p>
-            <a:pPr marL="0" indent="0">
-              <a:spcBef>
-                <a:spcPts val="0"/>
-              </a:spcBef>
-              <a:buNone/>
-            </a:pPr>
-            <a:r>
-              <a:rPr lang="en-US" sz="1100" dirty="0">
-                <a:latin typeface="Courier New" pitchFamily="49" charset="0"/>
-                <a:cs typeface="Courier New" pitchFamily="49" charset="0"/>
-              </a:rPr>
-              <a:t>END;</a:t>
-            </a:r>
-          </a:p>
-        </p:txBody>
-      </p:sp>
-    </p:spTree>
-    <p:extLst>
-      <p:ext uri="{BB962C8B-B14F-4D97-AF65-F5344CB8AC3E}">
-        <p14:creationId xmlns:p14="http://schemas.microsoft.com/office/powerpoint/2010/main" val="2501099042"/>
-      </p:ext>
-    </p:extLst>
-  </p:cSld>
-  <p:clrMapOvr>
-    <a:masterClrMapping/>
-  </p:clrMapOvr>
-  <p:timing>
-    <p:tnLst>
-      <p:par>
-        <p:cTn id="1" dur="indefinite" restart="never" nodeType="tmRoot"/>
-      </p:par>
-    </p:tnLst>
-  </p:timing>
-</p:sld>
-</file>
-
-<file path=ppt/slides/slide24.xml><?xml version="1.0" encoding="utf-8"?>
-<p:sld xmlns:a="http://schemas.openxmlformats.org/drawingml/2006/main" xmlns:r="http://schemas.openxmlformats.org/officeDocument/2006/relationships" xmlns:p="http://schemas.openxmlformats.org/presentationml/2006/main">
-  <p:cSld>
-    <p:spTree>
-      <p:nvGrpSpPr>
-        <p:cNvPr id="1" name=""/>
-        <p:cNvGrpSpPr/>
-        <p:nvPr/>
-      </p:nvGrpSpPr>
-      <p:grpSpPr>
-        <a:xfrm>
-          <a:off x="0" y="0"/>
-          <a:ext cx="0" cy="0"/>
-          <a:chOff x="0" y="0"/>
-          <a:chExt cx="0" cy="0"/>
-        </a:xfrm>
-      </p:grpSpPr>
-      <p:sp>
-        <p:nvSpPr>
-          <p:cNvPr id="2" name="Title 1"/>
-          <p:cNvSpPr>
-            <a:spLocks noGrp="1"/>
-          </p:cNvSpPr>
-          <p:nvPr>
-            <p:ph type="title"/>
-          </p:nvPr>
-        </p:nvSpPr>
-        <p:spPr>
-          <a:xfrm>
-            <a:off x="513708" y="58738"/>
-            <a:ext cx="8517580" cy="1138237"/>
-          </a:xfrm>
-        </p:spPr>
-        <p:txBody>
-          <a:bodyPr/>
-          <a:lstStyle/>
-          <a:p>
-            <a:r>
-              <a:rPr lang="en-US" dirty="0">
-                <a:latin typeface="Arial" pitchFamily="34" charset="0"/>
-                <a:cs typeface="Arial" pitchFamily="34" charset="0"/>
-              </a:rPr>
-              <a:t>Use Stored Procedures in Data </a:t>
-            </a:r>
-            <a:r>
-              <a:rPr lang="en-US" dirty="0" smtClean="0">
-                <a:latin typeface="Arial" pitchFamily="34" charset="0"/>
-                <a:cs typeface="Arial" pitchFamily="34" charset="0"/>
-              </a:rPr>
-              <a:t>Layer, part 5</a:t>
-            </a:r>
-            <a:endParaRPr lang="en-US" dirty="0">
-              <a:latin typeface="Arial" pitchFamily="34" charset="0"/>
-              <a:cs typeface="Arial" pitchFamily="34" charset="0"/>
-            </a:endParaRPr>
-          </a:p>
-        </p:txBody>
-      </p:sp>
-      <p:sp>
-        <p:nvSpPr>
-          <p:cNvPr id="3" name="Content Placeholder 2"/>
-          <p:cNvSpPr>
-            <a:spLocks noGrp="1"/>
-          </p:cNvSpPr>
-          <p:nvPr>
-            <p:ph idx="1"/>
-          </p:nvPr>
-        </p:nvSpPr>
-        <p:spPr>
-          <a:xfrm>
-            <a:off x="390418" y="1356189"/>
-            <a:ext cx="8640870" cy="4397339"/>
-          </a:xfrm>
-        </p:spPr>
-        <p:txBody>
-          <a:bodyPr/>
-          <a:lstStyle/>
-          <a:p>
-            <a:pPr marL="0" indent="0">
-              <a:spcBef>
-                <a:spcPts val="0"/>
-              </a:spcBef>
-              <a:buNone/>
-            </a:pPr>
-            <a:r>
-              <a:rPr lang="en-US" sz="1100" dirty="0">
-                <a:latin typeface="Courier New" pitchFamily="49" charset="0"/>
-                <a:cs typeface="Courier New" pitchFamily="49" charset="0"/>
-              </a:rPr>
-              <a:t>--	Parameterized SQL example</a:t>
-            </a:r>
-          </a:p>
-          <a:p>
-            <a:pPr marL="0" indent="0">
-              <a:spcBef>
-                <a:spcPts val="0"/>
-              </a:spcBef>
-              <a:buNone/>
-            </a:pPr>
-            <a:r>
-              <a:rPr lang="en-US" sz="1100" dirty="0">
-                <a:latin typeface="Courier New" pitchFamily="49" charset="0"/>
-                <a:cs typeface="Courier New" pitchFamily="49" charset="0"/>
-              </a:rPr>
-              <a:t>CREATE PROCEDURE </a:t>
-            </a:r>
-            <a:r>
-              <a:rPr lang="en-US" sz="1100" dirty="0" err="1">
-                <a:latin typeface="Courier New" pitchFamily="49" charset="0"/>
-                <a:cs typeface="Courier New" pitchFamily="49" charset="0"/>
-              </a:rPr>
-              <a:t>dbo.uspSelectGradesByStudent</a:t>
-            </a:r>
-            <a:endParaRPr lang="en-US" sz="1100" dirty="0">
-              <a:latin typeface="Courier New" pitchFamily="49" charset="0"/>
-              <a:cs typeface="Courier New" pitchFamily="49" charset="0"/>
-            </a:endParaRPr>
-          </a:p>
-          <a:p>
-            <a:pPr marL="0" indent="0">
-              <a:spcBef>
-                <a:spcPts val="0"/>
-              </a:spcBef>
-              <a:buNone/>
-            </a:pPr>
-            <a:r>
-              <a:rPr lang="en-US" sz="1100" dirty="0">
-                <a:latin typeface="Courier New" pitchFamily="49" charset="0"/>
-                <a:cs typeface="Courier New" pitchFamily="49" charset="0"/>
-              </a:rPr>
-              <a:t>(</a:t>
-            </a:r>
-          </a:p>
-          <a:p>
-            <a:pPr marL="0" indent="0">
-              <a:spcBef>
-                <a:spcPts val="0"/>
-              </a:spcBef>
-              <a:buNone/>
-            </a:pPr>
-            <a:r>
-              <a:rPr lang="en-US" sz="1100" dirty="0">
-                <a:latin typeface="Courier New" pitchFamily="49" charset="0"/>
-                <a:cs typeface="Courier New" pitchFamily="49" charset="0"/>
-              </a:rPr>
-              <a:t>	@</a:t>
-            </a:r>
-            <a:r>
-              <a:rPr lang="en-US" sz="1100" dirty="0" err="1">
-                <a:latin typeface="Courier New" pitchFamily="49" charset="0"/>
-                <a:cs typeface="Courier New" pitchFamily="49" charset="0"/>
-              </a:rPr>
-              <a:t>FirstName</a:t>
-            </a:r>
-            <a:r>
-              <a:rPr lang="en-US" sz="1100" dirty="0">
-                <a:latin typeface="Courier New" pitchFamily="49" charset="0"/>
-                <a:cs typeface="Courier New" pitchFamily="49" charset="0"/>
-              </a:rPr>
-              <a:t>		VARCHAR(25),</a:t>
-            </a:r>
-          </a:p>
-          <a:p>
-            <a:pPr marL="0" indent="0">
-              <a:spcBef>
-                <a:spcPts val="0"/>
-              </a:spcBef>
-              <a:buNone/>
-            </a:pPr>
-            <a:r>
-              <a:rPr lang="en-US" sz="1100" dirty="0">
-                <a:latin typeface="Courier New" pitchFamily="49" charset="0"/>
-                <a:cs typeface="Courier New" pitchFamily="49" charset="0"/>
-              </a:rPr>
-              <a:t>	@</a:t>
-            </a:r>
-            <a:r>
-              <a:rPr lang="en-US" sz="1100" dirty="0" err="1">
-                <a:latin typeface="Courier New" pitchFamily="49" charset="0"/>
-                <a:cs typeface="Courier New" pitchFamily="49" charset="0"/>
-              </a:rPr>
-              <a:t>LastName</a:t>
-            </a:r>
-            <a:r>
-              <a:rPr lang="en-US" sz="1100" dirty="0">
-                <a:latin typeface="Courier New" pitchFamily="49" charset="0"/>
-                <a:cs typeface="Courier New" pitchFamily="49" charset="0"/>
-              </a:rPr>
-              <a:t>		VARCHAR(25)</a:t>
-            </a:r>
-          </a:p>
-          <a:p>
-            <a:pPr marL="0" indent="0">
-              <a:spcBef>
-                <a:spcPts val="0"/>
-              </a:spcBef>
-              <a:buNone/>
-            </a:pPr>
-            <a:r>
-              <a:rPr lang="en-US" sz="1100" dirty="0">
-                <a:latin typeface="Courier New" pitchFamily="49" charset="0"/>
-                <a:cs typeface="Courier New" pitchFamily="49" charset="0"/>
-              </a:rPr>
-              <a:t>)</a:t>
-            </a:r>
-          </a:p>
-          <a:p>
-            <a:pPr marL="0" indent="0">
-              <a:spcBef>
-                <a:spcPts val="0"/>
-              </a:spcBef>
-              <a:buNone/>
-            </a:pPr>
-            <a:r>
-              <a:rPr lang="en-US" sz="1100" dirty="0">
-                <a:latin typeface="Courier New" pitchFamily="49" charset="0"/>
-                <a:cs typeface="Courier New" pitchFamily="49" charset="0"/>
-              </a:rPr>
-              <a:t>AS</a:t>
-            </a:r>
-          </a:p>
-          <a:p>
-            <a:pPr marL="0" indent="0">
-              <a:spcBef>
-                <a:spcPts val="0"/>
-              </a:spcBef>
-              <a:buNone/>
-            </a:pPr>
-            <a:r>
-              <a:rPr lang="en-US" sz="1100" dirty="0">
-                <a:latin typeface="Courier New" pitchFamily="49" charset="0"/>
-                <a:cs typeface="Courier New" pitchFamily="49" charset="0"/>
-              </a:rPr>
-              <a:t>BEGIN</a:t>
-            </a:r>
-          </a:p>
-          <a:p>
-            <a:pPr marL="0" indent="0">
-              <a:spcBef>
-                <a:spcPts val="0"/>
-              </a:spcBef>
-              <a:buNone/>
-            </a:pPr>
-            <a:endParaRPr lang="en-US" sz="1100" dirty="0">
-              <a:latin typeface="Courier New" pitchFamily="49" charset="0"/>
-              <a:cs typeface="Courier New" pitchFamily="49" charset="0"/>
-            </a:endParaRPr>
-          </a:p>
-          <a:p>
-            <a:pPr marL="0" indent="0">
-              <a:spcBef>
-                <a:spcPts val="0"/>
-              </a:spcBef>
-              <a:buNone/>
-            </a:pPr>
-            <a:r>
-              <a:rPr lang="en-US" sz="1100" dirty="0">
-                <a:latin typeface="Courier New" pitchFamily="49" charset="0"/>
-                <a:cs typeface="Courier New" pitchFamily="49" charset="0"/>
-              </a:rPr>
-              <a:t>	DECLARE @Query		NVARCHAR(4000);</a:t>
-            </a:r>
-          </a:p>
-          <a:p>
-            <a:pPr marL="0" indent="0">
-              <a:spcBef>
-                <a:spcPts val="0"/>
-              </a:spcBef>
-              <a:buNone/>
-            </a:pPr>
-            <a:r>
-              <a:rPr lang="en-US" sz="1100" dirty="0">
-                <a:latin typeface="Courier New" pitchFamily="49" charset="0"/>
-                <a:cs typeface="Courier New" pitchFamily="49" charset="0"/>
-              </a:rPr>
-              <a:t>	DECLARE @Parameters		NVARCHAR(500);</a:t>
-            </a:r>
-          </a:p>
-          <a:p>
-            <a:pPr marL="0" indent="0">
-              <a:spcBef>
-                <a:spcPts val="0"/>
-              </a:spcBef>
-              <a:buNone/>
-            </a:pPr>
-            <a:endParaRPr lang="en-US" sz="1100" dirty="0">
-              <a:latin typeface="Courier New" pitchFamily="49" charset="0"/>
-              <a:cs typeface="Courier New" pitchFamily="49" charset="0"/>
-            </a:endParaRPr>
-          </a:p>
-          <a:p>
-            <a:pPr marL="0" indent="0">
-              <a:spcBef>
-                <a:spcPts val="0"/>
-              </a:spcBef>
-              <a:buNone/>
-            </a:pPr>
-            <a:r>
-              <a:rPr lang="en-US" sz="1100" dirty="0">
-                <a:latin typeface="Courier New" pitchFamily="49" charset="0"/>
-                <a:cs typeface="Courier New" pitchFamily="49" charset="0"/>
-              </a:rPr>
-              <a:t>	SET @Parameters = '@</a:t>
-            </a:r>
-            <a:r>
-              <a:rPr lang="en-US" sz="1100" dirty="0" err="1">
-                <a:latin typeface="Courier New" pitchFamily="49" charset="0"/>
-                <a:cs typeface="Courier New" pitchFamily="49" charset="0"/>
-              </a:rPr>
-              <a:t>LastName</a:t>
-            </a:r>
-            <a:r>
-              <a:rPr lang="en-US" sz="1100" dirty="0">
-                <a:latin typeface="Courier New" pitchFamily="49" charset="0"/>
-                <a:cs typeface="Courier New" pitchFamily="49" charset="0"/>
-              </a:rPr>
-              <a:t> VARCHAR(25), @</a:t>
-            </a:r>
-            <a:r>
-              <a:rPr lang="en-US" sz="1100" dirty="0" err="1">
-                <a:latin typeface="Courier New" pitchFamily="49" charset="0"/>
-                <a:cs typeface="Courier New" pitchFamily="49" charset="0"/>
-              </a:rPr>
-              <a:t>FirstName</a:t>
-            </a:r>
-            <a:r>
-              <a:rPr lang="en-US" sz="1100" dirty="0">
-                <a:latin typeface="Courier New" pitchFamily="49" charset="0"/>
-                <a:cs typeface="Courier New" pitchFamily="49" charset="0"/>
-              </a:rPr>
-              <a:t> VARCHAR(25)';</a:t>
-            </a:r>
-          </a:p>
-          <a:p>
-            <a:pPr marL="0" indent="0">
-              <a:spcBef>
-                <a:spcPts val="0"/>
-              </a:spcBef>
-              <a:buNone/>
-            </a:pPr>
-            <a:endParaRPr lang="en-US" sz="1100" dirty="0">
-              <a:latin typeface="Courier New" pitchFamily="49" charset="0"/>
-              <a:cs typeface="Courier New" pitchFamily="49" charset="0"/>
-            </a:endParaRPr>
-          </a:p>
-          <a:p>
-            <a:pPr marL="0" indent="0">
-              <a:spcBef>
-                <a:spcPts val="0"/>
-              </a:spcBef>
-              <a:buNone/>
-            </a:pPr>
-            <a:r>
-              <a:rPr lang="en-US" sz="1100" dirty="0">
-                <a:latin typeface="Courier New" pitchFamily="49" charset="0"/>
-                <a:cs typeface="Courier New" pitchFamily="49" charset="0"/>
-              </a:rPr>
-              <a:t>	SET @Query = 'SELECT </a:t>
-            </a:r>
-            <a:r>
-              <a:rPr lang="en-US" sz="1100" dirty="0" err="1">
-                <a:latin typeface="Courier New" pitchFamily="49" charset="0"/>
-                <a:cs typeface="Courier New" pitchFamily="49" charset="0"/>
-              </a:rPr>
-              <a:t>FirstName</a:t>
-            </a:r>
-            <a:r>
-              <a:rPr lang="en-US" sz="1100" dirty="0">
-                <a:latin typeface="Courier New" pitchFamily="49" charset="0"/>
-                <a:cs typeface="Courier New" pitchFamily="49" charset="0"/>
-              </a:rPr>
-              <a:t>, </a:t>
-            </a:r>
-            <a:r>
-              <a:rPr lang="en-US" sz="1100" dirty="0" err="1">
-                <a:latin typeface="Courier New" pitchFamily="49" charset="0"/>
-                <a:cs typeface="Courier New" pitchFamily="49" charset="0"/>
-              </a:rPr>
-              <a:t>LastName</a:t>
-            </a:r>
-            <a:r>
-              <a:rPr lang="en-US" sz="1100" dirty="0">
-                <a:latin typeface="Courier New" pitchFamily="49" charset="0"/>
-                <a:cs typeface="Courier New" pitchFamily="49" charset="0"/>
-              </a:rPr>
-              <a:t>, GPA FROM </a:t>
-            </a:r>
-            <a:r>
-              <a:rPr lang="en-US" sz="1100" dirty="0" err="1">
-                <a:latin typeface="Courier New" pitchFamily="49" charset="0"/>
-                <a:cs typeface="Courier New" pitchFamily="49" charset="0"/>
-              </a:rPr>
-              <a:t>dbo.Students</a:t>
-            </a:r>
-            <a:r>
-              <a:rPr lang="en-US" sz="1100" dirty="0">
-                <a:latin typeface="Courier New" pitchFamily="49" charset="0"/>
-                <a:cs typeface="Courier New" pitchFamily="49" charset="0"/>
-              </a:rPr>
-              <a:t> WHERE ';</a:t>
-            </a:r>
-          </a:p>
-          <a:p>
-            <a:pPr marL="0" indent="0">
-              <a:spcBef>
-                <a:spcPts val="0"/>
-              </a:spcBef>
-              <a:buNone/>
-            </a:pPr>
-            <a:r>
-              <a:rPr lang="en-US" sz="1100" dirty="0">
-                <a:latin typeface="Courier New" pitchFamily="49" charset="0"/>
-                <a:cs typeface="Courier New" pitchFamily="49" charset="0"/>
-              </a:rPr>
-              <a:t>	SET @Query = @Query + '</a:t>
-            </a:r>
-            <a:r>
-              <a:rPr lang="en-US" sz="1100" dirty="0" err="1">
-                <a:latin typeface="Courier New" pitchFamily="49" charset="0"/>
-                <a:cs typeface="Courier New" pitchFamily="49" charset="0"/>
-              </a:rPr>
-              <a:t>FirstName</a:t>
-            </a:r>
-            <a:r>
-              <a:rPr lang="en-US" sz="1100" dirty="0">
-                <a:latin typeface="Courier New" pitchFamily="49" charset="0"/>
-                <a:cs typeface="Courier New" pitchFamily="49" charset="0"/>
-              </a:rPr>
-              <a:t> = ''' + @</a:t>
-            </a:r>
-            <a:r>
-              <a:rPr lang="en-US" sz="1100" dirty="0" err="1">
-                <a:latin typeface="Courier New" pitchFamily="49" charset="0"/>
-                <a:cs typeface="Courier New" pitchFamily="49" charset="0"/>
-              </a:rPr>
-              <a:t>FirstName</a:t>
-            </a:r>
-            <a:r>
-              <a:rPr lang="en-US" sz="1100" dirty="0">
-                <a:latin typeface="Courier New" pitchFamily="49" charset="0"/>
-                <a:cs typeface="Courier New" pitchFamily="49" charset="0"/>
-              </a:rPr>
-              <a:t> + ''' AND </a:t>
-            </a:r>
-            <a:r>
-              <a:rPr lang="en-US" sz="1100" dirty="0" err="1">
-                <a:latin typeface="Courier New" pitchFamily="49" charset="0"/>
-                <a:cs typeface="Courier New" pitchFamily="49" charset="0"/>
-              </a:rPr>
-              <a:t>LastName</a:t>
-            </a:r>
-            <a:r>
-              <a:rPr lang="en-US" sz="1100" dirty="0">
-                <a:latin typeface="Courier New" pitchFamily="49" charset="0"/>
-                <a:cs typeface="Courier New" pitchFamily="49" charset="0"/>
-              </a:rPr>
-              <a:t> = ';</a:t>
-            </a:r>
-          </a:p>
-          <a:p>
-            <a:pPr marL="0" indent="0">
-              <a:spcBef>
-                <a:spcPts val="0"/>
-              </a:spcBef>
-              <a:buNone/>
-            </a:pPr>
-            <a:r>
-              <a:rPr lang="en-US" sz="1100" dirty="0">
-                <a:latin typeface="Courier New" pitchFamily="49" charset="0"/>
-                <a:cs typeface="Courier New" pitchFamily="49" charset="0"/>
-              </a:rPr>
-              <a:t>	SET @Query = @Query + '''' + @</a:t>
-            </a:r>
-            <a:r>
-              <a:rPr lang="en-US" sz="1100" dirty="0" err="1">
-                <a:latin typeface="Courier New" pitchFamily="49" charset="0"/>
-                <a:cs typeface="Courier New" pitchFamily="49" charset="0"/>
-              </a:rPr>
-              <a:t>LastName</a:t>
-            </a:r>
-            <a:r>
-              <a:rPr lang="en-US" sz="1100" dirty="0">
-                <a:latin typeface="Courier New" pitchFamily="49" charset="0"/>
-                <a:cs typeface="Courier New" pitchFamily="49" charset="0"/>
-              </a:rPr>
-              <a:t> + '''';</a:t>
-            </a:r>
-          </a:p>
-          <a:p>
-            <a:pPr marL="0" indent="0">
-              <a:spcBef>
-                <a:spcPts val="0"/>
-              </a:spcBef>
-              <a:buNone/>
-            </a:pPr>
-            <a:endParaRPr lang="en-US" sz="1100" dirty="0">
-              <a:latin typeface="Courier New" pitchFamily="49" charset="0"/>
-              <a:cs typeface="Courier New" pitchFamily="49" charset="0"/>
-            </a:endParaRPr>
-          </a:p>
-          <a:p>
-            <a:pPr marL="0" indent="0">
-              <a:spcBef>
-                <a:spcPts val="0"/>
-              </a:spcBef>
-              <a:buNone/>
-            </a:pPr>
-            <a:r>
-              <a:rPr lang="en-US" sz="1100" dirty="0">
-                <a:latin typeface="Courier New" pitchFamily="49" charset="0"/>
-                <a:cs typeface="Courier New" pitchFamily="49" charset="0"/>
-              </a:rPr>
-              <a:t>	EXEC </a:t>
-            </a:r>
-            <a:r>
-              <a:rPr lang="en-US" sz="1100" dirty="0" err="1">
-                <a:latin typeface="Courier New" pitchFamily="49" charset="0"/>
-                <a:cs typeface="Courier New" pitchFamily="49" charset="0"/>
-              </a:rPr>
-              <a:t>sp_executesql</a:t>
-            </a:r>
-            <a:r>
-              <a:rPr lang="en-US" sz="1100" dirty="0">
-                <a:latin typeface="Courier New" pitchFamily="49" charset="0"/>
-                <a:cs typeface="Courier New" pitchFamily="49" charset="0"/>
-              </a:rPr>
-              <a:t> @Query, @Parameters, @</a:t>
-            </a:r>
-            <a:r>
-              <a:rPr lang="en-US" sz="1100" dirty="0" err="1">
-                <a:latin typeface="Courier New" pitchFamily="49" charset="0"/>
-                <a:cs typeface="Courier New" pitchFamily="49" charset="0"/>
-              </a:rPr>
-              <a:t>FirstName</a:t>
-            </a:r>
-            <a:r>
-              <a:rPr lang="en-US" sz="1100" dirty="0">
-                <a:latin typeface="Courier New" pitchFamily="49" charset="0"/>
-                <a:cs typeface="Courier New" pitchFamily="49" charset="0"/>
-              </a:rPr>
-              <a:t>, @</a:t>
-            </a:r>
-            <a:r>
-              <a:rPr lang="en-US" sz="1100" dirty="0" err="1">
-                <a:latin typeface="Courier New" pitchFamily="49" charset="0"/>
-                <a:cs typeface="Courier New" pitchFamily="49" charset="0"/>
-              </a:rPr>
-              <a:t>LastName</a:t>
-            </a:r>
-            <a:r>
-              <a:rPr lang="en-US" sz="1100" dirty="0">
-                <a:latin typeface="Courier New" pitchFamily="49" charset="0"/>
-                <a:cs typeface="Courier New" pitchFamily="49" charset="0"/>
-              </a:rPr>
-              <a:t>;</a:t>
-            </a:r>
-          </a:p>
-          <a:p>
-            <a:pPr marL="0" indent="0">
-              <a:spcBef>
-                <a:spcPts val="0"/>
-              </a:spcBef>
-              <a:buNone/>
-            </a:pPr>
-            <a:endParaRPr lang="en-US" sz="1100" dirty="0">
-              <a:latin typeface="Courier New" pitchFamily="49" charset="0"/>
-              <a:cs typeface="Courier New" pitchFamily="49" charset="0"/>
-            </a:endParaRPr>
-          </a:p>
-          <a:p>
-            <a:pPr marL="0" indent="0">
-              <a:spcBef>
-                <a:spcPts val="0"/>
-              </a:spcBef>
-              <a:buNone/>
-            </a:pPr>
-            <a:r>
-              <a:rPr lang="en-US" sz="1100" dirty="0">
-                <a:latin typeface="Courier New" pitchFamily="49" charset="0"/>
-                <a:cs typeface="Courier New" pitchFamily="49" charset="0"/>
-              </a:rPr>
-              <a:t>END;</a:t>
-            </a:r>
-          </a:p>
-        </p:txBody>
-      </p:sp>
-    </p:spTree>
-    <p:extLst>
-      <p:ext uri="{BB962C8B-B14F-4D97-AF65-F5344CB8AC3E}">
-        <p14:creationId xmlns:p14="http://schemas.microsoft.com/office/powerpoint/2010/main" val="3793551887"/>
-      </p:ext>
-    </p:extLst>
-  </p:cSld>
-  <p:clrMapOvr>
-    <a:masterClrMapping/>
-  </p:clrMapOvr>
-  <p:timing>
-    <p:tnLst>
-      <p:par>
-        <p:cTn id="1" dur="indefinite" restart="never" nodeType="tmRoot"/>
-      </p:par>
-    </p:tnLst>
-  </p:timing>
-</p:sld>
-</file>
-
-<file path=ppt/slides/slide25.xml><?xml version="1.0" encoding="utf-8"?>
-<p:sld xmlns:a="http://schemas.openxmlformats.org/drawingml/2006/main" xmlns:r="http://schemas.openxmlformats.org/officeDocument/2006/relationships" xmlns:p="http://schemas.openxmlformats.org/presentationml/2006/main">
-  <p:cSld>
-    <p:spTree>
-      <p:nvGrpSpPr>
-        <p:cNvPr id="1" name=""/>
-        <p:cNvGrpSpPr/>
-        <p:nvPr/>
-      </p:nvGrpSpPr>
-      <p:grpSpPr>
-        <a:xfrm>
-          <a:off x="0" y="0"/>
-          <a:ext cx="0" cy="0"/>
-          <a:chOff x="0" y="0"/>
-          <a:chExt cx="0" cy="0"/>
-        </a:xfrm>
-      </p:grpSpPr>
-      <p:sp>
-        <p:nvSpPr>
-          <p:cNvPr id="2" name="Title 1"/>
-          <p:cNvSpPr>
-            <a:spLocks noGrp="1"/>
-          </p:cNvSpPr>
-          <p:nvPr>
-            <p:ph type="title"/>
-          </p:nvPr>
-        </p:nvSpPr>
-        <p:spPr>
-          <a:xfrm>
-            <a:off x="513708" y="58738"/>
-            <a:ext cx="8517580" cy="1138237"/>
-          </a:xfrm>
-        </p:spPr>
-        <p:txBody>
-          <a:bodyPr/>
-          <a:lstStyle/>
-          <a:p>
-            <a:r>
-              <a:rPr lang="en-US" dirty="0" smtClean="0">
-                <a:latin typeface="Arial" pitchFamily="34" charset="0"/>
-                <a:cs typeface="Arial" pitchFamily="34" charset="0"/>
-              </a:rPr>
-              <a:t>MySQL Prepared Statements</a:t>
-            </a:r>
-            <a:endParaRPr lang="en-US" dirty="0">
-              <a:latin typeface="Arial" pitchFamily="34" charset="0"/>
-              <a:cs typeface="Arial" pitchFamily="34" charset="0"/>
-            </a:endParaRPr>
-          </a:p>
-        </p:txBody>
-      </p:sp>
-      <p:sp>
-        <p:nvSpPr>
-          <p:cNvPr id="3" name="Content Placeholder 2"/>
-          <p:cNvSpPr>
-            <a:spLocks noGrp="1"/>
-          </p:cNvSpPr>
-          <p:nvPr>
-            <p:ph idx="1"/>
-          </p:nvPr>
-        </p:nvSpPr>
-        <p:spPr>
-          <a:xfrm>
-            <a:off x="390418" y="1356189"/>
-            <a:ext cx="8640870" cy="4397339"/>
-          </a:xfrm>
-        </p:spPr>
-        <p:txBody>
-          <a:bodyPr/>
-          <a:lstStyle/>
-          <a:p>
-            <a:pPr marL="0" indent="0">
-              <a:spcBef>
-                <a:spcPts val="0"/>
-              </a:spcBef>
-              <a:buNone/>
-            </a:pPr>
-            <a:r>
-              <a:rPr lang="en-US" sz="1600" dirty="0">
-                <a:latin typeface="Courier New" pitchFamily="49" charset="0"/>
-                <a:cs typeface="Courier New" pitchFamily="49" charset="0"/>
-              </a:rPr>
-              <a:t>--	</a:t>
-            </a:r>
-            <a:r>
-              <a:rPr lang="en-US" sz="1600" dirty="0" smtClean="0">
-                <a:latin typeface="Courier New" pitchFamily="49" charset="0"/>
-                <a:cs typeface="Courier New" pitchFamily="49" charset="0"/>
-              </a:rPr>
-              <a:t>Prepared statement </a:t>
-            </a:r>
-            <a:r>
-              <a:rPr lang="en-US" sz="1600" dirty="0">
-                <a:latin typeface="Courier New" pitchFamily="49" charset="0"/>
-                <a:cs typeface="Courier New" pitchFamily="49" charset="0"/>
-              </a:rPr>
-              <a:t>example</a:t>
-            </a:r>
-          </a:p>
-          <a:p>
-            <a:pPr marL="0" indent="0">
-              <a:spcBef>
-                <a:spcPts val="0"/>
-              </a:spcBef>
-              <a:buNone/>
-            </a:pPr>
-            <a:r>
-              <a:rPr lang="en-US" sz="1600" dirty="0">
-                <a:latin typeface="Courier New" pitchFamily="49" charset="0"/>
-                <a:cs typeface="Courier New" pitchFamily="49" charset="0"/>
-              </a:rPr>
-              <a:t>PREPARE statement FROM "SELECT </a:t>
-            </a:r>
-            <a:r>
-              <a:rPr lang="en-US" sz="1600" dirty="0" err="1">
-                <a:latin typeface="Courier New" pitchFamily="49" charset="0"/>
-                <a:cs typeface="Courier New" pitchFamily="49" charset="0"/>
-              </a:rPr>
-              <a:t>FirstName</a:t>
-            </a:r>
-            <a:r>
-              <a:rPr lang="en-US" sz="1600" dirty="0">
-                <a:latin typeface="Courier New" pitchFamily="49" charset="0"/>
-                <a:cs typeface="Courier New" pitchFamily="49" charset="0"/>
-              </a:rPr>
-              <a:t>, </a:t>
-            </a:r>
-            <a:r>
-              <a:rPr lang="en-US" sz="1600" dirty="0" err="1">
-                <a:latin typeface="Courier New" pitchFamily="49" charset="0"/>
-                <a:cs typeface="Courier New" pitchFamily="49" charset="0"/>
-              </a:rPr>
-              <a:t>LastName</a:t>
-            </a:r>
-            <a:r>
-              <a:rPr lang="en-US" sz="1600" dirty="0">
-                <a:latin typeface="Courier New" pitchFamily="49" charset="0"/>
-                <a:cs typeface="Courier New" pitchFamily="49" charset="0"/>
-              </a:rPr>
-              <a:t>, GPA FROM Students WHERE </a:t>
-            </a:r>
-            <a:r>
-              <a:rPr lang="en-US" sz="1600" dirty="0" err="1">
-                <a:latin typeface="Courier New" pitchFamily="49" charset="0"/>
-                <a:cs typeface="Courier New" pitchFamily="49" charset="0"/>
-              </a:rPr>
-              <a:t>FirstName</a:t>
-            </a:r>
-            <a:r>
-              <a:rPr lang="en-US" sz="1600" dirty="0">
-                <a:latin typeface="Courier New" pitchFamily="49" charset="0"/>
-                <a:cs typeface="Courier New" pitchFamily="49" charset="0"/>
-              </a:rPr>
-              <a:t> = ? AND </a:t>
-            </a:r>
-            <a:r>
-              <a:rPr lang="en-US" sz="1600" dirty="0" err="1">
-                <a:latin typeface="Courier New" pitchFamily="49" charset="0"/>
-                <a:cs typeface="Courier New" pitchFamily="49" charset="0"/>
-              </a:rPr>
-              <a:t>LastName</a:t>
-            </a:r>
-            <a:r>
-              <a:rPr lang="en-US" sz="1600" dirty="0">
-                <a:latin typeface="Courier New" pitchFamily="49" charset="0"/>
-                <a:cs typeface="Courier New" pitchFamily="49" charset="0"/>
-              </a:rPr>
-              <a:t> = ?";</a:t>
-            </a:r>
-          </a:p>
-          <a:p>
-            <a:pPr marL="0" indent="0">
-              <a:spcBef>
-                <a:spcPts val="0"/>
-              </a:spcBef>
-              <a:buNone/>
-            </a:pPr>
-            <a:endParaRPr lang="en-US" sz="1600" dirty="0">
-              <a:latin typeface="Courier New" pitchFamily="49" charset="0"/>
-              <a:cs typeface="Courier New" pitchFamily="49" charset="0"/>
-            </a:endParaRPr>
-          </a:p>
-          <a:p>
-            <a:pPr marL="0" indent="0">
-              <a:spcBef>
-                <a:spcPts val="0"/>
-              </a:spcBef>
-              <a:buNone/>
-            </a:pPr>
-            <a:r>
-              <a:rPr lang="en-US" sz="1600" dirty="0">
-                <a:latin typeface="Courier New" pitchFamily="49" charset="0"/>
-                <a:cs typeface="Courier New" pitchFamily="49" charset="0"/>
-              </a:rPr>
-              <a:t>SET</a:t>
-            </a:r>
-          </a:p>
-          <a:p>
-            <a:pPr marL="0" indent="0">
-              <a:spcBef>
-                <a:spcPts val="0"/>
-              </a:spcBef>
-              <a:buNone/>
-            </a:pPr>
-            <a:r>
-              <a:rPr lang="en-US" sz="1600" dirty="0">
-                <a:latin typeface="Courier New" pitchFamily="49" charset="0"/>
-                <a:cs typeface="Courier New" pitchFamily="49" charset="0"/>
-              </a:rPr>
-              <a:t>	@</a:t>
-            </a:r>
-            <a:r>
-              <a:rPr lang="en-US" sz="1600" dirty="0" err="1">
-                <a:latin typeface="Courier New" pitchFamily="49" charset="0"/>
-                <a:cs typeface="Courier New" pitchFamily="49" charset="0"/>
-              </a:rPr>
-              <a:t>FirstName</a:t>
-            </a:r>
-            <a:r>
-              <a:rPr lang="en-US" sz="1600" dirty="0">
-                <a:latin typeface="Courier New" pitchFamily="49" charset="0"/>
-                <a:cs typeface="Courier New" pitchFamily="49" charset="0"/>
-              </a:rPr>
-              <a:t> = 'Robert',</a:t>
-            </a:r>
-          </a:p>
-          <a:p>
-            <a:pPr marL="0" indent="0">
-              <a:spcBef>
-                <a:spcPts val="0"/>
-              </a:spcBef>
-              <a:buNone/>
-            </a:pPr>
-            <a:r>
-              <a:rPr lang="en-US" sz="1600" dirty="0">
-                <a:latin typeface="Courier New" pitchFamily="49" charset="0"/>
-                <a:cs typeface="Courier New" pitchFamily="49" charset="0"/>
-              </a:rPr>
-              <a:t>	@</a:t>
-            </a:r>
-            <a:r>
-              <a:rPr lang="en-US" sz="1600" dirty="0" err="1">
-                <a:latin typeface="Courier New" pitchFamily="49" charset="0"/>
-                <a:cs typeface="Courier New" pitchFamily="49" charset="0"/>
-              </a:rPr>
-              <a:t>LastName</a:t>
-            </a:r>
-            <a:r>
-              <a:rPr lang="en-US" sz="1600" dirty="0">
-                <a:latin typeface="Courier New" pitchFamily="49" charset="0"/>
-                <a:cs typeface="Courier New" pitchFamily="49" charset="0"/>
-              </a:rPr>
-              <a:t> = 'Smith';</a:t>
-            </a:r>
-          </a:p>
-          <a:p>
-            <a:pPr marL="0" indent="0">
-              <a:spcBef>
-                <a:spcPts val="0"/>
-              </a:spcBef>
-              <a:buNone/>
-            </a:pPr>
-            <a:endParaRPr lang="en-US" sz="1600" dirty="0">
-              <a:latin typeface="Courier New" pitchFamily="49" charset="0"/>
-              <a:cs typeface="Courier New" pitchFamily="49" charset="0"/>
-            </a:endParaRPr>
-          </a:p>
-          <a:p>
-            <a:pPr marL="0" indent="0">
-              <a:spcBef>
-                <a:spcPts val="0"/>
-              </a:spcBef>
-              <a:buNone/>
-            </a:pPr>
-            <a:r>
-              <a:rPr lang="en-US" sz="1600" dirty="0">
-                <a:latin typeface="Courier New" pitchFamily="49" charset="0"/>
-                <a:cs typeface="Courier New" pitchFamily="49" charset="0"/>
-              </a:rPr>
-              <a:t>EXECUTE statement USING @</a:t>
-            </a:r>
-            <a:r>
-              <a:rPr lang="en-US" sz="1600" dirty="0" err="1">
-                <a:latin typeface="Courier New" pitchFamily="49" charset="0"/>
-                <a:cs typeface="Courier New" pitchFamily="49" charset="0"/>
-              </a:rPr>
-              <a:t>FirstName</a:t>
-            </a:r>
-            <a:r>
-              <a:rPr lang="en-US" sz="1600" dirty="0">
-                <a:latin typeface="Courier New" pitchFamily="49" charset="0"/>
-                <a:cs typeface="Courier New" pitchFamily="49" charset="0"/>
-              </a:rPr>
-              <a:t>, @</a:t>
-            </a:r>
-            <a:r>
-              <a:rPr lang="en-US" sz="1600" dirty="0" err="1" smtClean="0">
-                <a:latin typeface="Courier New" pitchFamily="49" charset="0"/>
-                <a:cs typeface="Courier New" pitchFamily="49" charset="0"/>
-              </a:rPr>
-              <a:t>LastName</a:t>
-            </a:r>
-            <a:r>
-              <a:rPr lang="en-US" sz="1600" dirty="0" smtClean="0">
-                <a:latin typeface="Courier New" pitchFamily="49" charset="0"/>
-                <a:cs typeface="Courier New" pitchFamily="49" charset="0"/>
-              </a:rPr>
-              <a:t>;</a:t>
-            </a:r>
-            <a:endParaRPr lang="en-US" sz="1600" dirty="0">
-              <a:latin typeface="Courier New" pitchFamily="49" charset="0"/>
-              <a:cs typeface="Courier New" pitchFamily="49" charset="0"/>
-            </a:endParaRPr>
-          </a:p>
-          <a:p>
-            <a:pPr marL="0" indent="0">
-              <a:spcBef>
-                <a:spcPts val="0"/>
-              </a:spcBef>
-              <a:buNone/>
-            </a:pPr>
-            <a:endParaRPr lang="en-US" sz="1600" dirty="0" smtClean="0">
-              <a:latin typeface="Courier New" pitchFamily="49" charset="0"/>
-              <a:cs typeface="Courier New" pitchFamily="49" charset="0"/>
-            </a:endParaRPr>
-          </a:p>
-          <a:p>
-            <a:pPr marL="0" indent="0">
-              <a:spcBef>
-                <a:spcPts val="0"/>
-              </a:spcBef>
-              <a:buNone/>
-            </a:pPr>
-            <a:r>
-              <a:rPr lang="en-US" sz="1600" dirty="0" smtClean="0">
-                <a:latin typeface="Courier New" pitchFamily="49" charset="0"/>
-                <a:cs typeface="Courier New" pitchFamily="49" charset="0"/>
-              </a:rPr>
-              <a:t>DEALLOCATE </a:t>
-            </a:r>
-            <a:r>
-              <a:rPr lang="en-US" sz="1600" dirty="0">
-                <a:latin typeface="Courier New" pitchFamily="49" charset="0"/>
-                <a:cs typeface="Courier New" pitchFamily="49" charset="0"/>
-              </a:rPr>
-              <a:t>PREPARE statement;</a:t>
-            </a:r>
-          </a:p>
-          <a:p>
-            <a:pPr marL="0" indent="0">
-              <a:spcBef>
-                <a:spcPts val="0"/>
-              </a:spcBef>
-              <a:buNone/>
-            </a:pPr>
-            <a:endParaRPr lang="en-US" sz="1600" dirty="0">
-              <a:latin typeface="Courier New" pitchFamily="49" charset="0"/>
-              <a:cs typeface="Courier New" pitchFamily="49" charset="0"/>
-            </a:endParaRPr>
-          </a:p>
-        </p:txBody>
-      </p:sp>
-    </p:spTree>
-    <p:extLst>
-      <p:ext uri="{BB962C8B-B14F-4D97-AF65-F5344CB8AC3E}">
-        <p14:creationId xmlns:p14="http://schemas.microsoft.com/office/powerpoint/2010/main" val="1151853797"/>
-      </p:ext>
-    </p:extLst>
-  </p:cSld>
-  <p:clrMapOvr>
-    <a:masterClrMapping/>
-  </p:clrMapOvr>
-  <p:timing>
-    <p:tnLst>
-      <p:par>
-        <p:cTn id="1" dur="indefinite" restart="never" nodeType="tmRoot"/>
-      </p:par>
-    </p:tnLst>
-  </p:timing>
-</p:sld>
-</file>
-
-<file path=ppt/slides/slide26.xml><?xml version="1.0" encoding="utf-8"?>
-<p:sld xmlns:a="http://schemas.openxmlformats.org/drawingml/2006/main" xmlns:r="http://schemas.openxmlformats.org/officeDocument/2006/relationships" xmlns:p="http://schemas.openxmlformats.org/presentationml/2006/main">
-  <p:cSld>
-    <p:spTree>
-      <p:nvGrpSpPr>
-        <p:cNvPr id="1" name=""/>
-        <p:cNvGrpSpPr/>
-        <p:nvPr/>
-      </p:nvGrpSpPr>
-      <p:grpSpPr>
-        <a:xfrm>
-          <a:off x="0" y="0"/>
-          <a:ext cx="0" cy="0"/>
-          <a:chOff x="0" y="0"/>
-          <a:chExt cx="0" cy="0"/>
-        </a:xfrm>
-      </p:grpSpPr>
-      <p:sp>
-        <p:nvSpPr>
-          <p:cNvPr id="2" name="Title 1"/>
-          <p:cNvSpPr>
-            <a:spLocks noGrp="1"/>
-          </p:cNvSpPr>
-          <p:nvPr>
-            <p:ph type="title"/>
-          </p:nvPr>
-        </p:nvSpPr>
-        <p:spPr>
-          <a:xfrm>
-            <a:off x="513708" y="58738"/>
-            <a:ext cx="8517580" cy="1138237"/>
-          </a:xfrm>
-        </p:spPr>
-        <p:txBody>
-          <a:bodyPr/>
-          <a:lstStyle/>
-          <a:p>
-            <a:r>
-              <a:rPr lang="en-US" dirty="0" smtClean="0">
-                <a:latin typeface="Arial" pitchFamily="34" charset="0"/>
-                <a:cs typeface="Arial" pitchFamily="34" charset="0"/>
-              </a:rPr>
-              <a:t>Security Best Practices</a:t>
-            </a:r>
-            <a:endParaRPr lang="en-US" dirty="0">
-              <a:latin typeface="Arial" pitchFamily="34" charset="0"/>
-              <a:cs typeface="Arial" pitchFamily="34" charset="0"/>
-            </a:endParaRPr>
-          </a:p>
-        </p:txBody>
-      </p:sp>
-      <p:sp>
-        <p:nvSpPr>
-          <p:cNvPr id="3" name="Content Placeholder 2"/>
-          <p:cNvSpPr>
-            <a:spLocks noGrp="1"/>
-          </p:cNvSpPr>
-          <p:nvPr>
-            <p:ph idx="1"/>
-          </p:nvPr>
-        </p:nvSpPr>
-        <p:spPr>
-          <a:xfrm>
-            <a:off x="390418" y="1356189"/>
-            <a:ext cx="8640870" cy="4397339"/>
-          </a:xfrm>
-        </p:spPr>
-        <p:txBody>
-          <a:bodyPr/>
-          <a:lstStyle/>
-          <a:p>
-            <a:pPr marL="0" indent="0">
-              <a:spcBef>
-                <a:spcPts val="0"/>
-              </a:spcBef>
-              <a:buNone/>
-            </a:pPr>
-            <a:r>
-              <a:rPr lang="en-US" dirty="0" smtClean="0">
-                <a:latin typeface="Arial" pitchFamily="34" charset="0"/>
-                <a:cs typeface="Arial" pitchFamily="34" charset="0"/>
-              </a:rPr>
-              <a:t>Specific database login for the data layer</a:t>
-            </a:r>
-          </a:p>
-          <a:p>
-            <a:pPr marL="0" indent="0">
-              <a:spcBef>
-                <a:spcPts val="0"/>
-              </a:spcBef>
-              <a:buNone/>
-            </a:pPr>
-            <a:endParaRPr lang="en-US" dirty="0">
-              <a:latin typeface="Arial" pitchFamily="34" charset="0"/>
-              <a:cs typeface="Arial" pitchFamily="34" charset="0"/>
-            </a:endParaRPr>
-          </a:p>
-          <a:p>
-            <a:pPr marL="0" indent="0">
-              <a:spcBef>
-                <a:spcPts val="0"/>
-              </a:spcBef>
-              <a:buNone/>
-            </a:pPr>
-            <a:r>
-              <a:rPr lang="en-US" dirty="0" smtClean="0">
-                <a:latin typeface="Arial" pitchFamily="34" charset="0"/>
-                <a:cs typeface="Arial" pitchFamily="34" charset="0"/>
-              </a:rPr>
-              <a:t>Only has access to CRUD (create, read, update, delete) actions on needed tables and stored procedures</a:t>
-            </a:r>
-          </a:p>
-          <a:p>
-            <a:pPr marL="0" indent="0">
-              <a:spcBef>
-                <a:spcPts val="0"/>
-              </a:spcBef>
-              <a:buNone/>
-            </a:pPr>
-            <a:endParaRPr lang="en-US" dirty="0">
-              <a:latin typeface="Arial" pitchFamily="34" charset="0"/>
-              <a:cs typeface="Arial" pitchFamily="34" charset="0"/>
-            </a:endParaRPr>
-          </a:p>
-          <a:p>
-            <a:pPr marL="0" indent="0">
-              <a:spcBef>
-                <a:spcPts val="0"/>
-              </a:spcBef>
-              <a:buNone/>
-            </a:pPr>
-            <a:r>
-              <a:rPr lang="en-US" dirty="0" smtClean="0">
-                <a:latin typeface="Arial" pitchFamily="34" charset="0"/>
-                <a:cs typeface="Arial" pitchFamily="34" charset="0"/>
-              </a:rPr>
-              <a:t>Principle of least privilege: </a:t>
-            </a:r>
-            <a:r>
-              <a:rPr lang="en-US" u="sng" dirty="0" smtClean="0">
-                <a:latin typeface="Arial" pitchFamily="34" charset="0"/>
-                <a:cs typeface="Arial" pitchFamily="34" charset="0"/>
-              </a:rPr>
-              <a:t>Minimum but Necessary</a:t>
-            </a:r>
-            <a:endParaRPr lang="en-US" u="sng" dirty="0">
-              <a:latin typeface="Arial" pitchFamily="34" charset="0"/>
-              <a:cs typeface="Arial" pitchFamily="34" charset="0"/>
-            </a:endParaRPr>
-          </a:p>
-        </p:txBody>
-      </p:sp>
-    </p:spTree>
-    <p:extLst>
-      <p:ext uri="{BB962C8B-B14F-4D97-AF65-F5344CB8AC3E}">
-        <p14:creationId xmlns:p14="http://schemas.microsoft.com/office/powerpoint/2010/main" val="3220881766"/>
-      </p:ext>
-    </p:extLst>
-  </p:cSld>
-  <p:clrMapOvr>
-    <a:masterClrMapping/>
-  </p:clrMapOvr>
-  <p:timing>
-    <p:tnLst>
-      <p:par>
-        <p:cTn id="1" dur="indefinite" restart="never" nodeType="tmRoot"/>
-      </p:par>
-    </p:tnLst>
-  </p:timing>
-</p:sld>
-</file>
-
-<file path=ppt/slides/slide27.xml><?xml version="1.0" encoding="utf-8"?>
-<p:sld xmlns:a="http://schemas.openxmlformats.org/drawingml/2006/main" xmlns:r="http://schemas.openxmlformats.org/officeDocument/2006/relationships" xmlns:p="http://schemas.openxmlformats.org/presentationml/2006/main">
-  <p:cSld>
-    <p:spTree>
-      <p:nvGrpSpPr>
-        <p:cNvPr id="1" name=""/>
-        <p:cNvGrpSpPr/>
-        <p:nvPr/>
-      </p:nvGrpSpPr>
-      <p:grpSpPr>
-        <a:xfrm>
-          <a:off x="0" y="0"/>
-          <a:ext cx="0" cy="0"/>
-          <a:chOff x="0" y="0"/>
-          <a:chExt cx="0" cy="0"/>
-        </a:xfrm>
-      </p:grpSpPr>
-      <p:sp>
-        <p:nvSpPr>
-          <p:cNvPr id="2" name="Title 1"/>
-          <p:cNvSpPr>
-            <a:spLocks noGrp="1"/>
-          </p:cNvSpPr>
-          <p:nvPr>
-            <p:ph type="title"/>
-          </p:nvPr>
-        </p:nvSpPr>
-        <p:spPr>
-          <a:xfrm>
-            <a:off x="513708" y="58738"/>
-            <a:ext cx="8517580" cy="1138237"/>
-          </a:xfrm>
-        </p:spPr>
-        <p:txBody>
-          <a:bodyPr/>
-          <a:lstStyle/>
-          <a:p>
-            <a:r>
-              <a:rPr lang="en-US" dirty="0" smtClean="0">
-                <a:latin typeface="Arial" pitchFamily="34" charset="0"/>
-                <a:cs typeface="Arial" pitchFamily="34" charset="0"/>
-              </a:rPr>
-              <a:t>Additional LAMP Practice</a:t>
-            </a:r>
-            <a:endParaRPr lang="en-US" dirty="0">
-              <a:latin typeface="Arial" pitchFamily="34" charset="0"/>
-              <a:cs typeface="Arial" pitchFamily="34" charset="0"/>
-            </a:endParaRPr>
-          </a:p>
-        </p:txBody>
-      </p:sp>
-      <p:sp>
-        <p:nvSpPr>
-          <p:cNvPr id="3" name="Content Placeholder 2"/>
-          <p:cNvSpPr>
-            <a:spLocks noGrp="1"/>
-          </p:cNvSpPr>
-          <p:nvPr>
-            <p:ph idx="1"/>
-          </p:nvPr>
-        </p:nvSpPr>
-        <p:spPr>
-          <a:xfrm>
-            <a:off x="390418" y="1356189"/>
-            <a:ext cx="8640870" cy="4397339"/>
-          </a:xfrm>
-        </p:spPr>
-        <p:txBody>
-          <a:bodyPr/>
-          <a:lstStyle/>
-          <a:p>
-            <a:pPr marL="0" indent="0">
-              <a:spcBef>
-                <a:spcPts val="0"/>
-              </a:spcBef>
-              <a:buNone/>
-            </a:pPr>
-            <a:r>
-              <a:rPr lang="en-US" dirty="0" smtClean="0">
-                <a:latin typeface="Arial" pitchFamily="34" charset="0"/>
-                <a:cs typeface="Arial" pitchFamily="34" charset="0"/>
-              </a:rPr>
-              <a:t>Watch out for other types of code injection</a:t>
-            </a:r>
-          </a:p>
-          <a:p>
-            <a:pPr marL="0" indent="0">
-              <a:spcBef>
-                <a:spcPts val="0"/>
-              </a:spcBef>
-              <a:buNone/>
-            </a:pPr>
-            <a:endParaRPr lang="en-US" u="sng" dirty="0">
-              <a:latin typeface="Arial" pitchFamily="34" charset="0"/>
-              <a:cs typeface="Arial" pitchFamily="34" charset="0"/>
-            </a:endParaRPr>
-          </a:p>
-          <a:p>
-            <a:pPr marL="0" indent="0">
-              <a:spcBef>
-                <a:spcPts val="0"/>
-              </a:spcBef>
-              <a:buNone/>
-            </a:pPr>
-            <a:r>
-              <a:rPr lang="en-US" u="sng" dirty="0" smtClean="0">
-                <a:latin typeface="Arial" pitchFamily="34" charset="0"/>
-                <a:cs typeface="Arial" pitchFamily="34" charset="0"/>
-              </a:rPr>
-              <a:t>HTML injection</a:t>
-            </a:r>
-          </a:p>
-          <a:p>
-            <a:pPr marL="0" indent="0">
-              <a:spcBef>
-                <a:spcPts val="0"/>
-              </a:spcBef>
-              <a:buNone/>
-            </a:pPr>
-            <a:endParaRPr lang="en-US" u="sng" dirty="0">
-              <a:latin typeface="Arial" pitchFamily="34" charset="0"/>
-              <a:cs typeface="Arial" pitchFamily="34" charset="0"/>
-            </a:endParaRPr>
-          </a:p>
-          <a:p>
-            <a:pPr marL="0" indent="0">
-              <a:spcBef>
-                <a:spcPts val="0"/>
-              </a:spcBef>
-              <a:buNone/>
-            </a:pPr>
-            <a:r>
-              <a:rPr lang="en-US" u="sng" dirty="0" smtClean="0">
-                <a:latin typeface="Arial" pitchFamily="34" charset="0"/>
-                <a:cs typeface="Arial" pitchFamily="34" charset="0"/>
-              </a:rPr>
-              <a:t>Cross-site scripting (CSS) injection</a:t>
-            </a:r>
-            <a:endParaRPr lang="en-US" u="sng" dirty="0">
-              <a:latin typeface="Arial" pitchFamily="34" charset="0"/>
-              <a:cs typeface="Arial" pitchFamily="34" charset="0"/>
-            </a:endParaRPr>
-          </a:p>
-        </p:txBody>
-      </p:sp>
-    </p:spTree>
-    <p:extLst>
-      <p:ext uri="{BB962C8B-B14F-4D97-AF65-F5344CB8AC3E}">
-        <p14:creationId xmlns:p14="http://schemas.microsoft.com/office/powerpoint/2010/main" val="1122564012"/>
-      </p:ext>
-    </p:extLst>
-  </p:cSld>
-  <p:clrMapOvr>
-    <a:masterClrMapping/>
-  </p:clrMapOvr>
-  <p:timing>
-    <p:tnLst>
-      <p:par>
-        <p:cTn id="1" dur="indefinite" restart="never" nodeType="tmRoot"/>
-      </p:par>
-    </p:tnLst>
-  </p:timing>
-</p:sld>
-</file>
-
-<file path=ppt/slides/slide28.xml><?xml version="1.0" encoding="utf-8"?>
-<p:sld xmlns:a="http://schemas.openxmlformats.org/drawingml/2006/main" xmlns:r="http://schemas.openxmlformats.org/officeDocument/2006/relationships" xmlns:p="http://schemas.openxmlformats.org/presentationml/2006/main">
-  <p:cSld>
-    <p:spTree>
-      <p:nvGrpSpPr>
-        <p:cNvPr id="1" name=""/>
-        <p:cNvGrpSpPr/>
-        <p:nvPr/>
-      </p:nvGrpSpPr>
-      <p:grpSpPr>
-        <a:xfrm>
-          <a:off x="0" y="0"/>
-          <a:ext cx="0" cy="0"/>
-          <a:chOff x="0" y="0"/>
-          <a:chExt cx="0" cy="0"/>
-        </a:xfrm>
-      </p:grpSpPr>
-      <p:sp>
-        <p:nvSpPr>
-          <p:cNvPr id="2" name="Title 1"/>
-          <p:cNvSpPr>
-            <a:spLocks noGrp="1"/>
-          </p:cNvSpPr>
-          <p:nvPr>
-            <p:ph type="title"/>
-          </p:nvPr>
-        </p:nvSpPr>
-        <p:spPr>
-          <a:xfrm>
-            <a:off x="513708" y="58738"/>
-            <a:ext cx="8517580" cy="1138237"/>
-          </a:xfrm>
-        </p:spPr>
-        <p:txBody>
-          <a:bodyPr/>
-          <a:lstStyle/>
-          <a:p>
-            <a:r>
-              <a:rPr lang="en-US" dirty="0" smtClean="0">
-                <a:latin typeface="Arial" pitchFamily="34" charset="0"/>
-                <a:cs typeface="Arial" pitchFamily="34" charset="0"/>
-              </a:rPr>
-              <a:t>Resources</a:t>
-            </a:r>
-            <a:endParaRPr lang="en-US" dirty="0">
-              <a:latin typeface="Arial" pitchFamily="34" charset="0"/>
-              <a:cs typeface="Arial" pitchFamily="34" charset="0"/>
-            </a:endParaRPr>
-          </a:p>
-        </p:txBody>
-      </p:sp>
-      <p:sp>
-        <p:nvSpPr>
-          <p:cNvPr id="3" name="Content Placeholder 2"/>
-          <p:cNvSpPr>
-            <a:spLocks noGrp="1"/>
-          </p:cNvSpPr>
-          <p:nvPr>
-            <p:ph idx="1"/>
-          </p:nvPr>
-        </p:nvSpPr>
-        <p:spPr>
-          <a:xfrm>
-            <a:off x="390418" y="1356189"/>
-            <a:ext cx="8640870" cy="4397339"/>
-          </a:xfrm>
-        </p:spPr>
-        <p:txBody>
-          <a:bodyPr/>
-          <a:lstStyle/>
-          <a:p>
-            <a:pPr marL="0" indent="0">
-              <a:spcBef>
-                <a:spcPts val="0"/>
-              </a:spcBef>
-              <a:buNone/>
-            </a:pPr>
-            <a:r>
-              <a:rPr lang="en-US" dirty="0" smtClean="0">
-                <a:latin typeface="Arial" pitchFamily="34" charset="0"/>
-                <a:cs typeface="Arial" pitchFamily="34" charset="0"/>
-              </a:rPr>
-              <a:t>Writing Secure Dynamic SQL in SQL Server:</a:t>
-            </a:r>
-          </a:p>
-          <a:p>
-            <a:pPr marL="0" indent="0">
-              <a:spcBef>
-                <a:spcPts val="0"/>
-              </a:spcBef>
-              <a:buNone/>
-            </a:pPr>
-            <a:endParaRPr lang="en-US" dirty="0" smtClean="0">
-              <a:latin typeface="Arial" pitchFamily="34" charset="0"/>
-              <a:cs typeface="Arial" pitchFamily="34" charset="0"/>
-            </a:endParaRPr>
-          </a:p>
-          <a:p>
-            <a:pPr marL="0" indent="0">
-              <a:spcBef>
-                <a:spcPts val="0"/>
-              </a:spcBef>
-              <a:buNone/>
-            </a:pPr>
-            <a:r>
-              <a:rPr lang="en-US" sz="2000" dirty="0">
-                <a:latin typeface="Arial" pitchFamily="34" charset="0"/>
-                <a:cs typeface="Arial" pitchFamily="34" charset="0"/>
-              </a:rPr>
-              <a:t>	</a:t>
-            </a:r>
-            <a:r>
-              <a:rPr lang="en-US" sz="2000" dirty="0">
-                <a:latin typeface="Arial" pitchFamily="34" charset="0"/>
-                <a:cs typeface="Arial" pitchFamily="34" charset="0"/>
-                <a:hlinkClick r:id="rId2"/>
-              </a:rPr>
-              <a:t>https://msdn.microsoft.com/en-us/library/bb669091(v=vs.110).</a:t>
-            </a:r>
-            <a:r>
-              <a:rPr lang="en-US" sz="2000" dirty="0" smtClean="0">
-                <a:latin typeface="Arial" pitchFamily="34" charset="0"/>
-                <a:cs typeface="Arial" pitchFamily="34" charset="0"/>
-                <a:hlinkClick r:id="rId2"/>
-              </a:rPr>
-              <a:t>aspx</a:t>
-            </a:r>
-            <a:endParaRPr lang="en-US" sz="2000" dirty="0" smtClean="0">
-              <a:latin typeface="Arial" pitchFamily="34" charset="0"/>
-              <a:cs typeface="Arial" pitchFamily="34" charset="0"/>
-            </a:endParaRPr>
-          </a:p>
-          <a:p>
-            <a:pPr marL="0" indent="0">
-              <a:spcBef>
-                <a:spcPts val="0"/>
-              </a:spcBef>
-              <a:buNone/>
-            </a:pPr>
-            <a:endParaRPr lang="en-US" dirty="0">
-              <a:latin typeface="Arial" pitchFamily="34" charset="0"/>
-              <a:cs typeface="Arial" pitchFamily="34" charset="0"/>
-            </a:endParaRPr>
-          </a:p>
-          <a:p>
-            <a:pPr marL="0" indent="0">
-              <a:spcBef>
-                <a:spcPts val="0"/>
-              </a:spcBef>
-              <a:buNone/>
-            </a:pPr>
-            <a:r>
-              <a:rPr lang="en-US" dirty="0" smtClean="0">
-                <a:latin typeface="Arial" pitchFamily="34" charset="0"/>
-                <a:cs typeface="Arial" pitchFamily="34" charset="0"/>
-              </a:rPr>
-              <a:t>Using </a:t>
-            </a:r>
-            <a:r>
-              <a:rPr lang="en-US" dirty="0" err="1" smtClean="0">
-                <a:latin typeface="Arial" pitchFamily="34" charset="0"/>
-                <a:cs typeface="Arial" pitchFamily="34" charset="0"/>
-              </a:rPr>
-              <a:t>sp_executesql</a:t>
-            </a:r>
-            <a:endParaRPr lang="en-US" dirty="0" smtClean="0">
-              <a:latin typeface="Arial" pitchFamily="34" charset="0"/>
-              <a:cs typeface="Arial" pitchFamily="34" charset="0"/>
-            </a:endParaRPr>
-          </a:p>
-          <a:p>
-            <a:pPr marL="0" indent="0">
-              <a:spcBef>
-                <a:spcPts val="0"/>
-              </a:spcBef>
-              <a:buNone/>
-            </a:pPr>
-            <a:endParaRPr lang="en-US" dirty="0" smtClean="0">
-              <a:latin typeface="Arial" pitchFamily="34" charset="0"/>
-              <a:cs typeface="Arial" pitchFamily="34" charset="0"/>
-            </a:endParaRPr>
-          </a:p>
-          <a:p>
-            <a:pPr marL="0" indent="0">
-              <a:spcBef>
-                <a:spcPts val="0"/>
-              </a:spcBef>
-              <a:buNone/>
-            </a:pPr>
-            <a:r>
-              <a:rPr lang="en-US" sz="2000" dirty="0" smtClean="0">
-                <a:latin typeface="Arial" pitchFamily="34" charset="0"/>
-                <a:cs typeface="Arial" pitchFamily="34" charset="0"/>
-              </a:rPr>
-              <a:t>	</a:t>
-            </a:r>
-            <a:r>
-              <a:rPr lang="en-US" sz="2000" dirty="0" smtClean="0">
-                <a:latin typeface="Arial" pitchFamily="34" charset="0"/>
-                <a:cs typeface="Arial" pitchFamily="34" charset="0"/>
-                <a:hlinkClick r:id="rId3"/>
-              </a:rPr>
-              <a:t>https</a:t>
-            </a:r>
-            <a:r>
-              <a:rPr lang="en-US" sz="2000" dirty="0">
-                <a:latin typeface="Arial" pitchFamily="34" charset="0"/>
-                <a:cs typeface="Arial" pitchFamily="34" charset="0"/>
-                <a:hlinkClick r:id="rId3"/>
-              </a:rPr>
-              <a:t>://</a:t>
-            </a:r>
-            <a:r>
-              <a:rPr lang="en-US" sz="2000" dirty="0" smtClean="0">
-                <a:latin typeface="Arial" pitchFamily="34" charset="0"/>
-                <a:cs typeface="Arial" pitchFamily="34" charset="0"/>
-                <a:hlinkClick r:id="rId3"/>
-              </a:rPr>
-              <a:t>msdn.microsoft.com/en-us/library/ms188001.aspx</a:t>
-            </a:r>
-            <a:endParaRPr lang="en-US" sz="2000" dirty="0" smtClean="0">
-              <a:latin typeface="Arial" pitchFamily="34" charset="0"/>
-              <a:cs typeface="Arial" pitchFamily="34" charset="0"/>
-            </a:endParaRPr>
-          </a:p>
-          <a:p>
-            <a:pPr marL="0" indent="0">
-              <a:spcBef>
-                <a:spcPts val="0"/>
-              </a:spcBef>
-              <a:buNone/>
-            </a:pPr>
-            <a:endParaRPr lang="en-US" sz="2000" dirty="0">
-              <a:latin typeface="Arial" pitchFamily="34" charset="0"/>
-              <a:cs typeface="Arial" pitchFamily="34" charset="0"/>
-            </a:endParaRPr>
-          </a:p>
-        </p:txBody>
-      </p:sp>
-    </p:spTree>
-    <p:extLst>
-      <p:ext uri="{BB962C8B-B14F-4D97-AF65-F5344CB8AC3E}">
-        <p14:creationId xmlns:p14="http://schemas.microsoft.com/office/powerpoint/2010/main" val="2855516125"/>
-      </p:ext>
-    </p:extLst>
-  </p:cSld>
-  <p:clrMapOvr>
-    <a:masterClrMapping/>
-  </p:clrMapOvr>
-  <p:timing>
-    <p:tnLst>
-      <p:par>
-        <p:cTn id="1" dur="indefinite" restart="never" nodeType="tmRoot"/>
-      </p:par>
-    </p:tnLst>
-  </p:timing>
-</p:sld>
-</file>
-
 <file path=ppt/slides/slide3.xml><?xml version="1.0" encoding="utf-8"?>
 <p:sld xmlns:a="http://schemas.openxmlformats.org/drawingml/2006/main" xmlns:r="http://schemas.openxmlformats.org/officeDocument/2006/relationships" xmlns:p="http://schemas.openxmlformats.org/presentationml/2006/main">
   <p:cSld>
@@ -12975,7 +8800,7 @@
                 <a:latin typeface="Arial" pitchFamily="34" charset="0"/>
                 <a:cs typeface="Arial" pitchFamily="34" charset="0"/>
               </a:rPr>
-              <a:t>The Obligatory XKCD Strip</a:t>
+              <a:t>R</a:t>
             </a:r>
             <a:endParaRPr lang="en-US" dirty="0">
               <a:latin typeface="Arial" pitchFamily="34" charset="0"/>
@@ -12984,9 +8809,42 @@
           </a:p>
         </p:txBody>
       </p:sp>
+      <p:sp>
+        <p:nvSpPr>
+          <p:cNvPr id="3" name="Rectangle 2"/>
+          <p:cNvSpPr/>
+          <p:nvPr/>
+        </p:nvSpPr>
+        <p:spPr>
+          <a:xfrm>
+            <a:off x="513708" y="5143473"/>
+            <a:ext cx="1467261" cy="369332"/>
+          </a:xfrm>
+          <a:prstGeom prst="rect">
+            <a:avLst/>
+          </a:prstGeom>
+        </p:spPr>
+        <p:txBody>
+          <a:bodyPr wrap="none">
+            <a:spAutoFit/>
+          </a:bodyPr>
+          <a:lstStyle/>
+          <a:p>
+            <a:r>
+              <a:rPr lang="en-US" dirty="0" smtClean="0"/>
+              <a:t>Source:  </a:t>
+            </a:r>
+            <a:r>
+              <a:rPr lang="en-US" dirty="0" smtClean="0"/>
+              <a:t>TBD</a:t>
+            </a:r>
+            <a:endParaRPr lang="en-US" dirty="0"/>
+          </a:p>
+        </p:txBody>
+      </p:sp>
       <p:pic>
         <p:nvPicPr>
-          <p:cNvPr id="6" name="Picture 5"/>
+          <p:cNvPr id="4" name="Picture 3"/>
           <p:cNvPicPr>
             <a:picLocks noChangeAspect="1"/>
           </p:cNvPicPr>
@@ -13006,46 +8864,14 @@
         </p:blipFill>
         <p:spPr>
           <a:xfrm>
-            <a:off x="531299" y="1552875"/>
-            <a:ext cx="8071768" cy="2484553"/>
+            <a:off x="295422" y="1320166"/>
+            <a:ext cx="5120640" cy="3446585"/>
           </a:xfrm>
           <a:prstGeom prst="rect">
             <a:avLst/>
           </a:prstGeom>
         </p:spPr>
       </p:pic>
-      <p:sp>
-        <p:nvSpPr>
-          <p:cNvPr id="3" name="Rectangle 2"/>
-          <p:cNvSpPr/>
-          <p:nvPr/>
-        </p:nvSpPr>
-        <p:spPr>
-          <a:xfrm>
-            <a:off x="513708" y="5143473"/>
-            <a:ext cx="3307700" cy="369332"/>
-          </a:xfrm>
-          <a:prstGeom prst="rect">
-            <a:avLst/>
-          </a:prstGeom>
-        </p:spPr>
-        <p:txBody>
-          <a:bodyPr wrap="none">
-            <a:spAutoFit/>
-          </a:bodyPr>
-          <a:lstStyle/>
-          <a:p>
-            <a:r>
-              <a:rPr lang="en-US" dirty="0" smtClean="0"/>
-              <a:t>Source:  https</a:t>
-            </a:r>
-            <a:r>
-              <a:rPr lang="en-US" dirty="0"/>
-              <a:t>://xkcd.com/327/</a:t>
-            </a:r>
-          </a:p>
-        </p:txBody>
-      </p:sp>
     </p:spTree>
     <p:extLst>
       <p:ext uri="{BB962C8B-B14F-4D97-AF65-F5344CB8AC3E}">
@@ -13108,7 +8934,7 @@
                 <a:latin typeface="Arial" pitchFamily="34" charset="0"/>
                 <a:cs typeface="Arial" pitchFamily="34" charset="0"/>
               </a:rPr>
-              <a:t>What the Developer Wrote</a:t>
+              <a:t>R</a:t>
             </a:r>
             <a:endParaRPr lang="en-US" dirty="0">
               <a:latin typeface="Arial" pitchFamily="34" charset="0"/>
@@ -13119,549 +8945,71 @@
       </p:sp>
       <p:sp>
         <p:nvSpPr>
-          <p:cNvPr id="3" name="Content Placeholder 2"/>
-          <p:cNvSpPr>
-            <a:spLocks noGrp="1"/>
-          </p:cNvSpPr>
-          <p:nvPr>
-            <p:ph idx="1"/>
-          </p:nvPr>
+          <p:cNvPr id="3" name="Rectangle 2"/>
+          <p:cNvSpPr/>
+          <p:nvPr/>
         </p:nvSpPr>
         <p:spPr>
           <a:xfrm>
-            <a:off x="390418" y="1356189"/>
-            <a:ext cx="8640870" cy="4397339"/>
+            <a:off x="513708" y="5143473"/>
+            <a:ext cx="1467261" cy="369332"/>
           </a:xfrm>
+          <a:prstGeom prst="rect">
+            <a:avLst/>
+          </a:prstGeom>
         </p:spPr>
         <p:txBody>
-          <a:bodyPr/>
+          <a:bodyPr wrap="none">
+            <a:spAutoFit/>
+          </a:bodyPr>
           <a:lstStyle/>
           <a:p>
-            <a:pPr marL="0" indent="0">
-              <a:spcBef>
-                <a:spcPts val="0"/>
-              </a:spcBef>
-              <a:buNone/>
-            </a:pPr>
-            <a:r>
-              <a:rPr lang="en-US" sz="1600" dirty="0" err="1">
-                <a:latin typeface="Courier New" pitchFamily="49" charset="0"/>
-                <a:cs typeface="Courier New" pitchFamily="49" charset="0"/>
-              </a:rPr>
-              <a:t>OleDbConnection</a:t>
-            </a:r>
-            <a:r>
-              <a:rPr lang="en-US" sz="1600" dirty="0">
-                <a:latin typeface="Courier New" pitchFamily="49" charset="0"/>
-                <a:cs typeface="Courier New" pitchFamily="49" charset="0"/>
-              </a:rPr>
-              <a:t> </a:t>
-            </a:r>
-            <a:r>
-              <a:rPr lang="en-US" sz="1600" dirty="0" err="1">
-                <a:latin typeface="Courier New" pitchFamily="49" charset="0"/>
-                <a:cs typeface="Courier New" pitchFamily="49" charset="0"/>
-              </a:rPr>
-              <a:t>myConn</a:t>
-            </a:r>
-            <a:r>
-              <a:rPr lang="en-US" sz="1600" dirty="0">
-                <a:latin typeface="Courier New" pitchFamily="49" charset="0"/>
-                <a:cs typeface="Courier New" pitchFamily="49" charset="0"/>
-              </a:rPr>
-              <a:t> = new </a:t>
-            </a:r>
-            <a:r>
-              <a:rPr lang="en-US" sz="1600" dirty="0" err="1">
-                <a:latin typeface="Courier New" pitchFamily="49" charset="0"/>
-                <a:cs typeface="Courier New" pitchFamily="49" charset="0"/>
-              </a:rPr>
-              <a:t>OleDbConnection</a:t>
-            </a:r>
-            <a:r>
-              <a:rPr lang="en-US" sz="1600" dirty="0">
-                <a:latin typeface="Courier New" pitchFamily="49" charset="0"/>
-                <a:cs typeface="Courier New" pitchFamily="49" charset="0"/>
-              </a:rPr>
-              <a:t>("Provider=</a:t>
-            </a:r>
-            <a:r>
-              <a:rPr lang="en-US" sz="1600" dirty="0" err="1">
-                <a:latin typeface="Courier New" pitchFamily="49" charset="0"/>
-                <a:cs typeface="Courier New" pitchFamily="49" charset="0"/>
-              </a:rPr>
-              <a:t>SQLOLEDB;Data</a:t>
-            </a:r>
-            <a:r>
-              <a:rPr lang="en-US" sz="1600" dirty="0">
-                <a:latin typeface="Courier New" pitchFamily="49" charset="0"/>
-                <a:cs typeface="Courier New" pitchFamily="49" charset="0"/>
-              </a:rPr>
-              <a:t> Source=</a:t>
-            </a:r>
-            <a:r>
-              <a:rPr lang="en-US" sz="1600" dirty="0" err="1">
-                <a:latin typeface="Courier New" pitchFamily="49" charset="0"/>
-                <a:cs typeface="Courier New" pitchFamily="49" charset="0"/>
-              </a:rPr>
-              <a:t>servername;Integrated</a:t>
-            </a:r>
-            <a:r>
-              <a:rPr lang="en-US" sz="1600" dirty="0">
-                <a:latin typeface="Courier New" pitchFamily="49" charset="0"/>
-                <a:cs typeface="Courier New" pitchFamily="49" charset="0"/>
-              </a:rPr>
-              <a:t> Security=</a:t>
-            </a:r>
-            <a:r>
-              <a:rPr lang="en-US" sz="1600" dirty="0" err="1">
-                <a:latin typeface="Courier New" pitchFamily="49" charset="0"/>
-                <a:cs typeface="Courier New" pitchFamily="49" charset="0"/>
-              </a:rPr>
-              <a:t>SSPI;Initial</a:t>
-            </a:r>
-            <a:r>
-              <a:rPr lang="en-US" sz="1600" dirty="0">
-                <a:latin typeface="Courier New" pitchFamily="49" charset="0"/>
-                <a:cs typeface="Courier New" pitchFamily="49" charset="0"/>
-              </a:rPr>
-              <a:t> Catalog=</a:t>
-            </a:r>
-            <a:r>
-              <a:rPr lang="en-US" sz="1600" dirty="0" err="1">
-                <a:latin typeface="Courier New" pitchFamily="49" charset="0"/>
-                <a:cs typeface="Courier New" pitchFamily="49" charset="0"/>
-              </a:rPr>
-              <a:t>dbname</a:t>
-            </a:r>
-            <a:r>
-              <a:rPr lang="en-US" sz="1600" dirty="0">
-                <a:latin typeface="Courier New" pitchFamily="49" charset="0"/>
-                <a:cs typeface="Courier New" pitchFamily="49" charset="0"/>
-              </a:rPr>
-              <a:t>");</a:t>
-            </a:r>
-          </a:p>
-          <a:p>
-            <a:pPr marL="0" indent="0">
-              <a:spcBef>
-                <a:spcPts val="0"/>
-              </a:spcBef>
-              <a:buNone/>
-            </a:pPr>
-            <a:endParaRPr lang="en-US" sz="1600" dirty="0">
-              <a:latin typeface="Courier New" pitchFamily="49" charset="0"/>
-              <a:cs typeface="Courier New" pitchFamily="49" charset="0"/>
-            </a:endParaRPr>
-          </a:p>
-          <a:p>
-            <a:pPr marL="0" indent="0">
-              <a:spcBef>
-                <a:spcPts val="0"/>
-              </a:spcBef>
-              <a:buNone/>
-            </a:pPr>
-            <a:r>
-              <a:rPr lang="en-US" sz="1600" dirty="0" err="1">
-                <a:latin typeface="Courier New" pitchFamily="49" charset="0"/>
-                <a:cs typeface="Courier New" pitchFamily="49" charset="0"/>
-              </a:rPr>
-              <a:t>OleDbCommand</a:t>
-            </a:r>
-            <a:r>
-              <a:rPr lang="en-US" sz="1600" dirty="0">
-                <a:latin typeface="Courier New" pitchFamily="49" charset="0"/>
-                <a:cs typeface="Courier New" pitchFamily="49" charset="0"/>
-              </a:rPr>
-              <a:t> </a:t>
-            </a:r>
-            <a:r>
-              <a:rPr lang="en-US" sz="1600" dirty="0" err="1">
-                <a:latin typeface="Courier New" pitchFamily="49" charset="0"/>
-                <a:cs typeface="Courier New" pitchFamily="49" charset="0"/>
-              </a:rPr>
-              <a:t>sqlQuery</a:t>
-            </a:r>
-            <a:r>
-              <a:rPr lang="en-US" sz="1600" dirty="0">
-                <a:latin typeface="Courier New" pitchFamily="49" charset="0"/>
-                <a:cs typeface="Courier New" pitchFamily="49" charset="0"/>
-              </a:rPr>
-              <a:t> = </a:t>
-            </a:r>
-            <a:r>
-              <a:rPr lang="en-US" sz="1600" dirty="0" err="1">
-                <a:latin typeface="Courier New" pitchFamily="49" charset="0"/>
-                <a:cs typeface="Courier New" pitchFamily="49" charset="0"/>
-              </a:rPr>
-              <a:t>myConn.CreateCommand</a:t>
-            </a:r>
-            <a:r>
-              <a:rPr lang="en-US" sz="1600" dirty="0">
-                <a:latin typeface="Courier New" pitchFamily="49" charset="0"/>
-                <a:cs typeface="Courier New" pitchFamily="49" charset="0"/>
-              </a:rPr>
-              <a:t>();</a:t>
-            </a:r>
-          </a:p>
-          <a:p>
-            <a:pPr marL="0" indent="0">
-              <a:spcBef>
-                <a:spcPts val="0"/>
-              </a:spcBef>
-              <a:buNone/>
-            </a:pPr>
-            <a:endParaRPr lang="en-US" sz="1600" dirty="0">
-              <a:latin typeface="Courier New" pitchFamily="49" charset="0"/>
-              <a:cs typeface="Courier New" pitchFamily="49" charset="0"/>
-            </a:endParaRPr>
-          </a:p>
-          <a:p>
-            <a:pPr marL="0" indent="0">
-              <a:spcBef>
-                <a:spcPts val="0"/>
-              </a:spcBef>
-              <a:buNone/>
-            </a:pPr>
-            <a:r>
-              <a:rPr lang="en-US" sz="1600" dirty="0" err="1">
-                <a:latin typeface="Courier New" pitchFamily="49" charset="0"/>
-                <a:cs typeface="Courier New" pitchFamily="49" charset="0"/>
-              </a:rPr>
-              <a:t>sqlQuery.CommandText</a:t>
-            </a:r>
-            <a:r>
-              <a:rPr lang="en-US" sz="1600" dirty="0">
-                <a:latin typeface="Courier New" pitchFamily="49" charset="0"/>
-                <a:cs typeface="Courier New" pitchFamily="49" charset="0"/>
-              </a:rPr>
-              <a:t> = "SELECT </a:t>
-            </a:r>
-            <a:r>
-              <a:rPr lang="en-US" sz="1600" dirty="0" err="1">
-                <a:latin typeface="Courier New" pitchFamily="49" charset="0"/>
-                <a:cs typeface="Courier New" pitchFamily="49" charset="0"/>
-              </a:rPr>
-              <a:t>FirstName</a:t>
-            </a:r>
-            <a:r>
-              <a:rPr lang="en-US" sz="1600" dirty="0">
-                <a:latin typeface="Courier New" pitchFamily="49" charset="0"/>
-                <a:cs typeface="Courier New" pitchFamily="49" charset="0"/>
-              </a:rPr>
-              <a:t>, </a:t>
-            </a:r>
-            <a:r>
-              <a:rPr lang="en-US" sz="1600" dirty="0" err="1">
-                <a:latin typeface="Courier New" pitchFamily="49" charset="0"/>
-                <a:cs typeface="Courier New" pitchFamily="49" charset="0"/>
-              </a:rPr>
-              <a:t>LastName</a:t>
-            </a:r>
-            <a:r>
-              <a:rPr lang="en-US" sz="1600" dirty="0">
-                <a:latin typeface="Courier New" pitchFamily="49" charset="0"/>
-                <a:cs typeface="Courier New" pitchFamily="49" charset="0"/>
-              </a:rPr>
-              <a:t>, GPA FROM </a:t>
-            </a:r>
-            <a:r>
-              <a:rPr lang="en-US" sz="1600" dirty="0" err="1">
-                <a:latin typeface="Courier New" pitchFamily="49" charset="0"/>
-                <a:cs typeface="Courier New" pitchFamily="49" charset="0"/>
-              </a:rPr>
-              <a:t>dbo.Students</a:t>
-            </a:r>
-            <a:r>
-              <a:rPr lang="en-US" sz="1600" dirty="0">
-                <a:latin typeface="Courier New" pitchFamily="49" charset="0"/>
-                <a:cs typeface="Courier New" pitchFamily="49" charset="0"/>
-              </a:rPr>
-              <a:t> WHERE (</a:t>
-            </a:r>
-            <a:r>
-              <a:rPr lang="en-US" sz="1600" dirty="0" err="1">
-                <a:latin typeface="Courier New" pitchFamily="49" charset="0"/>
-                <a:cs typeface="Courier New" pitchFamily="49" charset="0"/>
-              </a:rPr>
-              <a:t>FirstName</a:t>
-            </a:r>
-            <a:r>
-              <a:rPr lang="en-US" sz="1600" dirty="0">
-                <a:latin typeface="Courier New" pitchFamily="49" charset="0"/>
-                <a:cs typeface="Courier New" pitchFamily="49" charset="0"/>
-              </a:rPr>
-              <a:t> = </a:t>
-            </a:r>
-            <a:r>
-              <a:rPr lang="en-US" sz="1600" dirty="0" smtClean="0">
-                <a:latin typeface="Courier New" pitchFamily="49" charset="0"/>
-                <a:cs typeface="Courier New" pitchFamily="49" charset="0"/>
-              </a:rPr>
-              <a:t>'";</a:t>
-            </a:r>
-          </a:p>
-          <a:p>
-            <a:pPr marL="0" indent="0">
-              <a:spcBef>
-                <a:spcPts val="0"/>
-              </a:spcBef>
-              <a:buNone/>
-            </a:pPr>
-            <a:endParaRPr lang="en-US" sz="1600" dirty="0">
-              <a:latin typeface="Courier New" pitchFamily="49" charset="0"/>
-              <a:cs typeface="Courier New" pitchFamily="49" charset="0"/>
-            </a:endParaRPr>
-          </a:p>
-          <a:p>
-            <a:pPr marL="0" indent="0">
-              <a:spcBef>
-                <a:spcPts val="0"/>
-              </a:spcBef>
-              <a:buNone/>
-            </a:pPr>
-            <a:r>
-              <a:rPr lang="en-US" sz="1600" dirty="0" err="1">
-                <a:latin typeface="Courier New" pitchFamily="49" charset="0"/>
-                <a:cs typeface="Courier New" pitchFamily="49" charset="0"/>
-              </a:rPr>
-              <a:t>sqlQuery.CommandText</a:t>
-            </a:r>
-            <a:r>
-              <a:rPr lang="en-US" sz="1600" dirty="0">
-                <a:latin typeface="Courier New" pitchFamily="49" charset="0"/>
-                <a:cs typeface="Courier New" pitchFamily="49" charset="0"/>
-              </a:rPr>
-              <a:t> = </a:t>
-            </a:r>
-            <a:r>
-              <a:rPr lang="en-US" sz="1600" dirty="0" err="1">
-                <a:latin typeface="Courier New" pitchFamily="49" charset="0"/>
-                <a:cs typeface="Courier New" pitchFamily="49" charset="0"/>
-              </a:rPr>
-              <a:t>sqlQuery.CommandText</a:t>
-            </a:r>
-            <a:r>
-              <a:rPr lang="en-US" sz="1600" dirty="0">
-                <a:latin typeface="Courier New" pitchFamily="49" charset="0"/>
-                <a:cs typeface="Courier New" pitchFamily="49" charset="0"/>
-              </a:rPr>
-              <a:t> + </a:t>
-            </a:r>
-            <a:r>
-              <a:rPr lang="en-US" sz="1600" dirty="0" err="1">
-                <a:latin typeface="Courier New" pitchFamily="49" charset="0"/>
-                <a:cs typeface="Courier New" pitchFamily="49" charset="0"/>
-              </a:rPr>
-              <a:t>strLastName</a:t>
-            </a:r>
-            <a:r>
-              <a:rPr lang="en-US" sz="1600" dirty="0">
-                <a:latin typeface="Courier New" pitchFamily="49" charset="0"/>
-                <a:cs typeface="Courier New" pitchFamily="49" charset="0"/>
-              </a:rPr>
-              <a:t>;</a:t>
-            </a:r>
-          </a:p>
-          <a:p>
-            <a:pPr marL="0" indent="0">
-              <a:spcBef>
-                <a:spcPts val="0"/>
-              </a:spcBef>
-              <a:buNone/>
-            </a:pPr>
-            <a:endParaRPr lang="en-US" sz="1600" dirty="0" smtClean="0">
-              <a:latin typeface="Courier New" pitchFamily="49" charset="0"/>
-              <a:cs typeface="Courier New" pitchFamily="49" charset="0"/>
-            </a:endParaRPr>
-          </a:p>
-          <a:p>
-            <a:pPr marL="0" indent="0">
-              <a:spcBef>
-                <a:spcPts val="0"/>
-              </a:spcBef>
-              <a:buNone/>
-            </a:pPr>
-            <a:r>
-              <a:rPr lang="en-US" sz="1600" dirty="0" err="1" smtClean="0">
-                <a:latin typeface="Courier New" pitchFamily="49" charset="0"/>
-                <a:cs typeface="Courier New" pitchFamily="49" charset="0"/>
-              </a:rPr>
-              <a:t>sqlQuery.CommandText</a:t>
-            </a:r>
-            <a:r>
-              <a:rPr lang="en-US" sz="1600" dirty="0" smtClean="0">
-                <a:latin typeface="Courier New" pitchFamily="49" charset="0"/>
-                <a:cs typeface="Courier New" pitchFamily="49" charset="0"/>
-              </a:rPr>
-              <a:t> </a:t>
-            </a:r>
-            <a:r>
-              <a:rPr lang="en-US" sz="1600" dirty="0">
-                <a:latin typeface="Courier New" pitchFamily="49" charset="0"/>
-                <a:cs typeface="Courier New" pitchFamily="49" charset="0"/>
-              </a:rPr>
-              <a:t>= </a:t>
-            </a:r>
-            <a:r>
-              <a:rPr lang="en-US" sz="1600" dirty="0" err="1">
-                <a:latin typeface="Courier New" pitchFamily="49" charset="0"/>
-                <a:cs typeface="Courier New" pitchFamily="49" charset="0"/>
-              </a:rPr>
-              <a:t>sqlQuery.CommandText</a:t>
-            </a:r>
-            <a:r>
-              <a:rPr lang="en-US" sz="1600" dirty="0">
-                <a:latin typeface="Courier New" pitchFamily="49" charset="0"/>
-                <a:cs typeface="Courier New" pitchFamily="49" charset="0"/>
-              </a:rPr>
-              <a:t> + "') AND (</a:t>
-            </a:r>
-            <a:r>
-              <a:rPr lang="en-US" sz="1600" dirty="0" err="1">
-                <a:latin typeface="Courier New" pitchFamily="49" charset="0"/>
-                <a:cs typeface="Courier New" pitchFamily="49" charset="0"/>
-              </a:rPr>
-              <a:t>LastName</a:t>
-            </a:r>
-            <a:r>
-              <a:rPr lang="en-US" sz="1600" dirty="0">
-                <a:latin typeface="Courier New" pitchFamily="49" charset="0"/>
-                <a:cs typeface="Courier New" pitchFamily="49" charset="0"/>
-              </a:rPr>
-              <a:t> = '";</a:t>
-            </a:r>
-          </a:p>
-          <a:p>
-            <a:pPr marL="0" indent="0">
-              <a:spcBef>
-                <a:spcPts val="0"/>
-              </a:spcBef>
-              <a:buNone/>
-            </a:pPr>
-            <a:endParaRPr lang="en-US" sz="1600" dirty="0" smtClean="0">
-              <a:latin typeface="Courier New" pitchFamily="49" charset="0"/>
-              <a:cs typeface="Courier New" pitchFamily="49" charset="0"/>
-            </a:endParaRPr>
-          </a:p>
-          <a:p>
-            <a:pPr marL="0" indent="0">
-              <a:spcBef>
-                <a:spcPts val="0"/>
-              </a:spcBef>
-              <a:buNone/>
-            </a:pPr>
-            <a:r>
-              <a:rPr lang="en-US" sz="1600" dirty="0" err="1" smtClean="0">
-                <a:latin typeface="Courier New" pitchFamily="49" charset="0"/>
-                <a:cs typeface="Courier New" pitchFamily="49" charset="0"/>
-              </a:rPr>
-              <a:t>sqlQuery.CommandText</a:t>
-            </a:r>
-            <a:r>
-              <a:rPr lang="en-US" sz="1600" dirty="0" smtClean="0">
-                <a:latin typeface="Courier New" pitchFamily="49" charset="0"/>
-                <a:cs typeface="Courier New" pitchFamily="49" charset="0"/>
-              </a:rPr>
-              <a:t> </a:t>
-            </a:r>
-            <a:r>
-              <a:rPr lang="en-US" sz="1600" dirty="0">
-                <a:latin typeface="Courier New" pitchFamily="49" charset="0"/>
-                <a:cs typeface="Courier New" pitchFamily="49" charset="0"/>
-              </a:rPr>
-              <a:t>= </a:t>
-            </a:r>
-            <a:r>
-              <a:rPr lang="en-US" sz="1600" dirty="0" err="1">
-                <a:latin typeface="Courier New" pitchFamily="49" charset="0"/>
-                <a:cs typeface="Courier New" pitchFamily="49" charset="0"/>
-              </a:rPr>
-              <a:t>sqlQuery.CommandText</a:t>
-            </a:r>
-            <a:r>
-              <a:rPr lang="en-US" sz="1600" dirty="0">
-                <a:latin typeface="Courier New" pitchFamily="49" charset="0"/>
-                <a:cs typeface="Courier New" pitchFamily="49" charset="0"/>
-              </a:rPr>
-              <a:t> + </a:t>
-            </a:r>
-            <a:r>
-              <a:rPr lang="en-US" sz="1600" dirty="0" err="1">
-                <a:latin typeface="Courier New" pitchFamily="49" charset="0"/>
-                <a:cs typeface="Courier New" pitchFamily="49" charset="0"/>
-              </a:rPr>
-              <a:t>strFirstName</a:t>
-            </a:r>
-            <a:r>
-              <a:rPr lang="en-US" sz="1600" dirty="0">
-                <a:latin typeface="Courier New" pitchFamily="49" charset="0"/>
-                <a:cs typeface="Courier New" pitchFamily="49" charset="0"/>
-              </a:rPr>
-              <a:t>;</a:t>
-            </a:r>
-          </a:p>
-          <a:p>
-            <a:pPr marL="0" indent="0">
-              <a:spcBef>
-                <a:spcPts val="0"/>
-              </a:spcBef>
-              <a:buNone/>
-            </a:pPr>
-            <a:endParaRPr lang="en-US" sz="1600" dirty="0" smtClean="0">
-              <a:latin typeface="Courier New" pitchFamily="49" charset="0"/>
-              <a:cs typeface="Courier New" pitchFamily="49" charset="0"/>
-            </a:endParaRPr>
-          </a:p>
-          <a:p>
-            <a:pPr marL="0" indent="0">
-              <a:spcBef>
-                <a:spcPts val="0"/>
-              </a:spcBef>
-              <a:buNone/>
-            </a:pPr>
-            <a:r>
-              <a:rPr lang="en-US" sz="1600" dirty="0" err="1" smtClean="0">
-                <a:latin typeface="Courier New" pitchFamily="49" charset="0"/>
-                <a:cs typeface="Courier New" pitchFamily="49" charset="0"/>
-              </a:rPr>
-              <a:t>sqlQuery.CommandText</a:t>
-            </a:r>
-            <a:r>
-              <a:rPr lang="en-US" sz="1600" dirty="0" smtClean="0">
-                <a:latin typeface="Courier New" pitchFamily="49" charset="0"/>
-                <a:cs typeface="Courier New" pitchFamily="49" charset="0"/>
-              </a:rPr>
-              <a:t> </a:t>
-            </a:r>
-            <a:r>
-              <a:rPr lang="en-US" sz="1600" dirty="0">
-                <a:latin typeface="Courier New" pitchFamily="49" charset="0"/>
-                <a:cs typeface="Courier New" pitchFamily="49" charset="0"/>
-              </a:rPr>
-              <a:t>= </a:t>
-            </a:r>
-            <a:r>
-              <a:rPr lang="en-US" sz="1600" dirty="0" err="1">
-                <a:latin typeface="Courier New" pitchFamily="49" charset="0"/>
-                <a:cs typeface="Courier New" pitchFamily="49" charset="0"/>
-              </a:rPr>
-              <a:t>sqlQuery.CommandText</a:t>
-            </a:r>
-            <a:r>
-              <a:rPr lang="en-US" sz="1600" dirty="0">
-                <a:latin typeface="Courier New" pitchFamily="49" charset="0"/>
-                <a:cs typeface="Courier New" pitchFamily="49" charset="0"/>
-              </a:rPr>
-              <a:t> + "')";</a:t>
-            </a:r>
+            <a:r>
+              <a:rPr lang="en-US" dirty="0" smtClean="0"/>
+              <a:t>Source:  </a:t>
+            </a:r>
+            <a:r>
+              <a:rPr lang="en-US" dirty="0" smtClean="0"/>
+              <a:t>TBD</a:t>
+            </a:r>
+            <a:endParaRPr lang="en-US" dirty="0"/>
           </a:p>
         </p:txBody>
       </p:sp>
+      <p:pic>
+        <p:nvPicPr>
+          <p:cNvPr id="5" name="Picture 4"/>
+          <p:cNvPicPr>
+            <a:picLocks noChangeAspect="1"/>
+          </p:cNvPicPr>
+          <p:nvPr/>
+        </p:nvPicPr>
+        <p:blipFill>
+          <a:blip r:embed="rId2">
+            <a:extLst>
+              <a:ext uri="{28A0092B-C50C-407E-A947-70E740481C1C}">
+                <a14:useLocalDpi xmlns:a14="http://schemas.microsoft.com/office/drawing/2010/main" val="0"/>
+              </a:ext>
+            </a:extLst>
+          </a:blip>
+          <a:stretch>
+            <a:fillRect/>
+          </a:stretch>
+        </p:blipFill>
+        <p:spPr>
+          <a:xfrm>
+            <a:off x="376530" y="1469780"/>
+            <a:ext cx="6980873" cy="3439845"/>
+          </a:xfrm>
+          <a:prstGeom prst="rect">
+            <a:avLst/>
+          </a:prstGeom>
+        </p:spPr>
+      </p:pic>
     </p:spTree>
     <p:extLst>
       <p:ext uri="{BB962C8B-B14F-4D97-AF65-F5344CB8AC3E}">
-        <p14:creationId xmlns:p14="http://schemas.microsoft.com/office/powerpoint/2010/main" val="3136437956"/>
+        <p14:creationId xmlns:p14="http://schemas.microsoft.com/office/powerpoint/2010/main" val="3895744376"/>
       </p:ext>
     </p:extLst>
   </p:cSld>
@@ -13720,7 +9068,7 @@
                 <a:latin typeface="Arial" pitchFamily="34" charset="0"/>
                 <a:cs typeface="Arial" pitchFamily="34" charset="0"/>
               </a:rPr>
-              <a:t>What the Developer Expected</a:t>
+              <a:t>R</a:t>
             </a:r>
             <a:endParaRPr lang="en-US" dirty="0">
               <a:latin typeface="Arial" pitchFamily="34" charset="0"/>
@@ -13731,412 +9079,71 @@
       </p:sp>
       <p:sp>
         <p:nvSpPr>
-          <p:cNvPr id="3" name="Content Placeholder 2"/>
-          <p:cNvSpPr>
-            <a:spLocks noGrp="1"/>
-          </p:cNvSpPr>
-          <p:nvPr>
-            <p:ph idx="1"/>
-          </p:nvPr>
+          <p:cNvPr id="3" name="Rectangle 2"/>
+          <p:cNvSpPr/>
+          <p:nvPr/>
         </p:nvSpPr>
         <p:spPr>
           <a:xfrm>
-            <a:off x="390418" y="1356189"/>
-            <a:ext cx="8640870" cy="4397339"/>
+            <a:off x="513708" y="5143473"/>
+            <a:ext cx="1467261" cy="369332"/>
           </a:xfrm>
+          <a:prstGeom prst="rect">
+            <a:avLst/>
+          </a:prstGeom>
         </p:spPr>
         <p:txBody>
-          <a:bodyPr/>
+          <a:bodyPr wrap="none">
+            <a:spAutoFit/>
+          </a:bodyPr>
           <a:lstStyle/>
           <a:p>
-            <a:pPr marL="0" indent="0">
-              <a:spcBef>
-                <a:spcPts val="0"/>
-              </a:spcBef>
-              <a:buNone/>
-            </a:pPr>
-            <a:r>
-              <a:rPr lang="en-US" sz="1600" dirty="0">
-                <a:latin typeface="Courier New" pitchFamily="49" charset="0"/>
-                <a:cs typeface="Courier New" pitchFamily="49" charset="0"/>
-              </a:rPr>
-              <a:t>SELECT </a:t>
-            </a:r>
-            <a:r>
-              <a:rPr lang="en-US" sz="1600" dirty="0" err="1">
-                <a:latin typeface="Courier New" pitchFamily="49" charset="0"/>
-                <a:cs typeface="Courier New" pitchFamily="49" charset="0"/>
-              </a:rPr>
-              <a:t>FirstName</a:t>
-            </a:r>
-            <a:r>
-              <a:rPr lang="en-US" sz="1600" dirty="0">
-                <a:latin typeface="Courier New" pitchFamily="49" charset="0"/>
-                <a:cs typeface="Courier New" pitchFamily="49" charset="0"/>
-              </a:rPr>
-              <a:t>, </a:t>
-            </a:r>
-            <a:r>
-              <a:rPr lang="en-US" sz="1600" dirty="0" err="1">
-                <a:latin typeface="Courier New" pitchFamily="49" charset="0"/>
-                <a:cs typeface="Courier New" pitchFamily="49" charset="0"/>
-              </a:rPr>
-              <a:t>LastName</a:t>
-            </a:r>
-            <a:r>
-              <a:rPr lang="en-US" sz="1600" dirty="0">
-                <a:latin typeface="Courier New" pitchFamily="49" charset="0"/>
-                <a:cs typeface="Courier New" pitchFamily="49" charset="0"/>
-              </a:rPr>
-              <a:t>, GPA FROM </a:t>
-            </a:r>
-            <a:r>
-              <a:rPr lang="en-US" sz="1600" dirty="0" err="1">
-                <a:latin typeface="Courier New" pitchFamily="49" charset="0"/>
-                <a:cs typeface="Courier New" pitchFamily="49" charset="0"/>
-              </a:rPr>
-              <a:t>dbo.Students</a:t>
-            </a:r>
-            <a:r>
-              <a:rPr lang="en-US" sz="1600" dirty="0">
-                <a:latin typeface="Courier New" pitchFamily="49" charset="0"/>
-                <a:cs typeface="Courier New" pitchFamily="49" charset="0"/>
-              </a:rPr>
-              <a:t> WHERE (</a:t>
-            </a:r>
-            <a:r>
-              <a:rPr lang="en-US" sz="1600" dirty="0" err="1">
-                <a:latin typeface="Courier New" pitchFamily="49" charset="0"/>
-                <a:cs typeface="Courier New" pitchFamily="49" charset="0"/>
-              </a:rPr>
-              <a:t>FirstName</a:t>
-            </a:r>
-            <a:r>
-              <a:rPr lang="en-US" sz="1600" dirty="0">
-                <a:latin typeface="Courier New" pitchFamily="49" charset="0"/>
-                <a:cs typeface="Courier New" pitchFamily="49" charset="0"/>
-              </a:rPr>
-              <a:t> = 'Robert</a:t>
-            </a:r>
-            <a:r>
-              <a:rPr lang="en-US" sz="1600" dirty="0" smtClean="0">
-                <a:latin typeface="Courier New" pitchFamily="49" charset="0"/>
-                <a:cs typeface="Courier New" pitchFamily="49" charset="0"/>
-              </a:rPr>
-              <a:t>') AND </a:t>
-            </a:r>
-            <a:r>
-              <a:rPr lang="en-US" sz="1600" dirty="0">
-                <a:latin typeface="Courier New" pitchFamily="49" charset="0"/>
-                <a:cs typeface="Courier New" pitchFamily="49" charset="0"/>
-              </a:rPr>
-              <a:t>(</a:t>
-            </a:r>
-            <a:r>
-              <a:rPr lang="en-US" sz="1600" dirty="0" err="1">
-                <a:latin typeface="Courier New" pitchFamily="49" charset="0"/>
-                <a:cs typeface="Courier New" pitchFamily="49" charset="0"/>
-              </a:rPr>
-              <a:t>LastName</a:t>
-            </a:r>
-            <a:r>
-              <a:rPr lang="en-US" sz="1600" dirty="0">
-                <a:latin typeface="Courier New" pitchFamily="49" charset="0"/>
-                <a:cs typeface="Courier New" pitchFamily="49" charset="0"/>
-              </a:rPr>
-              <a:t> = 'Smith</a:t>
-            </a:r>
-            <a:r>
-              <a:rPr lang="en-US" sz="1600" dirty="0" smtClean="0">
-                <a:latin typeface="Courier New" pitchFamily="49" charset="0"/>
-                <a:cs typeface="Courier New" pitchFamily="49" charset="0"/>
-              </a:rPr>
-              <a:t>');</a:t>
-            </a:r>
-            <a:endParaRPr lang="en-US" sz="1600" dirty="0">
-              <a:latin typeface="Courier New" pitchFamily="49" charset="0"/>
-              <a:cs typeface="Courier New" pitchFamily="49" charset="0"/>
-            </a:endParaRPr>
-          </a:p>
-          <a:p>
-            <a:pPr marL="0" indent="0">
-              <a:spcBef>
-                <a:spcPts val="0"/>
-              </a:spcBef>
-              <a:buNone/>
-            </a:pPr>
-            <a:endParaRPr lang="en-US" sz="1600" dirty="0" smtClean="0">
-              <a:latin typeface="Courier New" pitchFamily="49" charset="0"/>
-              <a:cs typeface="Courier New" pitchFamily="49" charset="0"/>
-            </a:endParaRPr>
-          </a:p>
-          <a:p>
-            <a:pPr marL="0" indent="0">
-              <a:spcBef>
-                <a:spcPts val="0"/>
-              </a:spcBef>
-              <a:buNone/>
-            </a:pPr>
-            <a:endParaRPr lang="en-US" sz="1600" dirty="0">
-              <a:latin typeface="Courier New" pitchFamily="49" charset="0"/>
-              <a:cs typeface="Courier New" pitchFamily="49" charset="0"/>
-            </a:endParaRPr>
-          </a:p>
-          <a:p>
-            <a:pPr marL="0" indent="0">
-              <a:spcBef>
-                <a:spcPts val="0"/>
-              </a:spcBef>
-              <a:buNone/>
-            </a:pPr>
-            <a:r>
-              <a:rPr lang="en-US" sz="1600" dirty="0" smtClean="0">
-                <a:latin typeface="Courier New" pitchFamily="49" charset="0"/>
-                <a:cs typeface="Courier New" pitchFamily="49" charset="0"/>
-              </a:rPr>
-              <a:t>SELECT</a:t>
-            </a:r>
-          </a:p>
-          <a:p>
-            <a:pPr marL="0" indent="0">
-              <a:spcBef>
-                <a:spcPts val="0"/>
-              </a:spcBef>
-              <a:buNone/>
-            </a:pPr>
-            <a:r>
-              <a:rPr lang="en-US" sz="1600" dirty="0" smtClean="0">
-                <a:latin typeface="Courier New" pitchFamily="49" charset="0"/>
-                <a:cs typeface="Courier New" pitchFamily="49" charset="0"/>
-              </a:rPr>
-              <a:t>    </a:t>
-            </a:r>
-            <a:r>
-              <a:rPr lang="en-US" sz="1600" dirty="0" err="1" smtClean="0">
-                <a:latin typeface="Courier New" pitchFamily="49" charset="0"/>
-                <a:cs typeface="Courier New" pitchFamily="49" charset="0"/>
-              </a:rPr>
-              <a:t>FirstName</a:t>
-            </a:r>
-            <a:r>
-              <a:rPr lang="en-US" sz="1600" dirty="0" smtClean="0">
-                <a:latin typeface="Courier New" pitchFamily="49" charset="0"/>
-                <a:cs typeface="Courier New" pitchFamily="49" charset="0"/>
-              </a:rPr>
-              <a:t>,</a:t>
-            </a:r>
-          </a:p>
-          <a:p>
-            <a:pPr marL="0" indent="0">
-              <a:spcBef>
-                <a:spcPts val="0"/>
-              </a:spcBef>
-              <a:buNone/>
-            </a:pPr>
-            <a:r>
-              <a:rPr lang="en-US" sz="1600" dirty="0" smtClean="0">
-                <a:latin typeface="Courier New" pitchFamily="49" charset="0"/>
-                <a:cs typeface="Courier New" pitchFamily="49" charset="0"/>
-              </a:rPr>
-              <a:t>    </a:t>
-            </a:r>
-            <a:r>
-              <a:rPr lang="en-US" sz="1600" dirty="0" err="1" smtClean="0">
-                <a:latin typeface="Courier New" pitchFamily="49" charset="0"/>
-                <a:cs typeface="Courier New" pitchFamily="49" charset="0"/>
-              </a:rPr>
-              <a:t>LastName</a:t>
-            </a:r>
-            <a:r>
-              <a:rPr lang="en-US" sz="1600" dirty="0" smtClean="0">
-                <a:latin typeface="Courier New" pitchFamily="49" charset="0"/>
-                <a:cs typeface="Courier New" pitchFamily="49" charset="0"/>
-              </a:rPr>
-              <a:t>,</a:t>
-            </a:r>
-          </a:p>
-          <a:p>
-            <a:pPr marL="0" indent="0">
-              <a:spcBef>
-                <a:spcPts val="0"/>
-              </a:spcBef>
-              <a:buNone/>
-            </a:pPr>
-            <a:r>
-              <a:rPr lang="en-US" sz="1600" dirty="0" smtClean="0">
-                <a:latin typeface="Courier New" pitchFamily="49" charset="0"/>
-                <a:cs typeface="Courier New" pitchFamily="49" charset="0"/>
-              </a:rPr>
-              <a:t>    GPA</a:t>
-            </a:r>
-          </a:p>
-          <a:p>
-            <a:pPr marL="0" indent="0">
-              <a:spcBef>
-                <a:spcPts val="0"/>
-              </a:spcBef>
-              <a:buNone/>
-            </a:pPr>
-            <a:r>
-              <a:rPr lang="en-US" sz="1600" dirty="0" smtClean="0">
-                <a:latin typeface="Courier New" pitchFamily="49" charset="0"/>
-                <a:cs typeface="Courier New" pitchFamily="49" charset="0"/>
-              </a:rPr>
-              <a:t>FROM</a:t>
-            </a:r>
-          </a:p>
-          <a:p>
-            <a:pPr marL="0" indent="0">
-              <a:spcBef>
-                <a:spcPts val="0"/>
-              </a:spcBef>
-              <a:buNone/>
-            </a:pPr>
-            <a:r>
-              <a:rPr lang="en-US" sz="1600" dirty="0" smtClean="0">
-                <a:latin typeface="Courier New" pitchFamily="49" charset="0"/>
-                <a:cs typeface="Courier New" pitchFamily="49" charset="0"/>
-              </a:rPr>
-              <a:t>    </a:t>
-            </a:r>
-            <a:r>
-              <a:rPr lang="en-US" sz="1600" dirty="0" err="1" smtClean="0">
-                <a:latin typeface="Courier New" pitchFamily="49" charset="0"/>
-                <a:cs typeface="Courier New" pitchFamily="49" charset="0"/>
-              </a:rPr>
-              <a:t>dbo.Students</a:t>
-            </a:r>
-            <a:endParaRPr lang="en-US" sz="1600" dirty="0">
-              <a:latin typeface="Courier New" pitchFamily="49" charset="0"/>
-              <a:cs typeface="Courier New" pitchFamily="49" charset="0"/>
-            </a:endParaRPr>
-          </a:p>
-          <a:p>
-            <a:pPr marL="0" indent="0">
-              <a:spcBef>
-                <a:spcPts val="0"/>
-              </a:spcBef>
-              <a:buNone/>
-            </a:pPr>
-            <a:r>
-              <a:rPr lang="en-US" sz="1600" dirty="0" smtClean="0">
-                <a:latin typeface="Courier New" pitchFamily="49" charset="0"/>
-                <a:cs typeface="Courier New" pitchFamily="49" charset="0"/>
-              </a:rPr>
-              <a:t>WHERE</a:t>
-            </a:r>
-          </a:p>
-          <a:p>
-            <a:pPr marL="0" indent="0">
-              <a:spcBef>
-                <a:spcPts val="0"/>
-              </a:spcBef>
-              <a:buNone/>
-            </a:pPr>
-            <a:r>
-              <a:rPr lang="en-US" sz="1600" dirty="0" smtClean="0">
-                <a:latin typeface="Courier New" pitchFamily="49" charset="0"/>
-                <a:cs typeface="Courier New" pitchFamily="49" charset="0"/>
-              </a:rPr>
-              <a:t>    (</a:t>
-            </a:r>
-            <a:r>
-              <a:rPr lang="en-US" sz="1600" dirty="0" err="1" smtClean="0">
-                <a:latin typeface="Courier New" pitchFamily="49" charset="0"/>
-                <a:cs typeface="Courier New" pitchFamily="49" charset="0"/>
-              </a:rPr>
-              <a:t>FirstName</a:t>
-            </a:r>
-            <a:r>
-              <a:rPr lang="en-US" sz="1600" dirty="0" smtClean="0">
-                <a:latin typeface="Courier New" pitchFamily="49" charset="0"/>
-                <a:cs typeface="Courier New" pitchFamily="49" charset="0"/>
-              </a:rPr>
-              <a:t> </a:t>
-            </a:r>
-            <a:r>
-              <a:rPr lang="en-US" sz="1600" dirty="0">
-                <a:latin typeface="Courier New" pitchFamily="49" charset="0"/>
-                <a:cs typeface="Courier New" pitchFamily="49" charset="0"/>
-              </a:rPr>
-              <a:t>= 'Robert</a:t>
-            </a:r>
-            <a:r>
-              <a:rPr lang="en-US" sz="1600" dirty="0" smtClean="0">
-                <a:latin typeface="Courier New" pitchFamily="49" charset="0"/>
-                <a:cs typeface="Courier New" pitchFamily="49" charset="0"/>
-              </a:rPr>
-              <a:t>')</a:t>
-            </a:r>
-          </a:p>
-          <a:p>
-            <a:pPr marL="0" indent="0">
-              <a:spcBef>
-                <a:spcPts val="0"/>
-              </a:spcBef>
-              <a:buNone/>
-            </a:pPr>
-            <a:r>
-              <a:rPr lang="en-US" sz="1600" dirty="0" smtClean="0">
-                <a:latin typeface="Courier New" pitchFamily="49" charset="0"/>
-                <a:cs typeface="Courier New" pitchFamily="49" charset="0"/>
-              </a:rPr>
-              <a:t>    AND</a:t>
-            </a:r>
-          </a:p>
-          <a:p>
-            <a:pPr marL="0" indent="0">
-              <a:spcBef>
-                <a:spcPts val="0"/>
-              </a:spcBef>
-              <a:buNone/>
-            </a:pPr>
-            <a:r>
-              <a:rPr lang="en-US" sz="1600" dirty="0" smtClean="0">
-                <a:latin typeface="Courier New" pitchFamily="49" charset="0"/>
-                <a:cs typeface="Courier New" pitchFamily="49" charset="0"/>
-              </a:rPr>
-              <a:t>    (</a:t>
-            </a:r>
-            <a:r>
-              <a:rPr lang="en-US" sz="1600" dirty="0" err="1" smtClean="0">
-                <a:latin typeface="Courier New" pitchFamily="49" charset="0"/>
-                <a:cs typeface="Courier New" pitchFamily="49" charset="0"/>
-              </a:rPr>
-              <a:t>LastName</a:t>
-            </a:r>
-            <a:r>
-              <a:rPr lang="en-US" sz="1600" dirty="0" smtClean="0">
-                <a:latin typeface="Courier New" pitchFamily="49" charset="0"/>
-                <a:cs typeface="Courier New" pitchFamily="49" charset="0"/>
-              </a:rPr>
-              <a:t> </a:t>
-            </a:r>
-            <a:r>
-              <a:rPr lang="en-US" sz="1600" dirty="0">
-                <a:latin typeface="Courier New" pitchFamily="49" charset="0"/>
-                <a:cs typeface="Courier New" pitchFamily="49" charset="0"/>
-              </a:rPr>
-              <a:t>= 'Smith</a:t>
-            </a:r>
-            <a:r>
-              <a:rPr lang="en-US" sz="1600" dirty="0" smtClean="0">
-                <a:latin typeface="Courier New" pitchFamily="49" charset="0"/>
-                <a:cs typeface="Courier New" pitchFamily="49" charset="0"/>
-              </a:rPr>
-              <a:t>');</a:t>
-            </a:r>
-            <a:endParaRPr lang="en-US" sz="1600" dirty="0">
-              <a:latin typeface="Courier New" pitchFamily="49" charset="0"/>
-              <a:cs typeface="Courier New" pitchFamily="49" charset="0"/>
-            </a:endParaRPr>
+            <a:r>
+              <a:rPr lang="en-US" dirty="0" smtClean="0"/>
+              <a:t>Source:  </a:t>
+            </a:r>
+            <a:r>
+              <a:rPr lang="en-US" dirty="0" smtClean="0"/>
+              <a:t>TBD</a:t>
+            </a:r>
+            <a:endParaRPr lang="en-US" dirty="0"/>
           </a:p>
         </p:txBody>
       </p:sp>
+      <p:pic>
+        <p:nvPicPr>
+          <p:cNvPr id="5" name="Picture 4"/>
+          <p:cNvPicPr>
+            <a:picLocks noChangeAspect="1"/>
+          </p:cNvPicPr>
+          <p:nvPr/>
+        </p:nvPicPr>
+        <p:blipFill>
+          <a:blip r:embed="rId2">
+            <a:extLst>
+              <a:ext uri="{28A0092B-C50C-407E-A947-70E740481C1C}">
+                <a14:useLocalDpi xmlns:a14="http://schemas.microsoft.com/office/drawing/2010/main" val="0"/>
+              </a:ext>
+            </a:extLst>
+          </a:blip>
+          <a:stretch>
+            <a:fillRect/>
+          </a:stretch>
+        </p:blipFill>
+        <p:spPr>
+          <a:xfrm>
+            <a:off x="412651" y="1450144"/>
+            <a:ext cx="6410179" cy="3248465"/>
+          </a:xfrm>
+          <a:prstGeom prst="rect">
+            <a:avLst/>
+          </a:prstGeom>
+        </p:spPr>
+      </p:pic>
     </p:spTree>
     <p:extLst>
       <p:ext uri="{BB962C8B-B14F-4D97-AF65-F5344CB8AC3E}">
-        <p14:creationId xmlns:p14="http://schemas.microsoft.com/office/powerpoint/2010/main" val="558309787"/>
+        <p14:creationId xmlns:p14="http://schemas.microsoft.com/office/powerpoint/2010/main" val="4071654574"/>
       </p:ext>
     </p:extLst>
   </p:cSld>
@@ -14195,7 +9202,7 @@
                 <a:latin typeface="Arial" pitchFamily="34" charset="0"/>
                 <a:cs typeface="Arial" pitchFamily="34" charset="0"/>
               </a:rPr>
-              <a:t>What the Database Actually Sees</a:t>
+              <a:t>Installing SQL Server R Services, part 1</a:t>
             </a:r>
             <a:endParaRPr lang="en-US" dirty="0">
               <a:latin typeface="Arial" pitchFamily="34" charset="0"/>
@@ -14231,123 +9238,18 @@
               <a:buNone/>
             </a:pPr>
             <a:r>
-              <a:rPr lang="en-US" sz="1600" dirty="0" smtClean="0">
-                <a:latin typeface="Courier New" pitchFamily="49" charset="0"/>
-                <a:cs typeface="Courier New" pitchFamily="49" charset="0"/>
+              <a:rPr lang="en-US" dirty="0">
+                <a:latin typeface="Arial" pitchFamily="34" charset="0"/>
+                <a:cs typeface="Arial" pitchFamily="34" charset="0"/>
               </a:rPr>
-              <a:t>SELECT </a:t>
-            </a:r>
-            <a:r>
-              <a:rPr lang="en-US" sz="1600" dirty="0" err="1" smtClean="0">
-                <a:latin typeface="Courier New" pitchFamily="49" charset="0"/>
-                <a:cs typeface="Courier New" pitchFamily="49" charset="0"/>
+              <a:t>1</a:t>
+            </a:r>
+            <a:r>
+              <a:rPr lang="en-US" dirty="0" smtClean="0">
+                <a:latin typeface="Arial" pitchFamily="34" charset="0"/>
+                <a:cs typeface="Arial" pitchFamily="34" charset="0"/>
               </a:rPr>
-              <a:t>FirstName</a:t>
-            </a:r>
-            <a:r>
-              <a:rPr lang="en-US" sz="1600" dirty="0" smtClean="0">
-                <a:latin typeface="Courier New" pitchFamily="49" charset="0"/>
-                <a:cs typeface="Courier New" pitchFamily="49" charset="0"/>
-              </a:rPr>
-              <a:t>, </a:t>
-            </a:r>
-            <a:r>
-              <a:rPr lang="en-US" sz="1600" dirty="0" err="1" smtClean="0">
-                <a:latin typeface="Courier New" pitchFamily="49" charset="0"/>
-                <a:cs typeface="Courier New" pitchFamily="49" charset="0"/>
-              </a:rPr>
-              <a:t>LastName</a:t>
-            </a:r>
-            <a:r>
-              <a:rPr lang="en-US" sz="1600" dirty="0" smtClean="0">
-                <a:latin typeface="Courier New" pitchFamily="49" charset="0"/>
-                <a:cs typeface="Courier New" pitchFamily="49" charset="0"/>
-              </a:rPr>
-              <a:t>, GPA FROM </a:t>
-            </a:r>
-            <a:r>
-              <a:rPr lang="en-US" sz="1600" dirty="0" err="1" smtClean="0">
-                <a:latin typeface="Courier New" pitchFamily="49" charset="0"/>
-                <a:cs typeface="Courier New" pitchFamily="49" charset="0"/>
-              </a:rPr>
-              <a:t>dbo.Students</a:t>
-            </a:r>
-            <a:r>
-              <a:rPr lang="en-US" sz="1600" dirty="0" smtClean="0">
-                <a:latin typeface="Courier New" pitchFamily="49" charset="0"/>
-                <a:cs typeface="Courier New" pitchFamily="49" charset="0"/>
-              </a:rPr>
-              <a:t> WHERE (</a:t>
-            </a:r>
-            <a:r>
-              <a:rPr lang="en-US" sz="1600" dirty="0" err="1" smtClean="0">
-                <a:latin typeface="Courier New" pitchFamily="49" charset="0"/>
-                <a:cs typeface="Courier New" pitchFamily="49" charset="0"/>
-              </a:rPr>
-              <a:t>FirstName</a:t>
-            </a:r>
-            <a:r>
-              <a:rPr lang="en-US" sz="1600" dirty="0" smtClean="0">
-                <a:latin typeface="Courier New" pitchFamily="49" charset="0"/>
-                <a:cs typeface="Courier New" pitchFamily="49" charset="0"/>
-              </a:rPr>
-              <a:t> </a:t>
-            </a:r>
-            <a:r>
-              <a:rPr lang="en-US" sz="1600" dirty="0">
-                <a:latin typeface="Courier New" pitchFamily="49" charset="0"/>
-                <a:cs typeface="Courier New" pitchFamily="49" charset="0"/>
-              </a:rPr>
-              <a:t>= 'Robert</a:t>
-            </a:r>
-            <a:r>
-              <a:rPr lang="en-US" sz="1600" dirty="0" smtClean="0">
-                <a:latin typeface="Courier New" pitchFamily="49" charset="0"/>
-                <a:cs typeface="Courier New" pitchFamily="49" charset="0"/>
-              </a:rPr>
-              <a:t>'); DROP TABLE </a:t>
-            </a:r>
-            <a:r>
-              <a:rPr lang="en-US" sz="1600" dirty="0">
-                <a:latin typeface="Courier New" pitchFamily="49" charset="0"/>
-                <a:cs typeface="Courier New" pitchFamily="49" charset="0"/>
-              </a:rPr>
-              <a:t>Students</a:t>
-            </a:r>
-            <a:r>
-              <a:rPr lang="en-US" sz="1600" dirty="0" smtClean="0">
-                <a:latin typeface="Courier New" pitchFamily="49" charset="0"/>
-                <a:cs typeface="Courier New" pitchFamily="49" charset="0"/>
-              </a:rPr>
-              <a:t>;--’) </a:t>
-            </a:r>
-            <a:r>
-              <a:rPr lang="en-US" sz="1600" dirty="0">
-                <a:latin typeface="Courier New" pitchFamily="49" charset="0"/>
-                <a:cs typeface="Courier New" pitchFamily="49" charset="0"/>
-              </a:rPr>
-              <a:t>AND (</a:t>
-            </a:r>
-            <a:r>
-              <a:rPr lang="en-US" sz="1600" dirty="0" err="1">
-                <a:latin typeface="Courier New" pitchFamily="49" charset="0"/>
-                <a:cs typeface="Courier New" pitchFamily="49" charset="0"/>
-              </a:rPr>
-              <a:t>LastName</a:t>
-            </a:r>
-            <a:r>
-              <a:rPr lang="en-US" sz="1600" dirty="0">
-                <a:latin typeface="Courier New" pitchFamily="49" charset="0"/>
-                <a:cs typeface="Courier New" pitchFamily="49" charset="0"/>
-              </a:rPr>
-              <a:t> = 'Smith</a:t>
-            </a:r>
-            <a:r>
-              <a:rPr lang="en-US" sz="1600" dirty="0" smtClean="0">
-                <a:latin typeface="Courier New" pitchFamily="49" charset="0"/>
-                <a:cs typeface="Courier New" pitchFamily="49" charset="0"/>
-              </a:rPr>
-              <a:t>');</a:t>
+              <a:t>.  Install Advanced Analytics Extensions</a:t>
             </a:r>
           </a:p>
           <a:p>
@@ -14357,9 +9259,9 @@
               </a:spcBef>
               <a:buNone/>
             </a:pPr>
-            <a:endParaRPr lang="en-US" sz="1600" dirty="0" smtClean="0">
-              <a:latin typeface="Courier New" pitchFamily="49" charset="0"/>
-              <a:cs typeface="Courier New" pitchFamily="49" charset="0"/>
+            <a:endParaRPr lang="en-US" dirty="0">
+              <a:latin typeface="Arial" pitchFamily="34" charset="0"/>
+              <a:cs typeface="Arial" pitchFamily="34" charset="0"/>
             </a:endParaRPr>
           </a:p>
           <a:p>
@@ -14369,9 +9271,33 @@
               </a:spcBef>
               <a:buNone/>
             </a:pPr>
-            <a:endParaRPr lang="en-US" sz="1600" dirty="0">
-              <a:latin typeface="Courier New" pitchFamily="49" charset="0"/>
-              <a:cs typeface="Courier New" pitchFamily="49" charset="0"/>
+            <a:r>
+              <a:rPr lang="en-US" dirty="0" smtClean="0">
+                <a:latin typeface="Arial" pitchFamily="34" charset="0"/>
+                <a:cs typeface="Arial" pitchFamily="34" charset="0"/>
+                <a:hlinkClick r:id="rId2"/>
+              </a:rPr>
+              <a:t>https</a:t>
+            </a:r>
+            <a:r>
+              <a:rPr lang="en-US" dirty="0">
+                <a:latin typeface="Arial" pitchFamily="34" charset="0"/>
+                <a:cs typeface="Arial" pitchFamily="34" charset="0"/>
+                <a:hlinkClick r:id="rId2"/>
+              </a:rPr>
+              <a:t>://</a:t>
+            </a:r>
+            <a:r>
+              <a:rPr lang="en-US" dirty="0" smtClean="0">
+                <a:latin typeface="Arial" pitchFamily="34" charset="0"/>
+                <a:cs typeface="Arial" pitchFamily="34" charset="0"/>
+                <a:hlinkClick r:id="rId2"/>
+              </a:rPr>
+              <a:t>msdn.microsoft.com/en-US/library/mt590808.aspx</a:t>
+            </a:r>
+            <a:endParaRPr lang="en-US" dirty="0">
+              <a:latin typeface="Arial" pitchFamily="34" charset="0"/>
+              <a:cs typeface="Arial" pitchFamily="34" charset="0"/>
             </a:endParaRPr>
           </a:p>
           <a:p>
@@ -14381,277 +9307,9 @@
               </a:spcBef>
               <a:buNone/>
             </a:pPr>
-            <a:r>
-              <a:rPr lang="en-US" sz="1600" dirty="0">
-                <a:latin typeface="Courier New" pitchFamily="49" charset="0"/>
-                <a:cs typeface="Courier New" pitchFamily="49" charset="0"/>
-              </a:rPr>
-              <a:t>SELECT</a:t>
-            </a:r>
-          </a:p>
-          <a:p>
-            <a:pPr marL="0" indent="0">
-              <a:spcBef>
-                <a:spcPts val="0"/>
-              </a:spcBef>
-              <a:buNone/>
-            </a:pPr>
-            <a:r>
-              <a:rPr lang="en-US" sz="1600" dirty="0">
-                <a:latin typeface="Courier New" pitchFamily="49" charset="0"/>
-                <a:cs typeface="Courier New" pitchFamily="49" charset="0"/>
-              </a:rPr>
-              <a:t>    </a:t>
-            </a:r>
-            <a:r>
-              <a:rPr lang="en-US" sz="1600" dirty="0" err="1">
-                <a:latin typeface="Courier New" pitchFamily="49" charset="0"/>
-                <a:cs typeface="Courier New" pitchFamily="49" charset="0"/>
-              </a:rPr>
-              <a:t>FirstName</a:t>
-            </a:r>
-            <a:r>
-              <a:rPr lang="en-US" sz="1600" dirty="0">
-                <a:latin typeface="Courier New" pitchFamily="49" charset="0"/>
-                <a:cs typeface="Courier New" pitchFamily="49" charset="0"/>
-              </a:rPr>
-              <a:t>,</a:t>
-            </a:r>
-          </a:p>
-          <a:p>
-            <a:pPr marL="0" indent="0">
-              <a:spcBef>
-                <a:spcPts val="0"/>
-              </a:spcBef>
-              <a:buNone/>
-            </a:pPr>
-            <a:r>
-              <a:rPr lang="en-US" sz="1600" dirty="0">
-                <a:latin typeface="Courier New" pitchFamily="49" charset="0"/>
-                <a:cs typeface="Courier New" pitchFamily="49" charset="0"/>
-              </a:rPr>
-              <a:t>    </a:t>
-            </a:r>
-            <a:r>
-              <a:rPr lang="en-US" sz="1600" dirty="0" err="1">
-                <a:latin typeface="Courier New" pitchFamily="49" charset="0"/>
-                <a:cs typeface="Courier New" pitchFamily="49" charset="0"/>
-              </a:rPr>
-              <a:t>LastName</a:t>
-            </a:r>
-            <a:r>
-              <a:rPr lang="en-US" sz="1600" dirty="0">
-                <a:latin typeface="Courier New" pitchFamily="49" charset="0"/>
-                <a:cs typeface="Courier New" pitchFamily="49" charset="0"/>
-              </a:rPr>
-              <a:t>,</a:t>
-            </a:r>
-          </a:p>
-          <a:p>
-            <a:pPr marL="0" indent="0">
-              <a:spcBef>
-                <a:spcPts val="0"/>
-              </a:spcBef>
-              <a:buNone/>
-            </a:pPr>
-            <a:r>
-              <a:rPr lang="en-US" sz="1600" dirty="0">
-                <a:latin typeface="Courier New" pitchFamily="49" charset="0"/>
-                <a:cs typeface="Courier New" pitchFamily="49" charset="0"/>
-              </a:rPr>
-              <a:t>    GPA</a:t>
-            </a:r>
-          </a:p>
-          <a:p>
-            <a:pPr marL="0" indent="0">
-              <a:spcBef>
-                <a:spcPts val="0"/>
-              </a:spcBef>
-              <a:buNone/>
-            </a:pPr>
-            <a:r>
-              <a:rPr lang="en-US" sz="1600" dirty="0">
-                <a:latin typeface="Courier New" pitchFamily="49" charset="0"/>
-                <a:cs typeface="Courier New" pitchFamily="49" charset="0"/>
-              </a:rPr>
-              <a:t>FROM</a:t>
-            </a:r>
-          </a:p>
-          <a:p>
-            <a:pPr marL="0" indent="0">
-              <a:spcBef>
-                <a:spcPts val="0"/>
-              </a:spcBef>
-              <a:buNone/>
-            </a:pPr>
-            <a:r>
-              <a:rPr lang="en-US" sz="1600" dirty="0">
-                <a:latin typeface="Courier New" pitchFamily="49" charset="0"/>
-                <a:cs typeface="Courier New" pitchFamily="49" charset="0"/>
-              </a:rPr>
-              <a:t>    </a:t>
-            </a:r>
-            <a:r>
-              <a:rPr lang="en-US" sz="1600" dirty="0" err="1" smtClean="0">
-                <a:latin typeface="Courier New" pitchFamily="49" charset="0"/>
-                <a:cs typeface="Courier New" pitchFamily="49" charset="0"/>
-              </a:rPr>
-              <a:t>dbo.Students</a:t>
-            </a:r>
-            <a:endParaRPr lang="en-US" sz="1600" dirty="0">
-              <a:latin typeface="Courier New" pitchFamily="49" charset="0"/>
-              <a:cs typeface="Courier New" pitchFamily="49" charset="0"/>
-            </a:endParaRPr>
-          </a:p>
-          <a:p>
-            <a:pPr marL="0" indent="0">
-              <a:spcBef>
-                <a:spcPts val="0"/>
-              </a:spcBef>
-              <a:buNone/>
-            </a:pPr>
-            <a:r>
-              <a:rPr lang="en-US" sz="1600" dirty="0">
-                <a:latin typeface="Courier New" pitchFamily="49" charset="0"/>
-                <a:cs typeface="Courier New" pitchFamily="49" charset="0"/>
-              </a:rPr>
-              <a:t>WHERE</a:t>
-            </a:r>
-          </a:p>
-          <a:p>
-            <a:pPr marL="0" indent="0">
-              <a:spcBef>
-                <a:spcPts val="0"/>
-              </a:spcBef>
-              <a:buNone/>
-            </a:pPr>
-            <a:r>
-              <a:rPr lang="en-US" sz="1600" dirty="0">
-                <a:latin typeface="Courier New" pitchFamily="49" charset="0"/>
-                <a:cs typeface="Courier New" pitchFamily="49" charset="0"/>
-              </a:rPr>
-              <a:t>    (</a:t>
-            </a:r>
-            <a:r>
-              <a:rPr lang="en-US" sz="1600" dirty="0" err="1">
-                <a:latin typeface="Courier New" pitchFamily="49" charset="0"/>
-                <a:cs typeface="Courier New" pitchFamily="49" charset="0"/>
-              </a:rPr>
-              <a:t>FirstName</a:t>
-            </a:r>
-            <a:r>
-              <a:rPr lang="en-US" sz="1600" dirty="0">
-                <a:latin typeface="Courier New" pitchFamily="49" charset="0"/>
-                <a:cs typeface="Courier New" pitchFamily="49" charset="0"/>
-              </a:rPr>
-              <a:t> = 'Robert</a:t>
-            </a:r>
-            <a:r>
-              <a:rPr lang="en-US" sz="1600" dirty="0" smtClean="0">
-                <a:latin typeface="Courier New" pitchFamily="49" charset="0"/>
-                <a:cs typeface="Courier New" pitchFamily="49" charset="0"/>
-              </a:rPr>
-              <a:t>');</a:t>
-            </a:r>
-          </a:p>
-          <a:p>
-            <a:pPr marL="0" indent="0">
-              <a:spcBef>
-                <a:spcPts val="0"/>
-              </a:spcBef>
-              <a:buNone/>
-            </a:pPr>
-            <a:endParaRPr lang="en-US" sz="1600" dirty="0" smtClean="0">
-              <a:latin typeface="Courier New" pitchFamily="49" charset="0"/>
-              <a:cs typeface="Courier New" pitchFamily="49" charset="0"/>
-            </a:endParaRPr>
-          </a:p>
-          <a:p>
-            <a:pPr marL="0" indent="0">
-              <a:spcBef>
-                <a:spcPts val="0"/>
-              </a:spcBef>
-              <a:buNone/>
-            </a:pPr>
-            <a:r>
-              <a:rPr lang="en-US" sz="1600" dirty="0" smtClean="0">
-                <a:latin typeface="Courier New" pitchFamily="49" charset="0"/>
-                <a:cs typeface="Courier New" pitchFamily="49" charset="0"/>
-              </a:rPr>
-              <a:t>DROP </a:t>
-            </a:r>
-            <a:r>
-              <a:rPr lang="en-US" sz="1600" dirty="0">
-                <a:latin typeface="Courier New" pitchFamily="49" charset="0"/>
-                <a:cs typeface="Courier New" pitchFamily="49" charset="0"/>
-              </a:rPr>
-              <a:t>TABLE Students</a:t>
-            </a:r>
-            <a:r>
-              <a:rPr lang="en-US" sz="1600" dirty="0" smtClean="0">
-                <a:latin typeface="Courier New" pitchFamily="49" charset="0"/>
-                <a:cs typeface="Courier New" pitchFamily="49" charset="0"/>
-              </a:rPr>
-              <a:t>;</a:t>
-            </a:r>
-          </a:p>
-          <a:p>
-            <a:pPr marL="0" indent="0">
-              <a:spcBef>
-                <a:spcPts val="0"/>
-              </a:spcBef>
-              <a:buNone/>
-            </a:pPr>
-            <a:endParaRPr lang="en-US" sz="1600" dirty="0">
-              <a:latin typeface="Courier New" pitchFamily="49" charset="0"/>
-              <a:cs typeface="Courier New" pitchFamily="49" charset="0"/>
-            </a:endParaRPr>
-          </a:p>
-          <a:p>
-            <a:pPr marL="0" indent="0">
-              <a:spcBef>
-                <a:spcPts val="0"/>
-              </a:spcBef>
-              <a:buNone/>
-            </a:pPr>
-            <a:r>
-              <a:rPr lang="en-US" sz="1600" dirty="0" smtClean="0">
-                <a:latin typeface="Courier New" pitchFamily="49" charset="0"/>
-                <a:cs typeface="Courier New" pitchFamily="49" charset="0"/>
-              </a:rPr>
-              <a:t>--’) </a:t>
-            </a:r>
-            <a:r>
-              <a:rPr lang="en-US" sz="1600" dirty="0">
-                <a:latin typeface="Courier New" pitchFamily="49" charset="0"/>
-                <a:cs typeface="Courier New" pitchFamily="49" charset="0"/>
-              </a:rPr>
-              <a:t>AND (</a:t>
-            </a:r>
-            <a:r>
-              <a:rPr lang="en-US" sz="1600" dirty="0" err="1">
-                <a:latin typeface="Courier New" pitchFamily="49" charset="0"/>
-                <a:cs typeface="Courier New" pitchFamily="49" charset="0"/>
-              </a:rPr>
-              <a:t>LastName</a:t>
-            </a:r>
-            <a:r>
-              <a:rPr lang="en-US" sz="1600" dirty="0">
-                <a:latin typeface="Courier New" pitchFamily="49" charset="0"/>
-                <a:cs typeface="Courier New" pitchFamily="49" charset="0"/>
-              </a:rPr>
-              <a:t> = 'Smith</a:t>
-            </a:r>
-            <a:r>
-              <a:rPr lang="en-US" sz="1600" dirty="0" smtClean="0">
-                <a:latin typeface="Courier New" pitchFamily="49" charset="0"/>
-                <a:cs typeface="Courier New" pitchFamily="49" charset="0"/>
-              </a:rPr>
-              <a:t>');</a:t>
-            </a:r>
-            <a:endParaRPr lang="en-US" sz="1600" dirty="0">
-              <a:latin typeface="Courier New" pitchFamily="49" charset="0"/>
-              <a:cs typeface="Courier New" pitchFamily="49" charset="0"/>
+            <a:endParaRPr lang="en-US" dirty="0" smtClean="0">
+              <a:latin typeface="Arial" pitchFamily="34" charset="0"/>
+              <a:cs typeface="Arial" pitchFamily="34" charset="0"/>
             </a:endParaRPr>
           </a:p>
         </p:txBody>
@@ -14659,7 +9317,7 @@
     </p:spTree>
     <p:extLst>
       <p:ext uri="{BB962C8B-B14F-4D97-AF65-F5344CB8AC3E}">
-        <p14:creationId xmlns:p14="http://schemas.microsoft.com/office/powerpoint/2010/main" val="944937762"/>
+        <p14:creationId xmlns:p14="http://schemas.microsoft.com/office/powerpoint/2010/main" val="1660605471"/>
       </p:ext>
     </p:extLst>
   </p:cSld>
@@ -14718,7 +9376,7 @@
                 <a:latin typeface="Arial" pitchFamily="34" charset="0"/>
                 <a:cs typeface="Arial" pitchFamily="34" charset="0"/>
               </a:rPr>
-              <a:t>Installing SQL Server R Services, part 1</a:t>
+              <a:t>Installing SQL Server R Services, part 2</a:t>
             </a:r>
             <a:endParaRPr lang="en-US" dirty="0">
               <a:latin typeface="Arial" pitchFamily="34" charset="0"/>
@@ -14727,113 +9385,40 @@
           </a:p>
         </p:txBody>
       </p:sp>
-      <p:sp>
-        <p:nvSpPr>
-          <p:cNvPr id="3" name="Content Placeholder 2"/>
-          <p:cNvSpPr>
-            <a:spLocks noGrp="1"/>
-          </p:cNvSpPr>
-          <p:nvPr>
-            <p:ph idx="1"/>
-          </p:nvPr>
-        </p:nvSpPr>
+      <p:pic>
+        <p:nvPicPr>
+          <p:cNvPr id="5" name="Picture 4"/>
+          <p:cNvPicPr>
+            <a:picLocks noChangeAspect="1"/>
+          </p:cNvPicPr>
+          <p:nvPr/>
+        </p:nvPicPr>
+        <p:blipFill>
+          <a:blip r:embed="rId2">
+            <a:extLst>
+              <a:ext uri="{28A0092B-C50C-407E-A947-70E740481C1C}">
+                <a14:useLocalDpi xmlns:a14="http://schemas.microsoft.com/office/drawing/2010/main" val="0"/>
+              </a:ext>
+            </a:extLst>
+          </a:blip>
+          <a:stretch>
+            <a:fillRect/>
+          </a:stretch>
+        </p:blipFill>
         <p:spPr>
           <a:xfrm>
-            <a:off x="390418" y="1356189"/>
-            <a:ext cx="8640870" cy="4397339"/>
+            <a:off x="253218" y="1336431"/>
+            <a:ext cx="6935373" cy="4174947"/>
           </a:xfrm>
+          <a:prstGeom prst="rect">
+            <a:avLst/>
+          </a:prstGeom>
         </p:spPr>
-        <p:txBody>
-          <a:bodyPr/>
-          <a:lstStyle/>
-          <a:p>
-            <a:pPr marL="0" indent="0">
-              <a:spcBef>
-                <a:spcPts val="0"/>
-              </a:spcBef>
-              <a:buNone/>
-            </a:pPr>
-            <a:r>
-              <a:rPr lang="en-US" dirty="0">
-                <a:latin typeface="Arial" pitchFamily="34" charset="0"/>
-                <a:cs typeface="Arial" pitchFamily="34" charset="0"/>
-              </a:rPr>
-              <a:t>1</a:t>
-            </a:r>
-            <a:r>
-              <a:rPr lang="en-US" dirty="0" smtClean="0">
-                <a:latin typeface="Arial" pitchFamily="34" charset="0"/>
-                <a:cs typeface="Arial" pitchFamily="34" charset="0"/>
-              </a:rPr>
-              <a:t>.  Install Advanced Analytics Extensions</a:t>
-            </a:r>
-          </a:p>
-          <a:p>
-            <a:pPr marL="0" indent="0">
-              <a:spcBef>
-                <a:spcPts val="0"/>
-              </a:spcBef>
-              <a:buNone/>
-            </a:pPr>
-            <a:endParaRPr lang="en-US" dirty="0">
-              <a:latin typeface="Arial" pitchFamily="34" charset="0"/>
-              <a:cs typeface="Arial" pitchFamily="34" charset="0"/>
-            </a:endParaRPr>
-          </a:p>
-          <a:p>
-            <a:pPr marL="0" indent="0">
-              <a:spcBef>
-                <a:spcPts val="0"/>
-              </a:spcBef>
-              <a:buNone/>
-            </a:pPr>
-            <a:r>
-              <a:rPr lang="en-US" dirty="0" smtClean="0">
-                <a:latin typeface="Arial" pitchFamily="34" charset="0"/>
-                <a:cs typeface="Arial" pitchFamily="34" charset="0"/>
-                <a:hlinkClick r:id="rId2"/>
-              </a:rPr>
-              <a:t>https</a:t>
-            </a:r>
-            <a:r>
-              <a:rPr lang="en-US" dirty="0">
-                <a:latin typeface="Arial" pitchFamily="34" charset="0"/>
-                <a:cs typeface="Arial" pitchFamily="34" charset="0"/>
-                <a:hlinkClick r:id="rId2"/>
-              </a:rPr>
-              <a:t>://</a:t>
-            </a:r>
-            <a:r>
-              <a:rPr lang="en-US" dirty="0" smtClean="0">
-                <a:latin typeface="Arial" pitchFamily="34" charset="0"/>
-                <a:cs typeface="Arial" pitchFamily="34" charset="0"/>
-                <a:hlinkClick r:id="rId2"/>
-              </a:rPr>
-              <a:t>msdn.microsoft.com/en-US/library/mt590808.aspx</a:t>
-            </a:r>
-            <a:endParaRPr lang="en-US" dirty="0">
-              <a:latin typeface="Arial" pitchFamily="34" charset="0"/>
-              <a:cs typeface="Arial" pitchFamily="34" charset="0"/>
-            </a:endParaRPr>
-          </a:p>
-          <a:p>
-            <a:pPr marL="0" indent="0">
-              <a:spcBef>
-                <a:spcPts val="0"/>
-              </a:spcBef>
-              <a:buNone/>
-            </a:pPr>
-            <a:endParaRPr lang="en-US" dirty="0" smtClean="0">
-              <a:latin typeface="Arial" pitchFamily="34" charset="0"/>
-              <a:cs typeface="Arial" pitchFamily="34" charset="0"/>
-            </a:endParaRPr>
-          </a:p>
-        </p:txBody>
-      </p:sp>
+      </p:pic>
     </p:spTree>
     <p:extLst>
       <p:ext uri="{BB962C8B-B14F-4D97-AF65-F5344CB8AC3E}">
-        <p14:creationId xmlns:p14="http://schemas.microsoft.com/office/powerpoint/2010/main" val="1660605471"/>
+        <p14:creationId xmlns:p14="http://schemas.microsoft.com/office/powerpoint/2010/main" val="240537631"/>
       </p:ext>
     </p:extLst>
   </p:cSld>
@@ -14895,22 +9480,18 @@
               <a:t>Installing SQL Server R Services, part </a:t>
             </a:r>
             <a:r>
-              <a:rPr lang="en-US" dirty="0" smtClean="0">
+              <a:rPr lang="en-US" dirty="0">
                 <a:latin typeface="Arial" pitchFamily="34" charset="0"/>
                 <a:cs typeface="Arial" pitchFamily="34" charset="0"/>
               </a:rPr>
-              <a:t>2</a:t>
-            </a:r>
-            <a:endParaRPr lang="en-US" dirty="0">
-              <a:latin typeface="Arial" pitchFamily="34" charset="0"/>
-              <a:cs typeface="Arial" pitchFamily="34" charset="0"/>
-            </a:endParaRPr>
+              <a:t>3</a:t>
+            </a:r>
           </a:p>
         </p:txBody>
       </p:sp>
       <p:pic>
         <p:nvPicPr>
-          <p:cNvPr id="5" name="Picture 4"/>
+          <p:cNvPr id="3" name="Picture 2"/>
           <p:cNvPicPr>
             <a:picLocks noChangeAspect="1"/>
           </p:cNvPicPr>
@@ -14930,8 +9511,8 @@
         </p:blipFill>
         <p:spPr>
           <a:xfrm>
-            <a:off x="253218" y="1336431"/>
-            <a:ext cx="6935373" cy="4174947"/>
+            <a:off x="243179" y="1323584"/>
+            <a:ext cx="5098631" cy="4134681"/>
           </a:xfrm>
           <a:prstGeom prst="rect">
             <a:avLst/>
@@ -14941,7 +9522,7 @@
     </p:spTree>
     <p:extLst>
       <p:ext uri="{BB962C8B-B14F-4D97-AF65-F5344CB8AC3E}">
-        <p14:creationId xmlns:p14="http://schemas.microsoft.com/office/powerpoint/2010/main" val="240537631"/>
+        <p14:creationId xmlns:p14="http://schemas.microsoft.com/office/powerpoint/2010/main" val="3687509454"/>
       </p:ext>
     </p:extLst>
   </p:cSld>
@@ -15000,14 +9581,7 @@
                 <a:latin typeface="Arial" pitchFamily="34" charset="0"/>
                 <a:cs typeface="Arial" pitchFamily="34" charset="0"/>
               </a:rPr>
-              <a:t>Installing SQL Server R Services, part </a:t>
-            </a:r>
-            <a:r>
-              <a:rPr lang="en-US" dirty="0">
-                <a:latin typeface="Arial" pitchFamily="34" charset="0"/>
-                <a:cs typeface="Arial" pitchFamily="34" charset="0"/>
-              </a:rPr>
-              <a:t>3</a:t>
+              <a:t>Installing SQL Server R Services, part 4</a:t>
             </a:r>
             <a:endParaRPr lang="en-US" dirty="0">
               <a:latin typeface="Arial" pitchFamily="34" charset="0"/>
@@ -15018,7 +9592,7 @@
       </p:sp>
       <p:pic>
         <p:nvPicPr>
-          <p:cNvPr id="3" name="Picture 2"/>
+          <p:cNvPr id="4" name="Picture 3"/>
           <p:cNvPicPr>
             <a:picLocks noChangeAspect="1"/>
           </p:cNvPicPr>
@@ -15038,8 +9612,8 @@
         </p:blipFill>
         <p:spPr>
           <a:xfrm>
-            <a:off x="243179" y="1323584"/>
-            <a:ext cx="5098631" cy="4134681"/>
+            <a:off x="211016" y="1364383"/>
+            <a:ext cx="6527410" cy="4152699"/>
           </a:xfrm>
           <a:prstGeom prst="rect">
             <a:avLst/>
@@ -15049,7 +9623,7 @@
     </p:spTree>
     <p:extLst>
       <p:ext uri="{BB962C8B-B14F-4D97-AF65-F5344CB8AC3E}">
-        <p14:creationId xmlns:p14="http://schemas.microsoft.com/office/powerpoint/2010/main" val="3687509454"/>
+        <p14:creationId xmlns:p14="http://schemas.microsoft.com/office/powerpoint/2010/main" val="2571625966"/>
       </p:ext>
     </p:extLst>
   </p:cSld>

--- a/Presentations/SQL Server R Services/SQL Server R Services - ABQSQL.pptx
+++ b/Presentations/SQL Server R Services/SQL Server R Services - ABQSQL.pptx
@@ -6,31 +6,35 @@
     <p:sldMasterId id="2147483799" r:id="rId2"/>
   </p:sldMasterIdLst>
   <p:notesMasterIdLst>
-    <p:notesMasterId r:id="rId22"/>
+    <p:notesMasterId r:id="rId26"/>
   </p:notesMasterIdLst>
   <p:handoutMasterIdLst>
-    <p:handoutMasterId r:id="rId23"/>
+    <p:handoutMasterId r:id="rId27"/>
   </p:handoutMasterIdLst>
   <p:sldIdLst>
     <p:sldId id="287" r:id="rId3"/>
     <p:sldId id="288" r:id="rId4"/>
     <p:sldId id="351" r:id="rId5"/>
-    <p:sldId id="387" r:id="rId6"/>
-    <p:sldId id="388" r:id="rId7"/>
-    <p:sldId id="348" r:id="rId8"/>
-    <p:sldId id="378" r:id="rId9"/>
-    <p:sldId id="379" r:id="rId10"/>
-    <p:sldId id="380" r:id="rId11"/>
-    <p:sldId id="377" r:id="rId12"/>
-    <p:sldId id="381" r:id="rId13"/>
-    <p:sldId id="382" r:id="rId14"/>
-    <p:sldId id="383" r:id="rId15"/>
-    <p:sldId id="384" r:id="rId16"/>
-    <p:sldId id="385" r:id="rId17"/>
-    <p:sldId id="364" r:id="rId18"/>
-    <p:sldId id="386" r:id="rId19"/>
-    <p:sldId id="365" r:id="rId20"/>
-    <p:sldId id="389" r:id="rId21"/>
+    <p:sldId id="391" r:id="rId6"/>
+    <p:sldId id="392" r:id="rId7"/>
+    <p:sldId id="393" r:id="rId8"/>
+    <p:sldId id="390" r:id="rId9"/>
+    <p:sldId id="387" r:id="rId10"/>
+    <p:sldId id="388" r:id="rId11"/>
+    <p:sldId id="348" r:id="rId12"/>
+    <p:sldId id="378" r:id="rId13"/>
+    <p:sldId id="379" r:id="rId14"/>
+    <p:sldId id="380" r:id="rId15"/>
+    <p:sldId id="377" r:id="rId16"/>
+    <p:sldId id="381" r:id="rId17"/>
+    <p:sldId id="382" r:id="rId18"/>
+    <p:sldId id="383" r:id="rId19"/>
+    <p:sldId id="384" r:id="rId20"/>
+    <p:sldId id="385" r:id="rId21"/>
+    <p:sldId id="364" r:id="rId22"/>
+    <p:sldId id="386" r:id="rId23"/>
+    <p:sldId id="365" r:id="rId24"/>
+    <p:sldId id="389" r:id="rId25"/>
   </p:sldIdLst>
   <p:sldSz cx="9144000" cy="6858000" type="screen4x3"/>
   <p:notesSz cx="6858000" cy="9144000"/>
@@ -287,7 +291,7 @@
               <a:pPr>
                 <a:defRPr/>
               </a:pPr>
-              <a:t>1/8/2016</a:t>
+              <a:t>1/21/2016</a:t>
             </a:fld>
             <a:endParaRPr lang="en-US" dirty="0"/>
           </a:p>
@@ -507,7 +511,7 @@
               <a:pPr>
                 <a:defRPr/>
               </a:pPr>
-              <a:t>1/8/2016</a:t>
+              <a:t>1/21/2016</a:t>
             </a:fld>
             <a:endParaRPr lang="en-US" dirty="0"/>
           </a:p>
@@ -7109,7 +7113,23 @@
                   <a:srgbClr val="FF0000"/>
                 </a:solidFill>
               </a:rPr>
-              <a:t>ABQSQL, January 8, 2016</a:t>
+              <a:t>ABQSQL, January </a:t>
+            </a:r>
+            <a:r>
+              <a:rPr lang="en-US" dirty="0" smtClean="0">
+                <a:solidFill>
+                  <a:srgbClr val="FF0000"/>
+                </a:solidFill>
+              </a:rPr>
+              <a:t>22, </a:t>
+            </a:r>
+            <a:r>
+              <a:rPr lang="en-US" dirty="0" smtClean="0">
+                <a:solidFill>
+                  <a:srgbClr val="FF0000"/>
+                </a:solidFill>
+              </a:rPr>
+              <a:t>2016</a:t>
             </a:r>
           </a:p>
         </p:txBody>
@@ -7197,7 +7217,7 @@
                 <a:latin typeface="Arial" pitchFamily="34" charset="0"/>
                 <a:cs typeface="Arial" pitchFamily="34" charset="0"/>
               </a:rPr>
-              <a:t>Installing SQL Server R Services, part 5</a:t>
+              <a:t>Installing SQL Server R Services, part 1</a:t>
             </a:r>
             <a:endParaRPr lang="en-US" dirty="0">
               <a:latin typeface="Arial" pitchFamily="34" charset="0"/>
@@ -7233,82 +7253,18 @@
               <a:buNone/>
             </a:pPr>
             <a:r>
+              <a:rPr lang="en-US" dirty="0">
+                <a:latin typeface="Arial" pitchFamily="34" charset="0"/>
+                <a:cs typeface="Arial" pitchFamily="34" charset="0"/>
+              </a:rPr>
+              <a:t>1</a:t>
+            </a:r>
+            <a:r>
               <a:rPr lang="en-US" dirty="0" smtClean="0">
                 <a:latin typeface="Arial" pitchFamily="34" charset="0"/>
                 <a:cs typeface="Arial" pitchFamily="34" charset="0"/>
               </a:rPr>
-              <a:t>2.  Install </a:t>
-            </a:r>
-            <a:r>
-              <a:rPr lang="en-US" dirty="0">
-                <a:latin typeface="Arial" pitchFamily="34" charset="0"/>
-                <a:cs typeface="Arial" pitchFamily="34" charset="0"/>
-              </a:rPr>
-              <a:t>Revolution R Open </a:t>
-            </a:r>
-            <a:r>
-              <a:rPr lang="en-US" dirty="0" smtClean="0">
-                <a:latin typeface="Arial" pitchFamily="34" charset="0"/>
-                <a:cs typeface="Arial" pitchFamily="34" charset="0"/>
-              </a:rPr>
-              <a:t>3.2.2 on database server</a:t>
-            </a:r>
-          </a:p>
-          <a:p>
-            <a:pPr marL="0" indent="0">
-              <a:spcBef>
-                <a:spcPts val="0"/>
-              </a:spcBef>
-              <a:buNone/>
-            </a:pPr>
-            <a:r>
-              <a:rPr lang="en-US" dirty="0" smtClean="0">
-                <a:latin typeface="Arial" pitchFamily="34" charset="0"/>
-                <a:cs typeface="Arial" pitchFamily="34" charset="0"/>
-              </a:rPr>
-              <a:t>	(R runtime engine)</a:t>
-            </a:r>
-          </a:p>
-          <a:p>
-            <a:pPr marL="0" indent="0">
-              <a:spcBef>
-                <a:spcPts val="0"/>
-              </a:spcBef>
-              <a:buNone/>
-            </a:pPr>
-            <a:endParaRPr lang="en-US" dirty="0" smtClean="0">
-              <a:latin typeface="Arial" pitchFamily="34" charset="0"/>
-              <a:cs typeface="Arial" pitchFamily="34" charset="0"/>
-            </a:endParaRPr>
-          </a:p>
-          <a:p>
-            <a:pPr marL="0" indent="0">
-              <a:spcBef>
-                <a:spcPts val="0"/>
-              </a:spcBef>
-              <a:buNone/>
-            </a:pPr>
-            <a:r>
-              <a:rPr lang="en-US" dirty="0" smtClean="0">
-                <a:latin typeface="Arial" pitchFamily="34" charset="0"/>
-                <a:cs typeface="Arial" pitchFamily="34" charset="0"/>
-              </a:rPr>
-              <a:t>3.  Install Revolution R Enterprise 7.5 on database server</a:t>
-            </a:r>
-          </a:p>
-          <a:p>
-            <a:pPr marL="0" indent="0">
-              <a:spcBef>
-                <a:spcPts val="0"/>
-              </a:spcBef>
-              <a:buNone/>
-            </a:pPr>
-            <a:r>
-              <a:rPr lang="en-US" dirty="0" smtClean="0">
-                <a:latin typeface="Arial" pitchFamily="34" charset="0"/>
-                <a:cs typeface="Arial" pitchFamily="34" charset="0"/>
-              </a:rPr>
-              <a:t>	(R platform)</a:t>
+              <a:t>.  Install Advanced Analytics Extensions</a:t>
             </a:r>
           </a:p>
           <a:p>
@@ -7352,7 +7308,7 @@
                 <a:cs typeface="Arial" pitchFamily="34" charset="0"/>
                 <a:hlinkClick r:id="rId2"/>
               </a:rPr>
-              <a:t>msdn.microsoft.com/en-US/library/mt590809.aspx</a:t>
+              <a:t>msdn.microsoft.com/en-US/library/mt590808.aspx</a:t>
             </a:r>
             <a:endParaRPr lang="en-US" dirty="0">
               <a:latin typeface="Arial" pitchFamily="34" charset="0"/>
@@ -7376,7 +7332,7 @@
     </p:spTree>
     <p:extLst>
       <p:ext uri="{BB962C8B-B14F-4D97-AF65-F5344CB8AC3E}">
-        <p14:creationId xmlns:p14="http://schemas.microsoft.com/office/powerpoint/2010/main" val="1006024625"/>
+        <p14:creationId xmlns:p14="http://schemas.microsoft.com/office/powerpoint/2010/main" val="1660605471"/>
       </p:ext>
     </p:extLst>
   </p:cSld>
@@ -7435,15 +7391,12 @@
                 <a:latin typeface="Arial" pitchFamily="34" charset="0"/>
                 <a:cs typeface="Arial" pitchFamily="34" charset="0"/>
               </a:rPr>
-              <a:t>Installing SQL Server R Services, part </a:t>
-            </a:r>
-            <a:r>
-              <a:rPr lang="en-US" dirty="0">
-                <a:latin typeface="Arial" pitchFamily="34" charset="0"/>
-                <a:cs typeface="Arial" pitchFamily="34" charset="0"/>
-              </a:rPr>
-              <a:t>6</a:t>
-            </a:r>
+              <a:t>Installing SQL Server R Services, part 2</a:t>
+            </a:r>
+            <a:endParaRPr lang="en-US" dirty="0">
+              <a:latin typeface="Arial" pitchFamily="34" charset="0"/>
+              <a:cs typeface="Arial" pitchFamily="34" charset="0"/>
+            </a:endParaRPr>
           </a:p>
         </p:txBody>
       </p:sp>
@@ -7469,8 +7422,8 @@
         </p:blipFill>
         <p:spPr>
           <a:xfrm>
-            <a:off x="227867" y="1309515"/>
-            <a:ext cx="6076293" cy="4219087"/>
+            <a:off x="253218" y="1336431"/>
+            <a:ext cx="6935373" cy="4174947"/>
           </a:xfrm>
           <a:prstGeom prst="rect">
             <a:avLst/>
@@ -7480,7 +7433,7 @@
     </p:spTree>
     <p:extLst>
       <p:ext uri="{BB962C8B-B14F-4D97-AF65-F5344CB8AC3E}">
-        <p14:creationId xmlns:p14="http://schemas.microsoft.com/office/powerpoint/2010/main" val="1622342288"/>
+        <p14:creationId xmlns:p14="http://schemas.microsoft.com/office/powerpoint/2010/main" val="240537631"/>
       </p:ext>
     </p:extLst>
   </p:cSld>
@@ -7539,12 +7492,15 @@
                 <a:latin typeface="Arial" pitchFamily="34" charset="0"/>
                 <a:cs typeface="Arial" pitchFamily="34" charset="0"/>
               </a:rPr>
-              <a:t>Installing SQL Server R Services, part 7</a:t>
-            </a:r>
-            <a:endParaRPr lang="en-US" dirty="0">
-              <a:latin typeface="Arial" pitchFamily="34" charset="0"/>
-              <a:cs typeface="Arial" pitchFamily="34" charset="0"/>
-            </a:endParaRPr>
+              <a:t>Installing SQL Server R Services, part </a:t>
+            </a:r>
+            <a:r>
+              <a:rPr lang="en-US" dirty="0">
+                <a:latin typeface="Arial" pitchFamily="34" charset="0"/>
+                <a:cs typeface="Arial" pitchFamily="34" charset="0"/>
+              </a:rPr>
+              <a:t>3</a:t>
+            </a:r>
           </a:p>
         </p:txBody>
       </p:sp>
@@ -7570,8 +7526,8 @@
         </p:blipFill>
         <p:spPr>
           <a:xfrm>
-            <a:off x="248749" y="1345882"/>
-            <a:ext cx="5322057" cy="4171907"/>
+            <a:off x="243179" y="1323584"/>
+            <a:ext cx="5098631" cy="4134681"/>
           </a:xfrm>
           <a:prstGeom prst="rect">
             <a:avLst/>
@@ -7581,7 +7537,7 @@
     </p:spTree>
     <p:extLst>
       <p:ext uri="{BB962C8B-B14F-4D97-AF65-F5344CB8AC3E}">
-        <p14:creationId xmlns:p14="http://schemas.microsoft.com/office/powerpoint/2010/main" val="3434753538"/>
+        <p14:creationId xmlns:p14="http://schemas.microsoft.com/office/powerpoint/2010/main" val="3687509454"/>
       </p:ext>
     </p:extLst>
   </p:cSld>
@@ -7640,7 +7596,7 @@
                 <a:latin typeface="Arial" pitchFamily="34" charset="0"/>
                 <a:cs typeface="Arial" pitchFamily="34" charset="0"/>
               </a:rPr>
-              <a:t>Installing SQL Server R Services, part 8</a:t>
+              <a:t>Installing SQL Server R Services, part 4</a:t>
             </a:r>
             <a:endParaRPr lang="en-US" dirty="0">
               <a:latin typeface="Arial" pitchFamily="34" charset="0"/>
@@ -7649,235 +7605,40 @@
           </a:p>
         </p:txBody>
       </p:sp>
-      <p:sp>
-        <p:nvSpPr>
-          <p:cNvPr id="3" name="Content Placeholder 2"/>
-          <p:cNvSpPr>
-            <a:spLocks noGrp="1"/>
-          </p:cNvSpPr>
-          <p:nvPr>
-            <p:ph idx="1"/>
-          </p:nvPr>
-        </p:nvSpPr>
+      <p:pic>
+        <p:nvPicPr>
+          <p:cNvPr id="4" name="Picture 3"/>
+          <p:cNvPicPr>
+            <a:picLocks noChangeAspect="1"/>
+          </p:cNvPicPr>
+          <p:nvPr/>
+        </p:nvPicPr>
+        <p:blipFill>
+          <a:blip r:embed="rId2">
+            <a:extLst>
+              <a:ext uri="{28A0092B-C50C-407E-A947-70E740481C1C}">
+                <a14:useLocalDpi xmlns:a14="http://schemas.microsoft.com/office/drawing/2010/main" val="0"/>
+              </a:ext>
+            </a:extLst>
+          </a:blip>
+          <a:stretch>
+            <a:fillRect/>
+          </a:stretch>
+        </p:blipFill>
         <p:spPr>
           <a:xfrm>
-            <a:off x="390418" y="1356189"/>
-            <a:ext cx="8640870" cy="4397339"/>
+            <a:off x="211016" y="1364383"/>
+            <a:ext cx="6527410" cy="4152699"/>
           </a:xfrm>
-        </p:spPr>
-        <p:txBody>
-          <a:bodyPr/>
-          <a:lstStyle/>
-          <a:p>
-            <a:pPr marL="0" indent="0">
-              <a:spcBef>
-                <a:spcPts val="0"/>
-              </a:spcBef>
-              <a:buNone/>
-            </a:pPr>
-            <a:r>
-              <a:rPr lang="en-US" dirty="0" smtClean="0">
-                <a:latin typeface="Arial" pitchFamily="34" charset="0"/>
-                <a:cs typeface="Arial" pitchFamily="34" charset="0"/>
-              </a:rPr>
-              <a:t>Post-installation scripts and configuration</a:t>
-            </a:r>
-          </a:p>
-          <a:p>
-            <a:pPr marL="0" indent="0">
-              <a:spcBef>
-                <a:spcPts val="0"/>
-              </a:spcBef>
-              <a:buNone/>
-            </a:pPr>
-            <a:endParaRPr lang="en-US" dirty="0" smtClean="0">
-              <a:latin typeface="Arial" pitchFamily="34" charset="0"/>
-              <a:cs typeface="Arial" pitchFamily="34" charset="0"/>
-            </a:endParaRPr>
-          </a:p>
-          <a:p>
-            <a:pPr marL="0" indent="0">
-              <a:spcBef>
-                <a:spcPts val="0"/>
-              </a:spcBef>
-              <a:buNone/>
-            </a:pPr>
-            <a:r>
-              <a:rPr lang="en-US" dirty="0" smtClean="0">
-                <a:latin typeface="Arial" pitchFamily="34" charset="0"/>
-                <a:cs typeface="Arial" pitchFamily="34" charset="0"/>
-              </a:rPr>
-              <a:t>1.  Enable external scripts</a:t>
-            </a:r>
-            <a:endParaRPr lang="en-US" dirty="0">
-              <a:latin typeface="Arial" pitchFamily="34" charset="0"/>
-              <a:cs typeface="Arial" pitchFamily="34" charset="0"/>
-            </a:endParaRPr>
-          </a:p>
-          <a:p>
-            <a:pPr marL="0" indent="0">
-              <a:spcBef>
-                <a:spcPts val="0"/>
-              </a:spcBef>
-              <a:buNone/>
-            </a:pPr>
-            <a:r>
-              <a:rPr lang="en-US" sz="2000" dirty="0" smtClean="0">
-                <a:latin typeface="Courier New" panose="02070309020205020404" pitchFamily="49" charset="0"/>
-                <a:cs typeface="Courier New" panose="02070309020205020404" pitchFamily="49" charset="0"/>
-              </a:rPr>
-              <a:t>EXEC </a:t>
-            </a:r>
-            <a:r>
-              <a:rPr lang="en-US" sz="2000" dirty="0" err="1">
-                <a:latin typeface="Courier New" panose="02070309020205020404" pitchFamily="49" charset="0"/>
-                <a:cs typeface="Courier New" panose="02070309020205020404" pitchFamily="49" charset="0"/>
-              </a:rPr>
-              <a:t>sp_configure</a:t>
-            </a:r>
-            <a:r>
-              <a:rPr lang="en-US" sz="2000" dirty="0">
-                <a:latin typeface="Courier New" panose="02070309020205020404" pitchFamily="49" charset="0"/>
-                <a:cs typeface="Courier New" panose="02070309020205020404" pitchFamily="49" charset="0"/>
-              </a:rPr>
-              <a:t> 'external scripts enabled', 1; </a:t>
-            </a:r>
-          </a:p>
-          <a:p>
-            <a:pPr marL="0" indent="0">
-              <a:spcBef>
-                <a:spcPts val="0"/>
-              </a:spcBef>
-              <a:buNone/>
-            </a:pPr>
-            <a:r>
-              <a:rPr lang="en-US" sz="2000" dirty="0" smtClean="0">
-                <a:latin typeface="Courier New" panose="02070309020205020404" pitchFamily="49" charset="0"/>
-                <a:cs typeface="Courier New" panose="02070309020205020404" pitchFamily="49" charset="0"/>
-              </a:rPr>
-              <a:t>RECONFIGURE;</a:t>
-            </a:r>
-          </a:p>
-          <a:p>
-            <a:pPr marL="0" indent="0">
-              <a:spcBef>
-                <a:spcPts val="0"/>
-              </a:spcBef>
-              <a:buNone/>
-            </a:pPr>
-            <a:endParaRPr lang="en-US" dirty="0" smtClean="0">
-              <a:latin typeface="Arial" pitchFamily="34" charset="0"/>
-              <a:cs typeface="Arial" pitchFamily="34" charset="0"/>
-            </a:endParaRPr>
-          </a:p>
-          <a:p>
-            <a:pPr marL="0" indent="0">
-              <a:spcBef>
-                <a:spcPts val="0"/>
-              </a:spcBef>
-              <a:buNone/>
-            </a:pPr>
-            <a:r>
-              <a:rPr lang="en-US" dirty="0" smtClean="0">
-                <a:latin typeface="Arial" pitchFamily="34" charset="0"/>
-                <a:cs typeface="Arial" pitchFamily="34" charset="0"/>
-              </a:rPr>
-              <a:t>2.  Configure memory appropriately</a:t>
-            </a:r>
-          </a:p>
-          <a:p>
-            <a:pPr marL="0" indent="0">
-              <a:spcBef>
-                <a:spcPts val="0"/>
-              </a:spcBef>
-              <a:buNone/>
-            </a:pPr>
-            <a:endParaRPr lang="en-US" dirty="0" smtClean="0">
-              <a:latin typeface="Arial" pitchFamily="34" charset="0"/>
-              <a:cs typeface="Arial" pitchFamily="34" charset="0"/>
-            </a:endParaRPr>
-          </a:p>
-          <a:p>
-            <a:pPr marL="0" indent="0">
-              <a:spcBef>
-                <a:spcPts val="0"/>
-              </a:spcBef>
-              <a:buNone/>
-            </a:pPr>
-            <a:r>
-              <a:rPr lang="en-US" dirty="0" smtClean="0">
-                <a:latin typeface="Arial" pitchFamily="34" charset="0"/>
-                <a:cs typeface="Arial" pitchFamily="34" charset="0"/>
-              </a:rPr>
-              <a:t>3.  Post-installation command script</a:t>
-            </a:r>
-          </a:p>
-          <a:p>
-            <a:pPr marL="0" indent="0">
-              <a:spcBef>
-                <a:spcPts val="0"/>
-              </a:spcBef>
-              <a:buNone/>
-            </a:pPr>
-            <a:endParaRPr lang="en-US" dirty="0">
-              <a:latin typeface="Arial" pitchFamily="34" charset="0"/>
-              <a:cs typeface="Arial" pitchFamily="34" charset="0"/>
-            </a:endParaRPr>
-          </a:p>
-          <a:p>
-            <a:pPr marL="0" indent="0">
-              <a:spcBef>
-                <a:spcPts val="0"/>
-              </a:spcBef>
-              <a:buNone/>
-            </a:pPr>
-            <a:r>
-              <a:rPr lang="en-US" dirty="0" smtClean="0">
-                <a:latin typeface="Arial" pitchFamily="34" charset="0"/>
-                <a:cs typeface="Arial" pitchFamily="34" charset="0"/>
-                <a:hlinkClick r:id="rId2"/>
-              </a:rPr>
-              <a:t>https</a:t>
-            </a:r>
-            <a:r>
-              <a:rPr lang="en-US" dirty="0">
-                <a:latin typeface="Arial" pitchFamily="34" charset="0"/>
-                <a:cs typeface="Arial" pitchFamily="34" charset="0"/>
-                <a:hlinkClick r:id="rId2"/>
-              </a:rPr>
-              <a:t>://</a:t>
-            </a:r>
-            <a:r>
-              <a:rPr lang="en-US" dirty="0" smtClean="0">
-                <a:latin typeface="Arial" pitchFamily="34" charset="0"/>
-                <a:cs typeface="Arial" pitchFamily="34" charset="0"/>
-                <a:hlinkClick r:id="rId2"/>
-              </a:rPr>
-              <a:t>msdn.microsoft.com/en-US/library/mt590536.aspx</a:t>
-            </a:r>
-            <a:endParaRPr lang="en-US" dirty="0">
-              <a:latin typeface="Arial" pitchFamily="34" charset="0"/>
-              <a:cs typeface="Arial" pitchFamily="34" charset="0"/>
-            </a:endParaRPr>
-          </a:p>
-          <a:p>
-            <a:pPr marL="0" indent="0">
-              <a:spcBef>
-                <a:spcPts val="0"/>
-              </a:spcBef>
-              <a:buNone/>
-            </a:pPr>
-            <a:endParaRPr lang="en-US" dirty="0" smtClean="0">
-              <a:latin typeface="Arial" pitchFamily="34" charset="0"/>
-              <a:cs typeface="Arial" pitchFamily="34" charset="0"/>
-            </a:endParaRPr>
-          </a:p>
-        </p:txBody>
-      </p:sp>
+          <a:prstGeom prst="rect">
+            <a:avLst/>
+          </a:prstGeom>
+        </p:spPr>
+      </p:pic>
     </p:spTree>
     <p:extLst>
       <p:ext uri="{BB962C8B-B14F-4D97-AF65-F5344CB8AC3E}">
-        <p14:creationId xmlns:p14="http://schemas.microsoft.com/office/powerpoint/2010/main" val="2880793802"/>
+        <p14:creationId xmlns:p14="http://schemas.microsoft.com/office/powerpoint/2010/main" val="2571625966"/>
       </p:ext>
     </p:extLst>
   </p:cSld>
@@ -7936,52 +7697,186 @@
                 <a:latin typeface="Arial" pitchFamily="34" charset="0"/>
                 <a:cs typeface="Arial" pitchFamily="34" charset="0"/>
               </a:rPr>
-              <a:t>Installing SQL Server R Services, part </a:t>
+              <a:t>Installing SQL Server R Services, part 5</a:t>
+            </a:r>
+            <a:endParaRPr lang="en-US" dirty="0">
+              <a:latin typeface="Arial" pitchFamily="34" charset="0"/>
+              <a:cs typeface="Arial" pitchFamily="34" charset="0"/>
+            </a:endParaRPr>
+          </a:p>
+        </p:txBody>
+      </p:sp>
+      <p:sp>
+        <p:nvSpPr>
+          <p:cNvPr id="3" name="Content Placeholder 2"/>
+          <p:cNvSpPr>
+            <a:spLocks noGrp="1"/>
+          </p:cNvSpPr>
+          <p:nvPr>
+            <p:ph idx="1"/>
+          </p:nvPr>
+        </p:nvSpPr>
+        <p:spPr>
+          <a:xfrm>
+            <a:off x="390418" y="1356189"/>
+            <a:ext cx="8640870" cy="4397339"/>
+          </a:xfrm>
+        </p:spPr>
+        <p:txBody>
+          <a:bodyPr/>
+          <a:lstStyle/>
+          <a:p>
+            <a:pPr marL="0" indent="0">
+              <a:spcBef>
+                <a:spcPts val="0"/>
+              </a:spcBef>
+              <a:buNone/>
+            </a:pPr>
+            <a:r>
+              <a:rPr lang="en-US" dirty="0" smtClean="0">
+                <a:latin typeface="Arial" pitchFamily="34" charset="0"/>
+                <a:cs typeface="Arial" pitchFamily="34" charset="0"/>
+              </a:rPr>
+              <a:t>2.  Install </a:t>
             </a:r>
             <a:r>
               <a:rPr lang="en-US" dirty="0">
                 <a:latin typeface="Arial" pitchFamily="34" charset="0"/>
                 <a:cs typeface="Arial" pitchFamily="34" charset="0"/>
               </a:rPr>
-              <a:t>9</a:t>
-            </a:r>
+              <a:t>Revolution R Open </a:t>
+            </a:r>
+            <a:r>
+              <a:rPr lang="en-US" dirty="0" smtClean="0">
+                <a:latin typeface="Arial" pitchFamily="34" charset="0"/>
+                <a:cs typeface="Arial" pitchFamily="34" charset="0"/>
+              </a:rPr>
+              <a:t>3.2.2 on database server</a:t>
+            </a:r>
+          </a:p>
+          <a:p>
+            <a:pPr marL="0" indent="0">
+              <a:spcBef>
+                <a:spcPts val="0"/>
+              </a:spcBef>
+              <a:buNone/>
+            </a:pPr>
+            <a:r>
+              <a:rPr lang="en-US" dirty="0" smtClean="0">
+                <a:latin typeface="Arial" pitchFamily="34" charset="0"/>
+                <a:cs typeface="Arial" pitchFamily="34" charset="0"/>
+              </a:rPr>
+              <a:t>	(R runtime engine)</a:t>
+            </a:r>
+          </a:p>
+          <a:p>
+            <a:pPr marL="0" indent="0">
+              <a:spcBef>
+                <a:spcPts val="0"/>
+              </a:spcBef>
+              <a:buNone/>
+            </a:pPr>
+            <a:endParaRPr lang="en-US" dirty="0" smtClean="0">
+              <a:latin typeface="Arial" pitchFamily="34" charset="0"/>
+              <a:cs typeface="Arial" pitchFamily="34" charset="0"/>
+            </a:endParaRPr>
+          </a:p>
+          <a:p>
+            <a:pPr marL="0" indent="0">
+              <a:spcBef>
+                <a:spcPts val="0"/>
+              </a:spcBef>
+              <a:buNone/>
+            </a:pPr>
+            <a:r>
+              <a:rPr lang="en-US" dirty="0" smtClean="0">
+                <a:latin typeface="Arial" pitchFamily="34" charset="0"/>
+                <a:cs typeface="Arial" pitchFamily="34" charset="0"/>
+              </a:rPr>
+              <a:t>3.  Install Revolution R Enterprise 7.5 on database server</a:t>
+            </a:r>
+          </a:p>
+          <a:p>
+            <a:pPr marL="0" indent="0">
+              <a:spcBef>
+                <a:spcPts val="0"/>
+              </a:spcBef>
+              <a:buNone/>
+            </a:pPr>
+            <a:r>
+              <a:rPr lang="en-US" dirty="0" smtClean="0">
+                <a:latin typeface="Arial" pitchFamily="34" charset="0"/>
+                <a:cs typeface="Arial" pitchFamily="34" charset="0"/>
+              </a:rPr>
+              <a:t>	(R platform)</a:t>
+            </a:r>
+          </a:p>
+          <a:p>
+            <a:pPr marL="0" indent="0">
+              <a:spcBef>
+                <a:spcPts val="0"/>
+              </a:spcBef>
+              <a:buNone/>
+            </a:pPr>
+            <a:endParaRPr lang="en-US" dirty="0">
+              <a:latin typeface="Arial" pitchFamily="34" charset="0"/>
+              <a:cs typeface="Arial" pitchFamily="34" charset="0"/>
+            </a:endParaRPr>
+          </a:p>
+          <a:p>
+            <a:pPr marL="0" indent="0">
+              <a:spcBef>
+                <a:spcPts val="0"/>
+              </a:spcBef>
+              <a:buNone/>
+            </a:pPr>
+            <a:r>
+              <a:rPr lang="en-US" dirty="0" smtClean="0">
+                <a:latin typeface="Arial" pitchFamily="34" charset="0"/>
+                <a:cs typeface="Arial" pitchFamily="34" charset="0"/>
+                <a:hlinkClick r:id="rId2"/>
+              </a:rPr>
+              <a:t>https</a:t>
+            </a:r>
+            <a:r>
+              <a:rPr lang="en-US" dirty="0">
+                <a:latin typeface="Arial" pitchFamily="34" charset="0"/>
+                <a:cs typeface="Arial" pitchFamily="34" charset="0"/>
+                <a:hlinkClick r:id="rId2"/>
+              </a:rPr>
+              <a:t>://</a:t>
+            </a:r>
+            <a:r>
+              <a:rPr lang="en-US" dirty="0" smtClean="0">
+                <a:latin typeface="Arial" pitchFamily="34" charset="0"/>
+                <a:cs typeface="Arial" pitchFamily="34" charset="0"/>
+                <a:hlinkClick r:id="rId2"/>
+              </a:rPr>
+              <a:t>msdn.microsoft.com/en-US/library/mt590809.aspx</a:t>
+            </a:r>
+            <a:endParaRPr lang="en-US" dirty="0">
+              <a:latin typeface="Arial" pitchFamily="34" charset="0"/>
+              <a:cs typeface="Arial" pitchFamily="34" charset="0"/>
+            </a:endParaRPr>
+          </a:p>
+          <a:p>
+            <a:pPr marL="0" indent="0">
+              <a:spcBef>
+                <a:spcPts val="0"/>
+              </a:spcBef>
+              <a:buNone/>
+            </a:pPr>
+            <a:endParaRPr lang="en-US" dirty="0" smtClean="0">
+              <a:latin typeface="Arial" pitchFamily="34" charset="0"/>
+              <a:cs typeface="Arial" pitchFamily="34" charset="0"/>
+            </a:endParaRPr>
           </a:p>
         </p:txBody>
       </p:sp>
-      <p:pic>
-        <p:nvPicPr>
-          <p:cNvPr id="3" name="Picture 2"/>
-          <p:cNvPicPr>
-            <a:picLocks noChangeAspect="1"/>
-          </p:cNvPicPr>
-          <p:nvPr/>
-        </p:nvPicPr>
-        <p:blipFill>
-          <a:blip r:embed="rId2">
-            <a:extLst>
-              <a:ext uri="{28A0092B-C50C-407E-A947-70E740481C1C}">
-                <a14:useLocalDpi xmlns:a14="http://schemas.microsoft.com/office/drawing/2010/main" val="0"/>
-              </a:ext>
-            </a:extLst>
-          </a:blip>
-          <a:stretch>
-            <a:fillRect/>
-          </a:stretch>
-        </p:blipFill>
-        <p:spPr>
-          <a:xfrm>
-            <a:off x="316303" y="1383982"/>
-            <a:ext cx="4980805" cy="4032080"/>
-          </a:xfrm>
-          <a:prstGeom prst="rect">
-            <a:avLst/>
-          </a:prstGeom>
-        </p:spPr>
-      </p:pic>
     </p:spTree>
     <p:extLst>
       <p:ext uri="{BB962C8B-B14F-4D97-AF65-F5344CB8AC3E}">
-        <p14:creationId xmlns:p14="http://schemas.microsoft.com/office/powerpoint/2010/main" val="585259203"/>
+        <p14:creationId xmlns:p14="http://schemas.microsoft.com/office/powerpoint/2010/main" val="1006024625"/>
       </p:ext>
     </p:extLst>
   </p:cSld>
@@ -8040,18 +7935,21 @@
                 <a:latin typeface="Arial" pitchFamily="34" charset="0"/>
                 <a:cs typeface="Arial" pitchFamily="34" charset="0"/>
               </a:rPr>
-              <a:t>Installing SQL Server R Services, part 10</a:t>
-            </a:r>
-            <a:endParaRPr lang="en-US" dirty="0">
-              <a:latin typeface="Arial" pitchFamily="34" charset="0"/>
-              <a:cs typeface="Arial" pitchFamily="34" charset="0"/>
-            </a:endParaRPr>
+              <a:t>Installing SQL Server R Services, part </a:t>
+            </a:r>
+            <a:r>
+              <a:rPr lang="en-US" dirty="0">
+                <a:latin typeface="Arial" pitchFamily="34" charset="0"/>
+                <a:cs typeface="Arial" pitchFamily="34" charset="0"/>
+              </a:rPr>
+              <a:t>6</a:t>
+            </a:r>
           </a:p>
         </p:txBody>
       </p:sp>
       <p:pic>
         <p:nvPicPr>
-          <p:cNvPr id="4" name="Picture 3"/>
+          <p:cNvPr id="5" name="Picture 4"/>
           <p:cNvPicPr>
             <a:picLocks noChangeAspect="1"/>
           </p:cNvPicPr>
@@ -8071,8 +7969,8 @@
         </p:blipFill>
         <p:spPr>
           <a:xfrm>
-            <a:off x="292710" y="1387499"/>
-            <a:ext cx="8062484" cy="4084833"/>
+            <a:off x="227867" y="1309515"/>
+            <a:ext cx="6076293" cy="4219087"/>
           </a:xfrm>
           <a:prstGeom prst="rect">
             <a:avLst/>
@@ -8082,7 +7980,7 @@
     </p:spTree>
     <p:extLst>
       <p:ext uri="{BB962C8B-B14F-4D97-AF65-F5344CB8AC3E}">
-        <p14:creationId xmlns:p14="http://schemas.microsoft.com/office/powerpoint/2010/main" val="2729895670"/>
+        <p14:creationId xmlns:p14="http://schemas.microsoft.com/office/powerpoint/2010/main" val="1622342288"/>
       </p:ext>
     </p:extLst>
   </p:cSld>
@@ -8141,7 +8039,7 @@
                 <a:latin typeface="Arial" pitchFamily="34" charset="0"/>
                 <a:cs typeface="Arial" pitchFamily="34" charset="0"/>
               </a:rPr>
-              <a:t>Getting Data Into and Out Of R</a:t>
+              <a:t>Installing SQL Server R Services, part 7</a:t>
             </a:r>
             <a:endParaRPr lang="en-US" dirty="0">
               <a:latin typeface="Arial" pitchFamily="34" charset="0"/>
@@ -8150,50 +8048,40 @@
           </a:p>
         </p:txBody>
       </p:sp>
-      <p:sp>
-        <p:nvSpPr>
-          <p:cNvPr id="3" name="Content Placeholder 2"/>
-          <p:cNvSpPr>
-            <a:spLocks noGrp="1"/>
-          </p:cNvSpPr>
-          <p:nvPr>
-            <p:ph idx="1"/>
-          </p:nvPr>
-        </p:nvSpPr>
+      <p:pic>
+        <p:nvPicPr>
+          <p:cNvPr id="3" name="Picture 2"/>
+          <p:cNvPicPr>
+            <a:picLocks noChangeAspect="1"/>
+          </p:cNvPicPr>
+          <p:nvPr/>
+        </p:nvPicPr>
+        <p:blipFill>
+          <a:blip r:embed="rId2">
+            <a:extLst>
+              <a:ext uri="{28A0092B-C50C-407E-A947-70E740481C1C}">
+                <a14:useLocalDpi xmlns:a14="http://schemas.microsoft.com/office/drawing/2010/main" val="0"/>
+              </a:ext>
+            </a:extLst>
+          </a:blip>
+          <a:stretch>
+            <a:fillRect/>
+          </a:stretch>
+        </p:blipFill>
         <p:spPr>
           <a:xfrm>
-            <a:off x="390418" y="1356189"/>
-            <a:ext cx="8640870" cy="4397339"/>
+            <a:off x="248749" y="1345882"/>
+            <a:ext cx="5322057" cy="4171907"/>
           </a:xfrm>
-        </p:spPr>
-        <p:txBody>
-          <a:bodyPr/>
-          <a:lstStyle/>
-          <a:p>
-            <a:pPr marL="0" indent="0">
-              <a:spcBef>
-                <a:spcPts val="0"/>
-              </a:spcBef>
-              <a:buNone/>
-            </a:pPr>
-            <a:r>
-              <a:rPr lang="en-US" dirty="0" smtClean="0">
-                <a:latin typeface="Arial" pitchFamily="34" charset="0"/>
-                <a:cs typeface="Arial" pitchFamily="34" charset="0"/>
-              </a:rPr>
-              <a:t>DEMO</a:t>
-            </a:r>
-            <a:endParaRPr lang="en-US" dirty="0">
-              <a:latin typeface="Arial" pitchFamily="34" charset="0"/>
-              <a:cs typeface="Arial" pitchFamily="34" charset="0"/>
-            </a:endParaRPr>
-          </a:p>
-        </p:txBody>
-      </p:sp>
+          <a:prstGeom prst="rect">
+            <a:avLst/>
+          </a:prstGeom>
+        </p:spPr>
+      </p:pic>
     </p:spTree>
     <p:extLst>
       <p:ext uri="{BB962C8B-B14F-4D97-AF65-F5344CB8AC3E}">
-        <p14:creationId xmlns:p14="http://schemas.microsoft.com/office/powerpoint/2010/main" val="1741452563"/>
+        <p14:creationId xmlns:p14="http://schemas.microsoft.com/office/powerpoint/2010/main" val="3434753538"/>
       </p:ext>
     </p:extLst>
   </p:cSld>
@@ -8248,11 +8136,11 @@
           <a:lstStyle/>
           <a:p>
             <a:r>
-              <a:rPr lang="en-US" smtClean="0">
+              <a:rPr lang="en-US" dirty="0" smtClean="0">
                 <a:latin typeface="Arial" pitchFamily="34" charset="0"/>
                 <a:cs typeface="Arial" pitchFamily="34" charset="0"/>
               </a:rPr>
-              <a:t>Distribution of Charges</a:t>
+              <a:t>Installing SQL Server R Services, part 8</a:t>
             </a:r>
             <a:endParaRPr lang="en-US" dirty="0">
               <a:latin typeface="Arial" pitchFamily="34" charset="0"/>
@@ -8261,40 +8149,235 @@
           </a:p>
         </p:txBody>
       </p:sp>
-      <p:pic>
-        <p:nvPicPr>
-          <p:cNvPr id="3" name="Picture 2"/>
-          <p:cNvPicPr>
-            <a:picLocks noChangeAspect="1"/>
-          </p:cNvPicPr>
-          <p:nvPr/>
-        </p:nvPicPr>
-        <p:blipFill>
-          <a:blip r:embed="rId2">
-            <a:extLst>
-              <a:ext uri="{28A0092B-C50C-407E-A947-70E740481C1C}">
-                <a14:useLocalDpi xmlns:a14="http://schemas.microsoft.com/office/drawing/2010/main" val="0"/>
-              </a:ext>
-            </a:extLst>
-          </a:blip>
-          <a:stretch>
-            <a:fillRect/>
-          </a:stretch>
-        </p:blipFill>
+      <p:sp>
+        <p:nvSpPr>
+          <p:cNvPr id="3" name="Content Placeholder 2"/>
+          <p:cNvSpPr>
+            <a:spLocks noGrp="1"/>
+          </p:cNvSpPr>
+          <p:nvPr>
+            <p:ph idx="1"/>
+          </p:nvPr>
+        </p:nvSpPr>
         <p:spPr>
           <a:xfrm>
-            <a:off x="393896" y="1196975"/>
-            <a:ext cx="6682154" cy="4219087"/>
+            <a:off x="390418" y="1356189"/>
+            <a:ext cx="8640870" cy="4397339"/>
           </a:xfrm>
-          <a:prstGeom prst="rect">
-            <a:avLst/>
-          </a:prstGeom>
-        </p:spPr>
-      </p:pic>
+        </p:spPr>
+        <p:txBody>
+          <a:bodyPr/>
+          <a:lstStyle/>
+          <a:p>
+            <a:pPr marL="0" indent="0">
+              <a:spcBef>
+                <a:spcPts val="0"/>
+              </a:spcBef>
+              <a:buNone/>
+            </a:pPr>
+            <a:r>
+              <a:rPr lang="en-US" dirty="0" smtClean="0">
+                <a:latin typeface="Arial" pitchFamily="34" charset="0"/>
+                <a:cs typeface="Arial" pitchFamily="34" charset="0"/>
+              </a:rPr>
+              <a:t>Post-installation scripts and configuration</a:t>
+            </a:r>
+          </a:p>
+          <a:p>
+            <a:pPr marL="0" indent="0">
+              <a:spcBef>
+                <a:spcPts val="0"/>
+              </a:spcBef>
+              <a:buNone/>
+            </a:pPr>
+            <a:endParaRPr lang="en-US" dirty="0" smtClean="0">
+              <a:latin typeface="Arial" pitchFamily="34" charset="0"/>
+              <a:cs typeface="Arial" pitchFamily="34" charset="0"/>
+            </a:endParaRPr>
+          </a:p>
+          <a:p>
+            <a:pPr marL="0" indent="0">
+              <a:spcBef>
+                <a:spcPts val="0"/>
+              </a:spcBef>
+              <a:buNone/>
+            </a:pPr>
+            <a:r>
+              <a:rPr lang="en-US" dirty="0" smtClean="0">
+                <a:latin typeface="Arial" pitchFamily="34" charset="0"/>
+                <a:cs typeface="Arial" pitchFamily="34" charset="0"/>
+              </a:rPr>
+              <a:t>1.  Enable external scripts</a:t>
+            </a:r>
+            <a:endParaRPr lang="en-US" dirty="0">
+              <a:latin typeface="Arial" pitchFamily="34" charset="0"/>
+              <a:cs typeface="Arial" pitchFamily="34" charset="0"/>
+            </a:endParaRPr>
+          </a:p>
+          <a:p>
+            <a:pPr marL="0" indent="0">
+              <a:spcBef>
+                <a:spcPts val="0"/>
+              </a:spcBef>
+              <a:buNone/>
+            </a:pPr>
+            <a:r>
+              <a:rPr lang="en-US" sz="2000" dirty="0" smtClean="0">
+                <a:latin typeface="Courier New" panose="02070309020205020404" pitchFamily="49" charset="0"/>
+                <a:cs typeface="Courier New" panose="02070309020205020404" pitchFamily="49" charset="0"/>
+              </a:rPr>
+              <a:t>EXEC </a:t>
+            </a:r>
+            <a:r>
+              <a:rPr lang="en-US" sz="2000" dirty="0" err="1">
+                <a:latin typeface="Courier New" panose="02070309020205020404" pitchFamily="49" charset="0"/>
+                <a:cs typeface="Courier New" panose="02070309020205020404" pitchFamily="49" charset="0"/>
+              </a:rPr>
+              <a:t>sp_configure</a:t>
+            </a:r>
+            <a:r>
+              <a:rPr lang="en-US" sz="2000" dirty="0">
+                <a:latin typeface="Courier New" panose="02070309020205020404" pitchFamily="49" charset="0"/>
+                <a:cs typeface="Courier New" panose="02070309020205020404" pitchFamily="49" charset="0"/>
+              </a:rPr>
+              <a:t> 'external scripts enabled', 1; </a:t>
+            </a:r>
+          </a:p>
+          <a:p>
+            <a:pPr marL="0" indent="0">
+              <a:spcBef>
+                <a:spcPts val="0"/>
+              </a:spcBef>
+              <a:buNone/>
+            </a:pPr>
+            <a:r>
+              <a:rPr lang="en-US" sz="2000" dirty="0" smtClean="0">
+                <a:latin typeface="Courier New" panose="02070309020205020404" pitchFamily="49" charset="0"/>
+                <a:cs typeface="Courier New" panose="02070309020205020404" pitchFamily="49" charset="0"/>
+              </a:rPr>
+              <a:t>RECONFIGURE;</a:t>
+            </a:r>
+          </a:p>
+          <a:p>
+            <a:pPr marL="0" indent="0">
+              <a:spcBef>
+                <a:spcPts val="0"/>
+              </a:spcBef>
+              <a:buNone/>
+            </a:pPr>
+            <a:endParaRPr lang="en-US" dirty="0" smtClean="0">
+              <a:latin typeface="Arial" pitchFamily="34" charset="0"/>
+              <a:cs typeface="Arial" pitchFamily="34" charset="0"/>
+            </a:endParaRPr>
+          </a:p>
+          <a:p>
+            <a:pPr marL="0" indent="0">
+              <a:spcBef>
+                <a:spcPts val="0"/>
+              </a:spcBef>
+              <a:buNone/>
+            </a:pPr>
+            <a:r>
+              <a:rPr lang="en-US" dirty="0" smtClean="0">
+                <a:latin typeface="Arial" pitchFamily="34" charset="0"/>
+                <a:cs typeface="Arial" pitchFamily="34" charset="0"/>
+              </a:rPr>
+              <a:t>2.  Configure memory appropriately</a:t>
+            </a:r>
+          </a:p>
+          <a:p>
+            <a:pPr marL="0" indent="0">
+              <a:spcBef>
+                <a:spcPts val="0"/>
+              </a:spcBef>
+              <a:buNone/>
+            </a:pPr>
+            <a:endParaRPr lang="en-US" dirty="0" smtClean="0">
+              <a:latin typeface="Arial" pitchFamily="34" charset="0"/>
+              <a:cs typeface="Arial" pitchFamily="34" charset="0"/>
+            </a:endParaRPr>
+          </a:p>
+          <a:p>
+            <a:pPr marL="0" indent="0">
+              <a:spcBef>
+                <a:spcPts val="0"/>
+              </a:spcBef>
+              <a:buNone/>
+            </a:pPr>
+            <a:r>
+              <a:rPr lang="en-US" dirty="0" smtClean="0">
+                <a:latin typeface="Arial" pitchFamily="34" charset="0"/>
+                <a:cs typeface="Arial" pitchFamily="34" charset="0"/>
+              </a:rPr>
+              <a:t>3.  Post-installation command script</a:t>
+            </a:r>
+          </a:p>
+          <a:p>
+            <a:pPr marL="0" indent="0">
+              <a:spcBef>
+                <a:spcPts val="0"/>
+              </a:spcBef>
+              <a:buNone/>
+            </a:pPr>
+            <a:endParaRPr lang="en-US" dirty="0">
+              <a:latin typeface="Arial" pitchFamily="34" charset="0"/>
+              <a:cs typeface="Arial" pitchFamily="34" charset="0"/>
+            </a:endParaRPr>
+          </a:p>
+          <a:p>
+            <a:pPr marL="0" indent="0">
+              <a:spcBef>
+                <a:spcPts val="0"/>
+              </a:spcBef>
+              <a:buNone/>
+            </a:pPr>
+            <a:r>
+              <a:rPr lang="en-US" dirty="0" smtClean="0">
+                <a:latin typeface="Arial" pitchFamily="34" charset="0"/>
+                <a:cs typeface="Arial" pitchFamily="34" charset="0"/>
+                <a:hlinkClick r:id="rId2"/>
+              </a:rPr>
+              <a:t>https</a:t>
+            </a:r>
+            <a:r>
+              <a:rPr lang="en-US" dirty="0">
+                <a:latin typeface="Arial" pitchFamily="34" charset="0"/>
+                <a:cs typeface="Arial" pitchFamily="34" charset="0"/>
+                <a:hlinkClick r:id="rId2"/>
+              </a:rPr>
+              <a:t>://</a:t>
+            </a:r>
+            <a:r>
+              <a:rPr lang="en-US" dirty="0" smtClean="0">
+                <a:latin typeface="Arial" pitchFamily="34" charset="0"/>
+                <a:cs typeface="Arial" pitchFamily="34" charset="0"/>
+                <a:hlinkClick r:id="rId2"/>
+              </a:rPr>
+              <a:t>msdn.microsoft.com/en-US/library/mt590536.aspx</a:t>
+            </a:r>
+            <a:endParaRPr lang="en-US" dirty="0">
+              <a:latin typeface="Arial" pitchFamily="34" charset="0"/>
+              <a:cs typeface="Arial" pitchFamily="34" charset="0"/>
+            </a:endParaRPr>
+          </a:p>
+          <a:p>
+            <a:pPr marL="0" indent="0">
+              <a:spcBef>
+                <a:spcPts val="0"/>
+              </a:spcBef>
+              <a:buNone/>
+            </a:pPr>
+            <a:endParaRPr lang="en-US" dirty="0" smtClean="0">
+              <a:latin typeface="Arial" pitchFamily="34" charset="0"/>
+              <a:cs typeface="Arial" pitchFamily="34" charset="0"/>
+            </a:endParaRPr>
+          </a:p>
+        </p:txBody>
+      </p:sp>
     </p:spTree>
     <p:extLst>
       <p:ext uri="{BB962C8B-B14F-4D97-AF65-F5344CB8AC3E}">
-        <p14:creationId xmlns:p14="http://schemas.microsoft.com/office/powerpoint/2010/main" val="1252800610"/>
+        <p14:creationId xmlns:p14="http://schemas.microsoft.com/office/powerpoint/2010/main" val="2880793802"/>
       </p:ext>
     </p:extLst>
   </p:cSld>
@@ -8353,59 +8436,52 @@
                 <a:latin typeface="Arial" pitchFamily="34" charset="0"/>
                 <a:cs typeface="Arial" pitchFamily="34" charset="0"/>
               </a:rPr>
-              <a:t>Distribution of Charges</a:t>
-            </a:r>
-            <a:endParaRPr lang="en-US" dirty="0">
-              <a:latin typeface="Arial" pitchFamily="34" charset="0"/>
-              <a:cs typeface="Arial" pitchFamily="34" charset="0"/>
-            </a:endParaRPr>
-          </a:p>
-        </p:txBody>
-      </p:sp>
-      <p:sp>
-        <p:nvSpPr>
-          <p:cNvPr id="3" name="Content Placeholder 2"/>
-          <p:cNvSpPr>
-            <a:spLocks noGrp="1"/>
-          </p:cNvSpPr>
-          <p:nvPr>
-            <p:ph idx="1"/>
-          </p:nvPr>
-        </p:nvSpPr>
-        <p:spPr>
-          <a:xfrm>
-            <a:off x="390418" y="1356189"/>
-            <a:ext cx="8640870" cy="4397339"/>
-          </a:xfrm>
-        </p:spPr>
-        <p:txBody>
-          <a:bodyPr/>
-          <a:lstStyle/>
-          <a:p>
-            <a:pPr marL="0" indent="0">
-              <a:spcBef>
-                <a:spcPts val="0"/>
-              </a:spcBef>
-              <a:buNone/>
-            </a:pPr>
-            <a:r>
-              <a:rPr lang="en-US" dirty="0" smtClean="0">
+              <a:t>Installing SQL Server R Services, part </a:t>
+            </a:r>
+            <a:r>
+              <a:rPr lang="en-US" dirty="0">
                 <a:latin typeface="Arial" pitchFamily="34" charset="0"/>
                 <a:cs typeface="Arial" pitchFamily="34" charset="0"/>
               </a:rPr>
-              <a:t>DEMO</a:t>
-            </a:r>
-            <a:endParaRPr lang="en-US" dirty="0">
-              <a:latin typeface="Arial" pitchFamily="34" charset="0"/>
-              <a:cs typeface="Arial" pitchFamily="34" charset="0"/>
-            </a:endParaRPr>
+              <a:t>9</a:t>
+            </a:r>
           </a:p>
         </p:txBody>
       </p:sp>
+      <p:pic>
+        <p:nvPicPr>
+          <p:cNvPr id="3" name="Picture 2"/>
+          <p:cNvPicPr>
+            <a:picLocks noChangeAspect="1"/>
+          </p:cNvPicPr>
+          <p:nvPr/>
+        </p:nvPicPr>
+        <p:blipFill>
+          <a:blip r:embed="rId2">
+            <a:extLst>
+              <a:ext uri="{28A0092B-C50C-407E-A947-70E740481C1C}">
+                <a14:useLocalDpi xmlns:a14="http://schemas.microsoft.com/office/drawing/2010/main" val="0"/>
+              </a:ext>
+            </a:extLst>
+          </a:blip>
+          <a:stretch>
+            <a:fillRect/>
+          </a:stretch>
+        </p:blipFill>
+        <p:spPr>
+          <a:xfrm>
+            <a:off x="316303" y="1383982"/>
+            <a:ext cx="4980805" cy="4032080"/>
+          </a:xfrm>
+          <a:prstGeom prst="rect">
+            <a:avLst/>
+          </a:prstGeom>
+        </p:spPr>
+      </p:pic>
     </p:spTree>
     <p:extLst>
       <p:ext uri="{BB962C8B-B14F-4D97-AF65-F5344CB8AC3E}">
-        <p14:creationId xmlns:p14="http://schemas.microsoft.com/office/powerpoint/2010/main" val="1986777882"/>
+        <p14:creationId xmlns:p14="http://schemas.microsoft.com/office/powerpoint/2010/main" val="585259203"/>
       </p:ext>
     </p:extLst>
   </p:cSld>
@@ -8460,11 +8536,11 @@
           <a:lstStyle/>
           <a:p>
             <a:r>
-              <a:rPr lang="en-US" smtClean="0">
+              <a:rPr lang="en-US" dirty="0" smtClean="0">
                 <a:latin typeface="Arial" pitchFamily="34" charset="0"/>
                 <a:cs typeface="Arial" pitchFamily="34" charset="0"/>
               </a:rPr>
-              <a:t>Overbooking</a:t>
+              <a:t>Installing SQL Server R Services, part 10</a:t>
             </a:r>
             <a:endParaRPr lang="en-US" dirty="0">
               <a:latin typeface="Arial" pitchFamily="34" charset="0"/>
@@ -8473,50 +8549,40 @@
           </a:p>
         </p:txBody>
       </p:sp>
-      <p:sp>
-        <p:nvSpPr>
-          <p:cNvPr id="3" name="Content Placeholder 2"/>
-          <p:cNvSpPr>
-            <a:spLocks noGrp="1"/>
-          </p:cNvSpPr>
-          <p:nvPr>
-            <p:ph idx="1"/>
-          </p:nvPr>
-        </p:nvSpPr>
+      <p:pic>
+        <p:nvPicPr>
+          <p:cNvPr id="4" name="Picture 3"/>
+          <p:cNvPicPr>
+            <a:picLocks noChangeAspect="1"/>
+          </p:cNvPicPr>
+          <p:nvPr/>
+        </p:nvPicPr>
+        <p:blipFill>
+          <a:blip r:embed="rId2">
+            <a:extLst>
+              <a:ext uri="{28A0092B-C50C-407E-A947-70E740481C1C}">
+                <a14:useLocalDpi xmlns:a14="http://schemas.microsoft.com/office/drawing/2010/main" val="0"/>
+              </a:ext>
+            </a:extLst>
+          </a:blip>
+          <a:stretch>
+            <a:fillRect/>
+          </a:stretch>
+        </p:blipFill>
         <p:spPr>
           <a:xfrm>
-            <a:off x="390418" y="1356189"/>
-            <a:ext cx="8640870" cy="4397339"/>
+            <a:off x="292710" y="1387499"/>
+            <a:ext cx="8062484" cy="4084833"/>
           </a:xfrm>
-        </p:spPr>
-        <p:txBody>
-          <a:bodyPr/>
-          <a:lstStyle/>
-          <a:p>
-            <a:pPr marL="0" indent="0">
-              <a:spcBef>
-                <a:spcPts val="0"/>
-              </a:spcBef>
-              <a:buNone/>
-            </a:pPr>
-            <a:r>
-              <a:rPr lang="en-US" dirty="0" smtClean="0">
-                <a:latin typeface="Arial" pitchFamily="34" charset="0"/>
-                <a:cs typeface="Arial" pitchFamily="34" charset="0"/>
-              </a:rPr>
-              <a:t>DEMO</a:t>
-            </a:r>
-            <a:endParaRPr lang="en-US" dirty="0">
-              <a:latin typeface="Arial" pitchFamily="34" charset="0"/>
-              <a:cs typeface="Arial" pitchFamily="34" charset="0"/>
-            </a:endParaRPr>
-          </a:p>
-        </p:txBody>
-      </p:sp>
+          <a:prstGeom prst="rect">
+            <a:avLst/>
+          </a:prstGeom>
+        </p:spPr>
+      </p:pic>
     </p:spTree>
     <p:extLst>
       <p:ext uri="{BB962C8B-B14F-4D97-AF65-F5344CB8AC3E}">
-        <p14:creationId xmlns:p14="http://schemas.microsoft.com/office/powerpoint/2010/main" val="315174550"/>
+        <p14:creationId xmlns:p14="http://schemas.microsoft.com/office/powerpoint/2010/main" val="2729895670"/>
       </p:ext>
     </p:extLst>
   </p:cSld>
@@ -8758,6 +8824,440 @@
 </p:sld>
 </file>
 
+<file path=ppt/slides/slide20.xml><?xml version="1.0" encoding="utf-8"?>
+<p:sld xmlns:a="http://schemas.openxmlformats.org/drawingml/2006/main" xmlns:r="http://schemas.openxmlformats.org/officeDocument/2006/relationships" xmlns:p="http://schemas.openxmlformats.org/presentationml/2006/main">
+  <p:cSld>
+    <p:spTree>
+      <p:nvGrpSpPr>
+        <p:cNvPr id="1" name=""/>
+        <p:cNvGrpSpPr/>
+        <p:nvPr/>
+      </p:nvGrpSpPr>
+      <p:grpSpPr>
+        <a:xfrm>
+          <a:off x="0" y="0"/>
+          <a:ext cx="0" cy="0"/>
+          <a:chOff x="0" y="0"/>
+          <a:chExt cx="0" cy="0"/>
+        </a:xfrm>
+      </p:grpSpPr>
+      <p:sp>
+        <p:nvSpPr>
+          <p:cNvPr id="2" name="Title 1"/>
+          <p:cNvSpPr>
+            <a:spLocks noGrp="1"/>
+          </p:cNvSpPr>
+          <p:nvPr>
+            <p:ph type="title"/>
+          </p:nvPr>
+        </p:nvSpPr>
+        <p:spPr>
+          <a:xfrm>
+            <a:off x="513708" y="58738"/>
+            <a:ext cx="8517580" cy="1138237"/>
+          </a:xfrm>
+        </p:spPr>
+        <p:txBody>
+          <a:bodyPr/>
+          <a:lstStyle/>
+          <a:p>
+            <a:r>
+              <a:rPr lang="en-US" dirty="0" smtClean="0">
+                <a:latin typeface="Arial" pitchFamily="34" charset="0"/>
+                <a:cs typeface="Arial" pitchFamily="34" charset="0"/>
+              </a:rPr>
+              <a:t>Getting Data Into and Out Of R</a:t>
+            </a:r>
+            <a:endParaRPr lang="en-US" dirty="0">
+              <a:latin typeface="Arial" pitchFamily="34" charset="0"/>
+              <a:cs typeface="Arial" pitchFamily="34" charset="0"/>
+            </a:endParaRPr>
+          </a:p>
+        </p:txBody>
+      </p:sp>
+      <p:sp>
+        <p:nvSpPr>
+          <p:cNvPr id="3" name="Content Placeholder 2"/>
+          <p:cNvSpPr>
+            <a:spLocks noGrp="1"/>
+          </p:cNvSpPr>
+          <p:nvPr>
+            <p:ph idx="1"/>
+          </p:nvPr>
+        </p:nvSpPr>
+        <p:spPr>
+          <a:xfrm>
+            <a:off x="390418" y="1356189"/>
+            <a:ext cx="8640870" cy="4397339"/>
+          </a:xfrm>
+        </p:spPr>
+        <p:txBody>
+          <a:bodyPr/>
+          <a:lstStyle/>
+          <a:p>
+            <a:pPr marL="0" indent="0">
+              <a:spcBef>
+                <a:spcPts val="0"/>
+              </a:spcBef>
+              <a:buNone/>
+            </a:pPr>
+            <a:r>
+              <a:rPr lang="en-US" dirty="0" smtClean="0">
+                <a:latin typeface="Arial" pitchFamily="34" charset="0"/>
+                <a:cs typeface="Arial" pitchFamily="34" charset="0"/>
+              </a:rPr>
+              <a:t>DEMO</a:t>
+            </a:r>
+            <a:endParaRPr lang="en-US" dirty="0">
+              <a:latin typeface="Arial" pitchFamily="34" charset="0"/>
+              <a:cs typeface="Arial" pitchFamily="34" charset="0"/>
+            </a:endParaRPr>
+          </a:p>
+        </p:txBody>
+      </p:sp>
+    </p:spTree>
+    <p:extLst>
+      <p:ext uri="{BB962C8B-B14F-4D97-AF65-F5344CB8AC3E}">
+        <p14:creationId xmlns:p14="http://schemas.microsoft.com/office/powerpoint/2010/main" val="1741452563"/>
+      </p:ext>
+    </p:extLst>
+  </p:cSld>
+  <p:clrMapOvr>
+    <a:masterClrMapping/>
+  </p:clrMapOvr>
+  <p:timing>
+    <p:tnLst>
+      <p:par>
+        <p:cTn id="1" dur="indefinite" restart="never" nodeType="tmRoot"/>
+      </p:par>
+    </p:tnLst>
+  </p:timing>
+</p:sld>
+</file>
+
+<file path=ppt/slides/slide21.xml><?xml version="1.0" encoding="utf-8"?>
+<p:sld xmlns:a="http://schemas.openxmlformats.org/drawingml/2006/main" xmlns:r="http://schemas.openxmlformats.org/officeDocument/2006/relationships" xmlns:p="http://schemas.openxmlformats.org/presentationml/2006/main">
+  <p:cSld>
+    <p:spTree>
+      <p:nvGrpSpPr>
+        <p:cNvPr id="1" name=""/>
+        <p:cNvGrpSpPr/>
+        <p:nvPr/>
+      </p:nvGrpSpPr>
+      <p:grpSpPr>
+        <a:xfrm>
+          <a:off x="0" y="0"/>
+          <a:ext cx="0" cy="0"/>
+          <a:chOff x="0" y="0"/>
+          <a:chExt cx="0" cy="0"/>
+        </a:xfrm>
+      </p:grpSpPr>
+      <p:sp>
+        <p:nvSpPr>
+          <p:cNvPr id="2" name="Title 1"/>
+          <p:cNvSpPr>
+            <a:spLocks noGrp="1"/>
+          </p:cNvSpPr>
+          <p:nvPr>
+            <p:ph type="title"/>
+          </p:nvPr>
+        </p:nvSpPr>
+        <p:spPr>
+          <a:xfrm>
+            <a:off x="513708" y="58738"/>
+            <a:ext cx="8517580" cy="1138237"/>
+          </a:xfrm>
+        </p:spPr>
+        <p:txBody>
+          <a:bodyPr/>
+          <a:lstStyle/>
+          <a:p>
+            <a:r>
+              <a:rPr lang="en-US" smtClean="0">
+                <a:latin typeface="Arial" pitchFamily="34" charset="0"/>
+                <a:cs typeface="Arial" pitchFamily="34" charset="0"/>
+              </a:rPr>
+              <a:t>Distribution of Charges</a:t>
+            </a:r>
+            <a:endParaRPr lang="en-US" dirty="0">
+              <a:latin typeface="Arial" pitchFamily="34" charset="0"/>
+              <a:cs typeface="Arial" pitchFamily="34" charset="0"/>
+            </a:endParaRPr>
+          </a:p>
+        </p:txBody>
+      </p:sp>
+      <p:pic>
+        <p:nvPicPr>
+          <p:cNvPr id="3" name="Picture 2"/>
+          <p:cNvPicPr>
+            <a:picLocks noChangeAspect="1"/>
+          </p:cNvPicPr>
+          <p:nvPr/>
+        </p:nvPicPr>
+        <p:blipFill>
+          <a:blip r:embed="rId2">
+            <a:extLst>
+              <a:ext uri="{28A0092B-C50C-407E-A947-70E740481C1C}">
+                <a14:useLocalDpi xmlns:a14="http://schemas.microsoft.com/office/drawing/2010/main" val="0"/>
+              </a:ext>
+            </a:extLst>
+          </a:blip>
+          <a:stretch>
+            <a:fillRect/>
+          </a:stretch>
+        </p:blipFill>
+        <p:spPr>
+          <a:xfrm>
+            <a:off x="393896" y="1196975"/>
+            <a:ext cx="6682154" cy="4219087"/>
+          </a:xfrm>
+          <a:prstGeom prst="rect">
+            <a:avLst/>
+          </a:prstGeom>
+        </p:spPr>
+      </p:pic>
+    </p:spTree>
+    <p:extLst>
+      <p:ext uri="{BB962C8B-B14F-4D97-AF65-F5344CB8AC3E}">
+        <p14:creationId xmlns:p14="http://schemas.microsoft.com/office/powerpoint/2010/main" val="1252800610"/>
+      </p:ext>
+    </p:extLst>
+  </p:cSld>
+  <p:clrMapOvr>
+    <a:masterClrMapping/>
+  </p:clrMapOvr>
+  <p:timing>
+    <p:tnLst>
+      <p:par>
+        <p:cTn id="1" dur="indefinite" restart="never" nodeType="tmRoot"/>
+      </p:par>
+    </p:tnLst>
+  </p:timing>
+</p:sld>
+</file>
+
+<file path=ppt/slides/slide22.xml><?xml version="1.0" encoding="utf-8"?>
+<p:sld xmlns:a="http://schemas.openxmlformats.org/drawingml/2006/main" xmlns:r="http://schemas.openxmlformats.org/officeDocument/2006/relationships" xmlns:p="http://schemas.openxmlformats.org/presentationml/2006/main">
+  <p:cSld>
+    <p:spTree>
+      <p:nvGrpSpPr>
+        <p:cNvPr id="1" name=""/>
+        <p:cNvGrpSpPr/>
+        <p:nvPr/>
+      </p:nvGrpSpPr>
+      <p:grpSpPr>
+        <a:xfrm>
+          <a:off x="0" y="0"/>
+          <a:ext cx="0" cy="0"/>
+          <a:chOff x="0" y="0"/>
+          <a:chExt cx="0" cy="0"/>
+        </a:xfrm>
+      </p:grpSpPr>
+      <p:sp>
+        <p:nvSpPr>
+          <p:cNvPr id="2" name="Title 1"/>
+          <p:cNvSpPr>
+            <a:spLocks noGrp="1"/>
+          </p:cNvSpPr>
+          <p:nvPr>
+            <p:ph type="title"/>
+          </p:nvPr>
+        </p:nvSpPr>
+        <p:spPr>
+          <a:xfrm>
+            <a:off x="513708" y="58738"/>
+            <a:ext cx="8517580" cy="1138237"/>
+          </a:xfrm>
+        </p:spPr>
+        <p:txBody>
+          <a:bodyPr/>
+          <a:lstStyle/>
+          <a:p>
+            <a:r>
+              <a:rPr lang="en-US" dirty="0" smtClean="0">
+                <a:latin typeface="Arial" pitchFamily="34" charset="0"/>
+                <a:cs typeface="Arial" pitchFamily="34" charset="0"/>
+              </a:rPr>
+              <a:t>Distribution of Charges</a:t>
+            </a:r>
+            <a:endParaRPr lang="en-US" dirty="0">
+              <a:latin typeface="Arial" pitchFamily="34" charset="0"/>
+              <a:cs typeface="Arial" pitchFamily="34" charset="0"/>
+            </a:endParaRPr>
+          </a:p>
+        </p:txBody>
+      </p:sp>
+      <p:sp>
+        <p:nvSpPr>
+          <p:cNvPr id="3" name="Content Placeholder 2"/>
+          <p:cNvSpPr>
+            <a:spLocks noGrp="1"/>
+          </p:cNvSpPr>
+          <p:nvPr>
+            <p:ph idx="1"/>
+          </p:nvPr>
+        </p:nvSpPr>
+        <p:spPr>
+          <a:xfrm>
+            <a:off x="390418" y="1356189"/>
+            <a:ext cx="8640870" cy="4397339"/>
+          </a:xfrm>
+        </p:spPr>
+        <p:txBody>
+          <a:bodyPr/>
+          <a:lstStyle/>
+          <a:p>
+            <a:pPr marL="0" indent="0">
+              <a:spcBef>
+                <a:spcPts val="0"/>
+              </a:spcBef>
+              <a:buNone/>
+            </a:pPr>
+            <a:r>
+              <a:rPr lang="en-US" dirty="0" smtClean="0">
+                <a:latin typeface="Arial" pitchFamily="34" charset="0"/>
+                <a:cs typeface="Arial" pitchFamily="34" charset="0"/>
+              </a:rPr>
+              <a:t>DEMO</a:t>
+            </a:r>
+            <a:endParaRPr lang="en-US" dirty="0">
+              <a:latin typeface="Arial" pitchFamily="34" charset="0"/>
+              <a:cs typeface="Arial" pitchFamily="34" charset="0"/>
+            </a:endParaRPr>
+          </a:p>
+        </p:txBody>
+      </p:sp>
+    </p:spTree>
+    <p:extLst>
+      <p:ext uri="{BB962C8B-B14F-4D97-AF65-F5344CB8AC3E}">
+        <p14:creationId xmlns:p14="http://schemas.microsoft.com/office/powerpoint/2010/main" val="1986777882"/>
+      </p:ext>
+    </p:extLst>
+  </p:cSld>
+  <p:clrMapOvr>
+    <a:masterClrMapping/>
+  </p:clrMapOvr>
+  <p:timing>
+    <p:tnLst>
+      <p:par>
+        <p:cTn id="1" dur="indefinite" restart="never" nodeType="tmRoot"/>
+      </p:par>
+    </p:tnLst>
+  </p:timing>
+</p:sld>
+</file>
+
+<file path=ppt/slides/slide23.xml><?xml version="1.0" encoding="utf-8"?>
+<p:sld xmlns:a="http://schemas.openxmlformats.org/drawingml/2006/main" xmlns:r="http://schemas.openxmlformats.org/officeDocument/2006/relationships" xmlns:p="http://schemas.openxmlformats.org/presentationml/2006/main">
+  <p:cSld>
+    <p:spTree>
+      <p:nvGrpSpPr>
+        <p:cNvPr id="1" name=""/>
+        <p:cNvGrpSpPr/>
+        <p:nvPr/>
+      </p:nvGrpSpPr>
+      <p:grpSpPr>
+        <a:xfrm>
+          <a:off x="0" y="0"/>
+          <a:ext cx="0" cy="0"/>
+          <a:chOff x="0" y="0"/>
+          <a:chExt cx="0" cy="0"/>
+        </a:xfrm>
+      </p:grpSpPr>
+      <p:sp>
+        <p:nvSpPr>
+          <p:cNvPr id="2" name="Title 1"/>
+          <p:cNvSpPr>
+            <a:spLocks noGrp="1"/>
+          </p:cNvSpPr>
+          <p:nvPr>
+            <p:ph type="title"/>
+          </p:nvPr>
+        </p:nvSpPr>
+        <p:spPr>
+          <a:xfrm>
+            <a:off x="513708" y="58738"/>
+            <a:ext cx="8517580" cy="1138237"/>
+          </a:xfrm>
+        </p:spPr>
+        <p:txBody>
+          <a:bodyPr/>
+          <a:lstStyle/>
+          <a:p>
+            <a:r>
+              <a:rPr lang="en-US" smtClean="0">
+                <a:latin typeface="Arial" pitchFamily="34" charset="0"/>
+                <a:cs typeface="Arial" pitchFamily="34" charset="0"/>
+              </a:rPr>
+              <a:t>Overbooking</a:t>
+            </a:r>
+            <a:endParaRPr lang="en-US" dirty="0">
+              <a:latin typeface="Arial" pitchFamily="34" charset="0"/>
+              <a:cs typeface="Arial" pitchFamily="34" charset="0"/>
+            </a:endParaRPr>
+          </a:p>
+        </p:txBody>
+      </p:sp>
+      <p:sp>
+        <p:nvSpPr>
+          <p:cNvPr id="3" name="Content Placeholder 2"/>
+          <p:cNvSpPr>
+            <a:spLocks noGrp="1"/>
+          </p:cNvSpPr>
+          <p:nvPr>
+            <p:ph idx="1"/>
+          </p:nvPr>
+        </p:nvSpPr>
+        <p:spPr>
+          <a:xfrm>
+            <a:off x="390418" y="1356189"/>
+            <a:ext cx="8640870" cy="4397339"/>
+          </a:xfrm>
+        </p:spPr>
+        <p:txBody>
+          <a:bodyPr/>
+          <a:lstStyle/>
+          <a:p>
+            <a:pPr marL="0" indent="0">
+              <a:spcBef>
+                <a:spcPts val="0"/>
+              </a:spcBef>
+              <a:buNone/>
+            </a:pPr>
+            <a:r>
+              <a:rPr lang="en-US" dirty="0" smtClean="0">
+                <a:latin typeface="Arial" pitchFamily="34" charset="0"/>
+                <a:cs typeface="Arial" pitchFamily="34" charset="0"/>
+              </a:rPr>
+              <a:t>DEMO</a:t>
+            </a:r>
+            <a:endParaRPr lang="en-US" dirty="0">
+              <a:latin typeface="Arial" pitchFamily="34" charset="0"/>
+              <a:cs typeface="Arial" pitchFamily="34" charset="0"/>
+            </a:endParaRPr>
+          </a:p>
+        </p:txBody>
+      </p:sp>
+    </p:spTree>
+    <p:extLst>
+      <p:ext uri="{BB962C8B-B14F-4D97-AF65-F5344CB8AC3E}">
+        <p14:creationId xmlns:p14="http://schemas.microsoft.com/office/powerpoint/2010/main" val="315174550"/>
+      </p:ext>
+    </p:extLst>
+  </p:cSld>
+  <p:clrMapOvr>
+    <a:masterClrMapping/>
+  </p:clrMapOvr>
+  <p:timing>
+    <p:tnLst>
+      <p:par>
+        <p:cTn id="1" dur="indefinite" restart="never" nodeType="tmRoot"/>
+      </p:par>
+    </p:tnLst>
+  </p:timing>
+</p:sld>
+</file>
+
 <file path=ppt/slides/slide3.xml><?xml version="1.0" encoding="utf-8"?>
 <p:sld xmlns:a="http://schemas.openxmlformats.org/drawingml/2006/main" xmlns:r="http://schemas.openxmlformats.org/officeDocument/2006/relationships" xmlns:p="http://schemas.openxmlformats.org/presentationml/2006/main">
   <p:cSld>
@@ -8800,7 +9300,21 @@
                 <a:latin typeface="Arial" pitchFamily="34" charset="0"/>
                 <a:cs typeface="Arial" pitchFamily="34" charset="0"/>
               </a:rPr>
-              <a:t>R</a:t>
+              <a:t>Before we </a:t>
+            </a:r>
+            <a:r>
+              <a:rPr lang="en-US" dirty="0">
+                <a:latin typeface="Arial" pitchFamily="34" charset="0"/>
+                <a:cs typeface="Arial" pitchFamily="34" charset="0"/>
+              </a:rPr>
+              <a:t>b</a:t>
+            </a:r>
+            <a:r>
+              <a:rPr lang="en-US" dirty="0" smtClean="0">
+                <a:latin typeface="Arial" pitchFamily="34" charset="0"/>
+                <a:cs typeface="Arial" pitchFamily="34" charset="0"/>
+              </a:rPr>
+              <a:t>egin…</a:t>
             </a:r>
             <a:endParaRPr lang="en-US" dirty="0">
               <a:latin typeface="Arial" pitchFamily="34" charset="0"/>
@@ -8809,42 +9323,9 @@
           </a:p>
         </p:txBody>
       </p:sp>
-      <p:sp>
-        <p:nvSpPr>
-          <p:cNvPr id="3" name="Rectangle 2"/>
-          <p:cNvSpPr/>
-          <p:nvPr/>
-        </p:nvSpPr>
-        <p:spPr>
-          <a:xfrm>
-            <a:off x="513708" y="5143473"/>
-            <a:ext cx="1467261" cy="369332"/>
-          </a:xfrm>
-          <a:prstGeom prst="rect">
-            <a:avLst/>
-          </a:prstGeom>
-        </p:spPr>
-        <p:txBody>
-          <a:bodyPr wrap="none">
-            <a:spAutoFit/>
-          </a:bodyPr>
-          <a:lstStyle/>
-          <a:p>
-            <a:r>
-              <a:rPr lang="en-US" dirty="0" smtClean="0"/>
-              <a:t>Source:  </a:t>
-            </a:r>
-            <a:r>
-              <a:rPr lang="en-US" dirty="0" smtClean="0"/>
-              <a:t>TBD</a:t>
-            </a:r>
-            <a:endParaRPr lang="en-US" dirty="0"/>
-          </a:p>
-        </p:txBody>
-      </p:sp>
       <p:pic>
         <p:nvPicPr>
-          <p:cNvPr id="4" name="Picture 3"/>
+          <p:cNvPr id="5" name="Picture 4"/>
           <p:cNvPicPr>
             <a:picLocks noChangeAspect="1"/>
           </p:cNvPicPr>
@@ -8864,8 +9345,8 @@
         </p:blipFill>
         <p:spPr>
           <a:xfrm>
-            <a:off x="295422" y="1320166"/>
-            <a:ext cx="5120640" cy="3446585"/>
+            <a:off x="1681325" y="1517772"/>
+            <a:ext cx="5527005" cy="3799816"/>
           </a:xfrm>
           <a:prstGeom prst="rect">
             <a:avLst/>
@@ -8934,7 +9415,7 @@
                 <a:latin typeface="Arial" pitchFamily="34" charset="0"/>
                 <a:cs typeface="Arial" pitchFamily="34" charset="0"/>
               </a:rPr>
-              <a:t>R</a:t>
+              <a:t>What is this R you speak of?</a:t>
             </a:r>
             <a:endParaRPr lang="en-US" dirty="0">
               <a:latin typeface="Arial" pitchFamily="34" charset="0"/>
@@ -8945,71 +9426,210 @@
       </p:sp>
       <p:sp>
         <p:nvSpPr>
-          <p:cNvPr id="3" name="Rectangle 2"/>
-          <p:cNvSpPr/>
-          <p:nvPr/>
+          <p:cNvPr id="3" name="Content Placeholder 2"/>
+          <p:cNvSpPr>
+            <a:spLocks noGrp="1"/>
+          </p:cNvSpPr>
+          <p:nvPr>
+            <p:ph idx="1"/>
+          </p:nvPr>
         </p:nvSpPr>
         <p:spPr>
           <a:xfrm>
-            <a:off x="513708" y="5143473"/>
-            <a:ext cx="1467261" cy="369332"/>
+            <a:off x="390418" y="1356189"/>
+            <a:ext cx="8640870" cy="4397339"/>
           </a:xfrm>
-          <a:prstGeom prst="rect">
-            <a:avLst/>
-          </a:prstGeom>
         </p:spPr>
         <p:txBody>
-          <a:bodyPr wrap="none">
-            <a:spAutoFit/>
-          </a:bodyPr>
+          <a:bodyPr/>
           <a:lstStyle/>
           <a:p>
-            <a:r>
-              <a:rPr lang="en-US" dirty="0" smtClean="0"/>
-              <a:t>Source:  </a:t>
-            </a:r>
-            <a:r>
-              <a:rPr lang="en-US" dirty="0" smtClean="0"/>
-              <a:t>TBD</a:t>
-            </a:r>
-            <a:endParaRPr lang="en-US" dirty="0"/>
+            <a:pPr marL="0" indent="0">
+              <a:spcBef>
+                <a:spcPts val="0"/>
+              </a:spcBef>
+              <a:buNone/>
+            </a:pPr>
+            <a:r>
+              <a:rPr lang="en-US" dirty="0" smtClean="0">
+                <a:latin typeface="Arial" pitchFamily="34" charset="0"/>
+                <a:cs typeface="Arial" pitchFamily="34" charset="0"/>
+              </a:rPr>
+              <a:t>“R </a:t>
+            </a:r>
+            <a:r>
+              <a:rPr lang="en-US" dirty="0">
+                <a:latin typeface="Arial" pitchFamily="34" charset="0"/>
+                <a:cs typeface="Arial" pitchFamily="34" charset="0"/>
+              </a:rPr>
+              <a:t>is a language and environment for statistical computing and </a:t>
+            </a:r>
+            <a:r>
+              <a:rPr lang="en-US" dirty="0" smtClean="0">
+                <a:latin typeface="Arial" pitchFamily="34" charset="0"/>
+                <a:cs typeface="Arial" pitchFamily="34" charset="0"/>
+              </a:rPr>
+              <a:t>graphics.”</a:t>
+            </a:r>
+          </a:p>
+          <a:p>
+            <a:pPr marL="0" indent="0">
+              <a:spcBef>
+                <a:spcPts val="0"/>
+              </a:spcBef>
+              <a:buNone/>
+            </a:pPr>
+            <a:endParaRPr lang="en-US" dirty="0">
+              <a:latin typeface="Arial" pitchFamily="34" charset="0"/>
+              <a:cs typeface="Arial" pitchFamily="34" charset="0"/>
+            </a:endParaRPr>
+          </a:p>
+          <a:p>
+            <a:pPr marL="0" indent="0">
+              <a:spcBef>
+                <a:spcPts val="0"/>
+              </a:spcBef>
+              <a:buNone/>
+            </a:pPr>
+            <a:r>
+              <a:rPr lang="en-US" dirty="0">
+                <a:latin typeface="Arial" pitchFamily="34" charset="0"/>
+                <a:cs typeface="Arial" pitchFamily="34" charset="0"/>
+              </a:rPr>
+              <a:t>“R provides a wide variety of statistical </a:t>
+            </a:r>
+            <a:r>
+              <a:rPr lang="en-US" dirty="0" smtClean="0">
+                <a:latin typeface="Arial" pitchFamily="34" charset="0"/>
+                <a:cs typeface="Arial" pitchFamily="34" charset="0"/>
+              </a:rPr>
+              <a:t>and </a:t>
+            </a:r>
+            <a:r>
+              <a:rPr lang="en-US" dirty="0">
+                <a:latin typeface="Arial" pitchFamily="34" charset="0"/>
+                <a:cs typeface="Arial" pitchFamily="34" charset="0"/>
+              </a:rPr>
+              <a:t>graphical techniques, and is highly </a:t>
+            </a:r>
+            <a:r>
+              <a:rPr lang="en-US" dirty="0" smtClean="0">
+                <a:latin typeface="Arial" pitchFamily="34" charset="0"/>
+                <a:cs typeface="Arial" pitchFamily="34" charset="0"/>
+              </a:rPr>
+              <a:t>extensible.”</a:t>
+            </a:r>
+            <a:endParaRPr lang="en-US" dirty="0" smtClean="0">
+              <a:latin typeface="Arial" pitchFamily="34" charset="0"/>
+              <a:cs typeface="Arial" pitchFamily="34" charset="0"/>
+            </a:endParaRPr>
+          </a:p>
+          <a:p>
+            <a:pPr marL="0" indent="0">
+              <a:spcBef>
+                <a:spcPts val="0"/>
+              </a:spcBef>
+              <a:buNone/>
+            </a:pPr>
+            <a:endParaRPr lang="en-US" dirty="0">
+              <a:latin typeface="Arial" pitchFamily="34" charset="0"/>
+              <a:cs typeface="Arial" pitchFamily="34" charset="0"/>
+            </a:endParaRPr>
+          </a:p>
+          <a:p>
+            <a:pPr marL="0" indent="0">
+              <a:spcBef>
+                <a:spcPts val="0"/>
+              </a:spcBef>
+              <a:buNone/>
+            </a:pPr>
+            <a:r>
+              <a:rPr lang="en-US" dirty="0">
+                <a:latin typeface="Arial" pitchFamily="34" charset="0"/>
+                <a:cs typeface="Arial" pitchFamily="34" charset="0"/>
+              </a:rPr>
+              <a:t>“Many users think of R as a statistics system. </a:t>
+            </a:r>
+            <a:r>
+              <a:rPr lang="en-US" dirty="0" smtClean="0">
+                <a:latin typeface="Arial" pitchFamily="34" charset="0"/>
+                <a:cs typeface="Arial" pitchFamily="34" charset="0"/>
+              </a:rPr>
+              <a:t> We </a:t>
+            </a:r>
+            <a:r>
+              <a:rPr lang="en-US" dirty="0">
+                <a:latin typeface="Arial" pitchFamily="34" charset="0"/>
+                <a:cs typeface="Arial" pitchFamily="34" charset="0"/>
+              </a:rPr>
+              <a:t>prefer to think of it of an environment within which statistical techniques are </a:t>
+            </a:r>
+            <a:r>
+              <a:rPr lang="en-US" dirty="0" smtClean="0">
+                <a:latin typeface="Arial" pitchFamily="34" charset="0"/>
+                <a:cs typeface="Arial" pitchFamily="34" charset="0"/>
+              </a:rPr>
+              <a:t>implemented.”</a:t>
+            </a:r>
+          </a:p>
+          <a:p>
+            <a:pPr marL="0" indent="0">
+              <a:spcBef>
+                <a:spcPts val="0"/>
+              </a:spcBef>
+              <a:buNone/>
+            </a:pPr>
+            <a:endParaRPr lang="en-US" dirty="0">
+              <a:latin typeface="Arial" pitchFamily="34" charset="0"/>
+              <a:cs typeface="Arial" pitchFamily="34" charset="0"/>
+            </a:endParaRPr>
+          </a:p>
+          <a:p>
+            <a:pPr marL="0" indent="0">
+              <a:spcBef>
+                <a:spcPts val="0"/>
+              </a:spcBef>
+              <a:buNone/>
+            </a:pPr>
+            <a:r>
+              <a:rPr lang="en-US" dirty="0">
+                <a:latin typeface="Arial" pitchFamily="34" charset="0"/>
+                <a:cs typeface="Arial" pitchFamily="34" charset="0"/>
+                <a:hlinkClick r:id="rId2"/>
+              </a:rPr>
+              <a:t>https://</a:t>
+            </a:r>
+            <a:r>
+              <a:rPr lang="en-US" dirty="0" smtClean="0">
+                <a:latin typeface="Arial" pitchFamily="34" charset="0"/>
+                <a:cs typeface="Arial" pitchFamily="34" charset="0"/>
+                <a:hlinkClick r:id="rId2"/>
+              </a:rPr>
+              <a:t>www.r-project.org/about.html</a:t>
+            </a:r>
+            <a:endParaRPr lang="en-US" dirty="0" smtClean="0">
+              <a:latin typeface="Arial" pitchFamily="34" charset="0"/>
+              <a:cs typeface="Arial" pitchFamily="34" charset="0"/>
+            </a:endParaRPr>
+          </a:p>
+          <a:p>
+            <a:pPr marL="0" indent="0">
+              <a:spcBef>
+                <a:spcPts val="0"/>
+              </a:spcBef>
+              <a:buNone/>
+            </a:pPr>
+            <a:endParaRPr lang="en-US" dirty="0" smtClean="0">
+              <a:latin typeface="Arial" pitchFamily="34" charset="0"/>
+              <a:cs typeface="Arial" pitchFamily="34" charset="0"/>
+            </a:endParaRPr>
           </a:p>
         </p:txBody>
       </p:sp>
-      <p:pic>
-        <p:nvPicPr>
-          <p:cNvPr id="5" name="Picture 4"/>
-          <p:cNvPicPr>
-            <a:picLocks noChangeAspect="1"/>
-          </p:cNvPicPr>
-          <p:nvPr/>
-        </p:nvPicPr>
-        <p:blipFill>
-          <a:blip r:embed="rId2">
-            <a:extLst>
-              <a:ext uri="{28A0092B-C50C-407E-A947-70E740481C1C}">
-                <a14:useLocalDpi xmlns:a14="http://schemas.microsoft.com/office/drawing/2010/main" val="0"/>
-              </a:ext>
-            </a:extLst>
-          </a:blip>
-          <a:stretch>
-            <a:fillRect/>
-          </a:stretch>
-        </p:blipFill>
-        <p:spPr>
-          <a:xfrm>
-            <a:off x="376530" y="1469780"/>
-            <a:ext cx="6980873" cy="3439845"/>
-          </a:xfrm>
-          <a:prstGeom prst="rect">
-            <a:avLst/>
-          </a:prstGeom>
-        </p:spPr>
-      </p:pic>
     </p:spTree>
     <p:extLst>
       <p:ext uri="{BB962C8B-B14F-4D97-AF65-F5344CB8AC3E}">
-        <p14:creationId xmlns:p14="http://schemas.microsoft.com/office/powerpoint/2010/main" val="3895744376"/>
+        <p14:creationId xmlns:p14="http://schemas.microsoft.com/office/powerpoint/2010/main" val="360218663"/>
       </p:ext>
     </p:extLst>
   </p:cSld>
@@ -9064,86 +9684,125 @@
           <a:lstStyle/>
           <a:p>
             <a:r>
+              <a:rPr lang="en-US" sz="3000" dirty="0" smtClean="0">
+                <a:latin typeface="Arial" pitchFamily="34" charset="0"/>
+                <a:cs typeface="Arial" pitchFamily="34" charset="0"/>
+              </a:rPr>
+              <a:t>You got R in my SQL!  No, you got SQL in my R!</a:t>
+            </a:r>
+            <a:endParaRPr lang="en-US" sz="3000" dirty="0">
+              <a:latin typeface="Arial" pitchFamily="34" charset="0"/>
+              <a:cs typeface="Arial" pitchFamily="34" charset="0"/>
+            </a:endParaRPr>
+          </a:p>
+        </p:txBody>
+      </p:sp>
+      <p:sp>
+        <p:nvSpPr>
+          <p:cNvPr id="3" name="Content Placeholder 2"/>
+          <p:cNvSpPr>
+            <a:spLocks noGrp="1"/>
+          </p:cNvSpPr>
+          <p:nvPr>
+            <p:ph idx="1"/>
+          </p:nvPr>
+        </p:nvSpPr>
+        <p:spPr>
+          <a:xfrm>
+            <a:off x="390418" y="1356189"/>
+            <a:ext cx="8640870" cy="4397339"/>
+          </a:xfrm>
+        </p:spPr>
+        <p:txBody>
+          <a:bodyPr/>
+          <a:lstStyle/>
+          <a:p>
+            <a:pPr marL="0" indent="0">
+              <a:spcBef>
+                <a:spcPts val="0"/>
+              </a:spcBef>
+              <a:buNone/>
+            </a:pPr>
+            <a:r>
               <a:rPr lang="en-US" dirty="0" smtClean="0">
                 <a:latin typeface="Arial" pitchFamily="34" charset="0"/>
                 <a:cs typeface="Arial" pitchFamily="34" charset="0"/>
               </a:rPr>
-              <a:t>R</a:t>
-            </a:r>
+              <a:t>Microsoft purchased Revolution Analytics in April 2016.</a:t>
+            </a:r>
+          </a:p>
+          <a:p>
+            <a:pPr marL="0" indent="0">
+              <a:spcBef>
+                <a:spcPts val="0"/>
+              </a:spcBef>
+              <a:buNone/>
+            </a:pPr>
             <a:endParaRPr lang="en-US" dirty="0">
               <a:latin typeface="Arial" pitchFamily="34" charset="0"/>
               <a:cs typeface="Arial" pitchFamily="34" charset="0"/>
             </a:endParaRPr>
           </a:p>
+          <a:p>
+            <a:pPr marL="0" indent="0">
+              <a:spcBef>
+                <a:spcPts val="0"/>
+              </a:spcBef>
+              <a:buNone/>
+            </a:pPr>
+            <a:r>
+              <a:rPr lang="en-US" dirty="0" smtClean="0">
+                <a:latin typeface="Arial" pitchFamily="34" charset="0"/>
+                <a:cs typeface="Arial" pitchFamily="34" charset="0"/>
+              </a:rPr>
+              <a:t>Revolution’s distribution of R will be integrated in SQL Server 2016 under the name of SQL Server R Services.</a:t>
+            </a:r>
+          </a:p>
+          <a:p>
+            <a:pPr marL="0" indent="0">
+              <a:spcBef>
+                <a:spcPts val="0"/>
+              </a:spcBef>
+              <a:buNone/>
+            </a:pPr>
+            <a:endParaRPr lang="en-US" dirty="0">
+              <a:latin typeface="Arial" pitchFamily="34" charset="0"/>
+              <a:cs typeface="Arial" pitchFamily="34" charset="0"/>
+            </a:endParaRPr>
+          </a:p>
+          <a:p>
+            <a:pPr marL="0" indent="0">
+              <a:spcBef>
+                <a:spcPts val="0"/>
+              </a:spcBef>
+              <a:buNone/>
+            </a:pPr>
+            <a:r>
+              <a:rPr lang="en-US" dirty="0" smtClean="0">
+                <a:latin typeface="Arial" pitchFamily="34" charset="0"/>
+                <a:cs typeface="Arial" pitchFamily="34" charset="0"/>
+              </a:rPr>
+              <a:t>First available in CTP 3.0.</a:t>
+            </a:r>
+          </a:p>
+          <a:p>
+            <a:pPr marL="0" indent="0">
+              <a:spcBef>
+                <a:spcPts val="0"/>
+              </a:spcBef>
+              <a:buNone/>
+            </a:pPr>
+            <a:endParaRPr lang="en-US" dirty="0" smtClean="0">
+              <a:latin typeface="Arial" pitchFamily="34" charset="0"/>
+              <a:cs typeface="Arial" pitchFamily="34" charset="0"/>
+            </a:endParaRPr>
+          </a:p>
         </p:txBody>
       </p:sp>
-      <p:sp>
-        <p:nvSpPr>
-          <p:cNvPr id="3" name="Rectangle 2"/>
-          <p:cNvSpPr/>
-          <p:nvPr/>
-        </p:nvSpPr>
-        <p:spPr>
-          <a:xfrm>
-            <a:off x="513708" y="5143473"/>
-            <a:ext cx="1467261" cy="369332"/>
-          </a:xfrm>
-          <a:prstGeom prst="rect">
-            <a:avLst/>
-          </a:prstGeom>
-        </p:spPr>
-        <p:txBody>
-          <a:bodyPr wrap="none">
-            <a:spAutoFit/>
-          </a:bodyPr>
-          <a:lstStyle/>
-          <a:p>
-            <a:r>
-              <a:rPr lang="en-US" dirty="0" smtClean="0"/>
-              <a:t>Source:  </a:t>
-            </a:r>
-            <a:r>
-              <a:rPr lang="en-US" dirty="0" smtClean="0"/>
-              <a:t>TBD</a:t>
-            </a:r>
-            <a:endParaRPr lang="en-US" dirty="0"/>
-          </a:p>
-        </p:txBody>
-      </p:sp>
-      <p:pic>
-        <p:nvPicPr>
-          <p:cNvPr id="5" name="Picture 4"/>
-          <p:cNvPicPr>
-            <a:picLocks noChangeAspect="1"/>
-          </p:cNvPicPr>
-          <p:nvPr/>
-        </p:nvPicPr>
-        <p:blipFill>
-          <a:blip r:embed="rId2">
-            <a:extLst>
-              <a:ext uri="{28A0092B-C50C-407E-A947-70E740481C1C}">
-                <a14:useLocalDpi xmlns:a14="http://schemas.microsoft.com/office/drawing/2010/main" val="0"/>
-              </a:ext>
-            </a:extLst>
-          </a:blip>
-          <a:stretch>
-            <a:fillRect/>
-          </a:stretch>
-        </p:blipFill>
-        <p:spPr>
-          <a:xfrm>
-            <a:off x="412651" y="1450144"/>
-            <a:ext cx="6410179" cy="3248465"/>
-          </a:xfrm>
-          <a:prstGeom prst="rect">
-            <a:avLst/>
-          </a:prstGeom>
-        </p:spPr>
-      </p:pic>
     </p:spTree>
     <p:extLst>
       <p:ext uri="{BB962C8B-B14F-4D97-AF65-F5344CB8AC3E}">
-        <p14:creationId xmlns:p14="http://schemas.microsoft.com/office/powerpoint/2010/main" val="4071654574"/>
+        <p14:creationId xmlns:p14="http://schemas.microsoft.com/office/powerpoint/2010/main" val="1667486938"/>
       </p:ext>
     </p:extLst>
   </p:cSld>
@@ -9202,7 +9861,14 @@
                 <a:latin typeface="Arial" pitchFamily="34" charset="0"/>
                 <a:cs typeface="Arial" pitchFamily="34" charset="0"/>
               </a:rPr>
-              <a:t>Installing SQL Server R Services, part 1</a:t>
+              <a:t>But what can </a:t>
+            </a:r>
+            <a:r>
+              <a:rPr lang="en-US" dirty="0" smtClean="0">
+                <a:latin typeface="Arial" pitchFamily="34" charset="0"/>
+                <a:cs typeface="Arial" pitchFamily="34" charset="0"/>
+              </a:rPr>
+              <a:t>I do with R anyway?</a:t>
             </a:r>
             <a:endParaRPr lang="en-US" dirty="0">
               <a:latin typeface="Arial" pitchFamily="34" charset="0"/>
@@ -9238,67 +9904,12 @@
               <a:buNone/>
             </a:pPr>
             <a:r>
-              <a:rPr lang="en-US" dirty="0">
-                <a:latin typeface="Arial" pitchFamily="34" charset="0"/>
-                <a:cs typeface="Arial" pitchFamily="34" charset="0"/>
-              </a:rPr>
-              <a:t>1</a:t>
-            </a:r>
-            <a:r>
               <a:rPr lang="en-US" dirty="0" smtClean="0">
                 <a:latin typeface="Arial" pitchFamily="34" charset="0"/>
                 <a:cs typeface="Arial" pitchFamily="34" charset="0"/>
               </a:rPr>
-              <a:t>.  Install Advanced Analytics Extensions</a:t>
-            </a:r>
-          </a:p>
-          <a:p>
-            <a:pPr marL="0" indent="0">
-              <a:spcBef>
-                <a:spcPts val="0"/>
-              </a:spcBef>
-              <a:buNone/>
-            </a:pPr>
-            <a:endParaRPr lang="en-US" dirty="0">
-              <a:latin typeface="Arial" pitchFamily="34" charset="0"/>
-              <a:cs typeface="Arial" pitchFamily="34" charset="0"/>
-            </a:endParaRPr>
-          </a:p>
-          <a:p>
-            <a:pPr marL="0" indent="0">
-              <a:spcBef>
-                <a:spcPts val="0"/>
-              </a:spcBef>
-              <a:buNone/>
-            </a:pPr>
-            <a:r>
-              <a:rPr lang="en-US" dirty="0" smtClean="0">
-                <a:latin typeface="Arial" pitchFamily="34" charset="0"/>
-                <a:cs typeface="Arial" pitchFamily="34" charset="0"/>
-                <a:hlinkClick r:id="rId2"/>
-              </a:rPr>
-              <a:t>https</a:t>
-            </a:r>
-            <a:r>
-              <a:rPr lang="en-US" dirty="0">
-                <a:latin typeface="Arial" pitchFamily="34" charset="0"/>
-                <a:cs typeface="Arial" pitchFamily="34" charset="0"/>
-                <a:hlinkClick r:id="rId2"/>
-              </a:rPr>
-              <a:t>://</a:t>
-            </a:r>
-            <a:r>
-              <a:rPr lang="en-US" dirty="0" smtClean="0">
-                <a:latin typeface="Arial" pitchFamily="34" charset="0"/>
-                <a:cs typeface="Arial" pitchFamily="34" charset="0"/>
-                <a:hlinkClick r:id="rId2"/>
-              </a:rPr>
-              <a:t>msdn.microsoft.com/en-US/library/mt590808.aspx</a:t>
-            </a:r>
-            <a:endParaRPr lang="en-US" dirty="0">
-              <a:latin typeface="Arial" pitchFamily="34" charset="0"/>
-              <a:cs typeface="Arial" pitchFamily="34" charset="0"/>
-            </a:endParaRPr>
+              <a:t>Demo #1:  Predicting free disk space</a:t>
+            </a:r>
           </a:p>
           <a:p>
             <a:pPr marL="0" indent="0">
@@ -9317,7 +9928,7 @@
     </p:spTree>
     <p:extLst>
       <p:ext uri="{BB962C8B-B14F-4D97-AF65-F5344CB8AC3E}">
-        <p14:creationId xmlns:p14="http://schemas.microsoft.com/office/powerpoint/2010/main" val="1660605471"/>
+        <p14:creationId xmlns:p14="http://schemas.microsoft.com/office/powerpoint/2010/main" val="4021370742"/>
       </p:ext>
     </p:extLst>
   </p:cSld>
@@ -9376,7 +9987,7 @@
                 <a:latin typeface="Arial" pitchFamily="34" charset="0"/>
                 <a:cs typeface="Arial" pitchFamily="34" charset="0"/>
               </a:rPr>
-              <a:t>Installing SQL Server R Services, part 2</a:t>
+              <a:t>R</a:t>
             </a:r>
             <a:endParaRPr lang="en-US" dirty="0">
               <a:latin typeface="Arial" pitchFamily="34" charset="0"/>
@@ -9385,9 +9996,38 @@
           </a:p>
         </p:txBody>
       </p:sp>
+      <p:sp>
+        <p:nvSpPr>
+          <p:cNvPr id="3" name="Rectangle 2"/>
+          <p:cNvSpPr/>
+          <p:nvPr/>
+        </p:nvSpPr>
+        <p:spPr>
+          <a:xfrm>
+            <a:off x="513708" y="5143473"/>
+            <a:ext cx="1467261" cy="369332"/>
+          </a:xfrm>
+          <a:prstGeom prst="rect">
+            <a:avLst/>
+          </a:prstGeom>
+        </p:spPr>
+        <p:txBody>
+          <a:bodyPr wrap="none">
+            <a:spAutoFit/>
+          </a:bodyPr>
+          <a:lstStyle/>
+          <a:p>
+            <a:r>
+              <a:rPr lang="en-US" dirty="0" smtClean="0"/>
+              <a:t>Source:  TBD</a:t>
+            </a:r>
+            <a:endParaRPr lang="en-US" dirty="0"/>
+          </a:p>
+        </p:txBody>
+      </p:sp>
       <p:pic>
         <p:nvPicPr>
-          <p:cNvPr id="5" name="Picture 4"/>
+          <p:cNvPr id="4" name="Picture 3"/>
           <p:cNvPicPr>
             <a:picLocks noChangeAspect="1"/>
           </p:cNvPicPr>
@@ -9407,8 +10047,8 @@
         </p:blipFill>
         <p:spPr>
           <a:xfrm>
-            <a:off x="253218" y="1336431"/>
-            <a:ext cx="6935373" cy="4174947"/>
+            <a:off x="295422" y="1320166"/>
+            <a:ext cx="5120640" cy="3446585"/>
           </a:xfrm>
           <a:prstGeom prst="rect">
             <a:avLst/>
@@ -9418,7 +10058,7 @@
     </p:spTree>
     <p:extLst>
       <p:ext uri="{BB962C8B-B14F-4D97-AF65-F5344CB8AC3E}">
-        <p14:creationId xmlns:p14="http://schemas.microsoft.com/office/powerpoint/2010/main" val="240537631"/>
+        <p14:creationId xmlns:p14="http://schemas.microsoft.com/office/powerpoint/2010/main" val="317188337"/>
       </p:ext>
     </p:extLst>
   </p:cSld>
@@ -9477,21 +10117,47 @@
                 <a:latin typeface="Arial" pitchFamily="34" charset="0"/>
                 <a:cs typeface="Arial" pitchFamily="34" charset="0"/>
               </a:rPr>
-              <a:t>Installing SQL Server R Services, part </a:t>
-            </a:r>
-            <a:r>
-              <a:rPr lang="en-US" dirty="0">
-                <a:latin typeface="Arial" pitchFamily="34" charset="0"/>
-                <a:cs typeface="Arial" pitchFamily="34" charset="0"/>
-              </a:rPr>
-              <a:t>3</a:t>
-            </a:r>
+              <a:t>R</a:t>
+            </a:r>
+            <a:endParaRPr lang="en-US" dirty="0">
+              <a:latin typeface="Arial" pitchFamily="34" charset="0"/>
+              <a:cs typeface="Arial" pitchFamily="34" charset="0"/>
+            </a:endParaRPr>
+          </a:p>
+        </p:txBody>
+      </p:sp>
+      <p:sp>
+        <p:nvSpPr>
+          <p:cNvPr id="3" name="Rectangle 2"/>
+          <p:cNvSpPr/>
+          <p:nvPr/>
+        </p:nvSpPr>
+        <p:spPr>
+          <a:xfrm>
+            <a:off x="513708" y="5143473"/>
+            <a:ext cx="1467261" cy="369332"/>
+          </a:xfrm>
+          <a:prstGeom prst="rect">
+            <a:avLst/>
+          </a:prstGeom>
+        </p:spPr>
+        <p:txBody>
+          <a:bodyPr wrap="none">
+            <a:spAutoFit/>
+          </a:bodyPr>
+          <a:lstStyle/>
+          <a:p>
+            <a:r>
+              <a:rPr lang="en-US" dirty="0" smtClean="0"/>
+              <a:t>Source:  TBD</a:t>
+            </a:r>
+            <a:endParaRPr lang="en-US" dirty="0"/>
           </a:p>
         </p:txBody>
       </p:sp>
       <p:pic>
         <p:nvPicPr>
-          <p:cNvPr id="3" name="Picture 2"/>
+          <p:cNvPr id="5" name="Picture 4"/>
           <p:cNvPicPr>
             <a:picLocks noChangeAspect="1"/>
           </p:cNvPicPr>
@@ -9511,8 +10177,8 @@
         </p:blipFill>
         <p:spPr>
           <a:xfrm>
-            <a:off x="243179" y="1323584"/>
-            <a:ext cx="5098631" cy="4134681"/>
+            <a:off x="376530" y="1469780"/>
+            <a:ext cx="6980873" cy="3439845"/>
           </a:xfrm>
           <a:prstGeom prst="rect">
             <a:avLst/>
@@ -9522,7 +10188,7 @@
     </p:spTree>
     <p:extLst>
       <p:ext uri="{BB962C8B-B14F-4D97-AF65-F5344CB8AC3E}">
-        <p14:creationId xmlns:p14="http://schemas.microsoft.com/office/powerpoint/2010/main" val="3687509454"/>
+        <p14:creationId xmlns:p14="http://schemas.microsoft.com/office/powerpoint/2010/main" val="3895744376"/>
       </p:ext>
     </p:extLst>
   </p:cSld>
@@ -9581,7 +10247,7 @@
                 <a:latin typeface="Arial" pitchFamily="34" charset="0"/>
                 <a:cs typeface="Arial" pitchFamily="34" charset="0"/>
               </a:rPr>
-              <a:t>Installing SQL Server R Services, part 4</a:t>
+              <a:t>Exponential Growth of R Packages</a:t>
             </a:r>
             <a:endParaRPr lang="en-US" dirty="0">
               <a:latin typeface="Arial" pitchFamily="34" charset="0"/>
@@ -9590,9 +10256,38 @@
           </a:p>
         </p:txBody>
       </p:sp>
+      <p:sp>
+        <p:nvSpPr>
+          <p:cNvPr id="3" name="Rectangle 2"/>
+          <p:cNvSpPr/>
+          <p:nvPr/>
+        </p:nvSpPr>
+        <p:spPr>
+          <a:xfrm>
+            <a:off x="513708" y="5143473"/>
+            <a:ext cx="1467261" cy="369332"/>
+          </a:xfrm>
+          <a:prstGeom prst="rect">
+            <a:avLst/>
+          </a:prstGeom>
+        </p:spPr>
+        <p:txBody>
+          <a:bodyPr wrap="none">
+            <a:spAutoFit/>
+          </a:bodyPr>
+          <a:lstStyle/>
+          <a:p>
+            <a:r>
+              <a:rPr lang="en-US" dirty="0" smtClean="0"/>
+              <a:t>Source:  TBD</a:t>
+            </a:r>
+            <a:endParaRPr lang="en-US" dirty="0"/>
+          </a:p>
+        </p:txBody>
+      </p:sp>
       <p:pic>
         <p:nvPicPr>
-          <p:cNvPr id="4" name="Picture 3"/>
+          <p:cNvPr id="5" name="Picture 4"/>
           <p:cNvPicPr>
             <a:picLocks noChangeAspect="1"/>
           </p:cNvPicPr>
@@ -9612,8 +10307,8 @@
         </p:blipFill>
         <p:spPr>
           <a:xfrm>
-            <a:off x="211016" y="1364383"/>
-            <a:ext cx="6527410" cy="4152699"/>
+            <a:off x="412651" y="1450144"/>
+            <a:ext cx="6410179" cy="3248465"/>
           </a:xfrm>
           <a:prstGeom prst="rect">
             <a:avLst/>
@@ -9623,7 +10318,7 @@
     </p:spTree>
     <p:extLst>
       <p:ext uri="{BB962C8B-B14F-4D97-AF65-F5344CB8AC3E}">
-        <p14:creationId xmlns:p14="http://schemas.microsoft.com/office/powerpoint/2010/main" val="2571625966"/>
+        <p14:creationId xmlns:p14="http://schemas.microsoft.com/office/powerpoint/2010/main" val="4071654574"/>
       </p:ext>
     </p:extLst>
   </p:cSld>
